--- a/lesson 0-Introduction/Introduction.pptx
+++ b/lesson 0-Introduction/Introduction.pptx
@@ -5,38 +5,39 @@
     <p:sldMasterId id="2147483648" r:id="rId1"/>
   </p:sldMasterIdLst>
   <p:notesMasterIdLst>
-    <p:notesMasterId r:id="rId28"/>
+    <p:notesMasterId r:id="rId29"/>
   </p:notesMasterIdLst>
   <p:handoutMasterIdLst>
-    <p:handoutMasterId r:id="rId29"/>
+    <p:handoutMasterId r:id="rId30"/>
   </p:handoutMasterIdLst>
   <p:sldIdLst>
     <p:sldId id="256" r:id="rId2"/>
     <p:sldId id="261" r:id="rId3"/>
-    <p:sldId id="257" r:id="rId4"/>
-    <p:sldId id="274" r:id="rId5"/>
-    <p:sldId id="258" r:id="rId6"/>
-    <p:sldId id="278" r:id="rId7"/>
-    <p:sldId id="284" r:id="rId8"/>
-    <p:sldId id="279" r:id="rId9"/>
-    <p:sldId id="259" r:id="rId10"/>
-    <p:sldId id="275" r:id="rId11"/>
-    <p:sldId id="260" r:id="rId12"/>
-    <p:sldId id="262" r:id="rId13"/>
-    <p:sldId id="263" r:id="rId14"/>
-    <p:sldId id="264" r:id="rId15"/>
-    <p:sldId id="265" r:id="rId16"/>
-    <p:sldId id="266" r:id="rId17"/>
-    <p:sldId id="267" r:id="rId18"/>
-    <p:sldId id="268" r:id="rId19"/>
-    <p:sldId id="269" r:id="rId20"/>
-    <p:sldId id="272" r:id="rId21"/>
-    <p:sldId id="270" r:id="rId22"/>
-    <p:sldId id="281" r:id="rId23"/>
-    <p:sldId id="271" r:id="rId24"/>
-    <p:sldId id="273" r:id="rId25"/>
-    <p:sldId id="282" r:id="rId26"/>
-    <p:sldId id="283" r:id="rId27"/>
+    <p:sldId id="285" r:id="rId4"/>
+    <p:sldId id="257" r:id="rId5"/>
+    <p:sldId id="274" r:id="rId6"/>
+    <p:sldId id="258" r:id="rId7"/>
+    <p:sldId id="278" r:id="rId8"/>
+    <p:sldId id="284" r:id="rId9"/>
+    <p:sldId id="279" r:id="rId10"/>
+    <p:sldId id="259" r:id="rId11"/>
+    <p:sldId id="275" r:id="rId12"/>
+    <p:sldId id="260" r:id="rId13"/>
+    <p:sldId id="262" r:id="rId14"/>
+    <p:sldId id="263" r:id="rId15"/>
+    <p:sldId id="264" r:id="rId16"/>
+    <p:sldId id="265" r:id="rId17"/>
+    <p:sldId id="266" r:id="rId18"/>
+    <p:sldId id="267" r:id="rId19"/>
+    <p:sldId id="268" r:id="rId20"/>
+    <p:sldId id="269" r:id="rId21"/>
+    <p:sldId id="272" r:id="rId22"/>
+    <p:sldId id="270" r:id="rId23"/>
+    <p:sldId id="281" r:id="rId24"/>
+    <p:sldId id="271" r:id="rId25"/>
+    <p:sldId id="273" r:id="rId26"/>
+    <p:sldId id="282" r:id="rId27"/>
+    <p:sldId id="283" r:id="rId28"/>
   </p:sldIdLst>
   <p:sldSz cx="9144000" cy="6858000" type="screen4x3"/>
   <p:notesSz cx="6858000" cy="9144000"/>
@@ -220,7 +221,7 @@
           <a:p>
             <a:fld id="{6AF95C73-3944-F64C-A433-5764D67CD8C9}" type="datetime1">
               <a:rPr kumimoji="1" lang="zh-TW" altLang="en-US" smtClean="0"/>
-              <a:t>15/11/6</a:t>
+              <a:t>15/11/10</a:t>
             </a:fld>
             <a:endParaRPr kumimoji="1" lang="zh-TW" altLang="en-US"/>
           </a:p>
@@ -386,7 +387,7 @@
           <a:p>
             <a:fld id="{A19D7E59-6352-634A-B2DD-96C40E617C58}" type="datetime1">
               <a:rPr kumimoji="1" lang="zh-TW" altLang="en-US" smtClean="0"/>
-              <a:t>15/11/6</a:t>
+              <a:t>15/11/10</a:t>
             </a:fld>
             <a:endParaRPr kumimoji="1" lang="zh-TW" altLang="en-US"/>
           </a:p>
@@ -804,7 +805,7 @@
           <a:p>
             <a:fld id="{50885EB8-99BF-5845-930F-0C7B986DA0C9}" type="slidenum">
               <a:rPr kumimoji="1" lang="zh-TW" altLang="en-US" smtClean="0"/>
-              <a:t>4</a:t>
+              <a:t>5</a:t>
             </a:fld>
             <a:endParaRPr kumimoji="1" lang="zh-TW" altLang="en-US"/>
           </a:p>
@@ -1004,7 +1005,7 @@
           <a:p>
             <a:fld id="{D883A982-6ED1-2643-B68B-FEEDB475AF7F}" type="datetime1">
               <a:rPr kumimoji="1" lang="zh-TW" altLang="en-US" smtClean="0"/>
-              <a:t>15/11/6</a:t>
+              <a:t>15/11/10</a:t>
             </a:fld>
             <a:endParaRPr kumimoji="1" lang="zh-TW" altLang="en-US"/>
           </a:p>
@@ -1174,7 +1175,7 @@
           <a:p>
             <a:fld id="{98C849E0-6D0C-AC4D-9C44-F243B4280032}" type="datetime1">
               <a:rPr kumimoji="1" lang="zh-TW" altLang="en-US" smtClean="0"/>
-              <a:t>15/11/6</a:t>
+              <a:t>15/11/10</a:t>
             </a:fld>
             <a:endParaRPr kumimoji="1" lang="zh-TW" altLang="en-US"/>
           </a:p>
@@ -1354,7 +1355,7 @@
           <a:p>
             <a:fld id="{1987752F-9F20-1547-BF02-EA540BB6022D}" type="datetime1">
               <a:rPr kumimoji="1" lang="zh-TW" altLang="en-US" smtClean="0"/>
-              <a:t>15/11/6</a:t>
+              <a:t>15/11/10</a:t>
             </a:fld>
             <a:endParaRPr kumimoji="1" lang="zh-TW" altLang="en-US"/>
           </a:p>
@@ -1524,7 +1525,7 @@
           <a:p>
             <a:fld id="{15D0D322-BB22-2E4E-B2C4-1214B51183D7}" type="datetime1">
               <a:rPr kumimoji="1" lang="zh-TW" altLang="en-US" smtClean="0"/>
-              <a:t>15/11/6</a:t>
+              <a:t>15/11/10</a:t>
             </a:fld>
             <a:endParaRPr kumimoji="1" lang="zh-TW" altLang="en-US"/>
           </a:p>
@@ -1770,7 +1771,7 @@
           <a:p>
             <a:fld id="{1692B4C2-0BC7-0646-B258-216A085EDB97}" type="datetime1">
               <a:rPr kumimoji="1" lang="zh-TW" altLang="en-US" smtClean="0"/>
-              <a:t>15/11/6</a:t>
+              <a:t>15/11/10</a:t>
             </a:fld>
             <a:endParaRPr kumimoji="1" lang="zh-TW" altLang="en-US"/>
           </a:p>
@@ -2058,7 +2059,7 @@
           <a:p>
             <a:fld id="{4F6E14F8-E746-AA4E-9AFC-28581A120916}" type="datetime1">
               <a:rPr kumimoji="1" lang="zh-TW" altLang="en-US" smtClean="0"/>
-              <a:t>15/11/6</a:t>
+              <a:t>15/11/10</a:t>
             </a:fld>
             <a:endParaRPr kumimoji="1" lang="zh-TW" altLang="en-US"/>
           </a:p>
@@ -2480,7 +2481,7 @@
           <a:p>
             <a:fld id="{BB2628B7-F55F-374A-A22B-C537EB97659E}" type="datetime1">
               <a:rPr kumimoji="1" lang="zh-TW" altLang="en-US" smtClean="0"/>
-              <a:t>15/11/6</a:t>
+              <a:t>15/11/10</a:t>
             </a:fld>
             <a:endParaRPr kumimoji="1" lang="zh-TW" altLang="en-US"/>
           </a:p>
@@ -2598,7 +2599,7 @@
           <a:p>
             <a:fld id="{CB3E5D22-4087-FA48-8775-C30125D322DB}" type="datetime1">
               <a:rPr kumimoji="1" lang="zh-TW" altLang="en-US" smtClean="0"/>
-              <a:t>15/11/6</a:t>
+              <a:t>15/11/10</a:t>
             </a:fld>
             <a:endParaRPr kumimoji="1" lang="zh-TW" altLang="en-US"/>
           </a:p>
@@ -2693,7 +2694,7 @@
           <a:p>
             <a:fld id="{24C50E38-F830-2F45-A921-8FFDE3DAFB5B}" type="datetime1">
               <a:rPr kumimoji="1" lang="zh-TW" altLang="en-US" smtClean="0"/>
-              <a:t>15/11/6</a:t>
+              <a:t>15/11/10</a:t>
             </a:fld>
             <a:endParaRPr kumimoji="1" lang="zh-TW" altLang="en-US"/>
           </a:p>
@@ -2970,7 +2971,7 @@
           <a:p>
             <a:fld id="{AEC128A3-1A33-C14B-B714-512F287BCD17}" type="datetime1">
               <a:rPr kumimoji="1" lang="zh-TW" altLang="en-US" smtClean="0"/>
-              <a:t>15/11/6</a:t>
+              <a:t>15/11/10</a:t>
             </a:fld>
             <a:endParaRPr kumimoji="1" lang="zh-TW" altLang="en-US"/>
           </a:p>
@@ -3223,7 +3224,7 @@
           <a:p>
             <a:fld id="{3782160E-7CF9-1346-9326-035C1A900795}" type="datetime1">
               <a:rPr kumimoji="1" lang="zh-TW" altLang="en-US" smtClean="0"/>
-              <a:t>15/11/6</a:t>
+              <a:t>15/11/10</a:t>
             </a:fld>
             <a:endParaRPr kumimoji="1" lang="zh-TW" altLang="en-US"/>
           </a:p>
@@ -3436,7 +3437,7 @@
           <a:p>
             <a:fld id="{1C608E4A-6867-244E-9DB5-AAF5FF05E35C}" type="datetime1">
               <a:rPr kumimoji="1" lang="zh-TW" altLang="en-US" smtClean="0"/>
-              <a:t>15/11/6</a:t>
+              <a:t>15/11/10</a:t>
             </a:fld>
             <a:endParaRPr kumimoji="1" lang="zh-TW" altLang="en-US"/>
           </a:p>
@@ -3915,6 +3916,312 @@
           <a:lstStyle/>
           <a:p>
             <a:r>
+              <a:rPr kumimoji="1" lang="en-US" altLang="zh-TW" dirty="0" smtClean="0"/>
+              <a:t>Which</a:t>
+            </a:r>
+            <a:r>
+              <a:rPr kumimoji="1" lang="zh-TW" altLang="en-US" dirty="0" smtClean="0"/>
+              <a:t> </a:t>
+            </a:r>
+            <a:r>
+              <a:rPr kumimoji="1" lang="en-US" altLang="zh-TW" dirty="0" smtClean="0"/>
+              <a:t>Python</a:t>
+            </a:r>
+            <a:r>
+              <a:rPr kumimoji="1" lang="zh-TW" altLang="en-US" dirty="0" smtClean="0"/>
+              <a:t> </a:t>
+            </a:r>
+            <a:r>
+              <a:rPr kumimoji="1" lang="en-US" altLang="zh-TW" dirty="0" smtClean="0"/>
+              <a:t>better</a:t>
+            </a:r>
+            <a:r>
+              <a:rPr kumimoji="1" lang="zh-TW" altLang="en-US" dirty="0" smtClean="0"/>
+              <a:t> </a:t>
+            </a:r>
+            <a:r>
+              <a:rPr kumimoji="1" lang="en-US" altLang="zh-TW" dirty="0" smtClean="0"/>
+              <a:t>to</a:t>
+            </a:r>
+            <a:r>
+              <a:rPr kumimoji="1" lang="zh-TW" altLang="en-US" dirty="0" smtClean="0"/>
+              <a:t> </a:t>
+            </a:r>
+            <a:r>
+              <a:rPr kumimoji="1" lang="en-US" altLang="zh-TW" dirty="0" smtClean="0"/>
+              <a:t>learn?</a:t>
+            </a:r>
+            <a:endParaRPr kumimoji="1" lang="zh-TW" altLang="en-US" dirty="0"/>
+          </a:p>
+        </p:txBody>
+      </p:sp>
+      <p:sp>
+        <p:nvSpPr>
+          <p:cNvPr id="3" name="內容版面配置區 2"/>
+          <p:cNvSpPr>
+            <a:spLocks noGrp="1"/>
+          </p:cNvSpPr>
+          <p:nvPr>
+            <p:ph idx="1"/>
+          </p:nvPr>
+        </p:nvSpPr>
+        <p:spPr/>
+        <p:txBody>
+          <a:bodyPr/>
+          <a:lstStyle/>
+          <a:p>
+            <a:r>
+              <a:rPr kumimoji="1" lang="zh-TW" altLang="zh-TW" dirty="0" smtClean="0"/>
+              <a:t>P</a:t>
+            </a:r>
+            <a:r>
+              <a:rPr kumimoji="1" lang="en-US" altLang="zh-TW" dirty="0" err="1" smtClean="0"/>
+              <a:t>ython</a:t>
+            </a:r>
+            <a:r>
+              <a:rPr kumimoji="1" lang="zh-TW" altLang="en-US" dirty="0" smtClean="0"/>
+              <a:t> </a:t>
+            </a:r>
+            <a:r>
+              <a:rPr kumimoji="1" lang="en-US" altLang="zh-TW" dirty="0" smtClean="0"/>
+              <a:t>2</a:t>
+            </a:r>
+            <a:r>
+              <a:rPr kumimoji="1" lang="zh-TW" altLang="en-US" dirty="0" smtClean="0"/>
+              <a:t> </a:t>
+            </a:r>
+            <a:r>
+              <a:rPr kumimoji="1" lang="en-US" altLang="zh-TW" dirty="0" err="1" smtClean="0"/>
+              <a:t>vs</a:t>
+            </a:r>
+            <a:r>
+              <a:rPr kumimoji="1" lang="zh-TW" altLang="en-US" dirty="0" smtClean="0"/>
+              <a:t> </a:t>
+            </a:r>
+            <a:r>
+              <a:rPr kumimoji="1" lang="en-US" altLang="zh-TW" dirty="0" smtClean="0"/>
+              <a:t>Python</a:t>
+            </a:r>
+            <a:r>
+              <a:rPr kumimoji="1" lang="zh-TW" altLang="en-US" dirty="0" smtClean="0"/>
+              <a:t> </a:t>
+            </a:r>
+            <a:r>
+              <a:rPr kumimoji="1" lang="en-US" altLang="zh-TW" dirty="0" smtClean="0"/>
+              <a:t>3</a:t>
+            </a:r>
+          </a:p>
+          <a:p>
+            <a:pPr lvl="1"/>
+            <a:r>
+              <a:rPr kumimoji="1" lang="en-US" altLang="zh-TW" dirty="0" smtClean="0"/>
+              <a:t>2</a:t>
+            </a:r>
+            <a:r>
+              <a:rPr kumimoji="1" lang="zh-TW" altLang="en-US" dirty="0" smtClean="0"/>
+              <a:t>跟</a:t>
+            </a:r>
+            <a:r>
+              <a:rPr kumimoji="1" lang="en-US" altLang="zh-TW" dirty="0" smtClean="0"/>
+              <a:t>3</a:t>
+            </a:r>
+            <a:r>
+              <a:rPr kumimoji="1" lang="zh-TW" altLang="en-US" dirty="0" smtClean="0"/>
+              <a:t>各有優缺點</a:t>
+            </a:r>
+            <a:endParaRPr kumimoji="1" lang="en-US" altLang="zh-TW" dirty="0" smtClean="0"/>
+          </a:p>
+          <a:p>
+            <a:pPr lvl="1"/>
+            <a:r>
+              <a:rPr kumimoji="1" lang="zh-TW" altLang="en-US" dirty="0" smtClean="0"/>
+              <a:t>為了教學方便起見，之後的教學都以</a:t>
+            </a:r>
+            <a:r>
+              <a:rPr kumimoji="1" lang="en-US" altLang="zh-TW" dirty="0" smtClean="0"/>
+              <a:t>python</a:t>
+            </a:r>
+            <a:r>
+              <a:rPr kumimoji="1" lang="zh-TW" altLang="en-US" dirty="0" smtClean="0"/>
+              <a:t> </a:t>
+            </a:r>
+            <a:r>
+              <a:rPr kumimoji="1" lang="en-US" altLang="zh-TW" dirty="0" smtClean="0"/>
+              <a:t>2</a:t>
+            </a:r>
+            <a:r>
+              <a:rPr kumimoji="1" lang="zh-TW" altLang="en-US" dirty="0" smtClean="0"/>
+              <a:t>為主</a:t>
+            </a:r>
+            <a:endParaRPr kumimoji="1" lang="en-US" altLang="zh-TW" dirty="0" smtClean="0"/>
+          </a:p>
+          <a:p>
+            <a:pPr lvl="1"/>
+            <a:endParaRPr kumimoji="1" lang="en-US" altLang="zh-TW" dirty="0"/>
+          </a:p>
+          <a:p>
+            <a:r>
+              <a:rPr kumimoji="1" lang="en-US" altLang="zh-TW" dirty="0" smtClean="0"/>
+              <a:t>32</a:t>
+            </a:r>
+            <a:r>
+              <a:rPr kumimoji="1" lang="zh-TW" altLang="en-US" dirty="0" smtClean="0"/>
+              <a:t> </a:t>
+            </a:r>
+            <a:r>
+              <a:rPr kumimoji="1" lang="en-US" altLang="zh-TW" dirty="0" smtClean="0"/>
+              <a:t>bit</a:t>
+            </a:r>
+            <a:r>
+              <a:rPr kumimoji="1" lang="zh-TW" altLang="en-US" dirty="0" smtClean="0"/>
+              <a:t> </a:t>
+            </a:r>
+            <a:r>
+              <a:rPr kumimoji="1" lang="en-US" altLang="zh-TW" dirty="0" err="1" smtClean="0"/>
+              <a:t>vs</a:t>
+            </a:r>
+            <a:r>
+              <a:rPr kumimoji="1" lang="zh-TW" altLang="en-US" dirty="0" smtClean="0"/>
+              <a:t> </a:t>
+            </a:r>
+            <a:r>
+              <a:rPr kumimoji="1" lang="en-US" altLang="zh-TW" dirty="0" smtClean="0"/>
+              <a:t>64</a:t>
+            </a:r>
+            <a:r>
+              <a:rPr kumimoji="1" lang="zh-TW" altLang="en-US" dirty="0" smtClean="0"/>
+              <a:t> </a:t>
+            </a:r>
+            <a:r>
+              <a:rPr kumimoji="1" lang="en-US" altLang="zh-TW" dirty="0" smtClean="0"/>
+              <a:t>bit</a:t>
+            </a:r>
+          </a:p>
+          <a:p>
+            <a:pPr lvl="1"/>
+            <a:r>
+              <a:rPr kumimoji="1" lang="zh-TW" altLang="zh-TW" dirty="0" smtClean="0"/>
+              <a:t>6</a:t>
+            </a:r>
+            <a:r>
+              <a:rPr kumimoji="1" lang="en-US" altLang="zh-TW" dirty="0" smtClean="0"/>
+              <a:t>4</a:t>
+            </a:r>
+            <a:r>
+              <a:rPr kumimoji="1" lang="zh-TW" altLang="en-US" dirty="0" smtClean="0"/>
+              <a:t> </a:t>
+            </a:r>
+            <a:r>
+              <a:rPr kumimoji="1" lang="en-US" altLang="zh-TW" dirty="0" smtClean="0"/>
+              <a:t>bit</a:t>
+            </a:r>
+            <a:r>
+              <a:rPr kumimoji="1" lang="zh-TW" altLang="en-US" dirty="0" smtClean="0"/>
+              <a:t>可以處理更大量的資料</a:t>
+            </a:r>
+            <a:endParaRPr kumimoji="1" lang="en-US" altLang="zh-TW" dirty="0" smtClean="0"/>
+          </a:p>
+          <a:p>
+            <a:pPr lvl="1"/>
+            <a:r>
+              <a:rPr kumimoji="1" lang="zh-TW" altLang="en-US" dirty="0" smtClean="0"/>
+              <a:t>建議使用</a:t>
+            </a:r>
+            <a:r>
+              <a:rPr kumimoji="1" lang="en-US" altLang="zh-TW" dirty="0" smtClean="0"/>
+              <a:t>64</a:t>
+            </a:r>
+            <a:r>
+              <a:rPr kumimoji="1" lang="zh-TW" altLang="en-US" dirty="0" smtClean="0"/>
+              <a:t> </a:t>
+            </a:r>
+            <a:r>
+              <a:rPr kumimoji="1" lang="en-US" altLang="zh-TW" dirty="0" smtClean="0"/>
+              <a:t>bit</a:t>
+            </a:r>
+          </a:p>
+          <a:p>
+            <a:pPr lvl="1"/>
+            <a:endParaRPr kumimoji="1" lang="zh-TW" altLang="en-US" dirty="0"/>
+          </a:p>
+        </p:txBody>
+      </p:sp>
+      <p:sp>
+        <p:nvSpPr>
+          <p:cNvPr id="4" name="投影片編號版面配置區 3"/>
+          <p:cNvSpPr>
+            <a:spLocks noGrp="1"/>
+          </p:cNvSpPr>
+          <p:nvPr>
+            <p:ph type="sldNum" sz="quarter" idx="12"/>
+          </p:nvPr>
+        </p:nvSpPr>
+        <p:spPr/>
+        <p:txBody>
+          <a:bodyPr/>
+          <a:lstStyle/>
+          <a:p>
+            <a:fld id="{D0256DAB-F776-1247-8262-D98F626E04EC}" type="slidenum">
+              <a:rPr kumimoji="1" lang="zh-TW" altLang="en-US" smtClean="0"/>
+              <a:t>10</a:t>
+            </a:fld>
+            <a:endParaRPr kumimoji="1" lang="zh-TW" altLang="en-US"/>
+          </a:p>
+        </p:txBody>
+      </p:sp>
+    </p:spTree>
+    <p:extLst>
+      <p:ext uri="{BB962C8B-B14F-4D97-AF65-F5344CB8AC3E}">
+        <p14:creationId xmlns:p14="http://schemas.microsoft.com/office/powerpoint/2010/main" val="339152021"/>
+      </p:ext>
+    </p:extLst>
+  </p:cSld>
+  <p:clrMapOvr>
+    <a:masterClrMapping/>
+  </p:clrMapOvr>
+  <p:timing>
+    <p:tnLst>
+      <p:par>
+        <p:cTn xmlns:p14="http://schemas.microsoft.com/office/powerpoint/2010/main" id="1" dur="indefinite" restart="never" nodeType="tmRoot"/>
+      </p:par>
+    </p:tnLst>
+  </p:timing>
+</p:sld>
+</file>
+
+<file path=ppt/slides/slide11.xml><?xml version="1.0" encoding="utf-8"?>
+<p:sld xmlns:a="http://schemas.openxmlformats.org/drawingml/2006/main" xmlns:r="http://schemas.openxmlformats.org/officeDocument/2006/relationships" xmlns:p="http://schemas.openxmlformats.org/presentationml/2006/main">
+  <p:cSld>
+    <p:spTree>
+      <p:nvGrpSpPr>
+        <p:cNvPr id="1" name=""/>
+        <p:cNvGrpSpPr/>
+        <p:nvPr/>
+      </p:nvGrpSpPr>
+      <p:grpSpPr>
+        <a:xfrm>
+          <a:off x="0" y="0"/>
+          <a:ext cx="0" cy="0"/>
+          <a:chOff x="0" y="0"/>
+          <a:chExt cx="0" cy="0"/>
+        </a:xfrm>
+      </p:grpSpPr>
+      <p:sp>
+        <p:nvSpPr>
+          <p:cNvPr id="2" name="標題 1"/>
+          <p:cNvSpPr>
+            <a:spLocks noGrp="1"/>
+          </p:cNvSpPr>
+          <p:nvPr>
+            <p:ph type="title"/>
+          </p:nvPr>
+        </p:nvSpPr>
+        <p:spPr/>
+        <p:txBody>
+          <a:bodyPr/>
+          <a:lstStyle/>
+          <a:p>
+            <a:r>
               <a:rPr kumimoji="1" lang="zh-TW" altLang="zh-TW" dirty="0" smtClean="0"/>
               <a:t>W</a:t>
             </a:r>
@@ -4154,7 +4461,7 @@
           <a:p>
             <a:fld id="{D0256DAB-F776-1247-8262-D98F626E04EC}" type="slidenum">
               <a:rPr kumimoji="1" lang="zh-TW" altLang="en-US" smtClean="0"/>
-              <a:t>10</a:t>
+              <a:t>11</a:t>
             </a:fld>
             <a:endParaRPr kumimoji="1" lang="zh-TW" altLang="en-US"/>
           </a:p>
@@ -4570,7 +4877,7 @@
 </p:sld>
 </file>
 
-<file path=ppt/slides/slide11.xml><?xml version="1.0" encoding="utf-8"?>
+<file path=ppt/slides/slide12.xml><?xml version="1.0" encoding="utf-8"?>
 <p:sld xmlns:a="http://schemas.openxmlformats.org/drawingml/2006/main" xmlns:r="http://schemas.openxmlformats.org/officeDocument/2006/relationships" xmlns:p="http://schemas.openxmlformats.org/presentationml/2006/main">
   <p:cSld>
     <p:spTree>
@@ -4673,7 +4980,7 @@
           <a:p>
             <a:fld id="{D0256DAB-F776-1247-8262-D98F626E04EC}" type="slidenum">
               <a:rPr kumimoji="1" lang="zh-TW" altLang="en-US" smtClean="0"/>
-              <a:t>11</a:t>
+              <a:t>12</a:t>
             </a:fld>
             <a:endParaRPr kumimoji="1" lang="zh-TW" altLang="en-US"/>
           </a:p>
@@ -4683,178 +4990,6 @@
     <p:extLst>
       <p:ext uri="{BB962C8B-B14F-4D97-AF65-F5344CB8AC3E}">
         <p14:creationId xmlns:p14="http://schemas.microsoft.com/office/powerpoint/2010/main" val="107067887"/>
-      </p:ext>
-    </p:extLst>
-  </p:cSld>
-  <p:clrMapOvr>
-    <a:masterClrMapping/>
-  </p:clrMapOvr>
-  <p:timing>
-    <p:tnLst>
-      <p:par>
-        <p:cTn xmlns:p14="http://schemas.microsoft.com/office/powerpoint/2010/main" id="1" dur="indefinite" restart="never" nodeType="tmRoot"/>
-      </p:par>
-    </p:tnLst>
-  </p:timing>
-</p:sld>
-</file>
-
-<file path=ppt/slides/slide12.xml><?xml version="1.0" encoding="utf-8"?>
-<p:sld xmlns:a="http://schemas.openxmlformats.org/drawingml/2006/main" xmlns:r="http://schemas.openxmlformats.org/officeDocument/2006/relationships" xmlns:p="http://schemas.openxmlformats.org/presentationml/2006/main">
-  <p:cSld>
-    <p:spTree>
-      <p:nvGrpSpPr>
-        <p:cNvPr id="1" name=""/>
-        <p:cNvGrpSpPr/>
-        <p:nvPr/>
-      </p:nvGrpSpPr>
-      <p:grpSpPr>
-        <a:xfrm>
-          <a:off x="0" y="0"/>
-          <a:ext cx="0" cy="0"/>
-          <a:chOff x="0" y="0"/>
-          <a:chExt cx="0" cy="0"/>
-        </a:xfrm>
-      </p:grpSpPr>
-      <p:sp>
-        <p:nvSpPr>
-          <p:cNvPr id="2" name="標題 1"/>
-          <p:cNvSpPr>
-            <a:spLocks noGrp="1"/>
-          </p:cNvSpPr>
-          <p:nvPr>
-            <p:ph type="title"/>
-          </p:nvPr>
-        </p:nvSpPr>
-        <p:spPr/>
-        <p:txBody>
-          <a:bodyPr/>
-          <a:lstStyle/>
-          <a:p>
-            <a:r>
-              <a:rPr kumimoji="1" lang="en-US" altLang="zh-TW" dirty="0" smtClean="0"/>
-              <a:t>Install</a:t>
-            </a:r>
-            <a:r>
-              <a:rPr kumimoji="1" lang="zh-TW" altLang="en-US" dirty="0" smtClean="0"/>
-              <a:t> </a:t>
-            </a:r>
-            <a:r>
-              <a:rPr kumimoji="1" lang="en-US" altLang="zh-TW" dirty="0" smtClean="0"/>
-              <a:t>Python for</a:t>
-            </a:r>
-            <a:r>
-              <a:rPr kumimoji="1" lang="zh-TW" altLang="en-US" dirty="0" smtClean="0"/>
-              <a:t> </a:t>
-            </a:r>
-            <a:r>
-              <a:rPr kumimoji="1" lang="en-US" altLang="zh-TW" dirty="0" smtClean="0"/>
-              <a:t>Windows</a:t>
-            </a:r>
-            <a:endParaRPr kumimoji="1" lang="zh-TW" altLang="en-US" dirty="0"/>
-          </a:p>
-        </p:txBody>
-      </p:sp>
-      <p:pic>
-        <p:nvPicPr>
-          <p:cNvPr id="5" name="圖片 4" descr="2.JPG"/>
-          <p:cNvPicPr>
-            <a:picLocks noChangeAspect="1"/>
-          </p:cNvPicPr>
-          <p:nvPr/>
-        </p:nvPicPr>
-        <p:blipFill rotWithShape="1">
-          <a:blip r:embed="rId2">
-            <a:extLst>
-              <a:ext uri="{28A0092B-C50C-407E-A947-70E740481C1C}">
-                <a14:useLocalDpi xmlns:a14="http://schemas.microsoft.com/office/drawing/2010/main" val="0"/>
-              </a:ext>
-            </a:extLst>
-          </a:blip>
-          <a:srcRect b="29537"/>
-          <a:stretch/>
-        </p:blipFill>
-        <p:spPr>
-          <a:xfrm>
-            <a:off x="686452" y="1739203"/>
-            <a:ext cx="7543800" cy="4302129"/>
-          </a:xfrm>
-          <a:prstGeom prst="rect">
-            <a:avLst/>
-          </a:prstGeom>
-        </p:spPr>
-      </p:pic>
-      <p:sp>
-        <p:nvSpPr>
-          <p:cNvPr id="3" name="圓角矩形 2"/>
-          <p:cNvSpPr/>
-          <p:nvPr/>
-        </p:nvSpPr>
-        <p:spPr>
-          <a:xfrm>
-            <a:off x="1761872" y="3878811"/>
-            <a:ext cx="3558065" cy="846701"/>
-          </a:xfrm>
-          <a:prstGeom prst="roundRect">
-            <a:avLst/>
-          </a:prstGeom>
-          <a:noFill/>
-          <a:ln w="57150" cmpd="sng">
-            <a:solidFill>
-              <a:srgbClr val="FF0000"/>
-            </a:solidFill>
-          </a:ln>
-        </p:spPr>
-        <p:style>
-          <a:lnRef idx="1">
-            <a:schemeClr val="accent1"/>
-          </a:lnRef>
-          <a:fillRef idx="3">
-            <a:schemeClr val="accent1"/>
-          </a:fillRef>
-          <a:effectRef idx="2">
-            <a:schemeClr val="accent1"/>
-          </a:effectRef>
-          <a:fontRef idx="minor">
-            <a:schemeClr val="lt1"/>
-          </a:fontRef>
-        </p:style>
-        <p:txBody>
-          <a:bodyPr rtlCol="0" anchor="ctr"/>
-          <a:lstStyle/>
-          <a:p>
-            <a:pPr algn="ctr"/>
-            <a:endParaRPr kumimoji="1" lang="zh-TW" altLang="en-US"/>
-          </a:p>
-        </p:txBody>
-      </p:sp>
-      <p:sp>
-        <p:nvSpPr>
-          <p:cNvPr id="6" name="投影片編號版面配置區 5"/>
-          <p:cNvSpPr>
-            <a:spLocks noGrp="1"/>
-          </p:cNvSpPr>
-          <p:nvPr>
-            <p:ph type="sldNum" sz="quarter" idx="12"/>
-          </p:nvPr>
-        </p:nvSpPr>
-        <p:spPr/>
-        <p:txBody>
-          <a:bodyPr/>
-          <a:lstStyle/>
-          <a:p>
-            <a:fld id="{D0256DAB-F776-1247-8262-D98F626E04EC}" type="slidenum">
-              <a:rPr kumimoji="1" lang="zh-TW" altLang="en-US" smtClean="0"/>
-              <a:t>12</a:t>
-            </a:fld>
-            <a:endParaRPr kumimoji="1" lang="zh-TW" altLang="en-US"/>
-          </a:p>
-        </p:txBody>
-      </p:sp>
-    </p:spTree>
-    <p:extLst>
-      <p:ext uri="{BB962C8B-B14F-4D97-AF65-F5344CB8AC3E}">
-        <p14:creationId xmlns:p14="http://schemas.microsoft.com/office/powerpoint/2010/main" val="3127378390"/>
       </p:ext>
     </p:extLst>
   </p:cSld>
@@ -4929,13 +5064,13 @@
       </p:sp>
       <p:pic>
         <p:nvPicPr>
-          <p:cNvPr id="7" name="圖片 6" descr="3.JPG"/>
+          <p:cNvPr id="5" name="圖片 4" descr="2.JPG"/>
           <p:cNvPicPr>
             <a:picLocks noChangeAspect="1"/>
           </p:cNvPicPr>
           <p:nvPr/>
         </p:nvPicPr>
-        <p:blipFill>
+        <p:blipFill rotWithShape="1">
           <a:blip r:embed="rId2">
             <a:extLst>
               <a:ext uri="{28A0092B-C50C-407E-A947-70E740481C1C}">
@@ -4943,14 +5078,13 @@
               </a:ext>
             </a:extLst>
           </a:blip>
-          <a:stretch>
-            <a:fillRect/>
-          </a:stretch>
+          <a:srcRect b="29537"/>
+          <a:stretch/>
         </p:blipFill>
         <p:spPr>
           <a:xfrm>
-            <a:off x="712614" y="1417638"/>
-            <a:ext cx="7974186" cy="4992936"/>
+            <a:off x="686452" y="1739203"/>
+            <a:ext cx="7543800" cy="4302129"/>
           </a:xfrm>
           <a:prstGeom prst="rect">
             <a:avLst/>
@@ -4959,37 +5093,14 @@
       </p:pic>
       <p:sp>
         <p:nvSpPr>
-          <p:cNvPr id="8" name="投影片編號版面配置區 7"/>
-          <p:cNvSpPr>
-            <a:spLocks noGrp="1"/>
-          </p:cNvSpPr>
-          <p:nvPr>
-            <p:ph type="sldNum" sz="quarter" idx="12"/>
-          </p:nvPr>
-        </p:nvSpPr>
-        <p:spPr/>
-        <p:txBody>
-          <a:bodyPr/>
-          <a:lstStyle/>
-          <a:p>
-            <a:fld id="{D0256DAB-F776-1247-8262-D98F626E04EC}" type="slidenum">
-              <a:rPr kumimoji="1" lang="zh-TW" altLang="en-US" smtClean="0"/>
-              <a:t>13</a:t>
-            </a:fld>
-            <a:endParaRPr kumimoji="1" lang="zh-TW" altLang="en-US"/>
-          </a:p>
-        </p:txBody>
-      </p:sp>
-      <p:sp>
-        <p:nvSpPr>
-          <p:cNvPr id="9" name="圓角矩形 8"/>
+          <p:cNvPr id="3" name="圓角矩形 2"/>
           <p:cNvSpPr/>
           <p:nvPr/>
         </p:nvSpPr>
         <p:spPr>
           <a:xfrm>
-            <a:off x="4027137" y="3855927"/>
-            <a:ext cx="1018224" cy="308932"/>
+            <a:off x="1761872" y="3878811"/>
+            <a:ext cx="3558065" cy="846701"/>
           </a:xfrm>
           <a:prstGeom prst="roundRect">
             <a:avLst/>
@@ -5026,129 +5137,24 @@
       </p:sp>
       <p:sp>
         <p:nvSpPr>
-          <p:cNvPr id="10" name="圓角矩形 9"/>
-          <p:cNvSpPr/>
-          <p:nvPr/>
-        </p:nvSpPr>
-        <p:spPr>
-          <a:xfrm>
-            <a:off x="2463429" y="2463667"/>
-            <a:ext cx="934467" cy="419695"/>
-          </a:xfrm>
-          <a:prstGeom prst="roundRect">
-            <a:avLst/>
-          </a:prstGeom>
-          <a:noFill/>
-          <a:ln w="57150" cmpd="sng">
-            <a:solidFill>
-              <a:srgbClr val="FF0000"/>
-            </a:solidFill>
-          </a:ln>
-        </p:spPr>
-        <p:style>
-          <a:lnRef idx="1">
-            <a:schemeClr val="accent1"/>
-          </a:lnRef>
-          <a:fillRef idx="3">
-            <a:schemeClr val="accent1"/>
-          </a:fillRef>
-          <a:effectRef idx="2">
-            <a:schemeClr val="accent1"/>
-          </a:effectRef>
-          <a:fontRef idx="minor">
-            <a:schemeClr val="lt1"/>
-          </a:fontRef>
-        </p:style>
-        <p:txBody>
-          <a:bodyPr rtlCol="0" anchor="ctr"/>
-          <a:lstStyle/>
-          <a:p>
-            <a:pPr algn="ctr"/>
+          <p:cNvPr id="6" name="投影片編號版面配置區 5"/>
+          <p:cNvSpPr>
+            <a:spLocks noGrp="1"/>
+          </p:cNvSpPr>
+          <p:nvPr>
+            <p:ph type="sldNum" sz="quarter" idx="12"/>
+          </p:nvPr>
+        </p:nvSpPr>
+        <p:spPr/>
+        <p:txBody>
+          <a:bodyPr/>
+          <a:lstStyle/>
+          <a:p>
+            <a:fld id="{D0256DAB-F776-1247-8262-D98F626E04EC}" type="slidenum">
+              <a:rPr kumimoji="1" lang="zh-TW" altLang="en-US" smtClean="0"/>
+              <a:t>13</a:t>
+            </a:fld>
             <a:endParaRPr kumimoji="1" lang="zh-TW" altLang="en-US"/>
-          </a:p>
-        </p:txBody>
-      </p:sp>
-      <p:sp>
-        <p:nvSpPr>
-          <p:cNvPr id="11" name="橢圓 10"/>
-          <p:cNvSpPr/>
-          <p:nvPr/>
-        </p:nvSpPr>
-        <p:spPr>
-          <a:xfrm>
-            <a:off x="3397896" y="2883362"/>
-            <a:ext cx="354663" cy="366141"/>
-          </a:xfrm>
-          <a:prstGeom prst="ellipse">
-            <a:avLst/>
-          </a:prstGeom>
-        </p:spPr>
-        <p:style>
-          <a:lnRef idx="1">
-            <a:schemeClr val="accent2"/>
-          </a:lnRef>
-          <a:fillRef idx="3">
-            <a:schemeClr val="accent2"/>
-          </a:fillRef>
-          <a:effectRef idx="2">
-            <a:schemeClr val="accent2"/>
-          </a:effectRef>
-          <a:fontRef idx="minor">
-            <a:schemeClr val="lt1"/>
-          </a:fontRef>
-        </p:style>
-        <p:txBody>
-          <a:bodyPr rtlCol="0" anchor="ctr"/>
-          <a:lstStyle/>
-          <a:p>
-            <a:pPr algn="ctr"/>
-            <a:r>
-              <a:rPr kumimoji="1" lang="en-US" altLang="zh-TW" dirty="0" smtClean="0"/>
-              <a:t>1</a:t>
-            </a:r>
-            <a:endParaRPr kumimoji="1" lang="zh-TW" altLang="en-US" dirty="0"/>
-          </a:p>
-        </p:txBody>
-      </p:sp>
-      <p:sp>
-        <p:nvSpPr>
-          <p:cNvPr id="12" name="橢圓 11"/>
-          <p:cNvSpPr/>
-          <p:nvPr/>
-        </p:nvSpPr>
-        <p:spPr>
-          <a:xfrm>
-            <a:off x="5140557" y="4065534"/>
-            <a:ext cx="354663" cy="366141"/>
-          </a:xfrm>
-          <a:prstGeom prst="ellipse">
-            <a:avLst/>
-          </a:prstGeom>
-        </p:spPr>
-        <p:style>
-          <a:lnRef idx="1">
-            <a:schemeClr val="accent2"/>
-          </a:lnRef>
-          <a:fillRef idx="3">
-            <a:schemeClr val="accent2"/>
-          </a:fillRef>
-          <a:effectRef idx="2">
-            <a:schemeClr val="accent2"/>
-          </a:effectRef>
-          <a:fontRef idx="minor">
-            <a:schemeClr val="lt1"/>
-          </a:fontRef>
-        </p:style>
-        <p:txBody>
-          <a:bodyPr rtlCol="0" anchor="ctr"/>
-          <a:lstStyle/>
-          <a:p>
-            <a:pPr algn="ctr"/>
-            <a:r>
-              <a:rPr kumimoji="1" lang="zh-TW" altLang="zh-TW" dirty="0"/>
-              <a:t>2</a:t>
-            </a:r>
-            <a:endParaRPr kumimoji="1" lang="zh-TW" altLang="en-US" dirty="0"/>
           </a:p>
         </p:txBody>
       </p:sp>
@@ -5230,7 +5236,7 @@
       </p:sp>
       <p:pic>
         <p:nvPicPr>
-          <p:cNvPr id="4" name="圖片 3" descr="4.JPG"/>
+          <p:cNvPr id="7" name="圖片 6" descr="3.JPG"/>
           <p:cNvPicPr>
             <a:picLocks noChangeAspect="1"/>
           </p:cNvPicPr>
@@ -5250,8 +5256,8 @@
         </p:blipFill>
         <p:spPr>
           <a:xfrm>
-            <a:off x="0" y="2126500"/>
-            <a:ext cx="9144000" cy="3230008"/>
+            <a:off x="712614" y="1417638"/>
+            <a:ext cx="7974186" cy="4992936"/>
           </a:xfrm>
           <a:prstGeom prst="rect">
             <a:avLst/>
@@ -5260,7 +5266,7 @@
       </p:pic>
       <p:sp>
         <p:nvSpPr>
-          <p:cNvPr id="5" name="投影片編號版面配置區 4"/>
+          <p:cNvPr id="8" name="投影片編號版面配置區 7"/>
           <p:cNvSpPr>
             <a:spLocks noGrp="1"/>
           </p:cNvSpPr>
@@ -5283,13 +5289,13 @@
       </p:sp>
       <p:sp>
         <p:nvSpPr>
-          <p:cNvPr id="7" name="圓角矩形 6"/>
+          <p:cNvPr id="9" name="圓角矩形 8"/>
           <p:cNvSpPr/>
           <p:nvPr/>
         </p:nvSpPr>
         <p:spPr>
           <a:xfrm>
-            <a:off x="4347476" y="3501227"/>
+            <a:off x="4027137" y="3855927"/>
             <a:ext cx="1018224" cy="308932"/>
           </a:xfrm>
           <a:prstGeom prst="roundRect">
@@ -5325,10 +5331,138 @@
           </a:p>
         </p:txBody>
       </p:sp>
+      <p:sp>
+        <p:nvSpPr>
+          <p:cNvPr id="10" name="圓角矩形 9"/>
+          <p:cNvSpPr/>
+          <p:nvPr/>
+        </p:nvSpPr>
+        <p:spPr>
+          <a:xfrm>
+            <a:off x="2463429" y="2463667"/>
+            <a:ext cx="934467" cy="419695"/>
+          </a:xfrm>
+          <a:prstGeom prst="roundRect">
+            <a:avLst/>
+          </a:prstGeom>
+          <a:noFill/>
+          <a:ln w="57150" cmpd="sng">
+            <a:solidFill>
+              <a:srgbClr val="FF0000"/>
+            </a:solidFill>
+          </a:ln>
+        </p:spPr>
+        <p:style>
+          <a:lnRef idx="1">
+            <a:schemeClr val="accent1"/>
+          </a:lnRef>
+          <a:fillRef idx="3">
+            <a:schemeClr val="accent1"/>
+          </a:fillRef>
+          <a:effectRef idx="2">
+            <a:schemeClr val="accent1"/>
+          </a:effectRef>
+          <a:fontRef idx="minor">
+            <a:schemeClr val="lt1"/>
+          </a:fontRef>
+        </p:style>
+        <p:txBody>
+          <a:bodyPr rtlCol="0" anchor="ctr"/>
+          <a:lstStyle/>
+          <a:p>
+            <a:pPr algn="ctr"/>
+            <a:endParaRPr kumimoji="1" lang="zh-TW" altLang="en-US"/>
+          </a:p>
+        </p:txBody>
+      </p:sp>
+      <p:sp>
+        <p:nvSpPr>
+          <p:cNvPr id="11" name="橢圓 10"/>
+          <p:cNvSpPr/>
+          <p:nvPr/>
+        </p:nvSpPr>
+        <p:spPr>
+          <a:xfrm>
+            <a:off x="3397896" y="2883362"/>
+            <a:ext cx="354663" cy="366141"/>
+          </a:xfrm>
+          <a:prstGeom prst="ellipse">
+            <a:avLst/>
+          </a:prstGeom>
+        </p:spPr>
+        <p:style>
+          <a:lnRef idx="1">
+            <a:schemeClr val="accent2"/>
+          </a:lnRef>
+          <a:fillRef idx="3">
+            <a:schemeClr val="accent2"/>
+          </a:fillRef>
+          <a:effectRef idx="2">
+            <a:schemeClr val="accent2"/>
+          </a:effectRef>
+          <a:fontRef idx="minor">
+            <a:schemeClr val="lt1"/>
+          </a:fontRef>
+        </p:style>
+        <p:txBody>
+          <a:bodyPr rtlCol="0" anchor="ctr"/>
+          <a:lstStyle/>
+          <a:p>
+            <a:pPr algn="ctr"/>
+            <a:r>
+              <a:rPr kumimoji="1" lang="en-US" altLang="zh-TW" dirty="0" smtClean="0"/>
+              <a:t>1</a:t>
+            </a:r>
+            <a:endParaRPr kumimoji="1" lang="zh-TW" altLang="en-US" dirty="0"/>
+          </a:p>
+        </p:txBody>
+      </p:sp>
+      <p:sp>
+        <p:nvSpPr>
+          <p:cNvPr id="12" name="橢圓 11"/>
+          <p:cNvSpPr/>
+          <p:nvPr/>
+        </p:nvSpPr>
+        <p:spPr>
+          <a:xfrm>
+            <a:off x="5140557" y="4065534"/>
+            <a:ext cx="354663" cy="366141"/>
+          </a:xfrm>
+          <a:prstGeom prst="ellipse">
+            <a:avLst/>
+          </a:prstGeom>
+        </p:spPr>
+        <p:style>
+          <a:lnRef idx="1">
+            <a:schemeClr val="accent2"/>
+          </a:lnRef>
+          <a:fillRef idx="3">
+            <a:schemeClr val="accent2"/>
+          </a:fillRef>
+          <a:effectRef idx="2">
+            <a:schemeClr val="accent2"/>
+          </a:effectRef>
+          <a:fontRef idx="minor">
+            <a:schemeClr val="lt1"/>
+          </a:fontRef>
+        </p:style>
+        <p:txBody>
+          <a:bodyPr rtlCol="0" anchor="ctr"/>
+          <a:lstStyle/>
+          <a:p>
+            <a:pPr algn="ctr"/>
+            <a:r>
+              <a:rPr kumimoji="1" lang="zh-TW" altLang="zh-TW" dirty="0"/>
+              <a:t>2</a:t>
+            </a:r>
+            <a:endParaRPr kumimoji="1" lang="zh-TW" altLang="en-US" dirty="0"/>
+          </a:p>
+        </p:txBody>
+      </p:sp>
     </p:spTree>
     <p:extLst>
       <p:ext uri="{BB962C8B-B14F-4D97-AF65-F5344CB8AC3E}">
-        <p14:creationId xmlns:p14="http://schemas.microsoft.com/office/powerpoint/2010/main" val="3774335479"/>
+        <p14:creationId xmlns:p14="http://schemas.microsoft.com/office/powerpoint/2010/main" val="3127378390"/>
       </p:ext>
     </p:extLst>
   </p:cSld>
@@ -5372,12 +5506,7 @@
             <p:ph type="title"/>
           </p:nvPr>
         </p:nvSpPr>
-        <p:spPr>
-          <a:xfrm>
-            <a:off x="457200" y="-148713"/>
-            <a:ext cx="8229600" cy="1143000"/>
-          </a:xfrm>
-        </p:spPr>
+        <p:spPr/>
         <p:txBody>
           <a:bodyPr/>
           <a:lstStyle/>
@@ -5408,7 +5537,7 @@
       </p:sp>
       <p:pic>
         <p:nvPicPr>
-          <p:cNvPr id="4" name="圖片 3" descr="5.JPG"/>
+          <p:cNvPr id="4" name="圖片 3" descr="4.JPG"/>
           <p:cNvPicPr>
             <a:picLocks noChangeAspect="1"/>
           </p:cNvPicPr>
@@ -5428,8 +5557,8 @@
         </p:blipFill>
         <p:spPr>
           <a:xfrm>
-            <a:off x="171610" y="811215"/>
-            <a:ext cx="8855122" cy="5004417"/>
+            <a:off x="0" y="2126500"/>
+            <a:ext cx="9144000" cy="3230008"/>
           </a:xfrm>
           <a:prstGeom prst="rect">
             <a:avLst/>
@@ -5467,8 +5596,8 @@
         </p:nvSpPr>
         <p:spPr>
           <a:xfrm>
-            <a:off x="171609" y="5194631"/>
-            <a:ext cx="1670347" cy="308932"/>
+            <a:off x="4347476" y="3501227"/>
+            <a:ext cx="1018224" cy="308932"/>
           </a:xfrm>
           <a:prstGeom prst="roundRect">
             <a:avLst/>
@@ -5500,67 +5629,6 @@
           <a:p>
             <a:pPr algn="ctr"/>
             <a:endParaRPr kumimoji="1" lang="zh-TW" altLang="en-US"/>
-          </a:p>
-        </p:txBody>
-      </p:sp>
-      <p:sp>
-        <p:nvSpPr>
-          <p:cNvPr id="8" name="文字方塊 7"/>
-          <p:cNvSpPr txBox="1"/>
-          <p:nvPr/>
-        </p:nvSpPr>
-        <p:spPr>
-          <a:xfrm>
-            <a:off x="343222" y="5926914"/>
-            <a:ext cx="5297056" cy="646331"/>
-          </a:xfrm>
-          <a:prstGeom prst="rect">
-            <a:avLst/>
-          </a:prstGeom>
-          <a:noFill/>
-        </p:spPr>
-        <p:txBody>
-          <a:bodyPr wrap="square" rtlCol="0">
-            <a:spAutoFit/>
-          </a:bodyPr>
-          <a:lstStyle/>
-          <a:p>
-            <a:pPr marL="285750" indent="-285750">
-              <a:buFont typeface="Arial"/>
-              <a:buChar char="•"/>
-            </a:pPr>
-            <a:r>
-              <a:rPr kumimoji="1" lang="zh-TW" altLang="en-US" dirty="0" smtClean="0"/>
-              <a:t>找有</a:t>
-            </a:r>
-            <a:r>
-              <a:rPr kumimoji="1" lang="en-US" altLang="zh-TW" dirty="0" smtClean="0"/>
-              <a:t>”Windows”</a:t>
-            </a:r>
-            <a:r>
-              <a:rPr kumimoji="1" lang="zh-TW" altLang="en-US" dirty="0"/>
-              <a:t>,</a:t>
-            </a:r>
-            <a:r>
-              <a:rPr kumimoji="1" lang="en-US" altLang="zh-TW" dirty="0" smtClean="0"/>
-              <a:t>“x86-64”</a:t>
-            </a:r>
-            <a:r>
-              <a:rPr kumimoji="1" lang="zh-TW" altLang="en-US" dirty="0" smtClean="0"/>
-              <a:t>之類的關鍵字就對了！</a:t>
-            </a:r>
-            <a:endParaRPr kumimoji="1" lang="en-US" altLang="zh-TW" dirty="0" smtClean="0"/>
-          </a:p>
-          <a:p>
-            <a:pPr marL="285750" indent="-285750">
-              <a:buFont typeface="Arial"/>
-              <a:buChar char="•"/>
-            </a:pPr>
-            <a:r>
-              <a:rPr kumimoji="1" lang="zh-TW" altLang="en-US" dirty="0" smtClean="0"/>
-              <a:t>下載完後一直下一步安裝到底即可</a:t>
-            </a:r>
-            <a:endParaRPr kumimoji="1" lang="zh-TW" altLang="en-US" dirty="0"/>
           </a:p>
         </p:txBody>
       </p:sp>
@@ -5611,14 +5679,35 @@
             <p:ph type="title"/>
           </p:nvPr>
         </p:nvSpPr>
-        <p:spPr/>
+        <p:spPr>
+          <a:xfrm>
+            <a:off x="457200" y="-148713"/>
+            <a:ext cx="8229600" cy="1143000"/>
+          </a:xfrm>
+        </p:spPr>
         <p:txBody>
           <a:bodyPr/>
           <a:lstStyle/>
           <a:p>
             <a:r>
-              <a:rPr kumimoji="1" lang="zh-TW" altLang="en-US" dirty="0" smtClean="0"/>
-              <a:t>增加環境變數</a:t>
+              <a:rPr kumimoji="1" lang="en-US" altLang="zh-TW" dirty="0" smtClean="0"/>
+              <a:t>Install</a:t>
+            </a:r>
+            <a:r>
+              <a:rPr kumimoji="1" lang="zh-TW" altLang="en-US" dirty="0" smtClean="0"/>
+              <a:t> </a:t>
+            </a:r>
+            <a:r>
+              <a:rPr kumimoji="1" lang="en-US" altLang="zh-TW" dirty="0" smtClean="0"/>
+              <a:t>Python for</a:t>
+            </a:r>
+            <a:r>
+              <a:rPr kumimoji="1" lang="zh-TW" altLang="en-US" dirty="0" smtClean="0"/>
+              <a:t> </a:t>
+            </a:r>
+            <a:r>
+              <a:rPr kumimoji="1" lang="en-US" altLang="zh-TW" dirty="0" smtClean="0"/>
+              <a:t>Windows</a:t>
             </a:r>
             <a:endParaRPr kumimoji="1" lang="zh-TW" altLang="en-US" dirty="0"/>
           </a:p>
@@ -5626,13 +5715,11 @@
       </p:sp>
       <p:pic>
         <p:nvPicPr>
-          <p:cNvPr id="5" name="內容版面配置區 4" descr="1.JPG"/>
+          <p:cNvPr id="4" name="圖片 3" descr="5.JPG"/>
           <p:cNvPicPr>
-            <a:picLocks noGrp="1" noChangeAspect="1"/>
+            <a:picLocks noChangeAspect="1"/>
           </p:cNvPicPr>
-          <p:nvPr>
-            <p:ph idx="1"/>
-          </p:nvPr>
+          <p:nvPr/>
         </p:nvPicPr>
         <p:blipFill>
           <a:blip r:embed="rId2">
@@ -5642,16 +5729,23 @@
               </a:ext>
             </a:extLst>
           </a:blip>
-          <a:srcRect t="15546" b="15546"/>
           <a:stretch>
             <a:fillRect/>
           </a:stretch>
         </p:blipFill>
-        <p:spPr/>
+        <p:spPr>
+          <a:xfrm>
+            <a:off x="171610" y="811215"/>
+            <a:ext cx="8855122" cy="5004417"/>
+          </a:xfrm>
+          <a:prstGeom prst="rect">
+            <a:avLst/>
+          </a:prstGeom>
+        </p:spPr>
       </p:pic>
       <p:sp>
         <p:nvSpPr>
-          <p:cNvPr id="4" name="投影片編號版面配置區 3"/>
+          <p:cNvPr id="5" name="投影片編號版面配置區 4"/>
           <p:cNvSpPr>
             <a:spLocks noGrp="1"/>
           </p:cNvSpPr>
@@ -5674,44 +5768,14 @@
       </p:sp>
       <p:sp>
         <p:nvSpPr>
-          <p:cNvPr id="10" name="文字方塊 9"/>
-          <p:cNvSpPr txBox="1"/>
+          <p:cNvPr id="7" name="圓角矩形 6"/>
+          <p:cNvSpPr/>
           <p:nvPr/>
         </p:nvSpPr>
         <p:spPr>
           <a:xfrm>
-            <a:off x="457200" y="6171684"/>
-            <a:ext cx="2551282" cy="369332"/>
-          </a:xfrm>
-          <a:prstGeom prst="rect">
-            <a:avLst/>
-          </a:prstGeom>
-          <a:noFill/>
-        </p:spPr>
-        <p:txBody>
-          <a:bodyPr wrap="square" rtlCol="0">
-            <a:spAutoFit/>
-          </a:bodyPr>
-          <a:lstStyle/>
-          <a:p>
-            <a:r>
-              <a:rPr kumimoji="1" lang="zh-TW" altLang="en-US" dirty="0" smtClean="0"/>
-              <a:t>打開控制台，尋找系統</a:t>
-            </a:r>
-            <a:endParaRPr kumimoji="1" lang="zh-TW" altLang="en-US" dirty="0"/>
-          </a:p>
-        </p:txBody>
-      </p:sp>
-      <p:sp>
-        <p:nvSpPr>
-          <p:cNvPr id="11" name="圓角矩形 10"/>
-          <p:cNvSpPr/>
-          <p:nvPr/>
-        </p:nvSpPr>
-        <p:spPr>
-          <a:xfrm>
-            <a:off x="572036" y="3695740"/>
-            <a:ext cx="675004" cy="308932"/>
+            <a:off x="171609" y="5194631"/>
+            <a:ext cx="1670347" cy="308932"/>
           </a:xfrm>
           <a:prstGeom prst="roundRect">
             <a:avLst/>
@@ -5742,6 +5806,67 @@
           <a:lstStyle/>
           <a:p>
             <a:pPr algn="ctr"/>
+            <a:endParaRPr kumimoji="1" lang="zh-TW" altLang="en-US"/>
+          </a:p>
+        </p:txBody>
+      </p:sp>
+      <p:sp>
+        <p:nvSpPr>
+          <p:cNvPr id="8" name="文字方塊 7"/>
+          <p:cNvSpPr txBox="1"/>
+          <p:nvPr/>
+        </p:nvSpPr>
+        <p:spPr>
+          <a:xfrm>
+            <a:off x="343222" y="5926914"/>
+            <a:ext cx="5297056" cy="646331"/>
+          </a:xfrm>
+          <a:prstGeom prst="rect">
+            <a:avLst/>
+          </a:prstGeom>
+          <a:noFill/>
+        </p:spPr>
+        <p:txBody>
+          <a:bodyPr wrap="square" rtlCol="0">
+            <a:spAutoFit/>
+          </a:bodyPr>
+          <a:lstStyle/>
+          <a:p>
+            <a:pPr marL="285750" indent="-285750">
+              <a:buFont typeface="Arial"/>
+              <a:buChar char="•"/>
+            </a:pPr>
+            <a:r>
+              <a:rPr kumimoji="1" lang="zh-TW" altLang="en-US" dirty="0" smtClean="0"/>
+              <a:t>找有</a:t>
+            </a:r>
+            <a:r>
+              <a:rPr kumimoji="1" lang="en-US" altLang="zh-TW" dirty="0" smtClean="0"/>
+              <a:t>”Windows”</a:t>
+            </a:r>
+            <a:r>
+              <a:rPr kumimoji="1" lang="zh-TW" altLang="en-US" dirty="0"/>
+              <a:t>,</a:t>
+            </a:r>
+            <a:r>
+              <a:rPr kumimoji="1" lang="en-US" altLang="zh-TW" dirty="0" smtClean="0"/>
+              <a:t>“x86-64”</a:t>
+            </a:r>
+            <a:r>
+              <a:rPr kumimoji="1" lang="zh-TW" altLang="en-US" dirty="0" smtClean="0"/>
+              <a:t>之類的關鍵字就對了！</a:t>
+            </a:r>
+            <a:endParaRPr kumimoji="1" lang="en-US" altLang="zh-TW" dirty="0" smtClean="0"/>
+          </a:p>
+          <a:p>
+            <a:pPr marL="285750" indent="-285750">
+              <a:buFont typeface="Arial"/>
+              <a:buChar char="•"/>
+            </a:pPr>
+            <a:r>
+              <a:rPr kumimoji="1" lang="zh-TW" altLang="en-US" dirty="0" smtClean="0"/>
+              <a:t>下載完後一直下一步安裝到底即可</a:t>
+            </a:r>
             <a:endParaRPr kumimoji="1" lang="zh-TW" altLang="en-US" dirty="0"/>
           </a:p>
         </p:txBody>
@@ -5749,7 +5874,7 @@
     </p:spTree>
     <p:extLst>
       <p:ext uri="{BB962C8B-B14F-4D97-AF65-F5344CB8AC3E}">
-        <p14:creationId xmlns:p14="http://schemas.microsoft.com/office/powerpoint/2010/main" val="1487878302"/>
+        <p14:creationId xmlns:p14="http://schemas.microsoft.com/office/powerpoint/2010/main" val="3774335479"/>
       </p:ext>
     </p:extLst>
   </p:cSld>
@@ -5806,36 +5931,15 @@
           </a:p>
         </p:txBody>
       </p:sp>
-      <p:sp>
-        <p:nvSpPr>
-          <p:cNvPr id="4" name="投影片編號版面配置區 3"/>
-          <p:cNvSpPr>
-            <a:spLocks noGrp="1"/>
-          </p:cNvSpPr>
-          <p:nvPr>
-            <p:ph type="sldNum" sz="quarter" idx="12"/>
-          </p:nvPr>
-        </p:nvSpPr>
-        <p:spPr/>
-        <p:txBody>
-          <a:bodyPr/>
-          <a:lstStyle/>
-          <a:p>
-            <a:fld id="{D0256DAB-F776-1247-8262-D98F626E04EC}" type="slidenum">
-              <a:rPr kumimoji="1" lang="zh-TW" altLang="en-US" smtClean="0"/>
-              <a:t>17</a:t>
-            </a:fld>
-            <a:endParaRPr kumimoji="1" lang="zh-TW" altLang="en-US"/>
-          </a:p>
-        </p:txBody>
-      </p:sp>
       <p:pic>
         <p:nvPicPr>
-          <p:cNvPr id="10" name="圖片 9" descr="2.JPG"/>
+          <p:cNvPr id="5" name="內容版面配置區 4" descr="1.JPG"/>
           <p:cNvPicPr>
-            <a:picLocks noChangeAspect="1"/>
+            <a:picLocks noGrp="1" noChangeAspect="1"/>
           </p:cNvPicPr>
-          <p:nvPr/>
+          <p:nvPr>
+            <p:ph idx="1"/>
+          </p:nvPr>
         </p:nvPicPr>
         <p:blipFill>
           <a:blip r:embed="rId2">
@@ -5845,20 +5949,66 @@
               </a:ext>
             </a:extLst>
           </a:blip>
+          <a:srcRect t="15546" b="15546"/>
           <a:stretch>
             <a:fillRect/>
           </a:stretch>
         </p:blipFill>
+        <p:spPr/>
+      </p:pic>
+      <p:sp>
+        <p:nvSpPr>
+          <p:cNvPr id="4" name="投影片編號版面配置區 3"/>
+          <p:cNvSpPr>
+            <a:spLocks noGrp="1"/>
+          </p:cNvSpPr>
+          <p:nvPr>
+            <p:ph type="sldNum" sz="quarter" idx="12"/>
+          </p:nvPr>
+        </p:nvSpPr>
+        <p:spPr/>
+        <p:txBody>
+          <a:bodyPr/>
+          <a:lstStyle/>
+          <a:p>
+            <a:fld id="{D0256DAB-F776-1247-8262-D98F626E04EC}" type="slidenum">
+              <a:rPr kumimoji="1" lang="zh-TW" altLang="en-US" smtClean="0"/>
+              <a:t>17</a:t>
+            </a:fld>
+            <a:endParaRPr kumimoji="1" lang="zh-TW" altLang="en-US"/>
+          </a:p>
+        </p:txBody>
+      </p:sp>
+      <p:sp>
+        <p:nvSpPr>
+          <p:cNvPr id="10" name="文字方塊 9"/>
+          <p:cNvSpPr txBox="1"/>
+          <p:nvPr/>
+        </p:nvSpPr>
         <p:spPr>
           <a:xfrm>
-            <a:off x="1253683" y="1309015"/>
-            <a:ext cx="6640418" cy="5320147"/>
+            <a:off x="457200" y="6171684"/>
+            <a:ext cx="2551282" cy="369332"/>
           </a:xfrm>
           <a:prstGeom prst="rect">
             <a:avLst/>
           </a:prstGeom>
+          <a:noFill/>
         </p:spPr>
-      </p:pic>
+        <p:txBody>
+          <a:bodyPr wrap="square" rtlCol="0">
+            <a:spAutoFit/>
+          </a:bodyPr>
+          <a:lstStyle/>
+          <a:p>
+            <a:r>
+              <a:rPr kumimoji="1" lang="zh-TW" altLang="en-US" dirty="0" smtClean="0"/>
+              <a:t>打開控制台，尋找系統</a:t>
+            </a:r>
+            <a:endParaRPr kumimoji="1" lang="zh-TW" altLang="en-US" dirty="0"/>
+          </a:p>
+        </p:txBody>
+      </p:sp>
       <p:sp>
         <p:nvSpPr>
           <p:cNvPr id="11" name="圓角矩形 10"/>
@@ -5867,8 +6017,8 @@
         </p:nvSpPr>
         <p:spPr>
           <a:xfrm>
-            <a:off x="1253684" y="2665967"/>
-            <a:ext cx="1000140" cy="308932"/>
+            <a:off x="572036" y="3695740"/>
+            <a:ext cx="675004" cy="308932"/>
           </a:xfrm>
           <a:prstGeom prst="roundRect">
             <a:avLst/>
@@ -5899,14 +6049,14 @@
           <a:lstStyle/>
           <a:p>
             <a:pPr algn="ctr"/>
-            <a:endParaRPr kumimoji="1" lang="zh-TW" altLang="en-US"/>
+            <a:endParaRPr kumimoji="1" lang="zh-TW" altLang="en-US" dirty="0"/>
           </a:p>
         </p:txBody>
       </p:sp>
     </p:spTree>
     <p:extLst>
       <p:ext uri="{BB962C8B-B14F-4D97-AF65-F5344CB8AC3E}">
-        <p14:creationId xmlns:p14="http://schemas.microsoft.com/office/powerpoint/2010/main" val="1980587385"/>
+        <p14:creationId xmlns:p14="http://schemas.microsoft.com/office/powerpoint/2010/main" val="1487878302"/>
       </p:ext>
     </p:extLst>
   </p:cSld>
@@ -5981,6 +6131,163 @@
             <a:fld id="{D0256DAB-F776-1247-8262-D98F626E04EC}" type="slidenum">
               <a:rPr kumimoji="1" lang="zh-TW" altLang="en-US" smtClean="0"/>
               <a:t>18</a:t>
+            </a:fld>
+            <a:endParaRPr kumimoji="1" lang="zh-TW" altLang="en-US"/>
+          </a:p>
+        </p:txBody>
+      </p:sp>
+      <p:pic>
+        <p:nvPicPr>
+          <p:cNvPr id="10" name="圖片 9" descr="2.JPG"/>
+          <p:cNvPicPr>
+            <a:picLocks noChangeAspect="1"/>
+          </p:cNvPicPr>
+          <p:nvPr/>
+        </p:nvPicPr>
+        <p:blipFill>
+          <a:blip r:embed="rId2">
+            <a:extLst>
+              <a:ext uri="{28A0092B-C50C-407E-A947-70E740481C1C}">
+                <a14:useLocalDpi xmlns:a14="http://schemas.microsoft.com/office/drawing/2010/main" val="0"/>
+              </a:ext>
+            </a:extLst>
+          </a:blip>
+          <a:stretch>
+            <a:fillRect/>
+          </a:stretch>
+        </p:blipFill>
+        <p:spPr>
+          <a:xfrm>
+            <a:off x="1253683" y="1309015"/>
+            <a:ext cx="6640418" cy="5320147"/>
+          </a:xfrm>
+          <a:prstGeom prst="rect">
+            <a:avLst/>
+          </a:prstGeom>
+        </p:spPr>
+      </p:pic>
+      <p:sp>
+        <p:nvSpPr>
+          <p:cNvPr id="11" name="圓角矩形 10"/>
+          <p:cNvSpPr/>
+          <p:nvPr/>
+        </p:nvSpPr>
+        <p:spPr>
+          <a:xfrm>
+            <a:off x="1253684" y="2665967"/>
+            <a:ext cx="1000140" cy="308932"/>
+          </a:xfrm>
+          <a:prstGeom prst="roundRect">
+            <a:avLst/>
+          </a:prstGeom>
+          <a:noFill/>
+          <a:ln w="57150" cmpd="sng">
+            <a:solidFill>
+              <a:srgbClr val="FF0000"/>
+            </a:solidFill>
+          </a:ln>
+        </p:spPr>
+        <p:style>
+          <a:lnRef idx="1">
+            <a:schemeClr val="accent1"/>
+          </a:lnRef>
+          <a:fillRef idx="3">
+            <a:schemeClr val="accent1"/>
+          </a:fillRef>
+          <a:effectRef idx="2">
+            <a:schemeClr val="accent1"/>
+          </a:effectRef>
+          <a:fontRef idx="minor">
+            <a:schemeClr val="lt1"/>
+          </a:fontRef>
+        </p:style>
+        <p:txBody>
+          <a:bodyPr rtlCol="0" anchor="ctr"/>
+          <a:lstStyle/>
+          <a:p>
+            <a:pPr algn="ctr"/>
+            <a:endParaRPr kumimoji="1" lang="zh-TW" altLang="en-US"/>
+          </a:p>
+        </p:txBody>
+      </p:sp>
+    </p:spTree>
+    <p:extLst>
+      <p:ext uri="{BB962C8B-B14F-4D97-AF65-F5344CB8AC3E}">
+        <p14:creationId xmlns:p14="http://schemas.microsoft.com/office/powerpoint/2010/main" val="1980587385"/>
+      </p:ext>
+    </p:extLst>
+  </p:cSld>
+  <p:clrMapOvr>
+    <a:masterClrMapping/>
+  </p:clrMapOvr>
+  <p:timing>
+    <p:tnLst>
+      <p:par>
+        <p:cTn xmlns:p14="http://schemas.microsoft.com/office/powerpoint/2010/main" id="1" dur="indefinite" restart="never" nodeType="tmRoot"/>
+      </p:par>
+    </p:tnLst>
+  </p:timing>
+</p:sld>
+</file>
+
+<file path=ppt/slides/slide19.xml><?xml version="1.0" encoding="utf-8"?>
+<p:sld xmlns:a="http://schemas.openxmlformats.org/drawingml/2006/main" xmlns:r="http://schemas.openxmlformats.org/officeDocument/2006/relationships" xmlns:p="http://schemas.openxmlformats.org/presentationml/2006/main">
+  <p:cSld>
+    <p:spTree>
+      <p:nvGrpSpPr>
+        <p:cNvPr id="1" name=""/>
+        <p:cNvGrpSpPr/>
+        <p:nvPr/>
+      </p:nvGrpSpPr>
+      <p:grpSpPr>
+        <a:xfrm>
+          <a:off x="0" y="0"/>
+          <a:ext cx="0" cy="0"/>
+          <a:chOff x="0" y="0"/>
+          <a:chExt cx="0" cy="0"/>
+        </a:xfrm>
+      </p:grpSpPr>
+      <p:sp>
+        <p:nvSpPr>
+          <p:cNvPr id="2" name="標題 1"/>
+          <p:cNvSpPr>
+            <a:spLocks noGrp="1"/>
+          </p:cNvSpPr>
+          <p:nvPr>
+            <p:ph type="title"/>
+          </p:nvPr>
+        </p:nvSpPr>
+        <p:spPr/>
+        <p:txBody>
+          <a:bodyPr/>
+          <a:lstStyle/>
+          <a:p>
+            <a:r>
+              <a:rPr kumimoji="1" lang="zh-TW" altLang="en-US" dirty="0" smtClean="0"/>
+              <a:t>增加環境變數</a:t>
+            </a:r>
+            <a:endParaRPr kumimoji="1" lang="zh-TW" altLang="en-US" dirty="0"/>
+          </a:p>
+        </p:txBody>
+      </p:sp>
+      <p:sp>
+        <p:nvSpPr>
+          <p:cNvPr id="4" name="投影片編號版面配置區 3"/>
+          <p:cNvSpPr>
+            <a:spLocks noGrp="1"/>
+          </p:cNvSpPr>
+          <p:nvPr>
+            <p:ph type="sldNum" sz="quarter" idx="12"/>
+          </p:nvPr>
+        </p:nvSpPr>
+        <p:spPr/>
+        <p:txBody>
+          <a:bodyPr/>
+          <a:lstStyle/>
+          <a:p>
+            <a:fld id="{D0256DAB-F776-1247-8262-D98F626E04EC}" type="slidenum">
+              <a:rPr kumimoji="1" lang="zh-TW" altLang="en-US" smtClean="0"/>
+              <a:t>19</a:t>
             </a:fld>
             <a:endParaRPr kumimoji="1" lang="zh-TW" altLang="en-US"/>
           </a:p>
@@ -6567,7 +6874,7 @@
 </p:sld>
 </file>
 
-<file path=ppt/slides/slide19.xml><?xml version="1.0" encoding="utf-8"?>
+<file path=ppt/slides/slide2.xml><?xml version="1.0" encoding="utf-8"?>
 <p:sld xmlns:a="http://schemas.openxmlformats.org/drawingml/2006/main" xmlns:r="http://schemas.openxmlformats.org/officeDocument/2006/relationships" xmlns:p="http://schemas.openxmlformats.org/presentationml/2006/main">
   <p:cSld>
     <p:spTree>
@@ -6594,6 +6901,175 @@
             <p:ph type="title"/>
           </p:nvPr>
         </p:nvSpPr>
+        <p:spPr/>
+        <p:txBody>
+          <a:bodyPr/>
+          <a:lstStyle/>
+          <a:p>
+            <a:r>
+              <a:rPr kumimoji="1" lang="en-US" altLang="zh-TW" dirty="0" smtClean="0"/>
+              <a:t>Final</a:t>
+            </a:r>
+            <a:r>
+              <a:rPr kumimoji="1" lang="zh-TW" altLang="en-US" dirty="0" smtClean="0"/>
+              <a:t> </a:t>
+            </a:r>
+            <a:r>
+              <a:rPr kumimoji="1" lang="en-US" altLang="zh-TW" dirty="0" smtClean="0"/>
+              <a:t>Target</a:t>
+            </a:r>
+            <a:endParaRPr kumimoji="1" lang="zh-TW" altLang="en-US" dirty="0"/>
+          </a:p>
+        </p:txBody>
+      </p:sp>
+      <p:sp>
+        <p:nvSpPr>
+          <p:cNvPr id="3" name="內容版面配置區 2"/>
+          <p:cNvSpPr>
+            <a:spLocks noGrp="1"/>
+          </p:cNvSpPr>
+          <p:nvPr>
+            <p:ph idx="1"/>
+          </p:nvPr>
+        </p:nvSpPr>
+        <p:spPr/>
+        <p:txBody>
+          <a:bodyPr/>
+          <a:lstStyle/>
+          <a:p>
+            <a:r>
+              <a:rPr kumimoji="1" lang="en-US" altLang="zh-TW" dirty="0" smtClean="0"/>
+              <a:t>Recipe</a:t>
+            </a:r>
+            <a:r>
+              <a:rPr kumimoji="1" lang="zh-TW" altLang="en-US" dirty="0" smtClean="0"/>
+              <a:t> </a:t>
+            </a:r>
+            <a:r>
+              <a:rPr kumimoji="1" lang="en-US" altLang="zh-TW" dirty="0" smtClean="0"/>
+              <a:t>Recommender</a:t>
+            </a:r>
+            <a:r>
+              <a:rPr kumimoji="1" lang="zh-TW" altLang="en-US" dirty="0" smtClean="0"/>
+              <a:t> </a:t>
+            </a:r>
+            <a:r>
+              <a:rPr kumimoji="1" lang="en-US" altLang="zh-TW" dirty="0" smtClean="0"/>
+              <a:t>System</a:t>
+            </a:r>
+          </a:p>
+          <a:p>
+            <a:pPr lvl="1"/>
+            <a:r>
+              <a:rPr kumimoji="1" lang="zh-TW" altLang="en-US" dirty="0" smtClean="0"/>
+              <a:t>I</a:t>
+            </a:r>
+            <a:r>
+              <a:rPr kumimoji="1" lang="en-US" altLang="zh-TW" dirty="0" err="1" smtClean="0"/>
+              <a:t>nput</a:t>
+            </a:r>
+            <a:r>
+              <a:rPr kumimoji="1" lang="en-US" altLang="zh-TW" dirty="0" smtClean="0"/>
+              <a:t>:</a:t>
+            </a:r>
+            <a:r>
+              <a:rPr kumimoji="1" lang="zh-TW" altLang="en-US" dirty="0" smtClean="0"/>
+              <a:t> 食材或食譜名</a:t>
+            </a:r>
+            <a:endParaRPr kumimoji="1" lang="en-US" altLang="zh-TW" dirty="0" smtClean="0"/>
+          </a:p>
+          <a:p>
+            <a:pPr lvl="1"/>
+            <a:r>
+              <a:rPr kumimoji="1" lang="zh-TW" altLang="zh-TW" dirty="0" smtClean="0"/>
+              <a:t>O</a:t>
+            </a:r>
+            <a:r>
+              <a:rPr kumimoji="1" lang="en-US" altLang="zh-TW" dirty="0" err="1" smtClean="0"/>
+              <a:t>utput</a:t>
+            </a:r>
+            <a:r>
+              <a:rPr kumimoji="1" lang="en-US" altLang="zh-TW" dirty="0" smtClean="0"/>
+              <a:t>:</a:t>
+            </a:r>
+            <a:r>
+              <a:rPr kumimoji="1" lang="zh-TW" altLang="en-US" dirty="0" smtClean="0"/>
+              <a:t> 食譜的清單</a:t>
+            </a:r>
+            <a:endParaRPr kumimoji="1" lang="en-US" altLang="zh-TW" dirty="0" smtClean="0"/>
+          </a:p>
+        </p:txBody>
+      </p:sp>
+      <p:sp>
+        <p:nvSpPr>
+          <p:cNvPr id="4" name="投影片編號版面配置區 3"/>
+          <p:cNvSpPr>
+            <a:spLocks noGrp="1"/>
+          </p:cNvSpPr>
+          <p:nvPr>
+            <p:ph type="sldNum" sz="quarter" idx="12"/>
+          </p:nvPr>
+        </p:nvSpPr>
+        <p:spPr/>
+        <p:txBody>
+          <a:bodyPr/>
+          <a:lstStyle/>
+          <a:p>
+            <a:fld id="{D0256DAB-F776-1247-8262-D98F626E04EC}" type="slidenum">
+              <a:rPr kumimoji="1" lang="zh-TW" altLang="en-US" smtClean="0"/>
+              <a:t>2</a:t>
+            </a:fld>
+            <a:endParaRPr kumimoji="1" lang="zh-TW" altLang="en-US"/>
+          </a:p>
+        </p:txBody>
+      </p:sp>
+    </p:spTree>
+    <p:extLst>
+      <p:ext uri="{BB962C8B-B14F-4D97-AF65-F5344CB8AC3E}">
+        <p14:creationId xmlns:p14="http://schemas.microsoft.com/office/powerpoint/2010/main" val="3692903855"/>
+      </p:ext>
+    </p:extLst>
+  </p:cSld>
+  <p:clrMapOvr>
+    <a:masterClrMapping/>
+  </p:clrMapOvr>
+  <p:timing>
+    <p:tnLst>
+      <p:par>
+        <p:cTn xmlns:p14="http://schemas.microsoft.com/office/powerpoint/2010/main" id="1" dur="indefinite" restart="never" nodeType="tmRoot"/>
+      </p:par>
+    </p:tnLst>
+  </p:timing>
+</p:sld>
+</file>
+
+<file path=ppt/slides/slide20.xml><?xml version="1.0" encoding="utf-8"?>
+<p:sld xmlns:a="http://schemas.openxmlformats.org/drawingml/2006/main" xmlns:r="http://schemas.openxmlformats.org/officeDocument/2006/relationships" xmlns:p="http://schemas.openxmlformats.org/presentationml/2006/main">
+  <p:cSld>
+    <p:spTree>
+      <p:nvGrpSpPr>
+        <p:cNvPr id="1" name=""/>
+        <p:cNvGrpSpPr/>
+        <p:nvPr/>
+      </p:nvGrpSpPr>
+      <p:grpSpPr>
+        <a:xfrm>
+          <a:off x="0" y="0"/>
+          <a:ext cx="0" cy="0"/>
+          <a:chOff x="0" y="0"/>
+          <a:chExt cx="0" cy="0"/>
+        </a:xfrm>
+      </p:grpSpPr>
+      <p:sp>
+        <p:nvSpPr>
+          <p:cNvPr id="2" name="標題 1"/>
+          <p:cNvSpPr>
+            <a:spLocks noGrp="1"/>
+          </p:cNvSpPr>
+          <p:nvPr>
+            <p:ph type="title"/>
+          </p:nvPr>
+        </p:nvSpPr>
         <p:spPr>
           <a:xfrm>
             <a:off x="2127546" y="0"/>
@@ -6629,7 +7105,7 @@
           <a:p>
             <a:fld id="{D0256DAB-F776-1247-8262-D98F626E04EC}" type="slidenum">
               <a:rPr kumimoji="1" lang="zh-TW" altLang="en-US" smtClean="0"/>
-              <a:t>19</a:t>
+              <a:t>20</a:t>
             </a:fld>
             <a:endParaRPr kumimoji="1" lang="zh-TW" altLang="en-US"/>
           </a:p>
@@ -6940,7 +7416,7 @@
 </p:sld>
 </file>
 
-<file path=ppt/slides/slide2.xml><?xml version="1.0" encoding="utf-8"?>
+<file path=ppt/slides/slide21.xml><?xml version="1.0" encoding="utf-8"?>
 <p:sld xmlns:a="http://schemas.openxmlformats.org/drawingml/2006/main" xmlns:r="http://schemas.openxmlformats.org/officeDocument/2006/relationships" xmlns:p="http://schemas.openxmlformats.org/presentationml/2006/main">
   <p:cSld>
     <p:spTree>
@@ -6967,175 +7443,6 @@
             <p:ph type="title"/>
           </p:nvPr>
         </p:nvSpPr>
-        <p:spPr/>
-        <p:txBody>
-          <a:bodyPr/>
-          <a:lstStyle/>
-          <a:p>
-            <a:r>
-              <a:rPr kumimoji="1" lang="en-US" altLang="zh-TW" dirty="0" smtClean="0"/>
-              <a:t>Final</a:t>
-            </a:r>
-            <a:r>
-              <a:rPr kumimoji="1" lang="zh-TW" altLang="en-US" dirty="0" smtClean="0"/>
-              <a:t> </a:t>
-            </a:r>
-            <a:r>
-              <a:rPr kumimoji="1" lang="en-US" altLang="zh-TW" dirty="0" smtClean="0"/>
-              <a:t>Target</a:t>
-            </a:r>
-            <a:endParaRPr kumimoji="1" lang="zh-TW" altLang="en-US" dirty="0"/>
-          </a:p>
-        </p:txBody>
-      </p:sp>
-      <p:sp>
-        <p:nvSpPr>
-          <p:cNvPr id="3" name="內容版面配置區 2"/>
-          <p:cNvSpPr>
-            <a:spLocks noGrp="1"/>
-          </p:cNvSpPr>
-          <p:nvPr>
-            <p:ph idx="1"/>
-          </p:nvPr>
-        </p:nvSpPr>
-        <p:spPr/>
-        <p:txBody>
-          <a:bodyPr/>
-          <a:lstStyle/>
-          <a:p>
-            <a:r>
-              <a:rPr kumimoji="1" lang="en-US" altLang="zh-TW" dirty="0" smtClean="0"/>
-              <a:t>Recipe</a:t>
-            </a:r>
-            <a:r>
-              <a:rPr kumimoji="1" lang="zh-TW" altLang="en-US" dirty="0" smtClean="0"/>
-              <a:t> </a:t>
-            </a:r>
-            <a:r>
-              <a:rPr kumimoji="1" lang="en-US" altLang="zh-TW" dirty="0" smtClean="0"/>
-              <a:t>Recommender</a:t>
-            </a:r>
-            <a:r>
-              <a:rPr kumimoji="1" lang="zh-TW" altLang="en-US" dirty="0" smtClean="0"/>
-              <a:t> </a:t>
-            </a:r>
-            <a:r>
-              <a:rPr kumimoji="1" lang="en-US" altLang="zh-TW" dirty="0" smtClean="0"/>
-              <a:t>System</a:t>
-            </a:r>
-          </a:p>
-          <a:p>
-            <a:pPr lvl="1"/>
-            <a:r>
-              <a:rPr kumimoji="1" lang="zh-TW" altLang="en-US" dirty="0" smtClean="0"/>
-              <a:t>I</a:t>
-            </a:r>
-            <a:r>
-              <a:rPr kumimoji="1" lang="en-US" altLang="zh-TW" dirty="0" err="1" smtClean="0"/>
-              <a:t>nput</a:t>
-            </a:r>
-            <a:r>
-              <a:rPr kumimoji="1" lang="en-US" altLang="zh-TW" dirty="0" smtClean="0"/>
-              <a:t>:</a:t>
-            </a:r>
-            <a:r>
-              <a:rPr kumimoji="1" lang="zh-TW" altLang="en-US" dirty="0" smtClean="0"/>
-              <a:t> 食材或食譜名</a:t>
-            </a:r>
-            <a:endParaRPr kumimoji="1" lang="en-US" altLang="zh-TW" dirty="0" smtClean="0"/>
-          </a:p>
-          <a:p>
-            <a:pPr lvl="1"/>
-            <a:r>
-              <a:rPr kumimoji="1" lang="zh-TW" altLang="zh-TW" dirty="0" smtClean="0"/>
-              <a:t>O</a:t>
-            </a:r>
-            <a:r>
-              <a:rPr kumimoji="1" lang="en-US" altLang="zh-TW" dirty="0" err="1" smtClean="0"/>
-              <a:t>utput</a:t>
-            </a:r>
-            <a:r>
-              <a:rPr kumimoji="1" lang="en-US" altLang="zh-TW" dirty="0" smtClean="0"/>
-              <a:t>:</a:t>
-            </a:r>
-            <a:r>
-              <a:rPr kumimoji="1" lang="zh-TW" altLang="en-US" dirty="0" smtClean="0"/>
-              <a:t> 食譜的清單</a:t>
-            </a:r>
-            <a:endParaRPr kumimoji="1" lang="en-US" altLang="zh-TW" dirty="0" smtClean="0"/>
-          </a:p>
-        </p:txBody>
-      </p:sp>
-      <p:sp>
-        <p:nvSpPr>
-          <p:cNvPr id="4" name="投影片編號版面配置區 3"/>
-          <p:cNvSpPr>
-            <a:spLocks noGrp="1"/>
-          </p:cNvSpPr>
-          <p:nvPr>
-            <p:ph type="sldNum" sz="quarter" idx="12"/>
-          </p:nvPr>
-        </p:nvSpPr>
-        <p:spPr/>
-        <p:txBody>
-          <a:bodyPr/>
-          <a:lstStyle/>
-          <a:p>
-            <a:fld id="{D0256DAB-F776-1247-8262-D98F626E04EC}" type="slidenum">
-              <a:rPr kumimoji="1" lang="zh-TW" altLang="en-US" smtClean="0"/>
-              <a:t>2</a:t>
-            </a:fld>
-            <a:endParaRPr kumimoji="1" lang="zh-TW" altLang="en-US"/>
-          </a:p>
-        </p:txBody>
-      </p:sp>
-    </p:spTree>
-    <p:extLst>
-      <p:ext uri="{BB962C8B-B14F-4D97-AF65-F5344CB8AC3E}">
-        <p14:creationId xmlns:p14="http://schemas.microsoft.com/office/powerpoint/2010/main" val="3692903855"/>
-      </p:ext>
-    </p:extLst>
-  </p:cSld>
-  <p:clrMapOvr>
-    <a:masterClrMapping/>
-  </p:clrMapOvr>
-  <p:timing>
-    <p:tnLst>
-      <p:par>
-        <p:cTn xmlns:p14="http://schemas.microsoft.com/office/powerpoint/2010/main" id="1" dur="indefinite" restart="never" nodeType="tmRoot"/>
-      </p:par>
-    </p:tnLst>
-  </p:timing>
-</p:sld>
-</file>
-
-<file path=ppt/slides/slide20.xml><?xml version="1.0" encoding="utf-8"?>
-<p:sld xmlns:a="http://schemas.openxmlformats.org/drawingml/2006/main" xmlns:r="http://schemas.openxmlformats.org/officeDocument/2006/relationships" xmlns:p="http://schemas.openxmlformats.org/presentationml/2006/main">
-  <p:cSld>
-    <p:spTree>
-      <p:nvGrpSpPr>
-        <p:cNvPr id="1" name=""/>
-        <p:cNvGrpSpPr/>
-        <p:nvPr/>
-      </p:nvGrpSpPr>
-      <p:grpSpPr>
-        <a:xfrm>
-          <a:off x="0" y="0"/>
-          <a:ext cx="0" cy="0"/>
-          <a:chOff x="0" y="0"/>
-          <a:chExt cx="0" cy="0"/>
-        </a:xfrm>
-      </p:grpSpPr>
-      <p:sp>
-        <p:nvSpPr>
-          <p:cNvPr id="2" name="標題 1"/>
-          <p:cNvSpPr>
-            <a:spLocks noGrp="1"/>
-          </p:cNvSpPr>
-          <p:nvPr>
-            <p:ph type="title"/>
-          </p:nvPr>
-        </p:nvSpPr>
         <p:spPr>
           <a:xfrm>
             <a:off x="457200" y="0"/>
@@ -7255,7 +7562,7 @@
           <a:p>
             <a:fld id="{D0256DAB-F776-1247-8262-D98F626E04EC}" type="slidenum">
               <a:rPr kumimoji="1" lang="zh-TW" altLang="en-US" smtClean="0"/>
-              <a:t>20</a:t>
+              <a:t>21</a:t>
             </a:fld>
             <a:endParaRPr kumimoji="1" lang="zh-TW" altLang="en-US"/>
           </a:p>
@@ -7371,346 +7678,6 @@
 </p:sld>
 </file>
 
-<file path=ppt/slides/slide21.xml><?xml version="1.0" encoding="utf-8"?>
-<p:sld xmlns:a="http://schemas.openxmlformats.org/drawingml/2006/main" xmlns:r="http://schemas.openxmlformats.org/officeDocument/2006/relationships" xmlns:p="http://schemas.openxmlformats.org/presentationml/2006/main">
-  <p:cSld>
-    <p:spTree>
-      <p:nvGrpSpPr>
-        <p:cNvPr id="1" name=""/>
-        <p:cNvGrpSpPr/>
-        <p:nvPr/>
-      </p:nvGrpSpPr>
-      <p:grpSpPr>
-        <a:xfrm>
-          <a:off x="0" y="0"/>
-          <a:ext cx="0" cy="0"/>
-          <a:chOff x="0" y="0"/>
-          <a:chExt cx="0" cy="0"/>
-        </a:xfrm>
-      </p:grpSpPr>
-      <p:sp>
-        <p:nvSpPr>
-          <p:cNvPr id="2" name="標題 1"/>
-          <p:cNvSpPr>
-            <a:spLocks noGrp="1"/>
-          </p:cNvSpPr>
-          <p:nvPr>
-            <p:ph type="title"/>
-          </p:nvPr>
-        </p:nvSpPr>
-        <p:spPr>
-          <a:xfrm>
-            <a:off x="457200" y="114451"/>
-            <a:ext cx="8229600" cy="1143000"/>
-          </a:xfrm>
-        </p:spPr>
-        <p:txBody>
-          <a:bodyPr>
-            <a:normAutofit fontScale="90000"/>
-          </a:bodyPr>
-          <a:lstStyle/>
-          <a:p>
-            <a:r>
-              <a:rPr kumimoji="1" lang="en-US" altLang="zh-TW" dirty="0" smtClean="0"/>
-              <a:t>IDE(Integrated Development Environment)</a:t>
-            </a:r>
-            <a:endParaRPr kumimoji="1" lang="zh-TW" altLang="en-US" dirty="0"/>
-          </a:p>
-        </p:txBody>
-      </p:sp>
-      <p:sp>
-        <p:nvSpPr>
-          <p:cNvPr id="3" name="內容版面配置區 2"/>
-          <p:cNvSpPr>
-            <a:spLocks noGrp="1"/>
-          </p:cNvSpPr>
-          <p:nvPr>
-            <p:ph idx="1"/>
-          </p:nvPr>
-        </p:nvSpPr>
-        <p:spPr>
-          <a:xfrm>
-            <a:off x="457200" y="1338704"/>
-            <a:ext cx="8229600" cy="5206073"/>
-          </a:xfrm>
-        </p:spPr>
-        <p:txBody>
-          <a:bodyPr>
-            <a:normAutofit fontScale="85000" lnSpcReduction="20000"/>
-          </a:bodyPr>
-          <a:lstStyle/>
-          <a:p>
-            <a:r>
-              <a:rPr kumimoji="1" lang="en-US" altLang="zh-TW" dirty="0" smtClean="0"/>
-              <a:t>IDE:</a:t>
-            </a:r>
-            <a:r>
-              <a:rPr kumimoji="1" lang="zh-TW" altLang="en-US" dirty="0" smtClean="0"/>
-              <a:t> 寫程式的工具</a:t>
-            </a:r>
-            <a:endParaRPr kumimoji="1" lang="en-US" altLang="zh-TW" dirty="0" smtClean="0"/>
-          </a:p>
-          <a:p>
-            <a:r>
-              <a:rPr kumimoji="1" lang="zh-TW" altLang="en-US" dirty="0" smtClean="0"/>
-              <a:t>有好的開發環境，寫起程式來將會快速很多！</a:t>
-            </a:r>
-            <a:endParaRPr kumimoji="1" lang="en-US" altLang="zh-TW" dirty="0" smtClean="0"/>
-          </a:p>
-          <a:p>
-            <a:r>
-              <a:rPr kumimoji="1" lang="zh-TW" altLang="en-US" dirty="0" smtClean="0"/>
-              <a:t>好用</a:t>
-            </a:r>
-            <a:r>
-              <a:rPr kumimoji="1" lang="en-US" altLang="zh-TW" dirty="0" smtClean="0"/>
-              <a:t>IDE:</a:t>
-            </a:r>
-          </a:p>
-          <a:p>
-            <a:pPr lvl="1"/>
-            <a:r>
-              <a:rPr kumimoji="1" lang="zh-TW" altLang="zh-TW" dirty="0" smtClean="0"/>
-              <a:t>S</a:t>
-            </a:r>
-            <a:r>
-              <a:rPr kumimoji="1" lang="en-US" altLang="zh-TW" dirty="0" err="1" smtClean="0"/>
-              <a:t>ublime</a:t>
-            </a:r>
-            <a:r>
-              <a:rPr kumimoji="1" lang="zh-TW" altLang="en-US" dirty="0" smtClean="0"/>
-              <a:t> </a:t>
-            </a:r>
-            <a:r>
-              <a:rPr kumimoji="1" lang="en-US" altLang="zh-TW" dirty="0" smtClean="0"/>
-              <a:t>text:</a:t>
-            </a:r>
-            <a:r>
-              <a:rPr kumimoji="1" lang="zh-TW" altLang="en-US" dirty="0" smtClean="0"/>
-              <a:t> </a:t>
-            </a:r>
-            <a:endParaRPr kumimoji="1" lang="en-US" altLang="zh-TW" dirty="0" smtClean="0"/>
-          </a:p>
-          <a:p>
-            <a:pPr lvl="2"/>
-            <a:r>
-              <a:rPr kumimoji="1" lang="en-US" altLang="zh-TW" dirty="0" smtClean="0">
-                <a:hlinkClick r:id="rId2"/>
-              </a:rPr>
-              <a:t>http://www.sublimetext.com/3</a:t>
-            </a:r>
-            <a:endParaRPr kumimoji="1" lang="en-US" altLang="zh-TW" dirty="0" smtClean="0"/>
-          </a:p>
-          <a:p>
-            <a:pPr lvl="2"/>
-            <a:r>
-              <a:rPr kumimoji="1" lang="zh-TW" altLang="en-US" dirty="0" smtClean="0"/>
-              <a:t>依照對應的</a:t>
-            </a:r>
-            <a:r>
-              <a:rPr kumimoji="1" lang="en-US" altLang="zh-TW" dirty="0" smtClean="0"/>
-              <a:t>OS</a:t>
-            </a:r>
-            <a:r>
-              <a:rPr kumimoji="1" lang="zh-TW" altLang="en-US" dirty="0" smtClean="0"/>
-              <a:t>下載安裝後就可以使用了</a:t>
-            </a:r>
-            <a:r>
-              <a:rPr kumimoji="1" lang="en-US" altLang="zh-TW" dirty="0" smtClean="0"/>
-              <a:t>!</a:t>
-            </a:r>
-          </a:p>
-          <a:p>
-            <a:pPr lvl="2"/>
-            <a:r>
-              <a:rPr kumimoji="1" lang="zh-TW" altLang="en-US" dirty="0" smtClean="0"/>
-              <a:t>使用</a:t>
-            </a:r>
-            <a:r>
-              <a:rPr kumimoji="1" lang="en-US" altLang="zh-TW" dirty="0" err="1" smtClean="0"/>
-              <a:t>ctrl+B</a:t>
-            </a:r>
-            <a:r>
-              <a:rPr kumimoji="1" lang="en-US" altLang="zh-TW" dirty="0" smtClean="0"/>
-              <a:t>(mac:</a:t>
-            </a:r>
-            <a:r>
-              <a:rPr kumimoji="1" lang="zh-TW" altLang="en-US" dirty="0" smtClean="0"/>
-              <a:t> </a:t>
-            </a:r>
-            <a:r>
-              <a:rPr kumimoji="1" lang="en-US" altLang="zh-TW" dirty="0" err="1" smtClean="0"/>
-              <a:t>command+B</a:t>
-            </a:r>
-            <a:r>
-              <a:rPr kumimoji="1" lang="en-US" altLang="zh-TW" dirty="0" smtClean="0"/>
-              <a:t>)</a:t>
-            </a:r>
-            <a:r>
-              <a:rPr kumimoji="1" lang="zh-TW" altLang="en-US" dirty="0" smtClean="0"/>
-              <a:t>即可執行程式</a:t>
-            </a:r>
-            <a:endParaRPr kumimoji="1" lang="en-US" altLang="zh-TW" dirty="0" smtClean="0"/>
-          </a:p>
-          <a:p>
-            <a:pPr lvl="1"/>
-            <a:r>
-              <a:rPr kumimoji="1" lang="zh-TW" altLang="zh-TW" dirty="0" smtClean="0"/>
-              <a:t>I</a:t>
-            </a:r>
-            <a:r>
-              <a:rPr kumimoji="1" lang="en-US" altLang="zh-TW" dirty="0" smtClean="0"/>
-              <a:t>python notebook</a:t>
-            </a:r>
-          </a:p>
-          <a:p>
-            <a:pPr lvl="2"/>
-            <a:r>
-              <a:rPr kumimoji="1" lang="zh-TW" altLang="en-US" dirty="0" smtClean="0"/>
-              <a:t>由</a:t>
-            </a:r>
-            <a:r>
-              <a:rPr kumimoji="1" lang="en-US" altLang="zh-TW" dirty="0" smtClean="0"/>
-              <a:t>Python</a:t>
-            </a:r>
-            <a:r>
-              <a:rPr kumimoji="1" lang="zh-TW" altLang="en-US" dirty="0" smtClean="0"/>
-              <a:t>驅動，可以讓我們在瀏覽器上寫</a:t>
-            </a:r>
-            <a:r>
-              <a:rPr kumimoji="1" lang="zh-TW" altLang="en-US" dirty="0" smtClean="0"/>
-              <a:t>程式</a:t>
-            </a:r>
-            <a:endParaRPr kumimoji="1" lang="en-US" altLang="zh-TW" dirty="0" smtClean="0"/>
-          </a:p>
-          <a:p>
-            <a:pPr lvl="2"/>
-            <a:r>
-              <a:rPr kumimoji="1" lang="zh-TW" altLang="en-US" dirty="0" smtClean="0"/>
-              <a:t>可以寫有多個</a:t>
-            </a:r>
-            <a:r>
-              <a:rPr kumimoji="1" lang="en-US" altLang="zh-TW" dirty="0" smtClean="0"/>
-              <a:t>cell</a:t>
-            </a:r>
-            <a:r>
-              <a:rPr kumimoji="1" lang="zh-TW" altLang="en-US" dirty="0" smtClean="0"/>
-              <a:t>組成的程式</a:t>
-            </a:r>
-            <a:endParaRPr kumimoji="1" lang="en-US" altLang="zh-TW" dirty="0" smtClean="0"/>
-          </a:p>
-          <a:p>
-            <a:pPr lvl="2"/>
-            <a:r>
-              <a:rPr kumimoji="1" lang="en-US" altLang="zh-TW" dirty="0" smtClean="0"/>
-              <a:t>cell</a:t>
-            </a:r>
-            <a:r>
-              <a:rPr kumimoji="1" lang="zh-TW" altLang="en-US" dirty="0" smtClean="0"/>
-              <a:t>的</a:t>
-            </a:r>
-            <a:r>
-              <a:rPr kumimoji="1" lang="en-US" altLang="zh-TW" dirty="0" smtClean="0"/>
-              <a:t>crash</a:t>
-            </a:r>
-            <a:r>
-              <a:rPr kumimoji="1" lang="zh-TW" altLang="en-US" dirty="0" smtClean="0"/>
-              <a:t>並不導致整體</a:t>
-            </a:r>
-            <a:r>
-              <a:rPr kumimoji="1" lang="en-US" altLang="zh-TW" dirty="0" smtClean="0"/>
-              <a:t>crash</a:t>
-            </a:r>
-          </a:p>
-          <a:p>
-            <a:pPr lvl="2"/>
-            <a:r>
-              <a:rPr kumimoji="1" lang="zh-TW" altLang="en-US" dirty="0" smtClean="0"/>
-              <a:t>提供內建的分散式機制</a:t>
-            </a:r>
-            <a:endParaRPr kumimoji="1" lang="en-US" altLang="zh-TW" dirty="0" smtClean="0"/>
-          </a:p>
-          <a:p>
-            <a:pPr lvl="2"/>
-            <a:r>
-              <a:rPr kumimoji="1" lang="zh-TW" altLang="en-US" dirty="0" smtClean="0"/>
-              <a:t>可以在</a:t>
-            </a:r>
-            <a:r>
-              <a:rPr kumimoji="1" lang="en-US" altLang="zh-TW" dirty="0" smtClean="0"/>
-              <a:t>notebook</a:t>
-            </a:r>
-            <a:r>
-              <a:rPr kumimoji="1" lang="zh-TW" altLang="en-US" dirty="0" smtClean="0"/>
-              <a:t>上插入圖片</a:t>
-            </a:r>
-            <a:endParaRPr kumimoji="1" lang="en-US" altLang="zh-TW" dirty="0" smtClean="0"/>
-          </a:p>
-          <a:p>
-            <a:pPr lvl="2"/>
-            <a:r>
-              <a:rPr kumimoji="1" lang="zh-TW" altLang="en-US" dirty="0" smtClean="0"/>
-              <a:t>很適合用來教學，或進行科學運算</a:t>
-            </a:r>
-            <a:endParaRPr kumimoji="1" lang="en-US" altLang="zh-TW" dirty="0" smtClean="0"/>
-          </a:p>
-          <a:p>
-            <a:pPr lvl="1"/>
-            <a:r>
-              <a:rPr kumimoji="1" lang="en-US" altLang="zh-TW" dirty="0" smtClean="0"/>
-              <a:t>…</a:t>
-            </a:r>
-            <a:endParaRPr kumimoji="1" lang="zh-TW" altLang="en-US" dirty="0" smtClean="0"/>
-          </a:p>
-          <a:p>
-            <a:pPr lvl="2"/>
-            <a:endParaRPr kumimoji="1" lang="en-US" altLang="zh-TW" dirty="0"/>
-          </a:p>
-        </p:txBody>
-      </p:sp>
-      <p:sp>
-        <p:nvSpPr>
-          <p:cNvPr id="4" name="投影片編號版面配置區 3"/>
-          <p:cNvSpPr>
-            <a:spLocks noGrp="1"/>
-          </p:cNvSpPr>
-          <p:nvPr>
-            <p:ph type="sldNum" sz="quarter" idx="12"/>
-          </p:nvPr>
-        </p:nvSpPr>
-        <p:spPr/>
-        <p:txBody>
-          <a:bodyPr/>
-          <a:lstStyle/>
-          <a:p>
-            <a:fld id="{D0256DAB-F776-1247-8262-D98F626E04EC}" type="slidenum">
-              <a:rPr kumimoji="1" lang="zh-TW" altLang="en-US" smtClean="0"/>
-              <a:t>21</a:t>
-            </a:fld>
-            <a:endParaRPr kumimoji="1" lang="zh-TW" altLang="en-US"/>
-          </a:p>
-        </p:txBody>
-      </p:sp>
-    </p:spTree>
-    <p:extLst>
-      <p:ext uri="{BB962C8B-B14F-4D97-AF65-F5344CB8AC3E}">
-        <p14:creationId xmlns:p14="http://schemas.microsoft.com/office/powerpoint/2010/main" val="2456639328"/>
-      </p:ext>
-    </p:extLst>
-  </p:cSld>
-  <p:clrMapOvr>
-    <a:masterClrMapping/>
-  </p:clrMapOvr>
-  <p:timing>
-    <p:tnLst>
-      <p:par>
-        <p:cTn xmlns:p14="http://schemas.microsoft.com/office/powerpoint/2010/main" id="1" dur="indefinite" restart="never" nodeType="tmRoot"/>
-      </p:par>
-    </p:tnLst>
-  </p:timing>
-</p:sld>
-</file>
-
 <file path=ppt/slides/slide22.xml><?xml version="1.0" encoding="utf-8"?>
 <p:sld xmlns:a="http://schemas.openxmlformats.org/drawingml/2006/main" xmlns:r="http://schemas.openxmlformats.org/officeDocument/2006/relationships" xmlns:p="http://schemas.openxmlformats.org/presentationml/2006/main">
   <p:cSld>
@@ -7738,14 +7705,21 @@
             <p:ph type="title"/>
           </p:nvPr>
         </p:nvSpPr>
-        <p:spPr/>
-        <p:txBody>
-          <a:bodyPr/>
-          <a:lstStyle/>
-          <a:p>
-            <a:r>
-              <a:rPr kumimoji="1" lang="zh-TW" altLang="en-US" dirty="0" smtClean="0"/>
-              <a:t>安裝套件</a:t>
+        <p:spPr>
+          <a:xfrm>
+            <a:off x="457200" y="114451"/>
+            <a:ext cx="8229600" cy="1143000"/>
+          </a:xfrm>
+        </p:spPr>
+        <p:txBody>
+          <a:bodyPr>
+            <a:normAutofit fontScale="90000"/>
+          </a:bodyPr>
+          <a:lstStyle/>
+          <a:p>
+            <a:r>
+              <a:rPr kumimoji="1" lang="en-US" altLang="zh-TW" dirty="0" smtClean="0"/>
+              <a:t>IDE(Integrated Development Environment)</a:t>
             </a:r>
             <a:endParaRPr kumimoji="1" lang="zh-TW" altLang="en-US" dirty="0"/>
           </a:p>
@@ -7761,230 +7735,247 @@
             <p:ph idx="1"/>
           </p:nvPr>
         </p:nvSpPr>
-        <p:spPr/>
+        <p:spPr>
+          <a:xfrm>
+            <a:off x="457200" y="1338704"/>
+            <a:ext cx="8229600" cy="5206073"/>
+          </a:xfrm>
+        </p:spPr>
         <p:txBody>
           <a:bodyPr>
             <a:normAutofit fontScale="85000" lnSpcReduction="20000"/>
           </a:bodyPr>
           <a:lstStyle/>
           <a:p>
-            <a:pPr marL="0" indent="0">
-              <a:buNone/>
-            </a:pPr>
-            <a:r>
-              <a:rPr kumimoji="1" lang="zh-TW" altLang="en-US" dirty="0" smtClean="0"/>
-              <a:t>主要安裝途徑</a:t>
-            </a:r>
-            <a:r>
-              <a:rPr kumimoji="1" lang="en-US" altLang="zh-TW" dirty="0" smtClean="0"/>
-              <a:t>:</a:t>
-            </a:r>
+            <a:r>
+              <a:rPr kumimoji="1" lang="en-US" altLang="zh-TW" dirty="0" smtClean="0"/>
+              <a:t>IDE:</a:t>
+            </a:r>
+            <a:r>
+              <a:rPr kumimoji="1" lang="zh-TW" altLang="en-US" dirty="0" smtClean="0"/>
+              <a:t> 寫程式的工具</a:t>
+            </a:r>
+            <a:endParaRPr kumimoji="1" lang="en-US" altLang="zh-TW" dirty="0" smtClean="0"/>
+          </a:p>
+          <a:p>
+            <a:r>
+              <a:rPr kumimoji="1" lang="zh-TW" altLang="en-US" dirty="0" smtClean="0"/>
+              <a:t>有好的開發環境，寫起程式來將會快速很多！</a:t>
+            </a:r>
+            <a:endParaRPr kumimoji="1" lang="en-US" altLang="zh-TW" dirty="0" smtClean="0"/>
+          </a:p>
+          <a:p>
+            <a:r>
+              <a:rPr kumimoji="1" lang="zh-TW" altLang="en-US" dirty="0" smtClean="0"/>
+              <a:t>好用</a:t>
+            </a:r>
+            <a:r>
+              <a:rPr kumimoji="1" lang="en-US" altLang="zh-TW" dirty="0" smtClean="0"/>
+              <a:t>IDE:</a:t>
+            </a:r>
+          </a:p>
+          <a:p>
+            <a:pPr lvl="1"/>
+            <a:r>
+              <a:rPr kumimoji="1" lang="zh-TW" altLang="zh-TW" dirty="0" smtClean="0"/>
+              <a:t>S</a:t>
+            </a:r>
+            <a:r>
+              <a:rPr kumimoji="1" lang="en-US" altLang="zh-TW" dirty="0" err="1" smtClean="0"/>
+              <a:t>ublime</a:t>
+            </a:r>
+            <a:r>
+              <a:rPr kumimoji="1" lang="zh-TW" altLang="en-US" dirty="0" smtClean="0"/>
+              <a:t> </a:t>
+            </a:r>
+            <a:r>
+              <a:rPr kumimoji="1" lang="en-US" altLang="zh-TW" dirty="0" smtClean="0"/>
+              <a:t>text:</a:t>
+            </a:r>
+            <a:r>
+              <a:rPr kumimoji="1" lang="zh-TW" altLang="en-US" dirty="0" smtClean="0"/>
+              <a:t> </a:t>
+            </a:r>
+            <a:endParaRPr kumimoji="1" lang="en-US" altLang="zh-TW" dirty="0" smtClean="0"/>
+          </a:p>
+          <a:p>
+            <a:pPr lvl="2"/>
+            <a:r>
+              <a:rPr kumimoji="1" lang="en-US" altLang="zh-TW" dirty="0" smtClean="0">
+                <a:hlinkClick r:id="rId2"/>
+              </a:rPr>
+              <a:t>http://www.sublimetext.com/3</a:t>
+            </a:r>
+            <a:endParaRPr kumimoji="1" lang="en-US" altLang="zh-TW" dirty="0" smtClean="0"/>
+          </a:p>
+          <a:p>
+            <a:pPr lvl="2"/>
+            <a:r>
+              <a:rPr kumimoji="1" lang="zh-TW" altLang="en-US" dirty="0" smtClean="0"/>
+              <a:t>依照對應的</a:t>
+            </a:r>
+            <a:r>
+              <a:rPr kumimoji="1" lang="en-US" altLang="zh-TW" dirty="0" smtClean="0"/>
+              <a:t>OS</a:t>
+            </a:r>
+            <a:r>
+              <a:rPr kumimoji="1" lang="zh-TW" altLang="en-US" dirty="0" smtClean="0"/>
+              <a:t>下載安裝後就可以使用了</a:t>
+            </a:r>
+            <a:r>
+              <a:rPr kumimoji="1" lang="en-US" altLang="zh-TW" dirty="0" smtClean="0"/>
+              <a:t>!</a:t>
+            </a:r>
+          </a:p>
+          <a:p>
+            <a:pPr lvl="2"/>
+            <a:r>
+              <a:rPr kumimoji="1" lang="zh-TW" altLang="en-US" dirty="0" smtClean="0"/>
+              <a:t>使用</a:t>
+            </a:r>
+            <a:r>
+              <a:rPr kumimoji="1" lang="en-US" altLang="zh-TW" dirty="0" err="1" smtClean="0"/>
+              <a:t>ctrl+B</a:t>
+            </a:r>
+            <a:r>
+              <a:rPr kumimoji="1" lang="en-US" altLang="zh-TW" dirty="0" smtClean="0"/>
+              <a:t>(mac:</a:t>
+            </a:r>
+            <a:r>
+              <a:rPr kumimoji="1" lang="zh-TW" altLang="en-US" dirty="0" smtClean="0"/>
+              <a:t> </a:t>
+            </a:r>
+            <a:r>
+              <a:rPr kumimoji="1" lang="en-US" altLang="zh-TW" dirty="0" err="1" smtClean="0"/>
+              <a:t>command+B</a:t>
+            </a:r>
+            <a:r>
+              <a:rPr kumimoji="1" lang="en-US" altLang="zh-TW" dirty="0" smtClean="0"/>
+              <a:t>)</a:t>
+            </a:r>
+            <a:r>
+              <a:rPr kumimoji="1" lang="zh-TW" altLang="en-US" dirty="0" smtClean="0"/>
+              <a:t>即可執行程式</a:t>
+            </a:r>
+            <a:endParaRPr kumimoji="1" lang="en-US" altLang="zh-TW" dirty="0" smtClean="0"/>
+          </a:p>
+          <a:p>
+            <a:pPr lvl="1"/>
+            <a:r>
+              <a:rPr kumimoji="1" lang="zh-TW" altLang="zh-TW" dirty="0" smtClean="0"/>
+              <a:t>I</a:t>
+            </a:r>
+            <a:r>
+              <a:rPr kumimoji="1" lang="en-US" altLang="zh-TW" dirty="0" smtClean="0"/>
+              <a:t>python notebook</a:t>
+            </a:r>
+          </a:p>
+          <a:p>
+            <a:pPr lvl="2"/>
+            <a:r>
+              <a:rPr kumimoji="1" lang="zh-TW" altLang="en-US" dirty="0" smtClean="0"/>
+              <a:t>由</a:t>
+            </a:r>
+            <a:r>
+              <a:rPr kumimoji="1" lang="en-US" altLang="zh-TW" dirty="0" smtClean="0"/>
+              <a:t>Python</a:t>
+            </a:r>
+            <a:r>
+              <a:rPr kumimoji="1" lang="zh-TW" altLang="en-US" dirty="0" smtClean="0"/>
+              <a:t>驅動，可以讓我們在瀏覽器上寫程式</a:t>
+            </a:r>
+            <a:endParaRPr kumimoji="1" lang="en-US" altLang="zh-TW" dirty="0" smtClean="0"/>
+          </a:p>
+          <a:p>
+            <a:pPr lvl="2"/>
+            <a:r>
+              <a:rPr kumimoji="1" lang="zh-TW" altLang="en-US" dirty="0" smtClean="0"/>
+              <a:t>可以寫</a:t>
+            </a:r>
+            <a:r>
+              <a:rPr kumimoji="1" lang="zh-TW" altLang="en-US" dirty="0" smtClean="0"/>
+              <a:t>由</a:t>
+            </a:r>
+            <a:r>
+              <a:rPr kumimoji="1" lang="zh-TW" altLang="en-US" dirty="0" smtClean="0"/>
+              <a:t>多個</a:t>
+            </a:r>
+            <a:r>
+              <a:rPr kumimoji="1" lang="en-US" altLang="zh-TW" dirty="0" smtClean="0"/>
+              <a:t>cell</a:t>
+            </a:r>
+            <a:r>
+              <a:rPr kumimoji="1" lang="zh-TW" altLang="en-US" dirty="0" smtClean="0"/>
+              <a:t>組成的程式</a:t>
+            </a:r>
+            <a:endParaRPr kumimoji="1" lang="en-US" altLang="zh-TW" dirty="0" smtClean="0"/>
+          </a:p>
+          <a:p>
+            <a:pPr lvl="2"/>
+            <a:r>
+              <a:rPr kumimoji="1" lang="en-US" altLang="zh-TW" dirty="0" smtClean="0"/>
+              <a:t>cell</a:t>
+            </a:r>
+            <a:r>
+              <a:rPr kumimoji="1" lang="zh-TW" altLang="en-US" dirty="0" smtClean="0"/>
+              <a:t>的</a:t>
+            </a:r>
+            <a:r>
+              <a:rPr kumimoji="1" lang="en-US" altLang="zh-TW" dirty="0" smtClean="0"/>
+              <a:t>crash</a:t>
+            </a:r>
+            <a:r>
+              <a:rPr kumimoji="1" lang="zh-TW" altLang="en-US" dirty="0" smtClean="0"/>
+              <a:t>並不導致整體</a:t>
+            </a:r>
+            <a:r>
+              <a:rPr kumimoji="1" lang="en-US" altLang="zh-TW" dirty="0" smtClean="0"/>
+              <a:t>crash</a:t>
+            </a:r>
+          </a:p>
+          <a:p>
+            <a:pPr lvl="2"/>
+            <a:r>
+              <a:rPr kumimoji="1" lang="zh-TW" altLang="en-US" dirty="0" smtClean="0"/>
+              <a:t>提供內建的分散式機制</a:t>
+            </a:r>
+            <a:endParaRPr kumimoji="1" lang="en-US" altLang="zh-TW" dirty="0" smtClean="0"/>
+          </a:p>
+          <a:p>
+            <a:pPr lvl="2"/>
+            <a:r>
+              <a:rPr kumimoji="1" lang="zh-TW" altLang="en-US" dirty="0" smtClean="0"/>
+              <a:t>可以在</a:t>
+            </a:r>
+            <a:r>
+              <a:rPr kumimoji="1" lang="en-US" altLang="zh-TW" dirty="0" smtClean="0"/>
+              <a:t>notebook</a:t>
+            </a:r>
+            <a:r>
+              <a:rPr kumimoji="1" lang="zh-TW" altLang="en-US" dirty="0" smtClean="0"/>
+              <a:t>上插入圖片</a:t>
+            </a:r>
+            <a:endParaRPr kumimoji="1" lang="en-US" altLang="zh-TW" dirty="0" smtClean="0"/>
+          </a:p>
+          <a:p>
+            <a:pPr lvl="2"/>
+            <a:r>
+              <a:rPr kumimoji="1" lang="zh-TW" altLang="en-US" dirty="0" smtClean="0"/>
+              <a:t>很適合用來教學，或進行科學運算</a:t>
+            </a:r>
+            <a:endParaRPr kumimoji="1" lang="en-US" altLang="zh-TW" dirty="0" smtClean="0"/>
+          </a:p>
+          <a:p>
+            <a:pPr lvl="1"/>
+            <a:r>
+              <a:rPr kumimoji="1" lang="en-US" altLang="zh-TW" dirty="0" smtClean="0"/>
+              <a:t>…</a:t>
+            </a:r>
+            <a:endParaRPr kumimoji="1" lang="zh-TW" altLang="en-US" dirty="0" smtClean="0"/>
+          </a:p>
+          <a:p>
+            <a:pPr lvl="2"/>
             <a:endParaRPr kumimoji="1" lang="en-US" altLang="zh-TW" dirty="0"/>
-          </a:p>
-          <a:p>
-            <a:pPr marL="514350" indent="-514350">
-              <a:buFont typeface="+mj-lt"/>
-              <a:buAutoNum type="arabicPeriod"/>
-            </a:pPr>
-            <a:r>
-              <a:rPr kumimoji="1" lang="en-US" altLang="zh-TW" dirty="0" smtClean="0"/>
-              <a:t>Pip</a:t>
-            </a:r>
-            <a:r>
-              <a:rPr kumimoji="1" lang="zh-TW" altLang="en-US" dirty="0" smtClean="0"/>
-              <a:t> </a:t>
-            </a:r>
-            <a:r>
-              <a:rPr kumimoji="1" lang="en-US" altLang="zh-TW" dirty="0" smtClean="0"/>
-              <a:t>&amp;</a:t>
-            </a:r>
-            <a:r>
-              <a:rPr kumimoji="1" lang="zh-TW" altLang="en-US" dirty="0" smtClean="0"/>
-              <a:t> </a:t>
-            </a:r>
-            <a:r>
-              <a:rPr kumimoji="1" lang="en-US" altLang="zh-TW" dirty="0" err="1" smtClean="0"/>
-              <a:t>easy_install</a:t>
-            </a:r>
-            <a:r>
-              <a:rPr kumimoji="1" lang="en-US" altLang="zh-TW" dirty="0" smtClean="0"/>
-              <a:t>:</a:t>
-            </a:r>
-            <a:r>
-              <a:rPr kumimoji="1" lang="zh-TW" altLang="en-US" dirty="0" smtClean="0"/>
-              <a:t> </a:t>
-            </a:r>
-            <a:endParaRPr kumimoji="1" lang="en-US" altLang="zh-TW" dirty="0" smtClean="0"/>
-          </a:p>
-          <a:p>
-            <a:pPr lvl="1"/>
-            <a:r>
-              <a:rPr kumimoji="1" lang="zh-TW" altLang="en-US" dirty="0" smtClean="0"/>
-              <a:t>是</a:t>
-            </a:r>
-            <a:r>
-              <a:rPr kumimoji="1" lang="en-US" altLang="zh-TW" dirty="0" smtClean="0"/>
-              <a:t> python</a:t>
-            </a:r>
-            <a:r>
-              <a:rPr kumimoji="1" lang="zh-TW" altLang="en-US" dirty="0" smtClean="0"/>
-              <a:t> 在</a:t>
-            </a:r>
-            <a:r>
-              <a:rPr kumimoji="1" lang="en-US" altLang="zh-TW" dirty="0" smtClean="0"/>
-              <a:t> commend</a:t>
-            </a:r>
-            <a:r>
-              <a:rPr kumimoji="1" lang="zh-TW" altLang="en-US" dirty="0" smtClean="0"/>
-              <a:t> </a:t>
-            </a:r>
-            <a:r>
-              <a:rPr kumimoji="1" lang="en-US" altLang="zh-TW" dirty="0" smtClean="0"/>
-              <a:t>line</a:t>
-            </a:r>
-            <a:r>
-              <a:rPr kumimoji="1" lang="zh-TW" altLang="en-US" dirty="0" smtClean="0"/>
-              <a:t>上直接安裝套件的指令</a:t>
-            </a:r>
-            <a:endParaRPr kumimoji="1" lang="en-US" altLang="zh-TW" dirty="0" smtClean="0"/>
-          </a:p>
-          <a:p>
-            <a:pPr lvl="1"/>
-            <a:r>
-              <a:rPr kumimoji="1" lang="zh-TW" altLang="en-US" dirty="0" smtClean="0"/>
-              <a:t>用途主要為下載以及更新</a:t>
-            </a:r>
-            <a:r>
-              <a:rPr kumimoji="1" lang="zh-TW" altLang="zh-TW" dirty="0" smtClean="0"/>
-              <a:t>3</a:t>
-            </a:r>
-            <a:r>
-              <a:rPr kumimoji="1" lang="en-US" altLang="zh-TW" dirty="0" err="1" smtClean="0"/>
-              <a:t>rd</a:t>
-            </a:r>
-            <a:r>
-              <a:rPr kumimoji="1" lang="zh-TW" altLang="en-US" dirty="0" smtClean="0"/>
-              <a:t> </a:t>
-            </a:r>
-            <a:r>
-              <a:rPr kumimoji="1" lang="en-US" altLang="zh-TW" dirty="0" smtClean="0"/>
-              <a:t>party</a:t>
-            </a:r>
-            <a:r>
-              <a:rPr kumimoji="1" lang="zh-TW" altLang="en-US" dirty="0" smtClean="0"/>
-              <a:t> </a:t>
-            </a:r>
-            <a:r>
-              <a:rPr kumimoji="1" lang="en-US" altLang="zh-TW" dirty="0" smtClean="0"/>
-              <a:t>package</a:t>
-            </a:r>
-          </a:p>
-          <a:p>
-            <a:pPr lvl="1"/>
-            <a:r>
-              <a:rPr kumimoji="1" lang="zh-TW" altLang="en-US" dirty="0" smtClean="0"/>
-              <a:t>能安裝的套件</a:t>
-            </a:r>
-            <a:r>
-              <a:rPr kumimoji="1" lang="en-US" altLang="zh-TW" dirty="0" smtClean="0"/>
-              <a:t>:</a:t>
-            </a:r>
-          </a:p>
-          <a:p>
-            <a:pPr lvl="2"/>
-            <a:r>
-              <a:rPr kumimoji="1" lang="zh-TW" altLang="en-US" dirty="0" smtClean="0"/>
-              <a:t>有註冊在</a:t>
-            </a:r>
-            <a:r>
-              <a:rPr kumimoji="1" lang="en-US" altLang="zh-TW" dirty="0" smtClean="0"/>
-              <a:t>python</a:t>
-            </a:r>
-            <a:r>
-              <a:rPr kumimoji="1" lang="zh-TW" altLang="en-US" dirty="0" smtClean="0"/>
-              <a:t>官方套件資料庫的套件</a:t>
-            </a:r>
-            <a:endParaRPr kumimoji="1" lang="en-US" altLang="zh-TW" dirty="0" smtClean="0"/>
-          </a:p>
-          <a:p>
-            <a:pPr lvl="2"/>
-            <a:r>
-              <a:rPr kumimoji="1" lang="zh-TW" altLang="en-US" dirty="0" smtClean="0"/>
-              <a:t>有打包成</a:t>
-            </a:r>
-            <a:r>
-              <a:rPr kumimoji="1" lang="en-US" altLang="zh-TW" dirty="0" smtClean="0"/>
-              <a:t>wheel</a:t>
-            </a:r>
-            <a:r>
-              <a:rPr kumimoji="1" lang="zh-TW" altLang="en-US" dirty="0" smtClean="0"/>
-              <a:t>的檔案</a:t>
-            </a:r>
-            <a:endParaRPr kumimoji="1" lang="en-US" altLang="zh-TW" dirty="0" smtClean="0"/>
-          </a:p>
-          <a:p>
-            <a:pPr lvl="2"/>
-            <a:r>
-              <a:rPr kumimoji="1" lang="en-US" altLang="zh-TW" dirty="0" err="1" smtClean="0"/>
-              <a:t>Github</a:t>
-            </a:r>
-            <a:r>
-              <a:rPr kumimoji="1" lang="zh-TW" altLang="en-US" dirty="0" smtClean="0"/>
-              <a:t>上的套件</a:t>
-            </a:r>
-            <a:endParaRPr kumimoji="1" lang="en-US" altLang="zh-TW" dirty="0" smtClean="0"/>
-          </a:p>
-          <a:p>
-            <a:pPr lvl="2"/>
-            <a:r>
-              <a:rPr kumimoji="1" lang="en-US" altLang="zh-TW" dirty="0" smtClean="0"/>
-              <a:t>…</a:t>
-            </a:r>
-          </a:p>
-          <a:p>
-            <a:pPr marL="514350" indent="-514350">
-              <a:buFont typeface="+mj-lt"/>
-              <a:buAutoNum type="arabicPeriod"/>
-            </a:pPr>
-            <a:r>
-              <a:rPr kumimoji="1" lang="en-US" altLang="zh-TW" dirty="0" err="1" smtClean="0"/>
-              <a:t>Github</a:t>
-            </a:r>
-            <a:r>
-              <a:rPr kumimoji="1" lang="en-US" altLang="zh-TW" dirty="0" smtClean="0"/>
-              <a:t>:</a:t>
-            </a:r>
-          </a:p>
-          <a:p>
-            <a:pPr lvl="1"/>
-            <a:r>
-              <a:rPr kumimoji="1" lang="zh-TW" altLang="en-US" dirty="0" smtClean="0"/>
-              <a:t>專案管理套件</a:t>
-            </a:r>
-            <a:endParaRPr kumimoji="1" lang="en-US" altLang="zh-TW" dirty="0" smtClean="0"/>
-          </a:p>
-          <a:p>
-            <a:pPr lvl="1"/>
-            <a:r>
-              <a:rPr kumimoji="1" lang="zh-TW" altLang="en-US" dirty="0" smtClean="0"/>
-              <a:t>上面也放了許多的第三方套件</a:t>
-            </a:r>
-            <a:r>
-              <a:rPr kumimoji="1" lang="en-US" altLang="zh-TW" dirty="0" smtClean="0"/>
-              <a:t>(</a:t>
-            </a:r>
-            <a:r>
-              <a:rPr kumimoji="1" lang="zh-TW" altLang="en-US" dirty="0" smtClean="0"/>
-              <a:t>也有其他語言的套件</a:t>
-            </a:r>
-            <a:r>
-              <a:rPr kumimoji="1" lang="en-US" altLang="zh-TW" dirty="0" smtClean="0"/>
-              <a:t>)</a:t>
-            </a:r>
-          </a:p>
-          <a:p>
-            <a:pPr lvl="2"/>
-            <a:endParaRPr kumimoji="1" lang="en-US" altLang="zh-TW" dirty="0" smtClean="0"/>
           </a:p>
         </p:txBody>
       </p:sp>
@@ -8014,7 +8005,7 @@
     </p:spTree>
     <p:extLst>
       <p:ext uri="{BB962C8B-B14F-4D97-AF65-F5344CB8AC3E}">
-        <p14:creationId xmlns:p14="http://schemas.microsoft.com/office/powerpoint/2010/main" val="3615736512"/>
+        <p14:creationId xmlns:p14="http://schemas.microsoft.com/office/powerpoint/2010/main" val="2456639328"/>
       </p:ext>
     </p:extLst>
   </p:cSld>
@@ -8064,16 +8055,8 @@
           <a:lstStyle/>
           <a:p>
             <a:r>
-              <a:rPr kumimoji="1" lang="en-US" altLang="zh-TW" dirty="0" err="1" smtClean="0"/>
-              <a:t>Ipython</a:t>
-            </a:r>
-            <a:r>
-              <a:rPr kumimoji="1" lang="en-US" altLang="zh-TW" dirty="0" smtClean="0"/>
-              <a:t> </a:t>
-            </a:r>
-            <a:r>
-              <a:rPr kumimoji="1" lang="zh-TW" altLang="en-US" dirty="0" smtClean="0"/>
-              <a:t>安裝</a:t>
+              <a:rPr kumimoji="1" lang="zh-TW" altLang="en-US" dirty="0" smtClean="0"/>
+              <a:t>安裝套件</a:t>
             </a:r>
             <a:endParaRPr kumimoji="1" lang="zh-TW" altLang="en-US" dirty="0"/>
           </a:p>
@@ -8091,22 +8074,23 @@
         </p:nvSpPr>
         <p:spPr/>
         <p:txBody>
-          <a:bodyPr/>
-          <a:lstStyle/>
-          <a:p>
-            <a:r>
-              <a:rPr kumimoji="1" lang="zh-TW" altLang="en-US" dirty="0" smtClean="0"/>
-              <a:t>開啟</a:t>
-            </a:r>
-            <a:r>
-              <a:rPr kumimoji="1" lang="en-US" altLang="zh-TW" dirty="0" err="1" smtClean="0"/>
-              <a:t>cmd</a:t>
-            </a:r>
-            <a:r>
-              <a:rPr kumimoji="1" lang="zh-TW" altLang="en-US" dirty="0" smtClean="0"/>
-              <a:t>，輸入</a:t>
-            </a:r>
-            <a:endParaRPr kumimoji="1" lang="en-US" altLang="zh-TW" dirty="0" smtClean="0"/>
+          <a:bodyPr>
+            <a:normAutofit fontScale="85000" lnSpcReduction="20000"/>
+          </a:bodyPr>
+          <a:lstStyle/>
+          <a:p>
+            <a:pPr marL="0" indent="0">
+              <a:buNone/>
+            </a:pPr>
+            <a:r>
+              <a:rPr kumimoji="1" lang="zh-TW" altLang="en-US" dirty="0" smtClean="0"/>
+              <a:t>主要安裝途徑</a:t>
+            </a:r>
+            <a:r>
+              <a:rPr kumimoji="1" lang="en-US" altLang="zh-TW" dirty="0" smtClean="0"/>
+              <a:t>:</a:t>
+            </a:r>
+            <a:endParaRPr kumimoji="1" lang="en-US" altLang="zh-TW" dirty="0"/>
           </a:p>
           <a:p>
             <a:pPr marL="514350" indent="-514350">
@@ -8114,30 +8098,159 @@
               <a:buAutoNum type="arabicPeriod"/>
             </a:pPr>
             <a:r>
-              <a:rPr kumimoji="1" lang="zh-TW" altLang="zh-TW" dirty="0"/>
-              <a:t>p</a:t>
+              <a:rPr kumimoji="1" lang="en-US" altLang="zh-TW" dirty="0" smtClean="0"/>
+              <a:t>Pip</a:t>
+            </a:r>
+            <a:r>
+              <a:rPr kumimoji="1" lang="zh-TW" altLang="en-US" dirty="0" smtClean="0"/>
+              <a:t> </a:t>
+            </a:r>
+            <a:r>
+              <a:rPr kumimoji="1" lang="en-US" altLang="zh-TW" dirty="0" smtClean="0"/>
+              <a:t>&amp;</a:t>
+            </a:r>
+            <a:r>
+              <a:rPr kumimoji="1" lang="zh-TW" altLang="en-US" dirty="0" smtClean="0"/>
+              <a:t> </a:t>
             </a:r>
             <a:r>
               <a:rPr kumimoji="1" lang="en-US" altLang="zh-TW" dirty="0" err="1" smtClean="0"/>
-              <a:t>ip</a:t>
+              <a:t>easy_install</a:t>
+            </a:r>
+            <a:r>
+              <a:rPr kumimoji="1" lang="en-US" altLang="zh-TW" dirty="0" smtClean="0"/>
+              <a:t>:</a:t>
             </a:r>
             <a:r>
               <a:rPr kumimoji="1" lang="zh-TW" altLang="en-US" dirty="0" smtClean="0"/>
               <a:t> </a:t>
             </a:r>
-            <a:r>
-              <a:rPr kumimoji="1" lang="en-US" altLang="zh-TW" dirty="0" smtClean="0"/>
-              <a:t>install</a:t>
+            <a:endParaRPr kumimoji="1" lang="en-US" altLang="zh-TW" dirty="0" smtClean="0"/>
+          </a:p>
+          <a:p>
+            <a:pPr lvl="1"/>
+            <a:r>
+              <a:rPr kumimoji="1" lang="zh-TW" altLang="en-US" dirty="0" smtClean="0"/>
+              <a:t>是</a:t>
+            </a:r>
+            <a:r>
+              <a:rPr kumimoji="1" lang="en-US" altLang="zh-TW" dirty="0" smtClean="0"/>
+              <a:t> python</a:t>
+            </a:r>
+            <a:r>
+              <a:rPr kumimoji="1" lang="zh-TW" altLang="en-US" dirty="0" smtClean="0"/>
+              <a:t> 在</a:t>
+            </a:r>
+            <a:r>
+              <a:rPr kumimoji="1" lang="en-US" altLang="zh-TW" dirty="0" smtClean="0"/>
+              <a:t> commend</a:t>
             </a:r>
             <a:r>
               <a:rPr kumimoji="1" lang="zh-TW" altLang="en-US" dirty="0" smtClean="0"/>
               <a:t> </a:t>
             </a:r>
             <a:r>
+              <a:rPr kumimoji="1" lang="en-US" altLang="zh-TW" dirty="0" smtClean="0"/>
+              <a:t>line</a:t>
+            </a:r>
+            <a:r>
+              <a:rPr kumimoji="1" lang="zh-TW" altLang="en-US" dirty="0" smtClean="0"/>
+              <a:t>上直接安裝套件的指令</a:t>
+            </a:r>
+            <a:endParaRPr kumimoji="1" lang="en-US" altLang="zh-TW" dirty="0" smtClean="0"/>
+          </a:p>
+          <a:p>
+            <a:pPr lvl="1"/>
+            <a:r>
+              <a:rPr kumimoji="1" lang="zh-TW" altLang="en-US" dirty="0" smtClean="0"/>
+              <a:t>用途主要為下載以及更新</a:t>
+            </a:r>
+            <a:r>
+              <a:rPr kumimoji="1" lang="zh-TW" altLang="zh-TW" dirty="0" smtClean="0"/>
+              <a:t>3</a:t>
+            </a:r>
+            <a:r>
               <a:rPr kumimoji="1" lang="en-US" altLang="zh-TW" dirty="0" err="1" smtClean="0"/>
-              <a:t>ipython</a:t>
+              <a:t>rd</a:t>
+            </a:r>
+            <a:r>
+              <a:rPr kumimoji="1" lang="zh-TW" altLang="en-US" dirty="0" smtClean="0"/>
+              <a:t> </a:t>
+            </a:r>
+            <a:r>
+              <a:rPr kumimoji="1" lang="en-US" altLang="zh-TW" dirty="0" smtClean="0"/>
+              <a:t>party</a:t>
+            </a:r>
+            <a:r>
+              <a:rPr kumimoji="1" lang="zh-TW" altLang="en-US" dirty="0" smtClean="0"/>
+              <a:t> </a:t>
+            </a:r>
+            <a:r>
+              <a:rPr kumimoji="1" lang="en-US" altLang="zh-TW" dirty="0" smtClean="0"/>
+              <a:t>package</a:t>
+            </a:r>
+          </a:p>
+          <a:p>
+            <a:pPr lvl="1"/>
+            <a:r>
+              <a:rPr kumimoji="1" lang="zh-TW" altLang="en-US" dirty="0" smtClean="0"/>
+              <a:t>能安裝的套件</a:t>
+            </a:r>
+            <a:r>
+              <a:rPr kumimoji="1" lang="en-US" altLang="zh-TW" dirty="0" smtClean="0"/>
+              <a:t>:</a:t>
+            </a:r>
+          </a:p>
+          <a:p>
+            <a:pPr lvl="2"/>
+            <a:r>
+              <a:rPr kumimoji="1" lang="zh-TW" altLang="en-US" dirty="0" smtClean="0"/>
+              <a:t>有註冊在</a:t>
+            </a:r>
+            <a:r>
+              <a:rPr kumimoji="1" lang="en-US" altLang="zh-TW" dirty="0" smtClean="0"/>
+              <a:t>python</a:t>
+            </a:r>
+            <a:r>
+              <a:rPr kumimoji="1" lang="zh-TW" altLang="en-US" dirty="0" smtClean="0"/>
+              <a:t>官方套件資料庫的套件</a:t>
             </a:r>
             <a:endParaRPr kumimoji="1" lang="en-US" altLang="zh-TW" dirty="0" smtClean="0"/>
+          </a:p>
+          <a:p>
+            <a:pPr lvl="2"/>
+            <a:r>
+              <a:rPr kumimoji="1" lang="zh-TW" altLang="en-US" dirty="0" smtClean="0"/>
+              <a:t>有打包成</a:t>
+            </a:r>
+            <a:r>
+              <a:rPr kumimoji="1" lang="en-US" altLang="zh-TW" dirty="0" smtClean="0"/>
+              <a:t>wheel</a:t>
+            </a:r>
+            <a:r>
+              <a:rPr kumimoji="1" lang="zh-TW" altLang="en-US" dirty="0" smtClean="0"/>
+              <a:t>的檔案</a:t>
+            </a:r>
+            <a:endParaRPr kumimoji="1" lang="en-US" altLang="zh-TW" dirty="0" smtClean="0"/>
+          </a:p>
+          <a:p>
+            <a:pPr lvl="2"/>
+            <a:r>
+              <a:rPr kumimoji="1" lang="en-US" altLang="zh-TW" dirty="0" err="1" smtClean="0"/>
+              <a:t>Github</a:t>
+            </a:r>
+            <a:r>
+              <a:rPr kumimoji="1" lang="zh-TW" altLang="en-US" dirty="0" smtClean="0"/>
+              <a:t>上的套件</a:t>
+            </a:r>
+            <a:endParaRPr kumimoji="1" lang="en-US" altLang="zh-TW" dirty="0" smtClean="0"/>
+          </a:p>
+          <a:p>
+            <a:pPr lvl="2"/>
+            <a:r>
+              <a:rPr kumimoji="1" lang="en-US" altLang="zh-TW" dirty="0" smtClean="0"/>
+              <a:t>…</a:t>
+            </a:r>
           </a:p>
           <a:p>
             <a:pPr marL="514350" indent="-514350">
@@ -8145,37 +8258,166 @@
               <a:buAutoNum type="arabicPeriod"/>
             </a:pPr>
             <a:r>
-              <a:rPr kumimoji="1" lang="zh-TW" altLang="zh-TW" dirty="0" smtClean="0"/>
-              <a:t>p</a:t>
-            </a:r>
-            <a:r>
               <a:rPr kumimoji="1" lang="en-US" altLang="zh-TW" dirty="0" err="1" smtClean="0"/>
-              <a:t>ip</a:t>
-            </a:r>
-            <a:r>
-              <a:rPr kumimoji="1" lang="zh-TW" altLang="en-US" dirty="0" smtClean="0"/>
+              <a:t>Github</a:t>
+            </a:r>
+            <a:r>
+              <a:rPr kumimoji="1" lang="en-US" altLang="zh-TW" dirty="0" smtClean="0"/>
+              <a:t>:</a:t>
+            </a:r>
+          </a:p>
+          <a:p>
+            <a:pPr lvl="1"/>
+            <a:r>
+              <a:rPr kumimoji="1" lang="zh-TW" altLang="en-US" dirty="0" smtClean="0"/>
+              <a:t>專案管理套件</a:t>
+            </a:r>
+            <a:endParaRPr kumimoji="1" lang="en-US" altLang="zh-TW" dirty="0" smtClean="0"/>
+          </a:p>
+          <a:p>
+            <a:pPr lvl="1"/>
+            <a:r>
+              <a:rPr kumimoji="1" lang="zh-TW" altLang="en-US" dirty="0" smtClean="0"/>
+              <a:t>上面也放了許多的第三方套件</a:t>
+            </a:r>
+            <a:r>
+              <a:rPr kumimoji="1" lang="en-US" altLang="zh-TW" dirty="0" smtClean="0"/>
+              <a:t>(</a:t>
+            </a:r>
+            <a:r>
+              <a:rPr kumimoji="1" lang="zh-TW" altLang="en-US" dirty="0" smtClean="0"/>
+              <a:t>也有其他語言的套件</a:t>
+            </a:r>
+            <a:r>
+              <a:rPr kumimoji="1" lang="en-US" altLang="zh-TW" dirty="0" smtClean="0"/>
+              <a:t>)</a:t>
+            </a:r>
+          </a:p>
+          <a:p>
+            <a:pPr lvl="2"/>
+            <a:endParaRPr kumimoji="1" lang="en-US" altLang="zh-TW" dirty="0" smtClean="0"/>
+          </a:p>
+        </p:txBody>
+      </p:sp>
+      <p:sp>
+        <p:nvSpPr>
+          <p:cNvPr id="4" name="投影片編號版面配置區 3"/>
+          <p:cNvSpPr>
+            <a:spLocks noGrp="1"/>
+          </p:cNvSpPr>
+          <p:nvPr>
+            <p:ph type="sldNum" sz="quarter" idx="12"/>
+          </p:nvPr>
+        </p:nvSpPr>
+        <p:spPr/>
+        <p:txBody>
+          <a:bodyPr/>
+          <a:lstStyle/>
+          <a:p>
+            <a:fld id="{D0256DAB-F776-1247-8262-D98F626E04EC}" type="slidenum">
+              <a:rPr kumimoji="1" lang="zh-TW" altLang="en-US" smtClean="0"/>
+              <a:t>23</a:t>
+            </a:fld>
+            <a:endParaRPr kumimoji="1" lang="zh-TW" altLang="en-US"/>
+          </a:p>
+        </p:txBody>
+      </p:sp>
+    </p:spTree>
+    <p:extLst>
+      <p:ext uri="{BB962C8B-B14F-4D97-AF65-F5344CB8AC3E}">
+        <p14:creationId xmlns:p14="http://schemas.microsoft.com/office/powerpoint/2010/main" val="3615736512"/>
+      </p:ext>
+    </p:extLst>
+  </p:cSld>
+  <p:clrMapOvr>
+    <a:masterClrMapping/>
+  </p:clrMapOvr>
+  <p:timing>
+    <p:tnLst>
+      <p:par>
+        <p:cTn xmlns:p14="http://schemas.microsoft.com/office/powerpoint/2010/main" id="1" dur="indefinite" restart="never" nodeType="tmRoot"/>
+      </p:par>
+    </p:tnLst>
+  </p:timing>
+</p:sld>
+</file>
+
+<file path=ppt/slides/slide24.xml><?xml version="1.0" encoding="utf-8"?>
+<p:sld xmlns:a="http://schemas.openxmlformats.org/drawingml/2006/main" xmlns:r="http://schemas.openxmlformats.org/officeDocument/2006/relationships" xmlns:p="http://schemas.openxmlformats.org/presentationml/2006/main">
+  <p:cSld>
+    <p:spTree>
+      <p:nvGrpSpPr>
+        <p:cNvPr id="1" name=""/>
+        <p:cNvGrpSpPr/>
+        <p:nvPr/>
+      </p:nvGrpSpPr>
+      <p:grpSpPr>
+        <a:xfrm>
+          <a:off x="0" y="0"/>
+          <a:ext cx="0" cy="0"/>
+          <a:chOff x="0" y="0"/>
+          <a:chExt cx="0" cy="0"/>
+        </a:xfrm>
+      </p:grpSpPr>
+      <p:sp>
+        <p:nvSpPr>
+          <p:cNvPr id="2" name="標題 1"/>
+          <p:cNvSpPr>
+            <a:spLocks noGrp="1"/>
+          </p:cNvSpPr>
+          <p:nvPr>
+            <p:ph type="title"/>
+          </p:nvPr>
+        </p:nvSpPr>
+        <p:spPr/>
+        <p:txBody>
+          <a:bodyPr/>
+          <a:lstStyle/>
+          <a:p>
+            <a:r>
+              <a:rPr kumimoji="1" lang="en-US" altLang="zh-TW" dirty="0" err="1" smtClean="0"/>
+              <a:t>Ipython</a:t>
+            </a:r>
+            <a:r>
+              <a:rPr kumimoji="1" lang="en-US" altLang="zh-TW" dirty="0" smtClean="0"/>
               <a:t> </a:t>
             </a:r>
             <a:r>
-              <a:rPr kumimoji="1" lang="en-US" altLang="zh-TW" dirty="0" smtClean="0"/>
-              <a:t>install</a:t>
-            </a:r>
-            <a:r>
-              <a:rPr kumimoji="1" lang="zh-TW" altLang="en-US" dirty="0" smtClean="0"/>
-              <a:t> </a:t>
+              <a:rPr kumimoji="1" lang="zh-TW" altLang="en-US" dirty="0" smtClean="0"/>
+              <a:t>安裝</a:t>
+            </a:r>
+            <a:endParaRPr kumimoji="1" lang="zh-TW" altLang="en-US" dirty="0"/>
+          </a:p>
+        </p:txBody>
+      </p:sp>
+      <p:sp>
+        <p:nvSpPr>
+          <p:cNvPr id="3" name="內容版面配置區 2"/>
+          <p:cNvSpPr>
+            <a:spLocks noGrp="1"/>
+          </p:cNvSpPr>
+          <p:nvPr>
+            <p:ph idx="1"/>
+          </p:nvPr>
+        </p:nvSpPr>
+        <p:spPr/>
+        <p:txBody>
+          <a:bodyPr/>
+          <a:lstStyle/>
+          <a:p>
+            <a:r>
+              <a:rPr kumimoji="1" lang="zh-TW" altLang="en-US" dirty="0" smtClean="0"/>
+              <a:t>開啟</a:t>
             </a:r>
             <a:r>
               <a:rPr kumimoji="1" lang="en-US" altLang="zh-TW" dirty="0" err="1" smtClean="0"/>
-              <a:t>ipython</a:t>
-            </a:r>
-            <a:r>
-              <a:rPr kumimoji="1" lang="zh-TW" altLang="en-US" dirty="0" smtClean="0"/>
-              <a:t>[</a:t>
-            </a:r>
-            <a:r>
-              <a:rPr kumimoji="1" lang="en-US" altLang="zh-TW" dirty="0" smtClean="0"/>
-              <a:t>notebook]</a:t>
-            </a:r>
+              <a:t>cmd</a:t>
+            </a:r>
+            <a:r>
+              <a:rPr kumimoji="1" lang="zh-TW" altLang="en-US" dirty="0" smtClean="0"/>
+              <a:t>，輸入</a:t>
+            </a:r>
+            <a:endParaRPr kumimoji="1" lang="en-US" altLang="zh-TW" dirty="0" smtClean="0"/>
           </a:p>
           <a:p>
             <a:pPr marL="514350" indent="-514350">
@@ -8183,6 +8425,75 @@
               <a:buAutoNum type="arabicPeriod"/>
             </a:pPr>
             <a:r>
+              <a:rPr kumimoji="1" lang="zh-TW" altLang="zh-TW" dirty="0"/>
+              <a:t>p</a:t>
+            </a:r>
+            <a:r>
+              <a:rPr kumimoji="1" lang="en-US" altLang="zh-TW" dirty="0" err="1" smtClean="0"/>
+              <a:t>ip</a:t>
+            </a:r>
+            <a:r>
+              <a:rPr kumimoji="1" lang="zh-TW" altLang="en-US" dirty="0" smtClean="0"/>
+              <a:t> </a:t>
+            </a:r>
+            <a:r>
+              <a:rPr kumimoji="1" lang="en-US" altLang="zh-TW" dirty="0" smtClean="0"/>
+              <a:t>install</a:t>
+            </a:r>
+            <a:r>
+              <a:rPr kumimoji="1" lang="zh-TW" altLang="en-US" dirty="0" smtClean="0"/>
+              <a:t> </a:t>
+            </a:r>
+            <a:r>
+              <a:rPr kumimoji="1" lang="en-US" altLang="zh-TW" dirty="0" err="1" smtClean="0"/>
+              <a:t>ipython</a:t>
+            </a:r>
+            <a:endParaRPr kumimoji="1" lang="en-US" altLang="zh-TW" dirty="0" smtClean="0"/>
+          </a:p>
+          <a:p>
+            <a:pPr marL="514350" indent="-514350">
+              <a:buFont typeface="+mj-lt"/>
+              <a:buAutoNum type="arabicPeriod"/>
+            </a:pPr>
+            <a:r>
+              <a:rPr kumimoji="1" lang="zh-TW" altLang="zh-TW" dirty="0" smtClean="0"/>
+              <a:t>p</a:t>
+            </a:r>
+            <a:r>
+              <a:rPr kumimoji="1" lang="en-US" altLang="zh-TW" dirty="0" err="1" smtClean="0"/>
+              <a:t>ip</a:t>
+            </a:r>
+            <a:r>
+              <a:rPr kumimoji="1" lang="zh-TW" altLang="en-US" dirty="0" smtClean="0"/>
+              <a:t> </a:t>
+            </a:r>
+            <a:r>
+              <a:rPr kumimoji="1" lang="en-US" altLang="zh-TW" dirty="0" smtClean="0"/>
+              <a:t>install</a:t>
+            </a:r>
+            <a:r>
+              <a:rPr kumimoji="1" lang="zh-TW" altLang="en-US" dirty="0" smtClean="0"/>
+              <a:t> </a:t>
+            </a:r>
+            <a:r>
+              <a:rPr kumimoji="1" lang="en-US" altLang="zh-TW" dirty="0" err="1" smtClean="0"/>
+              <a:t>ipython</a:t>
+            </a:r>
+            <a:r>
+              <a:rPr kumimoji="1" lang="zh-TW" altLang="en-US" dirty="0" smtClean="0"/>
+              <a:t>[</a:t>
+            </a:r>
+            <a:r>
+              <a:rPr kumimoji="1" lang="en-US" altLang="zh-TW" dirty="0" smtClean="0"/>
+              <a:t>notebook]</a:t>
+            </a:r>
+          </a:p>
+          <a:p>
+            <a:pPr marL="514350" indent="-514350">
+              <a:buFont typeface="+mj-lt"/>
+              <a:buAutoNum type="arabicPeriod"/>
+            </a:pPr>
+            <a:r>
               <a:rPr kumimoji="1" lang="en-US" altLang="zh-TW" dirty="0" err="1" smtClean="0"/>
               <a:t>Ipython</a:t>
             </a:r>
@@ -8229,7 +8540,7 @@
           <a:p>
             <a:fld id="{D0256DAB-F776-1247-8262-D98F626E04EC}" type="slidenum">
               <a:rPr kumimoji="1" lang="zh-TW" altLang="en-US" smtClean="0"/>
-              <a:t>23</a:t>
+              <a:t>24</a:t>
             </a:fld>
             <a:endParaRPr kumimoji="1" lang="zh-TW" altLang="en-US"/>
           </a:p>
@@ -8278,7 +8589,7 @@
 </p:sld>
 </file>
 
-<file path=ppt/slides/slide24.xml><?xml version="1.0" encoding="utf-8"?>
+<file path=ppt/slides/slide25.xml><?xml version="1.0" encoding="utf-8"?>
 <p:sld xmlns:a="http://schemas.openxmlformats.org/drawingml/2006/main" xmlns:r="http://schemas.openxmlformats.org/officeDocument/2006/relationships" xmlns:p="http://schemas.openxmlformats.org/presentationml/2006/main">
   <p:cSld>
     <p:spTree>
@@ -8376,7 +8687,7 @@
           <a:p>
             <a:fld id="{D0256DAB-F776-1247-8262-D98F626E04EC}" type="slidenum">
               <a:rPr kumimoji="1" lang="zh-TW" altLang="en-US" smtClean="0"/>
-              <a:t>24</a:t>
+              <a:t>25</a:t>
             </a:fld>
             <a:endParaRPr kumimoji="1" lang="zh-TW" altLang="en-US"/>
           </a:p>
@@ -8767,7 +9078,7 @@
 </p:sld>
 </file>
 
-<file path=ppt/slides/slide25.xml><?xml version="1.0" encoding="utf-8"?>
+<file path=ppt/slides/slide26.xml><?xml version="1.0" encoding="utf-8"?>
 <p:sld xmlns:a="http://schemas.openxmlformats.org/drawingml/2006/main" xmlns:r="http://schemas.openxmlformats.org/officeDocument/2006/relationships" xmlns:p="http://schemas.openxmlformats.org/presentationml/2006/main">
   <p:cSld>
     <p:spTree>
@@ -9000,7 +9311,7 @@
           <a:p>
             <a:fld id="{D0256DAB-F776-1247-8262-D98F626E04EC}" type="slidenum">
               <a:rPr kumimoji="1" lang="zh-TW" altLang="en-US" smtClean="0"/>
-              <a:t>25</a:t>
+              <a:t>26</a:t>
             </a:fld>
             <a:endParaRPr kumimoji="1" lang="zh-TW" altLang="en-US"/>
           </a:p>
@@ -9049,7 +9360,7 @@
 </p:sld>
 </file>
 
-<file path=ppt/slides/slide26.xml><?xml version="1.0" encoding="utf-8"?>
+<file path=ppt/slides/slide27.xml><?xml version="1.0" encoding="utf-8"?>
 <p:sld xmlns:a="http://schemas.openxmlformats.org/drawingml/2006/main" xmlns:r="http://schemas.openxmlformats.org/officeDocument/2006/relationships" xmlns:p="http://schemas.openxmlformats.org/presentationml/2006/main">
   <p:cSld>
     <p:spTree>
@@ -9205,7 +9516,7 @@
           <a:p>
             <a:fld id="{D0256DAB-F776-1247-8262-D98F626E04EC}" type="slidenum">
               <a:rPr kumimoji="1" lang="zh-TW" altLang="en-US" smtClean="0"/>
-              <a:t>26</a:t>
+              <a:t>27</a:t>
             </a:fld>
             <a:endParaRPr kumimoji="1" lang="zh-TW" altLang="en-US"/>
           </a:p>
@@ -9347,86 +9658,119 @@
           <a:p>
             <a:r>
               <a:rPr kumimoji="1" lang="en-US" altLang="zh-TW" dirty="0" smtClean="0"/>
-              <a:t>Tutorial</a:t>
-            </a:r>
-            <a:r>
-              <a:rPr kumimoji="1" lang="zh-TW" altLang="en-US" dirty="0" smtClean="0"/>
-              <a:t> </a:t>
-            </a:r>
-            <a:r>
-              <a:rPr kumimoji="1" lang="zh-TW" altLang="zh-TW" dirty="0" smtClean="0"/>
-              <a:t>C</a:t>
+              <a:t>R</a:t>
+            </a:r>
+            <a:r>
+              <a:rPr kumimoji="1" lang="en-US" altLang="zh-TW" dirty="0" smtClean="0"/>
+              <a:t>equirement</a:t>
+            </a:r>
+            <a:endParaRPr kumimoji="1" lang="zh-TW" altLang="en-US" dirty="0"/>
+          </a:p>
+        </p:txBody>
+      </p:sp>
+      <p:sp>
+        <p:nvSpPr>
+          <p:cNvPr id="3" name="內容版面配置區 2"/>
+          <p:cNvSpPr>
+            <a:spLocks noGrp="1"/>
+          </p:cNvSpPr>
+          <p:nvPr>
+            <p:ph idx="1"/>
+          </p:nvPr>
+        </p:nvSpPr>
+        <p:spPr/>
+        <p:txBody>
+          <a:bodyPr>
+            <a:normAutofit fontScale="92500" lnSpcReduction="10000"/>
+          </a:bodyPr>
+          <a:lstStyle/>
+          <a:p>
+            <a:r>
+              <a:rPr kumimoji="1" lang="zh-TW" altLang="en-US" dirty="0" smtClean="0"/>
+              <a:t>本教材在製作時假設讀者擁有一些基本的程式經驗，像是</a:t>
+            </a:r>
+            <a:endParaRPr kumimoji="1" lang="en-US" altLang="zh-TW" dirty="0" smtClean="0"/>
+          </a:p>
+          <a:p>
+            <a:pPr lvl="1"/>
+            <a:r>
+              <a:rPr kumimoji="1" lang="zh-TW" altLang="en-US" dirty="0" smtClean="0"/>
+              <a:t>變數</a:t>
+            </a:r>
+            <a:endParaRPr kumimoji="1" lang="en-US" altLang="zh-TW" dirty="0"/>
+          </a:p>
+          <a:p>
+            <a:pPr lvl="1"/>
+            <a:r>
+              <a:rPr kumimoji="1" lang="zh-TW" altLang="en-US" dirty="0" smtClean="0"/>
+              <a:t>變數宣告</a:t>
+            </a:r>
+            <a:endParaRPr kumimoji="1" lang="en-US" altLang="zh-TW" dirty="0"/>
+          </a:p>
+          <a:p>
+            <a:pPr lvl="1"/>
+            <a:r>
+              <a:rPr kumimoji="1" lang="zh-TW" altLang="en-US" dirty="0" smtClean="0"/>
+              <a:t>變數型態</a:t>
+            </a:r>
+            <a:endParaRPr kumimoji="1" lang="en-US" altLang="zh-TW" dirty="0" smtClean="0"/>
+          </a:p>
+          <a:p>
+            <a:pPr lvl="1"/>
+            <a:r>
+              <a:rPr kumimoji="1" lang="en-US" altLang="zh-TW" dirty="0" smtClean="0"/>
+              <a:t>…</a:t>
             </a:r>
             <a:r>
               <a:rPr kumimoji="1" lang="en-US" altLang="zh-TW" dirty="0" err="1" smtClean="0"/>
-              <a:t>ontent</a:t>
-            </a:r>
-            <a:endParaRPr kumimoji="1" lang="zh-TW" altLang="en-US" dirty="0"/>
-          </a:p>
-        </p:txBody>
-      </p:sp>
-      <p:sp>
-        <p:nvSpPr>
-          <p:cNvPr id="3" name="內容版面配置區 2"/>
-          <p:cNvSpPr>
-            <a:spLocks noGrp="1"/>
-          </p:cNvSpPr>
-          <p:nvPr>
-            <p:ph idx="1"/>
-          </p:nvPr>
-        </p:nvSpPr>
-        <p:spPr/>
-        <p:txBody>
-          <a:bodyPr/>
-          <a:lstStyle/>
-          <a:p>
-            <a:r>
-              <a:rPr kumimoji="1" lang="en-US" altLang="zh-TW" dirty="0" smtClean="0"/>
-              <a:t>Introduction</a:t>
-            </a:r>
-          </a:p>
-          <a:p>
-            <a:r>
-              <a:rPr kumimoji="1" lang="en-US" altLang="zh-TW" dirty="0" smtClean="0"/>
-              <a:t>python programing</a:t>
-            </a:r>
-          </a:p>
-          <a:p>
-            <a:r>
-              <a:rPr kumimoji="1" lang="en-US" altLang="zh-TW" dirty="0" smtClean="0"/>
-              <a:t>crawler</a:t>
-            </a:r>
-          </a:p>
-          <a:p>
-            <a:r>
-              <a:rPr kumimoji="1" lang="en-US" altLang="zh-TW" dirty="0" smtClean="0"/>
-              <a:t>DB</a:t>
-            </a:r>
-          </a:p>
-          <a:p>
-            <a:r>
-              <a:rPr kumimoji="1" lang="en-US" altLang="zh-TW" dirty="0" smtClean="0"/>
-              <a:t>preprocessing</a:t>
-            </a:r>
-          </a:p>
-          <a:p>
-            <a:r>
-              <a:rPr kumimoji="1" lang="en-US" altLang="zh-TW" dirty="0" smtClean="0"/>
-              <a:t>model building</a:t>
-            </a:r>
-          </a:p>
-          <a:p>
+              <a:t>etc</a:t>
+            </a:r>
+            <a:endParaRPr kumimoji="1" lang="en-US" altLang="zh-TW" dirty="0" smtClean="0"/>
+          </a:p>
+          <a:p>
+            <a:r>
+              <a:rPr kumimoji="1" lang="zh-TW" altLang="en-US" dirty="0" smtClean="0"/>
+              <a:t>以及一些基本的</a:t>
+            </a:r>
             <a:r>
               <a:rPr kumimoji="1" lang="en-US" altLang="zh-TW" dirty="0" err="1" smtClean="0"/>
-              <a:t>django</a:t>
-            </a:r>
-            <a:r>
-              <a:rPr kumimoji="1" lang="en-US" altLang="zh-TW" dirty="0" smtClean="0"/>
-              <a:t> recommender system</a:t>
-            </a:r>
-          </a:p>
-          <a:p>
-            <a:endParaRPr kumimoji="1" lang="zh-TW" altLang="en-US" dirty="0"/>
+              <a:t>linux</a:t>
+            </a:r>
+            <a:r>
+              <a:rPr kumimoji="1" lang="zh-TW" altLang="en-US" dirty="0" smtClean="0"/>
+              <a:t>操作指令，像是</a:t>
+            </a:r>
+            <a:endParaRPr kumimoji="1" lang="en-US" altLang="zh-TW" dirty="0" smtClean="0"/>
+          </a:p>
+          <a:p>
+            <a:pPr lvl="1"/>
+            <a:r>
+              <a:rPr kumimoji="1" lang="en-US" altLang="zh-TW" dirty="0" smtClean="0"/>
+              <a:t>Cd</a:t>
+            </a:r>
+          </a:p>
+          <a:p>
+            <a:pPr lvl="1"/>
+            <a:r>
+              <a:rPr kumimoji="1" lang="en-US" altLang="zh-TW" dirty="0" err="1" smtClean="0"/>
+              <a:t>Ls</a:t>
+            </a:r>
+            <a:endParaRPr kumimoji="1" lang="en-US" altLang="zh-TW" dirty="0" smtClean="0"/>
+          </a:p>
+          <a:p>
+            <a:pPr lvl="1"/>
+            <a:r>
+              <a:rPr kumimoji="1" lang="en-US" altLang="zh-TW" dirty="0" smtClean="0"/>
+              <a:t>…</a:t>
+            </a:r>
+            <a:r>
+              <a:rPr kumimoji="1" lang="en-US" altLang="zh-TW" dirty="0" err="1" smtClean="0"/>
+              <a:t>etc</a:t>
+            </a:r>
+            <a:endParaRPr kumimoji="1" lang="en-US" altLang="zh-TW" dirty="0" smtClean="0"/>
+          </a:p>
+          <a:p>
+            <a:endParaRPr kumimoji="1" lang="en-US" altLang="zh-TW" dirty="0" smtClean="0"/>
           </a:p>
         </p:txBody>
       </p:sp>
@@ -9456,20 +9800,13 @@
     </p:spTree>
     <p:extLst>
       <p:ext uri="{BB962C8B-B14F-4D97-AF65-F5344CB8AC3E}">
-        <p14:creationId xmlns:p14="http://schemas.microsoft.com/office/powerpoint/2010/main" val="3906212524"/>
+        <p14:creationId xmlns:p14="http://schemas.microsoft.com/office/powerpoint/2010/main" val="73274457"/>
       </p:ext>
     </p:extLst>
   </p:cSld>
   <p:clrMapOvr>
     <a:masterClrMapping/>
   </p:clrMapOvr>
-  <p:timing>
-    <p:tnLst>
-      <p:par>
-        <p:cTn xmlns:p14="http://schemas.microsoft.com/office/powerpoint/2010/main" id="1" dur="indefinite" restart="never" nodeType="tmRoot"/>
-      </p:par>
-    </p:tnLst>
-  </p:timing>
 </p:sld>
 </file>
 
@@ -9497,7 +9834,7 @@
             <a:spLocks noGrp="1"/>
           </p:cNvSpPr>
           <p:nvPr>
-            <p:ph type="ctrTitle"/>
+            <p:ph type="title"/>
           </p:nvPr>
         </p:nvSpPr>
         <p:spPr/>
@@ -9507,20 +9844,97 @@
           <a:p>
             <a:r>
               <a:rPr kumimoji="1" lang="en-US" altLang="zh-TW" dirty="0" smtClean="0"/>
+              <a:t>Tutorial</a:t>
+            </a:r>
+            <a:r>
+              <a:rPr kumimoji="1" lang="zh-TW" altLang="en-US" dirty="0" smtClean="0"/>
+              <a:t> </a:t>
+            </a:r>
+            <a:r>
+              <a:rPr kumimoji="1" lang="zh-TW" altLang="zh-TW" dirty="0" smtClean="0"/>
+              <a:t>C</a:t>
+            </a:r>
+            <a:r>
+              <a:rPr kumimoji="1" lang="en-US" altLang="zh-TW" dirty="0" err="1" smtClean="0"/>
+              <a:t>ontent</a:t>
+            </a:r>
+            <a:endParaRPr kumimoji="1" lang="zh-TW" altLang="en-US" dirty="0"/>
+          </a:p>
+        </p:txBody>
+      </p:sp>
+      <p:sp>
+        <p:nvSpPr>
+          <p:cNvPr id="3" name="內容版面配置區 2"/>
+          <p:cNvSpPr>
+            <a:spLocks noGrp="1"/>
+          </p:cNvSpPr>
+          <p:nvPr>
+            <p:ph idx="1"/>
+          </p:nvPr>
+        </p:nvSpPr>
+        <p:spPr/>
+        <p:txBody>
+          <a:bodyPr/>
+          <a:lstStyle/>
+          <a:p>
+            <a:r>
+              <a:rPr kumimoji="1" lang="en-US" altLang="zh-TW" dirty="0" smtClean="0"/>
               <a:t>Introduction</a:t>
             </a:r>
+          </a:p>
+          <a:p>
+            <a:r>
+              <a:rPr kumimoji="1" lang="en-US" altLang="zh-TW" dirty="0" smtClean="0"/>
+              <a:t>python programing</a:t>
+            </a:r>
+          </a:p>
+          <a:p>
+            <a:r>
+              <a:rPr kumimoji="1" lang="en-US" altLang="zh-TW" dirty="0" smtClean="0"/>
+              <a:t>crawler</a:t>
+            </a:r>
+          </a:p>
+          <a:p>
+            <a:r>
+              <a:rPr kumimoji="1" lang="en-US" altLang="zh-TW" dirty="0" smtClean="0"/>
+              <a:t>DB</a:t>
+            </a:r>
+          </a:p>
+          <a:p>
+            <a:r>
+              <a:rPr kumimoji="1" lang="en-US" altLang="zh-TW" dirty="0" smtClean="0"/>
+              <a:t>preprocessing</a:t>
+            </a:r>
+          </a:p>
+          <a:p>
+            <a:r>
+              <a:rPr kumimoji="1" lang="en-US" altLang="zh-TW" dirty="0" smtClean="0"/>
+              <a:t>model building</a:t>
+            </a:r>
+          </a:p>
+          <a:p>
+            <a:r>
+              <a:rPr kumimoji="1" lang="en-US" altLang="zh-TW" dirty="0" err="1" smtClean="0"/>
+              <a:t>django</a:t>
+            </a:r>
+            <a:r>
+              <a:rPr kumimoji="1" lang="en-US" altLang="zh-TW" dirty="0" smtClean="0"/>
+              <a:t> recommender system</a:t>
+            </a:r>
+          </a:p>
+          <a:p>
             <a:endParaRPr kumimoji="1" lang="zh-TW" altLang="en-US" dirty="0"/>
           </a:p>
         </p:txBody>
       </p:sp>
       <p:sp>
         <p:nvSpPr>
-          <p:cNvPr id="3" name="子標題 2"/>
-          <p:cNvSpPr>
-            <a:spLocks noGrp="1"/>
-          </p:cNvSpPr>
-          <p:nvPr>
-            <p:ph type="subTitle" idx="1"/>
+          <p:cNvPr id="4" name="投影片編號版面配置區 3"/>
+          <p:cNvSpPr>
+            <a:spLocks noGrp="1"/>
+          </p:cNvSpPr>
+          <p:nvPr>
+            <p:ph type="sldNum" sz="quarter" idx="12"/>
           </p:nvPr>
         </p:nvSpPr>
         <p:spPr/>
@@ -9528,6 +9942,10 @@
           <a:bodyPr/>
           <a:lstStyle/>
           <a:p>
+            <a:fld id="{D0256DAB-F776-1247-8262-D98F626E04EC}" type="slidenum">
+              <a:rPr kumimoji="1" lang="zh-TW" altLang="en-US" smtClean="0"/>
+              <a:t>4</a:t>
+            </a:fld>
             <a:endParaRPr kumimoji="1" lang="zh-TW" altLang="en-US"/>
           </a:p>
         </p:txBody>
@@ -9535,7 +9953,7 @@
     </p:spTree>
     <p:extLst>
       <p:ext uri="{BB962C8B-B14F-4D97-AF65-F5344CB8AC3E}">
-        <p14:creationId xmlns:p14="http://schemas.microsoft.com/office/powerpoint/2010/main" val="2948426396"/>
+        <p14:creationId xmlns:p14="http://schemas.microsoft.com/office/powerpoint/2010/main" val="3906212524"/>
       </p:ext>
     </p:extLst>
   </p:cSld>
@@ -9576,6 +9994,85 @@
             <a:spLocks noGrp="1"/>
           </p:cNvSpPr>
           <p:nvPr>
+            <p:ph type="ctrTitle"/>
+          </p:nvPr>
+        </p:nvSpPr>
+        <p:spPr/>
+        <p:txBody>
+          <a:bodyPr/>
+          <a:lstStyle/>
+          <a:p>
+            <a:r>
+              <a:rPr kumimoji="1" lang="en-US" altLang="zh-TW" dirty="0" smtClean="0"/>
+              <a:t>Introduction</a:t>
+            </a:r>
+            <a:endParaRPr kumimoji="1" lang="zh-TW" altLang="en-US" dirty="0"/>
+          </a:p>
+        </p:txBody>
+      </p:sp>
+      <p:sp>
+        <p:nvSpPr>
+          <p:cNvPr id="3" name="子標題 2"/>
+          <p:cNvSpPr>
+            <a:spLocks noGrp="1"/>
+          </p:cNvSpPr>
+          <p:nvPr>
+            <p:ph type="subTitle" idx="1"/>
+          </p:nvPr>
+        </p:nvSpPr>
+        <p:spPr/>
+        <p:txBody>
+          <a:bodyPr/>
+          <a:lstStyle/>
+          <a:p>
+            <a:endParaRPr kumimoji="1" lang="zh-TW" altLang="en-US"/>
+          </a:p>
+        </p:txBody>
+      </p:sp>
+    </p:spTree>
+    <p:extLst>
+      <p:ext uri="{BB962C8B-B14F-4D97-AF65-F5344CB8AC3E}">
+        <p14:creationId xmlns:p14="http://schemas.microsoft.com/office/powerpoint/2010/main" val="2948426396"/>
+      </p:ext>
+    </p:extLst>
+  </p:cSld>
+  <p:clrMapOvr>
+    <a:masterClrMapping/>
+  </p:clrMapOvr>
+  <p:timing>
+    <p:tnLst>
+      <p:par>
+        <p:cTn xmlns:p14="http://schemas.microsoft.com/office/powerpoint/2010/main" id="1" dur="indefinite" restart="never" nodeType="tmRoot"/>
+      </p:par>
+    </p:tnLst>
+  </p:timing>
+</p:sld>
+</file>
+
+<file path=ppt/slides/slide6.xml><?xml version="1.0" encoding="utf-8"?>
+<p:sld xmlns:a="http://schemas.openxmlformats.org/drawingml/2006/main" xmlns:r="http://schemas.openxmlformats.org/officeDocument/2006/relationships" xmlns:p="http://schemas.openxmlformats.org/presentationml/2006/main">
+  <p:cSld>
+    <p:spTree>
+      <p:nvGrpSpPr>
+        <p:cNvPr id="1" name=""/>
+        <p:cNvGrpSpPr/>
+        <p:nvPr/>
+      </p:nvGrpSpPr>
+      <p:grpSpPr>
+        <a:xfrm>
+          <a:off x="0" y="0"/>
+          <a:ext cx="0" cy="0"/>
+          <a:chOff x="0" y="0"/>
+          <a:chExt cx="0" cy="0"/>
+        </a:xfrm>
+      </p:grpSpPr>
+      <p:sp>
+        <p:nvSpPr>
+          <p:cNvPr id="2" name="標題 1"/>
+          <p:cNvSpPr>
+            <a:spLocks noGrp="1"/>
+          </p:cNvSpPr>
+          <p:nvPr>
             <p:ph type="title"/>
           </p:nvPr>
         </p:nvSpPr>
@@ -9617,11 +10114,27 @@
           <a:p>
             <a:r>
               <a:rPr kumimoji="1" lang="zh-TW" altLang="en-US" dirty="0" smtClean="0"/>
-              <a:t>如果程式語言是女人</a:t>
-            </a:r>
-            <a:r>
-              <a:rPr kumimoji="1" lang="en-US" altLang="zh-TW" dirty="0" smtClean="0"/>
-              <a:t>….</a:t>
+              <a:t>如果</a:t>
+            </a:r>
+            <a:r>
+              <a:rPr kumimoji="1" lang="zh-TW" altLang="en-US" dirty="0" smtClean="0"/>
+              <a:t>將</a:t>
+            </a:r>
+            <a:r>
+              <a:rPr kumimoji="1" lang="zh-TW" altLang="en-US" dirty="0" smtClean="0"/>
+              <a:t>程式語言</a:t>
+            </a:r>
+            <a:r>
+              <a:rPr kumimoji="1" lang="zh-TW" altLang="en-US" dirty="0" smtClean="0"/>
+              <a:t>比擬成姑娘</a:t>
+            </a:r>
+            <a:r>
+              <a:rPr kumimoji="1" lang="en-US" altLang="zh-TW" dirty="0" smtClean="0"/>
+              <a:t>…</a:t>
+            </a:r>
+            <a:r>
+              <a:rPr kumimoji="1" lang="en-US" altLang="zh-TW" dirty="0" smtClean="0"/>
+              <a:t>.</a:t>
             </a:r>
           </a:p>
           <a:p>
@@ -9639,7 +10152,19 @@
             </a:r>
             <a:r>
               <a:rPr kumimoji="1" lang="zh-TW" altLang="en-US" dirty="0" smtClean="0"/>
-              <a:t>一個懂事的正咩啊！</a:t>
+              <a:t>一個懂事的</a:t>
+            </a:r>
+            <a:r>
+              <a:rPr kumimoji="1" lang="zh-TW" altLang="en-US" dirty="0" smtClean="0"/>
+              <a:t>漂亮模特兒</a:t>
+            </a:r>
+            <a:r>
+              <a:rPr kumimoji="1" lang="zh-TW" altLang="en-US" dirty="0" smtClean="0"/>
+              <a:t>啊</a:t>
+            </a:r>
+            <a:r>
+              <a:rPr kumimoji="1" lang="zh-TW" altLang="en-US" dirty="0" smtClean="0"/>
+              <a:t>！</a:t>
             </a:r>
             <a:endParaRPr kumimoji="1" lang="en-US" altLang="zh-TW" dirty="0" smtClean="0"/>
           </a:p>
@@ -9676,7 +10201,7 @@
           <a:p>
             <a:fld id="{D0256DAB-F776-1247-8262-D98F626E04EC}" type="slidenum">
               <a:rPr kumimoji="1" lang="zh-TW" altLang="en-US" smtClean="0"/>
-              <a:t>5</a:t>
+              <a:t>6</a:t>
             </a:fld>
             <a:endParaRPr kumimoji="1" lang="zh-TW" altLang="en-US"/>
           </a:p>
@@ -9924,7 +10449,7 @@
 </p:sld>
 </file>
 
-<file path=ppt/slides/slide6.xml><?xml version="1.0" encoding="utf-8"?>
+<file path=ppt/slides/slide7.xml><?xml version="1.0" encoding="utf-8"?>
 <p:sld xmlns:a="http://schemas.openxmlformats.org/drawingml/2006/main" xmlns:r="http://schemas.openxmlformats.org/officeDocument/2006/relationships" xmlns:p="http://schemas.openxmlformats.org/presentationml/2006/main">
   <p:cSld>
     <p:spTree>
@@ -10175,7 +10700,7 @@
           <a:p>
             <a:fld id="{D0256DAB-F776-1247-8262-D98F626E04EC}" type="slidenum">
               <a:rPr kumimoji="1" lang="zh-TW" altLang="en-US" smtClean="0"/>
-              <a:t>6</a:t>
+              <a:t>7</a:t>
             </a:fld>
             <a:endParaRPr kumimoji="1" lang="zh-TW" altLang="en-US"/>
           </a:p>
@@ -10226,246 +10751,6 @@
 </p:sld>
 </file>
 
-<file path=ppt/slides/slide7.xml><?xml version="1.0" encoding="utf-8"?>
-<p:sld xmlns:a="http://schemas.openxmlformats.org/drawingml/2006/main" xmlns:r="http://schemas.openxmlformats.org/officeDocument/2006/relationships" xmlns:p="http://schemas.openxmlformats.org/presentationml/2006/main">
-  <p:cSld>
-    <p:spTree>
-      <p:nvGrpSpPr>
-        <p:cNvPr id="1" name=""/>
-        <p:cNvGrpSpPr/>
-        <p:nvPr/>
-      </p:nvGrpSpPr>
-      <p:grpSpPr>
-        <a:xfrm>
-          <a:off x="0" y="0"/>
-          <a:ext cx="0" cy="0"/>
-          <a:chOff x="0" y="0"/>
-          <a:chExt cx="0" cy="0"/>
-        </a:xfrm>
-      </p:grpSpPr>
-      <p:sp>
-        <p:nvSpPr>
-          <p:cNvPr id="2" name="標題 1"/>
-          <p:cNvSpPr>
-            <a:spLocks noGrp="1"/>
-          </p:cNvSpPr>
-          <p:nvPr>
-            <p:ph type="title"/>
-          </p:nvPr>
-        </p:nvSpPr>
-        <p:spPr/>
-        <p:txBody>
-          <a:bodyPr/>
-          <a:lstStyle/>
-          <a:p>
-            <a:r>
-              <a:rPr kumimoji="1" lang="en-US" altLang="zh-TW" dirty="0" smtClean="0"/>
-              <a:t>P</a:t>
-            </a:r>
-            <a:r>
-              <a:rPr kumimoji="1" lang="en-US" altLang="zh-TW" dirty="0" smtClean="0"/>
-              <a:t>ython</a:t>
-            </a:r>
-            <a:r>
-              <a:rPr kumimoji="1" lang="zh-TW" altLang="en-US" dirty="0" smtClean="0"/>
-              <a:t>的語言美學</a:t>
-            </a:r>
-            <a:endParaRPr kumimoji="1" lang="zh-TW" altLang="en-US" dirty="0"/>
-          </a:p>
-        </p:txBody>
-      </p:sp>
-      <p:sp>
-        <p:nvSpPr>
-          <p:cNvPr id="3" name="內容版面配置區 2"/>
-          <p:cNvSpPr>
-            <a:spLocks noGrp="1"/>
-          </p:cNvSpPr>
-          <p:nvPr>
-            <p:ph idx="1"/>
-          </p:nvPr>
-        </p:nvSpPr>
-        <p:spPr>
-          <a:xfrm>
-            <a:off x="457200" y="1600200"/>
-            <a:ext cx="8229600" cy="4756150"/>
-          </a:xfrm>
-        </p:spPr>
-        <p:txBody>
-          <a:bodyPr>
-            <a:normAutofit fontScale="77500" lnSpcReduction="20000"/>
-          </a:bodyPr>
-          <a:lstStyle/>
-          <a:p>
-            <a:r>
-              <a:rPr kumimoji="1" lang="zh-TW" altLang="en-US" dirty="0" smtClean="0"/>
-              <a:t>語法中不需用分號來隔開指令</a:t>
-            </a:r>
-            <a:endParaRPr kumimoji="1" lang="en-US" altLang="zh-TW" dirty="0" smtClean="0"/>
-          </a:p>
-          <a:p>
-            <a:pPr lvl="1"/>
-            <a:r>
-              <a:rPr kumimoji="1" lang="zh-TW" altLang="en-US" dirty="0" smtClean="0"/>
-              <a:t>而是直接換行來表示指令</a:t>
-            </a:r>
-            <a:endParaRPr kumimoji="1" lang="en-US" altLang="zh-TW" dirty="0" smtClean="0"/>
-          </a:p>
-          <a:p>
-            <a:r>
-              <a:rPr kumimoji="1" lang="zh-TW" altLang="en-US" dirty="0" smtClean="0"/>
-              <a:t>面對迴圈，或條件判斷式</a:t>
-            </a:r>
-            <a:endParaRPr kumimoji="1" lang="en-US" altLang="zh-TW" dirty="0" smtClean="0"/>
-          </a:p>
-          <a:p>
-            <a:pPr lvl="1"/>
-            <a:r>
-              <a:rPr kumimoji="1" lang="zh-TW" altLang="en-US" dirty="0" smtClean="0"/>
-              <a:t>不以大括號來控制要執行的範圍</a:t>
-            </a:r>
-            <a:endParaRPr kumimoji="1" lang="en-US" altLang="zh-TW" dirty="0"/>
-          </a:p>
-          <a:p>
-            <a:pPr lvl="1"/>
-            <a:r>
-              <a:rPr kumimoji="1" lang="zh-TW" altLang="en-US" dirty="0" smtClean="0"/>
-              <a:t>用縮排來控制要執行的範圍</a:t>
-            </a:r>
-            <a:endParaRPr kumimoji="1" lang="en-US" altLang="zh-TW" dirty="0" smtClean="0"/>
-          </a:p>
-          <a:p>
-            <a:r>
-              <a:rPr kumimoji="1" lang="zh-TW" altLang="en-US" dirty="0" smtClean="0"/>
-              <a:t>宣告變數時不需特別寫出型態</a:t>
-            </a:r>
-            <a:endParaRPr kumimoji="1" lang="en-US" altLang="zh-TW" dirty="0" smtClean="0"/>
-          </a:p>
-          <a:p>
-            <a:r>
-              <a:rPr kumimoji="1" lang="zh-TW" altLang="en-US" dirty="0" smtClean="0"/>
-              <a:t>宣告</a:t>
-            </a:r>
-            <a:r>
-              <a:rPr kumimoji="1" lang="en-US" altLang="zh-TW" dirty="0" smtClean="0"/>
-              <a:t>f</a:t>
-            </a:r>
-            <a:r>
-              <a:rPr kumimoji="1" lang="en-US" altLang="zh-TW" dirty="0" smtClean="0"/>
-              <a:t>unction</a:t>
-            </a:r>
-            <a:r>
-              <a:rPr kumimoji="1" lang="zh-TW" altLang="en-US" dirty="0" smtClean="0"/>
-              <a:t>時不需特別擔心</a:t>
-            </a:r>
-            <a:endParaRPr kumimoji="1" lang="en-US" altLang="zh-TW" dirty="0" smtClean="0"/>
-          </a:p>
-          <a:p>
-            <a:pPr lvl="1"/>
-            <a:r>
-              <a:rPr kumimoji="1" lang="zh-TW" altLang="en-US" dirty="0" smtClean="0"/>
-              <a:t>宣告型態</a:t>
-            </a:r>
-            <a:endParaRPr kumimoji="1" lang="en-US" altLang="zh-TW" dirty="0" smtClean="0"/>
-          </a:p>
-          <a:p>
-            <a:pPr lvl="1"/>
-            <a:r>
-              <a:rPr kumimoji="1" lang="zh-TW" altLang="en-US" dirty="0" smtClean="0"/>
-              <a:t>回傳型態</a:t>
-            </a:r>
-            <a:endParaRPr kumimoji="1" lang="en-US" altLang="zh-TW" dirty="0" smtClean="0"/>
-          </a:p>
-          <a:p>
-            <a:pPr lvl="1"/>
-            <a:r>
-              <a:rPr kumimoji="1" lang="zh-TW" altLang="en-US" dirty="0" smtClean="0"/>
-              <a:t>輸入參數的型態</a:t>
-            </a:r>
-            <a:endParaRPr kumimoji="1" lang="en-US" altLang="zh-TW" dirty="0" smtClean="0"/>
-          </a:p>
-          <a:p>
-            <a:r>
-              <a:rPr kumimoji="1" lang="en-US" altLang="zh-TW" dirty="0" smtClean="0"/>
-              <a:t>…</a:t>
-            </a:r>
-          </a:p>
-          <a:p>
-            <a:r>
-              <a:rPr kumimoji="1" lang="en-US" altLang="zh-TW" b="1" dirty="0" smtClean="0">
-                <a:solidFill>
-                  <a:srgbClr val="FF0000"/>
-                </a:solidFill>
-              </a:rPr>
-              <a:t>B</a:t>
-            </a:r>
-            <a:r>
-              <a:rPr kumimoji="1" lang="en-US" altLang="zh-TW" b="1" dirty="0" smtClean="0">
-                <a:solidFill>
-                  <a:srgbClr val="FF0000"/>
-                </a:solidFill>
-              </a:rPr>
-              <a:t>TW</a:t>
-            </a:r>
-            <a:r>
-              <a:rPr kumimoji="1" lang="zh-TW" altLang="en-US" b="1" dirty="0" smtClean="0">
-                <a:solidFill>
-                  <a:srgbClr val="FF0000"/>
-                </a:solidFill>
-              </a:rPr>
-              <a:t>，縮排是非常重要的！！</a:t>
-            </a:r>
-            <a:endParaRPr kumimoji="1" lang="en-US" altLang="zh-TW" b="1" dirty="0" smtClean="0">
-              <a:solidFill>
-                <a:srgbClr val="FF0000"/>
-              </a:solidFill>
-            </a:endParaRPr>
-          </a:p>
-          <a:p>
-            <a:pPr lvl="1"/>
-            <a:r>
-              <a:rPr kumimoji="1" lang="zh-TW" altLang="en-US" dirty="0" smtClean="0"/>
-              <a:t>縮排沒縮好，程式便會執行到奇怪的東西！</a:t>
-            </a:r>
-            <a:endParaRPr kumimoji="1" lang="zh-TW" altLang="en-US" dirty="0"/>
-          </a:p>
-        </p:txBody>
-      </p:sp>
-      <p:sp>
-        <p:nvSpPr>
-          <p:cNvPr id="4" name="投影片編號版面配置區 3"/>
-          <p:cNvSpPr>
-            <a:spLocks noGrp="1"/>
-          </p:cNvSpPr>
-          <p:nvPr>
-            <p:ph type="sldNum" sz="quarter" idx="12"/>
-          </p:nvPr>
-        </p:nvSpPr>
-        <p:spPr/>
-        <p:txBody>
-          <a:bodyPr/>
-          <a:lstStyle/>
-          <a:p>
-            <a:fld id="{D0256DAB-F776-1247-8262-D98F626E04EC}" type="slidenum">
-              <a:rPr kumimoji="1" lang="zh-TW" altLang="en-US" smtClean="0"/>
-              <a:t>7</a:t>
-            </a:fld>
-            <a:endParaRPr kumimoji="1" lang="zh-TW" altLang="en-US"/>
-          </a:p>
-        </p:txBody>
-      </p:sp>
-    </p:spTree>
-    <p:extLst>
-      <p:ext uri="{BB962C8B-B14F-4D97-AF65-F5344CB8AC3E}">
-        <p14:creationId xmlns:p14="http://schemas.microsoft.com/office/powerpoint/2010/main" val="3406506341"/>
-      </p:ext>
-    </p:extLst>
-  </p:cSld>
-  <p:clrMapOvr>
-    <a:masterClrMapping/>
-  </p:clrMapOvr>
-</p:sld>
-</file>
-
 <file path=ppt/slides/slide8.xml><?xml version="1.0" encoding="utf-8"?>
 <p:sld xmlns:a="http://schemas.openxmlformats.org/drawingml/2006/main" xmlns:r="http://schemas.openxmlformats.org/officeDocument/2006/relationships" xmlns:p="http://schemas.openxmlformats.org/presentationml/2006/main">
   <p:cSld>
@@ -10500,7 +10785,11 @@
           <a:p>
             <a:r>
               <a:rPr kumimoji="1" lang="en-US" altLang="zh-TW" dirty="0" smtClean="0"/>
-              <a:t>Performance</a:t>
+              <a:t>Python</a:t>
+            </a:r>
+            <a:r>
+              <a:rPr kumimoji="1" lang="zh-TW" altLang="en-US" dirty="0" smtClean="0"/>
+              <a:t>的語言美學</a:t>
             </a:r>
             <a:endParaRPr kumimoji="1" lang="zh-TW" altLang="en-US" dirty="0"/>
           </a:p>
@@ -10516,77 +10805,102 @@
             <p:ph idx="1"/>
           </p:nvPr>
         </p:nvSpPr>
-        <p:spPr/>
+        <p:spPr>
+          <a:xfrm>
+            <a:off x="457200" y="1600200"/>
+            <a:ext cx="8229600" cy="4756150"/>
+          </a:xfrm>
+        </p:spPr>
         <p:txBody>
           <a:bodyPr>
-            <a:normAutofit lnSpcReduction="10000"/>
+            <a:normAutofit fontScale="77500" lnSpcReduction="20000"/>
           </a:bodyPr>
           <a:lstStyle/>
           <a:p>
             <a:r>
               <a:rPr kumimoji="1" lang="zh-TW" altLang="en-US" dirty="0" smtClean="0"/>
-              <a:t>由於是直譯式語言，因此執行速度上比編譯式語言慢</a:t>
-            </a:r>
-            <a:r>
-              <a:rPr kumimoji="1" lang="en-US" altLang="zh-TW" dirty="0" smtClean="0"/>
-              <a:t>(C,C++,Java…)</a:t>
-            </a:r>
-          </a:p>
-          <a:p>
-            <a:r>
-              <a:rPr kumimoji="1" lang="zh-TW" altLang="en-US" dirty="0" smtClean="0"/>
-              <a:t>如果重視開發速度</a:t>
-            </a:r>
-            <a:r>
-              <a:rPr kumimoji="1" lang="en-US" altLang="zh-TW" dirty="0" smtClean="0"/>
-              <a:t>:</a:t>
-            </a:r>
-            <a:r>
-              <a:rPr kumimoji="1" lang="zh-TW" altLang="en-US" dirty="0" smtClean="0"/>
-              <a:t> </a:t>
-            </a:r>
-            <a:r>
-              <a:rPr kumimoji="1" lang="en-US" altLang="zh-TW" dirty="0" smtClean="0"/>
-              <a:t>Python</a:t>
-            </a:r>
-          </a:p>
-          <a:p>
-            <a:r>
-              <a:rPr kumimoji="1" lang="zh-TW" altLang="en-US" dirty="0" smtClean="0"/>
-              <a:t>如果重視程式效能</a:t>
-            </a:r>
-            <a:r>
-              <a:rPr kumimoji="1" lang="en-US" altLang="zh-TW" dirty="0" smtClean="0"/>
-              <a:t>:</a:t>
-            </a:r>
-            <a:r>
-              <a:rPr kumimoji="1" lang="zh-TW" altLang="en-US" dirty="0" smtClean="0"/>
-              <a:t> </a:t>
-            </a:r>
-            <a:r>
-              <a:rPr kumimoji="1" lang="en-US" altLang="zh-TW" dirty="0" smtClean="0"/>
-              <a:t>C,</a:t>
-            </a:r>
-            <a:r>
-              <a:rPr kumimoji="1" lang="zh-TW" altLang="en-US" dirty="0" smtClean="0"/>
-              <a:t> </a:t>
-            </a:r>
-            <a:r>
-              <a:rPr kumimoji="1" lang="en-US" altLang="zh-TW" dirty="0" smtClean="0"/>
-              <a:t>C++,</a:t>
-            </a:r>
-            <a:r>
-              <a:rPr kumimoji="1" lang="zh-TW" altLang="en-US" dirty="0" smtClean="0"/>
-              <a:t> </a:t>
-            </a:r>
-            <a:r>
-              <a:rPr kumimoji="1" lang="en-US" altLang="zh-TW" dirty="0" smtClean="0"/>
-              <a:t>Java</a:t>
-            </a:r>
-            <a:r>
-              <a:rPr kumimoji="1" lang="zh-TW" altLang="en-US" dirty="0" smtClean="0"/>
-              <a:t> </a:t>
-            </a:r>
+              <a:t>語法中不需用分號來隔開指令</a:t>
+            </a:r>
+            <a:endParaRPr kumimoji="1" lang="en-US" altLang="zh-TW" dirty="0" smtClean="0"/>
+          </a:p>
+          <a:p>
+            <a:pPr lvl="1"/>
+            <a:r>
+              <a:rPr kumimoji="1" lang="zh-TW" altLang="en-US" dirty="0" smtClean="0"/>
+              <a:t>而是直接換行來表示指令</a:t>
+            </a:r>
+            <a:endParaRPr kumimoji="1" lang="en-US" altLang="zh-TW" dirty="0" smtClean="0"/>
+          </a:p>
+          <a:p>
+            <a:r>
+              <a:rPr kumimoji="1" lang="zh-TW" altLang="en-US" dirty="0" smtClean="0"/>
+              <a:t>面對迴圈，或條件判斷式</a:t>
+            </a:r>
+            <a:endParaRPr kumimoji="1" lang="en-US" altLang="zh-TW" dirty="0" smtClean="0"/>
+          </a:p>
+          <a:p>
+            <a:pPr lvl="1"/>
+            <a:r>
+              <a:rPr kumimoji="1" lang="zh-TW" altLang="en-US" dirty="0" smtClean="0"/>
+              <a:t>不以大括號來控制要執行的範圍</a:t>
+            </a:r>
+            <a:endParaRPr kumimoji="1" lang="en-US" altLang="zh-TW" dirty="0"/>
+          </a:p>
+          <a:p>
+            <a:pPr lvl="1"/>
+            <a:r>
+              <a:rPr kumimoji="1" lang="zh-TW" altLang="en-US" dirty="0" smtClean="0"/>
+              <a:t>用縮排來控制要執行的範圍</a:t>
+            </a:r>
+            <a:endParaRPr kumimoji="1" lang="en-US" altLang="zh-TW" dirty="0" smtClean="0"/>
+          </a:p>
+          <a:p>
+            <a:r>
+              <a:rPr kumimoji="1" lang="zh-TW" altLang="en-US" dirty="0" smtClean="0"/>
+              <a:t>宣告變數時不需特別寫出型態</a:t>
+            </a:r>
+            <a:endParaRPr kumimoji="1" lang="en-US" altLang="zh-TW" dirty="0" smtClean="0"/>
+          </a:p>
+          <a:p>
+            <a:r>
+              <a:rPr kumimoji="1" lang="zh-TW" altLang="en-US" dirty="0" smtClean="0"/>
+              <a:t>宣告</a:t>
+            </a:r>
+            <a:r>
+              <a:rPr kumimoji="1" lang="en-US" altLang="zh-TW" dirty="0" smtClean="0"/>
+              <a:t>function</a:t>
+            </a:r>
+            <a:r>
+              <a:rPr kumimoji="1" lang="zh-TW" altLang="en-US" dirty="0" smtClean="0"/>
+              <a:t>時不需特別擔心</a:t>
+            </a:r>
+            <a:endParaRPr kumimoji="1" lang="en-US" altLang="zh-TW" dirty="0" smtClean="0"/>
+          </a:p>
+          <a:p>
+            <a:pPr lvl="1"/>
+            <a:r>
+              <a:rPr kumimoji="1" lang="zh-TW" altLang="en-US" dirty="0" smtClean="0"/>
+              <a:t>宣告型態</a:t>
+            </a:r>
+            <a:endParaRPr kumimoji="1" lang="en-US" altLang="zh-TW" dirty="0" smtClean="0"/>
+          </a:p>
+          <a:p>
+            <a:pPr lvl="1"/>
+            <a:r>
+              <a:rPr kumimoji="1" lang="zh-TW" altLang="en-US" dirty="0" smtClean="0"/>
+              <a:t>回傳型態</a:t>
+            </a:r>
+            <a:endParaRPr kumimoji="1" lang="en-US" altLang="zh-TW" dirty="0" smtClean="0"/>
+          </a:p>
+          <a:p>
+            <a:pPr lvl="1"/>
+            <a:r>
+              <a:rPr kumimoji="1" lang="zh-TW" altLang="en-US" dirty="0" smtClean="0"/>
+              <a:t>輸入參數的型態</a:t>
+            </a:r>
+            <a:endParaRPr kumimoji="1" lang="en-US" altLang="zh-TW" dirty="0" smtClean="0"/>
+          </a:p>
+          <a:p>
             <a:r>
               <a:rPr kumimoji="1" lang="en-US" altLang="zh-TW" dirty="0" smtClean="0"/>
               <a:t>…</a:t>
@@ -10594,74 +10908,33 @@
           </a:p>
           <a:p>
             <a:r>
-              <a:rPr kumimoji="1" lang="zh-TW" altLang="en-US" dirty="0" smtClean="0"/>
-              <a:t>如果想兼顧</a:t>
-            </a:r>
-            <a:r>
-              <a:rPr kumimoji="1" lang="en-US" altLang="zh-TW" dirty="0" smtClean="0"/>
-              <a:t>:</a:t>
-            </a:r>
+              <a:rPr kumimoji="1" lang="en-US" altLang="zh-TW" b="1" dirty="0" smtClean="0">
+                <a:solidFill>
+                  <a:srgbClr val="FF0000"/>
+                </a:solidFill>
+              </a:rPr>
+              <a:t>BTW</a:t>
+            </a:r>
+            <a:r>
+              <a:rPr kumimoji="1" lang="zh-TW" altLang="en-US" b="1" dirty="0" smtClean="0">
+                <a:solidFill>
+                  <a:srgbClr val="FF0000"/>
+                </a:solidFill>
+              </a:rPr>
+              <a:t>，縮排是非常重要的！！</a:t>
+            </a:r>
+            <a:endParaRPr kumimoji="1" lang="en-US" altLang="zh-TW" b="1" dirty="0" smtClean="0">
+              <a:solidFill>
+                <a:srgbClr val="FF0000"/>
+              </a:solidFill>
+            </a:endParaRPr>
           </a:p>
           <a:p>
             <a:pPr lvl="1"/>
             <a:r>
               <a:rPr kumimoji="1" lang="zh-TW" altLang="en-US" dirty="0" smtClean="0"/>
-              <a:t>可以在執行時間長的片段使用編譯式語言混合使用</a:t>
-            </a:r>
-            <a:endParaRPr kumimoji="1" lang="en-US" altLang="zh-TW" dirty="0" smtClean="0"/>
-          </a:p>
-          <a:p>
-            <a:pPr lvl="1"/>
-            <a:r>
-              <a:rPr kumimoji="1" lang="zh-TW" altLang="en-US" dirty="0" smtClean="0"/>
-              <a:t>或者可以使用加速</a:t>
-            </a:r>
-            <a:r>
-              <a:rPr kumimoji="1" lang="en-US" altLang="zh-TW" dirty="0" smtClean="0"/>
-              <a:t>python</a:t>
-            </a:r>
-            <a:r>
-              <a:rPr kumimoji="1" lang="zh-TW" altLang="en-US" dirty="0" smtClean="0"/>
-              <a:t>的技術</a:t>
-            </a:r>
-            <a:r>
-              <a:rPr kumimoji="1" lang="en-US" altLang="zh-TW" dirty="0" smtClean="0"/>
-              <a:t>:</a:t>
-            </a:r>
-            <a:r>
-              <a:rPr kumimoji="1" lang="zh-TW" altLang="en-US" dirty="0" smtClean="0"/>
-              <a:t> </a:t>
-            </a:r>
-            <a:r>
-              <a:rPr kumimoji="1" lang="en-US" altLang="zh-TW" dirty="0" err="1" smtClean="0"/>
-              <a:t>Cython</a:t>
-            </a:r>
-            <a:r>
-              <a:rPr kumimoji="1" lang="en-US" altLang="zh-TW" dirty="0" smtClean="0"/>
-              <a:t>,</a:t>
-            </a:r>
-            <a:r>
-              <a:rPr kumimoji="1" lang="zh-TW" altLang="en-US" dirty="0" smtClean="0"/>
-              <a:t> </a:t>
-            </a:r>
-            <a:r>
-              <a:rPr kumimoji="1" lang="en-US" altLang="zh-TW" dirty="0" err="1" smtClean="0"/>
-              <a:t>pypy</a:t>
-            </a:r>
-            <a:r>
-              <a:rPr kumimoji="1" lang="en-US" altLang="zh-TW" dirty="0" smtClean="0"/>
-              <a:t>(</a:t>
-            </a:r>
-            <a:r>
-              <a:rPr kumimoji="1" lang="zh-TW" altLang="en-US" dirty="0" smtClean="0"/>
-              <a:t>本課程不會再深入提到</a:t>
-            </a:r>
-            <a:r>
-              <a:rPr kumimoji="1" lang="en-US" altLang="zh-TW" dirty="0" smtClean="0"/>
-              <a:t>)</a:t>
-            </a:r>
-          </a:p>
-          <a:p>
+              <a:t>縮排沒縮好，程式便會執行到奇怪的東西！</a:t>
+            </a:r>
             <a:endParaRPr kumimoji="1" lang="zh-TW" altLang="en-US" dirty="0"/>
           </a:p>
         </p:txBody>
@@ -10692,20 +10965,13 @@
     </p:spTree>
     <p:extLst>
       <p:ext uri="{BB962C8B-B14F-4D97-AF65-F5344CB8AC3E}">
-        <p14:creationId xmlns:p14="http://schemas.microsoft.com/office/powerpoint/2010/main" val="1230593544"/>
+        <p14:creationId xmlns:p14="http://schemas.microsoft.com/office/powerpoint/2010/main" val="3406506341"/>
       </p:ext>
     </p:extLst>
   </p:cSld>
   <p:clrMapOvr>
     <a:masterClrMapping/>
   </p:clrMapOvr>
-  <p:timing>
-    <p:tnLst>
-      <p:par>
-        <p:cTn xmlns:p14="http://schemas.microsoft.com/office/powerpoint/2010/main" id="1" dur="indefinite" restart="never" nodeType="tmRoot"/>
-      </p:par>
-    </p:tnLst>
-  </p:timing>
 </p:sld>
 </file>
 
@@ -10743,7 +11009,46 @@
           <a:p>
             <a:r>
               <a:rPr kumimoji="1" lang="en-US" altLang="zh-TW" dirty="0" smtClean="0"/>
-              <a:t>Which</a:t>
+              <a:t>Performance</a:t>
+            </a:r>
+            <a:endParaRPr kumimoji="1" lang="zh-TW" altLang="en-US" dirty="0"/>
+          </a:p>
+        </p:txBody>
+      </p:sp>
+      <p:sp>
+        <p:nvSpPr>
+          <p:cNvPr id="3" name="內容版面配置區 2"/>
+          <p:cNvSpPr>
+            <a:spLocks noGrp="1"/>
+          </p:cNvSpPr>
+          <p:nvPr>
+            <p:ph idx="1"/>
+          </p:nvPr>
+        </p:nvSpPr>
+        <p:spPr/>
+        <p:txBody>
+          <a:bodyPr>
+            <a:normAutofit lnSpcReduction="10000"/>
+          </a:bodyPr>
+          <a:lstStyle/>
+          <a:p>
+            <a:r>
+              <a:rPr kumimoji="1" lang="zh-TW" altLang="en-US" dirty="0" smtClean="0"/>
+              <a:t>由於是直譯式語言，因此執行速度上比編譯式語言慢</a:t>
+            </a:r>
+            <a:r>
+              <a:rPr kumimoji="1" lang="en-US" altLang="zh-TW" dirty="0" smtClean="0"/>
+              <a:t>(C,C++,Java…)</a:t>
+            </a:r>
+          </a:p>
+          <a:p>
+            <a:r>
+              <a:rPr kumimoji="1" lang="zh-TW" altLang="en-US" dirty="0" smtClean="0"/>
+              <a:t>如果重視開發速度</a:t>
+            </a:r>
+            <a:r>
+              <a:rPr kumimoji="1" lang="en-US" altLang="zh-TW" dirty="0" smtClean="0"/>
+              <a:t>:</a:t>
             </a:r>
             <a:r>
               <a:rPr kumimoji="1" lang="zh-TW" altLang="en-US" dirty="0" smtClean="0"/>
@@ -10753,13 +11058,23 @@
               <a:rPr kumimoji="1" lang="en-US" altLang="zh-TW" dirty="0" smtClean="0"/>
               <a:t>Python</a:t>
             </a:r>
+          </a:p>
+          <a:p>
+            <a:r>
+              <a:rPr kumimoji="1" lang="zh-TW" altLang="en-US" dirty="0" smtClean="0"/>
+              <a:t>如果重視程式效能</a:t>
+            </a:r>
+            <a:r>
+              <a:rPr kumimoji="1" lang="en-US" altLang="zh-TW" dirty="0" smtClean="0"/>
+              <a:t>:</a:t>
+            </a:r>
             <a:r>
               <a:rPr kumimoji="1" lang="zh-TW" altLang="en-US" dirty="0" smtClean="0"/>
               <a:t> </a:t>
             </a:r>
             <a:r>
               <a:rPr kumimoji="1" lang="en-US" altLang="zh-TW" dirty="0" smtClean="0"/>
-              <a:t>better</a:t>
+              <a:t>C,</a:t>
             </a:r>
             <a:r>
               <a:rPr kumimoji="1" lang="zh-TW" altLang="en-US" dirty="0" smtClean="0"/>
@@ -10767,7 +11082,7 @@
             </a:r>
             <a:r>
               <a:rPr kumimoji="1" lang="en-US" altLang="zh-TW" dirty="0" smtClean="0"/>
-              <a:t>to</a:t>
+              <a:t>C++,</a:t>
             </a:r>
             <a:r>
               <a:rPr kumimoji="1" lang="zh-TW" altLang="en-US" dirty="0" smtClean="0"/>
@@ -10775,199 +11090,87 @@
             </a:r>
             <a:r>
               <a:rPr kumimoji="1" lang="en-US" altLang="zh-TW" dirty="0" smtClean="0"/>
-              <a:t>learn?</a:t>
-            </a:r>
-            <a:endParaRPr kumimoji="1" lang="zh-TW" altLang="en-US" dirty="0"/>
-          </a:p>
-        </p:txBody>
-      </p:sp>
-      <p:sp>
-        <p:nvSpPr>
-          <p:cNvPr id="3" name="內容版面配置區 2"/>
-          <p:cNvSpPr>
-            <a:spLocks noGrp="1"/>
-          </p:cNvSpPr>
-          <p:nvPr>
-            <p:ph idx="1"/>
-          </p:nvPr>
-        </p:nvSpPr>
-        <p:spPr/>
-        <p:txBody>
-          <a:bodyPr/>
-          <a:lstStyle/>
-          <a:p>
-            <a:r>
-              <a:rPr kumimoji="1" lang="zh-TW" altLang="zh-TW" dirty="0" smtClean="0"/>
-              <a:t>P</a:t>
+              <a:t>Java</a:t>
+            </a:r>
+            <a:r>
+              <a:rPr kumimoji="1" lang="zh-TW" altLang="en-US" dirty="0" smtClean="0"/>
+              <a:t> </a:t>
+            </a:r>
+            <a:r>
+              <a:rPr kumimoji="1" lang="en-US" altLang="zh-TW" dirty="0" smtClean="0"/>
+              <a:t>…</a:t>
+            </a:r>
+          </a:p>
+          <a:p>
+            <a:r>
+              <a:rPr kumimoji="1" lang="zh-TW" altLang="en-US" dirty="0" smtClean="0"/>
+              <a:t>如果想兼顧</a:t>
+            </a:r>
+            <a:r>
+              <a:rPr kumimoji="1" lang="en-US" altLang="zh-TW" dirty="0" smtClean="0"/>
+              <a:t>:</a:t>
+            </a:r>
+          </a:p>
+          <a:p>
+            <a:pPr lvl="1"/>
+            <a:r>
+              <a:rPr kumimoji="1" lang="zh-TW" altLang="en-US" dirty="0" smtClean="0"/>
+              <a:t>可以在執行時間長的片段使用編譯式語言混合使用</a:t>
+            </a:r>
+            <a:endParaRPr kumimoji="1" lang="en-US" altLang="zh-TW" dirty="0" smtClean="0"/>
+          </a:p>
+          <a:p>
+            <a:pPr lvl="1"/>
+            <a:r>
+              <a:rPr kumimoji="1" lang="zh-TW" altLang="en-US" dirty="0" smtClean="0"/>
+              <a:t>或者可以使用加速</a:t>
+            </a:r>
+            <a:r>
+              <a:rPr kumimoji="1" lang="en-US" altLang="zh-TW" dirty="0" smtClean="0"/>
+              <a:t>python</a:t>
+            </a:r>
+            <a:r>
+              <a:rPr kumimoji="1" lang="zh-TW" altLang="en-US" dirty="0" smtClean="0"/>
+              <a:t>的技術</a:t>
+            </a:r>
+            <a:r>
+              <a:rPr kumimoji="1" lang="en-US" altLang="zh-TW" dirty="0" smtClean="0"/>
+              <a:t>:</a:t>
+            </a:r>
+            <a:r>
+              <a:rPr kumimoji="1" lang="zh-TW" altLang="en-US" dirty="0" smtClean="0"/>
+              <a:t> </a:t>
             </a:r>
             <a:r>
               <a:rPr kumimoji="1" lang="en-US" altLang="zh-TW" dirty="0" err="1" smtClean="0"/>
-              <a:t>ython</a:t>
+              <a:t>Cython</a:t>
+            </a:r>
+            <a:r>
+              <a:rPr kumimoji="1" lang="en-US" altLang="zh-TW" dirty="0" smtClean="0"/>
+              <a:t>,</a:t>
             </a:r>
             <a:r>
               <a:rPr kumimoji="1" lang="zh-TW" altLang="en-US" dirty="0" smtClean="0"/>
               <a:t> </a:t>
             </a:r>
             <a:r>
-              <a:rPr kumimoji="1" lang="en-US" altLang="zh-TW" dirty="0" smtClean="0"/>
-              <a:t>2</a:t>
-            </a:r>
-            <a:r>
-              <a:rPr kumimoji="1" lang="zh-TW" altLang="en-US" dirty="0" smtClean="0"/>
-              <a:t> </a:t>
-            </a:r>
-            <a:r>
               <a:rPr kumimoji="1" lang="en-US" altLang="zh-TW" dirty="0" err="1" smtClean="0"/>
-              <a:t>vs</a:t>
-            </a:r>
-            <a:r>
-              <a:rPr kumimoji="1" lang="zh-TW" altLang="en-US" dirty="0" smtClean="0"/>
-              <a:t> </a:t>
-            </a:r>
-            <a:r>
-              <a:rPr kumimoji="1" lang="en-US" altLang="zh-TW" dirty="0" smtClean="0"/>
-              <a:t>Python</a:t>
-            </a:r>
-            <a:r>
-              <a:rPr kumimoji="1" lang="zh-TW" altLang="en-US" dirty="0" smtClean="0"/>
-              <a:t> </a:t>
-            </a:r>
-            <a:r>
-              <a:rPr kumimoji="1" lang="en-US" altLang="zh-TW" dirty="0" smtClean="0"/>
-              <a:t>3</a:t>
-            </a:r>
-          </a:p>
-          <a:p>
-            <a:pPr lvl="1"/>
-            <a:r>
-              <a:rPr kumimoji="1" lang="en-US" altLang="zh-TW" dirty="0" smtClean="0"/>
-              <a:t>2</a:t>
-            </a:r>
-            <a:r>
-              <a:rPr kumimoji="1" lang="zh-TW" altLang="en-US" dirty="0" smtClean="0"/>
-              <a:t>跟</a:t>
-            </a:r>
-            <a:r>
-              <a:rPr kumimoji="1" lang="en-US" altLang="zh-TW" dirty="0" smtClean="0"/>
-              <a:t>3</a:t>
-            </a:r>
-            <a:r>
-              <a:rPr kumimoji="1" lang="zh-TW" altLang="en-US" dirty="0" smtClean="0"/>
-              <a:t>各有優缺點</a:t>
-            </a:r>
-            <a:endParaRPr kumimoji="1" lang="en-US" altLang="zh-TW" dirty="0" smtClean="0"/>
-          </a:p>
-          <a:p>
-            <a:pPr lvl="1"/>
-            <a:r>
-              <a:rPr kumimoji="1" lang="zh-TW" altLang="en-US" dirty="0" smtClean="0"/>
-              <a:t>為了教學方便起見，之後的教學都以</a:t>
-            </a:r>
-            <a:r>
-              <a:rPr kumimoji="1" lang="en-US" altLang="zh-TW" dirty="0" smtClean="0"/>
-              <a:t>python</a:t>
-            </a:r>
-            <a:r>
-              <a:rPr kumimoji="1" lang="zh-TW" altLang="en-US" dirty="0" smtClean="0"/>
-              <a:t> </a:t>
-            </a:r>
-            <a:r>
-              <a:rPr kumimoji="1" lang="en-US" altLang="zh-TW" dirty="0" smtClean="0"/>
-              <a:t>2</a:t>
-            </a:r>
-            <a:r>
-              <a:rPr kumimoji="1" lang="zh-TW" altLang="en-US" dirty="0" smtClean="0"/>
-              <a:t>為主</a:t>
-            </a:r>
-            <a:endParaRPr kumimoji="1" lang="en-US" altLang="zh-TW" dirty="0" smtClean="0"/>
-          </a:p>
-          <a:p>
-            <a:pPr lvl="1"/>
-            <a:endParaRPr kumimoji="1" lang="en-US" altLang="zh-TW" dirty="0"/>
-          </a:p>
-          <a:p>
-            <a:r>
-              <a:rPr kumimoji="1" lang="en-US" altLang="zh-TW" dirty="0" smtClean="0"/>
-              <a:t>32</a:t>
-            </a:r>
-            <a:r>
-              <a:rPr kumimoji="1" lang="zh-TW" altLang="en-US" dirty="0" smtClean="0"/>
-              <a:t> </a:t>
-            </a:r>
-            <a:r>
-              <a:rPr kumimoji="1" lang="en-US" altLang="zh-TW" dirty="0" smtClean="0"/>
-              <a:t>bit</a:t>
-            </a:r>
-            <a:r>
-              <a:rPr kumimoji="1" lang="zh-TW" altLang="en-US" dirty="0" smtClean="0"/>
-              <a:t> </a:t>
-            </a:r>
-            <a:r>
-              <a:rPr kumimoji="1" lang="en-US" altLang="zh-TW" dirty="0" err="1" smtClean="0"/>
-              <a:t>vs</a:t>
-            </a:r>
-            <a:r>
-              <a:rPr kumimoji="1" lang="zh-TW" altLang="en-US" dirty="0" smtClean="0"/>
-              <a:t> </a:t>
-            </a:r>
-            <a:r>
-              <a:rPr kumimoji="1" lang="en-US" altLang="zh-TW" dirty="0" smtClean="0"/>
-              <a:t>64</a:t>
-            </a:r>
-            <a:r>
-              <a:rPr kumimoji="1" lang="zh-TW" altLang="en-US" dirty="0" smtClean="0"/>
-              <a:t> </a:t>
-            </a:r>
-            <a:r>
-              <a:rPr kumimoji="1" lang="en-US" altLang="zh-TW" dirty="0" smtClean="0"/>
-              <a:t>bit</a:t>
-            </a:r>
-          </a:p>
-          <a:p>
-            <a:pPr lvl="1"/>
-            <a:r>
-              <a:rPr kumimoji="1" lang="zh-TW" altLang="zh-TW" dirty="0" smtClean="0"/>
-              <a:t>6</a:t>
-            </a:r>
-            <a:r>
-              <a:rPr kumimoji="1" lang="en-US" altLang="zh-TW" dirty="0" smtClean="0"/>
-              <a:t>4</a:t>
-            </a:r>
-            <a:r>
-              <a:rPr kumimoji="1" lang="zh-TW" altLang="en-US" dirty="0" smtClean="0"/>
-              <a:t> </a:t>
-            </a:r>
-            <a:r>
-              <a:rPr kumimoji="1" lang="en-US" altLang="zh-TW" dirty="0" smtClean="0"/>
-              <a:t>bit</a:t>
-            </a:r>
-            <a:r>
-              <a:rPr kumimoji="1" lang="zh-TW" altLang="en-US" dirty="0" smtClean="0"/>
-              <a:t>可以處理更大量的資料</a:t>
-            </a:r>
-            <a:endParaRPr kumimoji="1" lang="en-US" altLang="zh-TW" dirty="0" smtClean="0"/>
-          </a:p>
-          <a:p>
-            <a:pPr lvl="1"/>
-            <a:r>
-              <a:rPr kumimoji="1" lang="zh-TW" altLang="en-US" dirty="0" smtClean="0"/>
-              <a:t>建議使用</a:t>
-            </a:r>
-            <a:r>
-              <a:rPr kumimoji="1" lang="en-US" altLang="zh-TW" dirty="0" smtClean="0"/>
-              <a:t>64</a:t>
-            </a:r>
-            <a:r>
-              <a:rPr kumimoji="1" lang="zh-TW" altLang="en-US" dirty="0" smtClean="0"/>
-              <a:t> </a:t>
-            </a:r>
-            <a:r>
-              <a:rPr kumimoji="1" lang="en-US" altLang="zh-TW" dirty="0" smtClean="0"/>
-              <a:t>bit</a:t>
-            </a:r>
-          </a:p>
-          <a:p>
-            <a:pPr lvl="1"/>
+              <a:t>pypy</a:t>
+            </a:r>
+            <a:r>
+              <a:rPr kumimoji="1" lang="en-US" altLang="zh-TW" dirty="0" smtClean="0"/>
+              <a:t>(</a:t>
+            </a:r>
+            <a:r>
+              <a:rPr kumimoji="1" lang="zh-TW" altLang="en-US" dirty="0" smtClean="0"/>
+              <a:t>本課程不會再深入提到</a:t>
+            </a:r>
+            <a:r>
+              <a:rPr kumimoji="1" lang="en-US" altLang="zh-TW" dirty="0" smtClean="0"/>
+              <a:t>)</a:t>
+            </a:r>
+          </a:p>
+          <a:p>
             <a:endParaRPr kumimoji="1" lang="zh-TW" altLang="en-US" dirty="0"/>
           </a:p>
         </p:txBody>
@@ -10998,7 +11201,7 @@
     </p:spTree>
     <p:extLst>
       <p:ext uri="{BB962C8B-B14F-4D97-AF65-F5344CB8AC3E}">
-        <p14:creationId xmlns:p14="http://schemas.microsoft.com/office/powerpoint/2010/main" val="339152021"/>
+        <p14:creationId xmlns:p14="http://schemas.microsoft.com/office/powerpoint/2010/main" val="1230593544"/>
       </p:ext>
     </p:extLst>
   </p:cSld>

--- a/lesson 0-Introduction/Introduction.pptx
+++ b/lesson 0-Introduction/Introduction.pptx
@@ -5,39 +5,40 @@
     <p:sldMasterId id="2147483648" r:id="rId1"/>
   </p:sldMasterIdLst>
   <p:notesMasterIdLst>
-    <p:notesMasterId r:id="rId29"/>
+    <p:notesMasterId r:id="rId30"/>
   </p:notesMasterIdLst>
   <p:handoutMasterIdLst>
-    <p:handoutMasterId r:id="rId30"/>
+    <p:handoutMasterId r:id="rId31"/>
   </p:handoutMasterIdLst>
   <p:sldIdLst>
     <p:sldId id="256" r:id="rId2"/>
     <p:sldId id="261" r:id="rId3"/>
     <p:sldId id="285" r:id="rId4"/>
-    <p:sldId id="257" r:id="rId5"/>
-    <p:sldId id="274" r:id="rId6"/>
-    <p:sldId id="258" r:id="rId7"/>
-    <p:sldId id="278" r:id="rId8"/>
-    <p:sldId id="284" r:id="rId9"/>
-    <p:sldId id="279" r:id="rId10"/>
-    <p:sldId id="259" r:id="rId11"/>
-    <p:sldId id="275" r:id="rId12"/>
-    <p:sldId id="260" r:id="rId13"/>
-    <p:sldId id="262" r:id="rId14"/>
-    <p:sldId id="263" r:id="rId15"/>
-    <p:sldId id="264" r:id="rId16"/>
-    <p:sldId id="265" r:id="rId17"/>
-    <p:sldId id="266" r:id="rId18"/>
-    <p:sldId id="267" r:id="rId19"/>
-    <p:sldId id="268" r:id="rId20"/>
-    <p:sldId id="269" r:id="rId21"/>
-    <p:sldId id="272" r:id="rId22"/>
-    <p:sldId id="270" r:id="rId23"/>
-    <p:sldId id="281" r:id="rId24"/>
-    <p:sldId id="271" r:id="rId25"/>
-    <p:sldId id="273" r:id="rId26"/>
-    <p:sldId id="282" r:id="rId27"/>
-    <p:sldId id="283" r:id="rId28"/>
+    <p:sldId id="286" r:id="rId5"/>
+    <p:sldId id="257" r:id="rId6"/>
+    <p:sldId id="274" r:id="rId7"/>
+    <p:sldId id="258" r:id="rId8"/>
+    <p:sldId id="278" r:id="rId9"/>
+    <p:sldId id="284" r:id="rId10"/>
+    <p:sldId id="279" r:id="rId11"/>
+    <p:sldId id="259" r:id="rId12"/>
+    <p:sldId id="275" r:id="rId13"/>
+    <p:sldId id="260" r:id="rId14"/>
+    <p:sldId id="262" r:id="rId15"/>
+    <p:sldId id="263" r:id="rId16"/>
+    <p:sldId id="264" r:id="rId17"/>
+    <p:sldId id="265" r:id="rId18"/>
+    <p:sldId id="266" r:id="rId19"/>
+    <p:sldId id="267" r:id="rId20"/>
+    <p:sldId id="268" r:id="rId21"/>
+    <p:sldId id="269" r:id="rId22"/>
+    <p:sldId id="272" r:id="rId23"/>
+    <p:sldId id="270" r:id="rId24"/>
+    <p:sldId id="281" r:id="rId25"/>
+    <p:sldId id="271" r:id="rId26"/>
+    <p:sldId id="273" r:id="rId27"/>
+    <p:sldId id="282" r:id="rId28"/>
+    <p:sldId id="283" r:id="rId29"/>
   </p:sldIdLst>
   <p:sldSz cx="9144000" cy="6858000" type="screen4x3"/>
   <p:notesSz cx="6858000" cy="9144000"/>
@@ -221,7 +222,7 @@
           <a:p>
             <a:fld id="{6AF95C73-3944-F64C-A433-5764D67CD8C9}" type="datetime1">
               <a:rPr kumimoji="1" lang="zh-TW" altLang="en-US" smtClean="0"/>
-              <a:t>15/11/10</a:t>
+              <a:t>15/11/13</a:t>
             </a:fld>
             <a:endParaRPr kumimoji="1" lang="zh-TW" altLang="en-US"/>
           </a:p>
@@ -387,7 +388,7 @@
           <a:p>
             <a:fld id="{A19D7E59-6352-634A-B2DD-96C40E617C58}" type="datetime1">
               <a:rPr kumimoji="1" lang="zh-TW" altLang="en-US" smtClean="0"/>
-              <a:t>15/11/10</a:t>
+              <a:t>15/11/13</a:t>
             </a:fld>
             <a:endParaRPr kumimoji="1" lang="zh-TW" altLang="en-US"/>
           </a:p>
@@ -805,7 +806,7 @@
           <a:p>
             <a:fld id="{50885EB8-99BF-5845-930F-0C7B986DA0C9}" type="slidenum">
               <a:rPr kumimoji="1" lang="zh-TW" altLang="en-US" smtClean="0"/>
-              <a:t>5</a:t>
+              <a:t>6</a:t>
             </a:fld>
             <a:endParaRPr kumimoji="1" lang="zh-TW" altLang="en-US"/>
           </a:p>
@@ -1005,7 +1006,7 @@
           <a:p>
             <a:fld id="{D883A982-6ED1-2643-B68B-FEEDB475AF7F}" type="datetime1">
               <a:rPr kumimoji="1" lang="zh-TW" altLang="en-US" smtClean="0"/>
-              <a:t>15/11/10</a:t>
+              <a:t>15/11/13</a:t>
             </a:fld>
             <a:endParaRPr kumimoji="1" lang="zh-TW" altLang="en-US"/>
           </a:p>
@@ -1175,7 +1176,7 @@
           <a:p>
             <a:fld id="{98C849E0-6D0C-AC4D-9C44-F243B4280032}" type="datetime1">
               <a:rPr kumimoji="1" lang="zh-TW" altLang="en-US" smtClean="0"/>
-              <a:t>15/11/10</a:t>
+              <a:t>15/11/13</a:t>
             </a:fld>
             <a:endParaRPr kumimoji="1" lang="zh-TW" altLang="en-US"/>
           </a:p>
@@ -1355,7 +1356,7 @@
           <a:p>
             <a:fld id="{1987752F-9F20-1547-BF02-EA540BB6022D}" type="datetime1">
               <a:rPr kumimoji="1" lang="zh-TW" altLang="en-US" smtClean="0"/>
-              <a:t>15/11/10</a:t>
+              <a:t>15/11/13</a:t>
             </a:fld>
             <a:endParaRPr kumimoji="1" lang="zh-TW" altLang="en-US"/>
           </a:p>
@@ -1525,7 +1526,7 @@
           <a:p>
             <a:fld id="{15D0D322-BB22-2E4E-B2C4-1214B51183D7}" type="datetime1">
               <a:rPr kumimoji="1" lang="zh-TW" altLang="en-US" smtClean="0"/>
-              <a:t>15/11/10</a:t>
+              <a:t>15/11/13</a:t>
             </a:fld>
             <a:endParaRPr kumimoji="1" lang="zh-TW" altLang="en-US"/>
           </a:p>
@@ -1771,7 +1772,7 @@
           <a:p>
             <a:fld id="{1692B4C2-0BC7-0646-B258-216A085EDB97}" type="datetime1">
               <a:rPr kumimoji="1" lang="zh-TW" altLang="en-US" smtClean="0"/>
-              <a:t>15/11/10</a:t>
+              <a:t>15/11/13</a:t>
             </a:fld>
             <a:endParaRPr kumimoji="1" lang="zh-TW" altLang="en-US"/>
           </a:p>
@@ -2059,7 +2060,7 @@
           <a:p>
             <a:fld id="{4F6E14F8-E746-AA4E-9AFC-28581A120916}" type="datetime1">
               <a:rPr kumimoji="1" lang="zh-TW" altLang="en-US" smtClean="0"/>
-              <a:t>15/11/10</a:t>
+              <a:t>15/11/13</a:t>
             </a:fld>
             <a:endParaRPr kumimoji="1" lang="zh-TW" altLang="en-US"/>
           </a:p>
@@ -2481,7 +2482,7 @@
           <a:p>
             <a:fld id="{BB2628B7-F55F-374A-A22B-C537EB97659E}" type="datetime1">
               <a:rPr kumimoji="1" lang="zh-TW" altLang="en-US" smtClean="0"/>
-              <a:t>15/11/10</a:t>
+              <a:t>15/11/13</a:t>
             </a:fld>
             <a:endParaRPr kumimoji="1" lang="zh-TW" altLang="en-US"/>
           </a:p>
@@ -2599,7 +2600,7 @@
           <a:p>
             <a:fld id="{CB3E5D22-4087-FA48-8775-C30125D322DB}" type="datetime1">
               <a:rPr kumimoji="1" lang="zh-TW" altLang="en-US" smtClean="0"/>
-              <a:t>15/11/10</a:t>
+              <a:t>15/11/13</a:t>
             </a:fld>
             <a:endParaRPr kumimoji="1" lang="zh-TW" altLang="en-US"/>
           </a:p>
@@ -2694,7 +2695,7 @@
           <a:p>
             <a:fld id="{24C50E38-F830-2F45-A921-8FFDE3DAFB5B}" type="datetime1">
               <a:rPr kumimoji="1" lang="zh-TW" altLang="en-US" smtClean="0"/>
-              <a:t>15/11/10</a:t>
+              <a:t>15/11/13</a:t>
             </a:fld>
             <a:endParaRPr kumimoji="1" lang="zh-TW" altLang="en-US"/>
           </a:p>
@@ -2971,7 +2972,7 @@
           <a:p>
             <a:fld id="{AEC128A3-1A33-C14B-B714-512F287BCD17}" type="datetime1">
               <a:rPr kumimoji="1" lang="zh-TW" altLang="en-US" smtClean="0"/>
-              <a:t>15/11/10</a:t>
+              <a:t>15/11/13</a:t>
             </a:fld>
             <a:endParaRPr kumimoji="1" lang="zh-TW" altLang="en-US"/>
           </a:p>
@@ -3224,7 +3225,7 @@
           <a:p>
             <a:fld id="{3782160E-7CF9-1346-9326-035C1A900795}" type="datetime1">
               <a:rPr kumimoji="1" lang="zh-TW" altLang="en-US" smtClean="0"/>
-              <a:t>15/11/10</a:t>
+              <a:t>15/11/13</a:t>
             </a:fld>
             <a:endParaRPr kumimoji="1" lang="zh-TW" altLang="en-US"/>
           </a:p>
@@ -3437,7 +3438,7 @@
           <a:p>
             <a:fld id="{1C608E4A-6867-244E-9DB5-AAF5FF05E35C}" type="datetime1">
               <a:rPr kumimoji="1" lang="zh-TW" altLang="en-US" smtClean="0"/>
-              <a:t>15/11/10</a:t>
+              <a:t>15/11/13</a:t>
             </a:fld>
             <a:endParaRPr kumimoji="1" lang="zh-TW" altLang="en-US"/>
           </a:p>
@@ -3917,7 +3918,46 @@
           <a:p>
             <a:r>
               <a:rPr kumimoji="1" lang="en-US" altLang="zh-TW" dirty="0" smtClean="0"/>
-              <a:t>Which</a:t>
+              <a:t>Performance</a:t>
+            </a:r>
+            <a:endParaRPr kumimoji="1" lang="zh-TW" altLang="en-US" dirty="0"/>
+          </a:p>
+        </p:txBody>
+      </p:sp>
+      <p:sp>
+        <p:nvSpPr>
+          <p:cNvPr id="3" name="內容版面配置區 2"/>
+          <p:cNvSpPr>
+            <a:spLocks noGrp="1"/>
+          </p:cNvSpPr>
+          <p:nvPr>
+            <p:ph idx="1"/>
+          </p:nvPr>
+        </p:nvSpPr>
+        <p:spPr/>
+        <p:txBody>
+          <a:bodyPr>
+            <a:normAutofit lnSpcReduction="10000"/>
+          </a:bodyPr>
+          <a:lstStyle/>
+          <a:p>
+            <a:r>
+              <a:rPr kumimoji="1" lang="zh-TW" altLang="en-US" dirty="0" smtClean="0"/>
+              <a:t>由於是直譯式語言，因此執行速度上比編譯式語言慢</a:t>
+            </a:r>
+            <a:r>
+              <a:rPr kumimoji="1" lang="en-US" altLang="zh-TW" dirty="0" smtClean="0"/>
+              <a:t>(C,C++,Java…)</a:t>
+            </a:r>
+          </a:p>
+          <a:p>
+            <a:r>
+              <a:rPr kumimoji="1" lang="zh-TW" altLang="en-US" dirty="0" smtClean="0"/>
+              <a:t>如果重視開發速度</a:t>
+            </a:r>
+            <a:r>
+              <a:rPr kumimoji="1" lang="en-US" altLang="zh-TW" dirty="0" smtClean="0"/>
+              <a:t>:</a:t>
             </a:r>
             <a:r>
               <a:rPr kumimoji="1" lang="zh-TW" altLang="en-US" dirty="0" smtClean="0"/>
@@ -3927,13 +3967,23 @@
               <a:rPr kumimoji="1" lang="en-US" altLang="zh-TW" dirty="0" smtClean="0"/>
               <a:t>Python</a:t>
             </a:r>
+          </a:p>
+          <a:p>
+            <a:r>
+              <a:rPr kumimoji="1" lang="zh-TW" altLang="en-US" dirty="0" smtClean="0"/>
+              <a:t>如果重視程式效能</a:t>
+            </a:r>
+            <a:r>
+              <a:rPr kumimoji="1" lang="en-US" altLang="zh-TW" dirty="0" smtClean="0"/>
+              <a:t>:</a:t>
+            </a:r>
             <a:r>
               <a:rPr kumimoji="1" lang="zh-TW" altLang="en-US" dirty="0" smtClean="0"/>
               <a:t> </a:t>
             </a:r>
             <a:r>
               <a:rPr kumimoji="1" lang="en-US" altLang="zh-TW" dirty="0" smtClean="0"/>
-              <a:t>better</a:t>
+              <a:t>C,</a:t>
             </a:r>
             <a:r>
               <a:rPr kumimoji="1" lang="zh-TW" altLang="en-US" dirty="0" smtClean="0"/>
@@ -3941,7 +3991,7 @@
             </a:r>
             <a:r>
               <a:rPr kumimoji="1" lang="en-US" altLang="zh-TW" dirty="0" smtClean="0"/>
-              <a:t>to</a:t>
+              <a:t>C++,</a:t>
             </a:r>
             <a:r>
               <a:rPr kumimoji="1" lang="zh-TW" altLang="en-US" dirty="0" smtClean="0"/>
@@ -3949,199 +3999,87 @@
             </a:r>
             <a:r>
               <a:rPr kumimoji="1" lang="en-US" altLang="zh-TW" dirty="0" smtClean="0"/>
-              <a:t>learn?</a:t>
-            </a:r>
-            <a:endParaRPr kumimoji="1" lang="zh-TW" altLang="en-US" dirty="0"/>
-          </a:p>
-        </p:txBody>
-      </p:sp>
-      <p:sp>
-        <p:nvSpPr>
-          <p:cNvPr id="3" name="內容版面配置區 2"/>
-          <p:cNvSpPr>
-            <a:spLocks noGrp="1"/>
-          </p:cNvSpPr>
-          <p:nvPr>
-            <p:ph idx="1"/>
-          </p:nvPr>
-        </p:nvSpPr>
-        <p:spPr/>
-        <p:txBody>
-          <a:bodyPr/>
-          <a:lstStyle/>
-          <a:p>
-            <a:r>
-              <a:rPr kumimoji="1" lang="zh-TW" altLang="zh-TW" dirty="0" smtClean="0"/>
-              <a:t>P</a:t>
+              <a:t>Java</a:t>
+            </a:r>
+            <a:r>
+              <a:rPr kumimoji="1" lang="zh-TW" altLang="en-US" dirty="0" smtClean="0"/>
+              <a:t> </a:t>
+            </a:r>
+            <a:r>
+              <a:rPr kumimoji="1" lang="en-US" altLang="zh-TW" dirty="0" smtClean="0"/>
+              <a:t>…</a:t>
+            </a:r>
+          </a:p>
+          <a:p>
+            <a:r>
+              <a:rPr kumimoji="1" lang="zh-TW" altLang="en-US" dirty="0" smtClean="0"/>
+              <a:t>如果想兼顧</a:t>
+            </a:r>
+            <a:r>
+              <a:rPr kumimoji="1" lang="en-US" altLang="zh-TW" dirty="0" smtClean="0"/>
+              <a:t>:</a:t>
+            </a:r>
+          </a:p>
+          <a:p>
+            <a:pPr lvl="1"/>
+            <a:r>
+              <a:rPr kumimoji="1" lang="zh-TW" altLang="en-US" dirty="0" smtClean="0"/>
+              <a:t>可以在執行時間長的片段使用編譯式語言混合使用</a:t>
+            </a:r>
+            <a:endParaRPr kumimoji="1" lang="en-US" altLang="zh-TW" dirty="0" smtClean="0"/>
+          </a:p>
+          <a:p>
+            <a:pPr lvl="1"/>
+            <a:r>
+              <a:rPr kumimoji="1" lang="zh-TW" altLang="en-US" dirty="0" smtClean="0"/>
+              <a:t>或者可以使用加速</a:t>
+            </a:r>
+            <a:r>
+              <a:rPr kumimoji="1" lang="en-US" altLang="zh-TW" dirty="0" smtClean="0"/>
+              <a:t>python</a:t>
+            </a:r>
+            <a:r>
+              <a:rPr kumimoji="1" lang="zh-TW" altLang="en-US" dirty="0" smtClean="0"/>
+              <a:t>的技術</a:t>
+            </a:r>
+            <a:r>
+              <a:rPr kumimoji="1" lang="en-US" altLang="zh-TW" dirty="0" smtClean="0"/>
+              <a:t>:</a:t>
+            </a:r>
+            <a:r>
+              <a:rPr kumimoji="1" lang="zh-TW" altLang="en-US" dirty="0" smtClean="0"/>
+              <a:t> </a:t>
             </a:r>
             <a:r>
               <a:rPr kumimoji="1" lang="en-US" altLang="zh-TW" dirty="0" err="1" smtClean="0"/>
-              <a:t>ython</a:t>
+              <a:t>Cython</a:t>
+            </a:r>
+            <a:r>
+              <a:rPr kumimoji="1" lang="en-US" altLang="zh-TW" dirty="0" smtClean="0"/>
+              <a:t>,</a:t>
             </a:r>
             <a:r>
               <a:rPr kumimoji="1" lang="zh-TW" altLang="en-US" dirty="0" smtClean="0"/>
               <a:t> </a:t>
             </a:r>
             <a:r>
-              <a:rPr kumimoji="1" lang="en-US" altLang="zh-TW" dirty="0" smtClean="0"/>
-              <a:t>2</a:t>
-            </a:r>
-            <a:r>
-              <a:rPr kumimoji="1" lang="zh-TW" altLang="en-US" dirty="0" smtClean="0"/>
-              <a:t> </a:t>
-            </a:r>
-            <a:r>
               <a:rPr kumimoji="1" lang="en-US" altLang="zh-TW" dirty="0" err="1" smtClean="0"/>
-              <a:t>vs</a:t>
-            </a:r>
-            <a:r>
-              <a:rPr kumimoji="1" lang="zh-TW" altLang="en-US" dirty="0" smtClean="0"/>
-              <a:t> </a:t>
-            </a:r>
-            <a:r>
-              <a:rPr kumimoji="1" lang="en-US" altLang="zh-TW" dirty="0" smtClean="0"/>
-              <a:t>Python</a:t>
-            </a:r>
-            <a:r>
-              <a:rPr kumimoji="1" lang="zh-TW" altLang="en-US" dirty="0" smtClean="0"/>
-              <a:t> </a:t>
-            </a:r>
-            <a:r>
-              <a:rPr kumimoji="1" lang="en-US" altLang="zh-TW" dirty="0" smtClean="0"/>
-              <a:t>3</a:t>
-            </a:r>
-          </a:p>
-          <a:p>
-            <a:pPr lvl="1"/>
-            <a:r>
-              <a:rPr kumimoji="1" lang="en-US" altLang="zh-TW" dirty="0" smtClean="0"/>
-              <a:t>2</a:t>
-            </a:r>
-            <a:r>
-              <a:rPr kumimoji="1" lang="zh-TW" altLang="en-US" dirty="0" smtClean="0"/>
-              <a:t>跟</a:t>
-            </a:r>
-            <a:r>
-              <a:rPr kumimoji="1" lang="en-US" altLang="zh-TW" dirty="0" smtClean="0"/>
-              <a:t>3</a:t>
-            </a:r>
-            <a:r>
-              <a:rPr kumimoji="1" lang="zh-TW" altLang="en-US" dirty="0" smtClean="0"/>
-              <a:t>各有優缺點</a:t>
-            </a:r>
-            <a:endParaRPr kumimoji="1" lang="en-US" altLang="zh-TW" dirty="0" smtClean="0"/>
-          </a:p>
-          <a:p>
-            <a:pPr lvl="1"/>
-            <a:r>
-              <a:rPr kumimoji="1" lang="zh-TW" altLang="en-US" dirty="0" smtClean="0"/>
-              <a:t>為了教學方便起見，之後的教學都以</a:t>
-            </a:r>
-            <a:r>
-              <a:rPr kumimoji="1" lang="en-US" altLang="zh-TW" dirty="0" smtClean="0"/>
-              <a:t>python</a:t>
-            </a:r>
-            <a:r>
-              <a:rPr kumimoji="1" lang="zh-TW" altLang="en-US" dirty="0" smtClean="0"/>
-              <a:t> </a:t>
-            </a:r>
-            <a:r>
-              <a:rPr kumimoji="1" lang="en-US" altLang="zh-TW" dirty="0" smtClean="0"/>
-              <a:t>2</a:t>
-            </a:r>
-            <a:r>
-              <a:rPr kumimoji="1" lang="zh-TW" altLang="en-US" dirty="0" smtClean="0"/>
-              <a:t>為主</a:t>
-            </a:r>
-            <a:endParaRPr kumimoji="1" lang="en-US" altLang="zh-TW" dirty="0" smtClean="0"/>
-          </a:p>
-          <a:p>
-            <a:pPr lvl="1"/>
-            <a:endParaRPr kumimoji="1" lang="en-US" altLang="zh-TW" dirty="0"/>
-          </a:p>
-          <a:p>
-            <a:r>
-              <a:rPr kumimoji="1" lang="en-US" altLang="zh-TW" dirty="0" smtClean="0"/>
-              <a:t>32</a:t>
-            </a:r>
-            <a:r>
-              <a:rPr kumimoji="1" lang="zh-TW" altLang="en-US" dirty="0" smtClean="0"/>
-              <a:t> </a:t>
-            </a:r>
-            <a:r>
-              <a:rPr kumimoji="1" lang="en-US" altLang="zh-TW" dirty="0" smtClean="0"/>
-              <a:t>bit</a:t>
-            </a:r>
-            <a:r>
-              <a:rPr kumimoji="1" lang="zh-TW" altLang="en-US" dirty="0" smtClean="0"/>
-              <a:t> </a:t>
-            </a:r>
-            <a:r>
-              <a:rPr kumimoji="1" lang="en-US" altLang="zh-TW" dirty="0" err="1" smtClean="0"/>
-              <a:t>vs</a:t>
-            </a:r>
-            <a:r>
-              <a:rPr kumimoji="1" lang="zh-TW" altLang="en-US" dirty="0" smtClean="0"/>
-              <a:t> </a:t>
-            </a:r>
-            <a:r>
-              <a:rPr kumimoji="1" lang="en-US" altLang="zh-TW" dirty="0" smtClean="0"/>
-              <a:t>64</a:t>
-            </a:r>
-            <a:r>
-              <a:rPr kumimoji="1" lang="zh-TW" altLang="en-US" dirty="0" smtClean="0"/>
-              <a:t> </a:t>
-            </a:r>
-            <a:r>
-              <a:rPr kumimoji="1" lang="en-US" altLang="zh-TW" dirty="0" smtClean="0"/>
-              <a:t>bit</a:t>
-            </a:r>
-          </a:p>
-          <a:p>
-            <a:pPr lvl="1"/>
-            <a:r>
-              <a:rPr kumimoji="1" lang="zh-TW" altLang="zh-TW" dirty="0" smtClean="0"/>
-              <a:t>6</a:t>
-            </a:r>
-            <a:r>
-              <a:rPr kumimoji="1" lang="en-US" altLang="zh-TW" dirty="0" smtClean="0"/>
-              <a:t>4</a:t>
-            </a:r>
-            <a:r>
-              <a:rPr kumimoji="1" lang="zh-TW" altLang="en-US" dirty="0" smtClean="0"/>
-              <a:t> </a:t>
-            </a:r>
-            <a:r>
-              <a:rPr kumimoji="1" lang="en-US" altLang="zh-TW" dirty="0" smtClean="0"/>
-              <a:t>bit</a:t>
-            </a:r>
-            <a:r>
-              <a:rPr kumimoji="1" lang="zh-TW" altLang="en-US" dirty="0" smtClean="0"/>
-              <a:t>可以處理更大量的資料</a:t>
-            </a:r>
-            <a:endParaRPr kumimoji="1" lang="en-US" altLang="zh-TW" dirty="0" smtClean="0"/>
-          </a:p>
-          <a:p>
-            <a:pPr lvl="1"/>
-            <a:r>
-              <a:rPr kumimoji="1" lang="zh-TW" altLang="en-US" dirty="0" smtClean="0"/>
-              <a:t>建議使用</a:t>
-            </a:r>
-            <a:r>
-              <a:rPr kumimoji="1" lang="en-US" altLang="zh-TW" dirty="0" smtClean="0"/>
-              <a:t>64</a:t>
-            </a:r>
-            <a:r>
-              <a:rPr kumimoji="1" lang="zh-TW" altLang="en-US" dirty="0" smtClean="0"/>
-              <a:t> </a:t>
-            </a:r>
-            <a:r>
-              <a:rPr kumimoji="1" lang="en-US" altLang="zh-TW" dirty="0" smtClean="0"/>
-              <a:t>bit</a:t>
-            </a:r>
-          </a:p>
-          <a:p>
-            <a:pPr lvl="1"/>
+              <a:t>pypy</a:t>
+            </a:r>
+            <a:r>
+              <a:rPr kumimoji="1" lang="en-US" altLang="zh-TW" dirty="0" smtClean="0"/>
+              <a:t>(</a:t>
+            </a:r>
+            <a:r>
+              <a:rPr kumimoji="1" lang="zh-TW" altLang="en-US" dirty="0" smtClean="0"/>
+              <a:t>本課程不會再深入提到</a:t>
+            </a:r>
+            <a:r>
+              <a:rPr kumimoji="1" lang="en-US" altLang="zh-TW" dirty="0" smtClean="0"/>
+              <a:t>)</a:t>
+            </a:r>
+          </a:p>
+          <a:p>
             <a:endParaRPr kumimoji="1" lang="zh-TW" altLang="en-US" dirty="0"/>
           </a:p>
         </p:txBody>
@@ -4172,7 +4110,7 @@
     </p:spTree>
     <p:extLst>
       <p:ext uri="{BB962C8B-B14F-4D97-AF65-F5344CB8AC3E}">
-        <p14:creationId xmlns:p14="http://schemas.microsoft.com/office/powerpoint/2010/main" val="339152021"/>
+        <p14:creationId xmlns:p14="http://schemas.microsoft.com/office/powerpoint/2010/main" val="1230593544"/>
       </p:ext>
     </p:extLst>
   </p:cSld>
@@ -4222,6 +4160,312 @@
           <a:lstStyle/>
           <a:p>
             <a:r>
+              <a:rPr kumimoji="1" lang="en-US" altLang="zh-TW" dirty="0" smtClean="0"/>
+              <a:t>Which</a:t>
+            </a:r>
+            <a:r>
+              <a:rPr kumimoji="1" lang="zh-TW" altLang="en-US" dirty="0" smtClean="0"/>
+              <a:t> </a:t>
+            </a:r>
+            <a:r>
+              <a:rPr kumimoji="1" lang="en-US" altLang="zh-TW" dirty="0" smtClean="0"/>
+              <a:t>Python</a:t>
+            </a:r>
+            <a:r>
+              <a:rPr kumimoji="1" lang="zh-TW" altLang="en-US" dirty="0" smtClean="0"/>
+              <a:t> </a:t>
+            </a:r>
+            <a:r>
+              <a:rPr kumimoji="1" lang="en-US" altLang="zh-TW" dirty="0" smtClean="0"/>
+              <a:t>better</a:t>
+            </a:r>
+            <a:r>
+              <a:rPr kumimoji="1" lang="zh-TW" altLang="en-US" dirty="0" smtClean="0"/>
+              <a:t> </a:t>
+            </a:r>
+            <a:r>
+              <a:rPr kumimoji="1" lang="en-US" altLang="zh-TW" dirty="0" smtClean="0"/>
+              <a:t>to</a:t>
+            </a:r>
+            <a:r>
+              <a:rPr kumimoji="1" lang="zh-TW" altLang="en-US" dirty="0" smtClean="0"/>
+              <a:t> </a:t>
+            </a:r>
+            <a:r>
+              <a:rPr kumimoji="1" lang="en-US" altLang="zh-TW" dirty="0" smtClean="0"/>
+              <a:t>learn?</a:t>
+            </a:r>
+            <a:endParaRPr kumimoji="1" lang="zh-TW" altLang="en-US" dirty="0"/>
+          </a:p>
+        </p:txBody>
+      </p:sp>
+      <p:sp>
+        <p:nvSpPr>
+          <p:cNvPr id="3" name="內容版面配置區 2"/>
+          <p:cNvSpPr>
+            <a:spLocks noGrp="1"/>
+          </p:cNvSpPr>
+          <p:nvPr>
+            <p:ph idx="1"/>
+          </p:nvPr>
+        </p:nvSpPr>
+        <p:spPr/>
+        <p:txBody>
+          <a:bodyPr/>
+          <a:lstStyle/>
+          <a:p>
+            <a:r>
+              <a:rPr kumimoji="1" lang="zh-TW" altLang="zh-TW" dirty="0" smtClean="0"/>
+              <a:t>P</a:t>
+            </a:r>
+            <a:r>
+              <a:rPr kumimoji="1" lang="en-US" altLang="zh-TW" dirty="0" err="1" smtClean="0"/>
+              <a:t>ython</a:t>
+            </a:r>
+            <a:r>
+              <a:rPr kumimoji="1" lang="zh-TW" altLang="en-US" dirty="0" smtClean="0"/>
+              <a:t> </a:t>
+            </a:r>
+            <a:r>
+              <a:rPr kumimoji="1" lang="en-US" altLang="zh-TW" dirty="0" smtClean="0"/>
+              <a:t>2</a:t>
+            </a:r>
+            <a:r>
+              <a:rPr kumimoji="1" lang="zh-TW" altLang="en-US" dirty="0" smtClean="0"/>
+              <a:t> </a:t>
+            </a:r>
+            <a:r>
+              <a:rPr kumimoji="1" lang="en-US" altLang="zh-TW" dirty="0" err="1" smtClean="0"/>
+              <a:t>vs</a:t>
+            </a:r>
+            <a:r>
+              <a:rPr kumimoji="1" lang="zh-TW" altLang="en-US" dirty="0" smtClean="0"/>
+              <a:t> </a:t>
+            </a:r>
+            <a:r>
+              <a:rPr kumimoji="1" lang="en-US" altLang="zh-TW" dirty="0" smtClean="0"/>
+              <a:t>Python</a:t>
+            </a:r>
+            <a:r>
+              <a:rPr kumimoji="1" lang="zh-TW" altLang="en-US" dirty="0" smtClean="0"/>
+              <a:t> </a:t>
+            </a:r>
+            <a:r>
+              <a:rPr kumimoji="1" lang="en-US" altLang="zh-TW" dirty="0" smtClean="0"/>
+              <a:t>3</a:t>
+            </a:r>
+          </a:p>
+          <a:p>
+            <a:pPr lvl="1"/>
+            <a:r>
+              <a:rPr kumimoji="1" lang="en-US" altLang="zh-TW" dirty="0" smtClean="0"/>
+              <a:t>2</a:t>
+            </a:r>
+            <a:r>
+              <a:rPr kumimoji="1" lang="zh-TW" altLang="en-US" dirty="0" smtClean="0"/>
+              <a:t>跟</a:t>
+            </a:r>
+            <a:r>
+              <a:rPr kumimoji="1" lang="en-US" altLang="zh-TW" dirty="0" smtClean="0"/>
+              <a:t>3</a:t>
+            </a:r>
+            <a:r>
+              <a:rPr kumimoji="1" lang="zh-TW" altLang="en-US" dirty="0" smtClean="0"/>
+              <a:t>各有優缺點</a:t>
+            </a:r>
+            <a:endParaRPr kumimoji="1" lang="en-US" altLang="zh-TW" dirty="0" smtClean="0"/>
+          </a:p>
+          <a:p>
+            <a:pPr lvl="1"/>
+            <a:r>
+              <a:rPr kumimoji="1" lang="zh-TW" altLang="en-US" dirty="0" smtClean="0"/>
+              <a:t>為了教學方便起見，之後的教學都以</a:t>
+            </a:r>
+            <a:r>
+              <a:rPr kumimoji="1" lang="en-US" altLang="zh-TW" dirty="0" smtClean="0"/>
+              <a:t>python</a:t>
+            </a:r>
+            <a:r>
+              <a:rPr kumimoji="1" lang="zh-TW" altLang="en-US" dirty="0" smtClean="0"/>
+              <a:t> </a:t>
+            </a:r>
+            <a:r>
+              <a:rPr kumimoji="1" lang="en-US" altLang="zh-TW" dirty="0" smtClean="0"/>
+              <a:t>2</a:t>
+            </a:r>
+            <a:r>
+              <a:rPr kumimoji="1" lang="zh-TW" altLang="en-US" dirty="0" smtClean="0"/>
+              <a:t>為主</a:t>
+            </a:r>
+            <a:endParaRPr kumimoji="1" lang="en-US" altLang="zh-TW" dirty="0" smtClean="0"/>
+          </a:p>
+          <a:p>
+            <a:pPr lvl="1"/>
+            <a:endParaRPr kumimoji="1" lang="en-US" altLang="zh-TW" dirty="0"/>
+          </a:p>
+          <a:p>
+            <a:r>
+              <a:rPr kumimoji="1" lang="en-US" altLang="zh-TW" dirty="0" smtClean="0"/>
+              <a:t>32</a:t>
+            </a:r>
+            <a:r>
+              <a:rPr kumimoji="1" lang="zh-TW" altLang="en-US" dirty="0" smtClean="0"/>
+              <a:t> </a:t>
+            </a:r>
+            <a:r>
+              <a:rPr kumimoji="1" lang="en-US" altLang="zh-TW" dirty="0" smtClean="0"/>
+              <a:t>bit</a:t>
+            </a:r>
+            <a:r>
+              <a:rPr kumimoji="1" lang="zh-TW" altLang="en-US" dirty="0" smtClean="0"/>
+              <a:t> </a:t>
+            </a:r>
+            <a:r>
+              <a:rPr kumimoji="1" lang="en-US" altLang="zh-TW" dirty="0" err="1" smtClean="0"/>
+              <a:t>vs</a:t>
+            </a:r>
+            <a:r>
+              <a:rPr kumimoji="1" lang="zh-TW" altLang="en-US" dirty="0" smtClean="0"/>
+              <a:t> </a:t>
+            </a:r>
+            <a:r>
+              <a:rPr kumimoji="1" lang="en-US" altLang="zh-TW" dirty="0" smtClean="0"/>
+              <a:t>64</a:t>
+            </a:r>
+            <a:r>
+              <a:rPr kumimoji="1" lang="zh-TW" altLang="en-US" dirty="0" smtClean="0"/>
+              <a:t> </a:t>
+            </a:r>
+            <a:r>
+              <a:rPr kumimoji="1" lang="en-US" altLang="zh-TW" dirty="0" smtClean="0"/>
+              <a:t>bit</a:t>
+            </a:r>
+          </a:p>
+          <a:p>
+            <a:pPr lvl="1"/>
+            <a:r>
+              <a:rPr kumimoji="1" lang="zh-TW" altLang="zh-TW" dirty="0" smtClean="0"/>
+              <a:t>6</a:t>
+            </a:r>
+            <a:r>
+              <a:rPr kumimoji="1" lang="en-US" altLang="zh-TW" dirty="0" smtClean="0"/>
+              <a:t>4</a:t>
+            </a:r>
+            <a:r>
+              <a:rPr kumimoji="1" lang="zh-TW" altLang="en-US" dirty="0" smtClean="0"/>
+              <a:t> </a:t>
+            </a:r>
+            <a:r>
+              <a:rPr kumimoji="1" lang="en-US" altLang="zh-TW" dirty="0" smtClean="0"/>
+              <a:t>bit</a:t>
+            </a:r>
+            <a:r>
+              <a:rPr kumimoji="1" lang="zh-TW" altLang="en-US" dirty="0" smtClean="0"/>
+              <a:t>可以處理更大量的資料</a:t>
+            </a:r>
+            <a:endParaRPr kumimoji="1" lang="en-US" altLang="zh-TW" dirty="0" smtClean="0"/>
+          </a:p>
+          <a:p>
+            <a:pPr lvl="1"/>
+            <a:r>
+              <a:rPr kumimoji="1" lang="zh-TW" altLang="en-US" dirty="0" smtClean="0"/>
+              <a:t>建議使用</a:t>
+            </a:r>
+            <a:r>
+              <a:rPr kumimoji="1" lang="en-US" altLang="zh-TW" dirty="0" smtClean="0"/>
+              <a:t>64</a:t>
+            </a:r>
+            <a:r>
+              <a:rPr kumimoji="1" lang="zh-TW" altLang="en-US" dirty="0" smtClean="0"/>
+              <a:t> </a:t>
+            </a:r>
+            <a:r>
+              <a:rPr kumimoji="1" lang="en-US" altLang="zh-TW" dirty="0" smtClean="0"/>
+              <a:t>bit</a:t>
+            </a:r>
+          </a:p>
+          <a:p>
+            <a:pPr lvl="1"/>
+            <a:endParaRPr kumimoji="1" lang="zh-TW" altLang="en-US" dirty="0"/>
+          </a:p>
+        </p:txBody>
+      </p:sp>
+      <p:sp>
+        <p:nvSpPr>
+          <p:cNvPr id="4" name="投影片編號版面配置區 3"/>
+          <p:cNvSpPr>
+            <a:spLocks noGrp="1"/>
+          </p:cNvSpPr>
+          <p:nvPr>
+            <p:ph type="sldNum" sz="quarter" idx="12"/>
+          </p:nvPr>
+        </p:nvSpPr>
+        <p:spPr/>
+        <p:txBody>
+          <a:bodyPr/>
+          <a:lstStyle/>
+          <a:p>
+            <a:fld id="{D0256DAB-F776-1247-8262-D98F626E04EC}" type="slidenum">
+              <a:rPr kumimoji="1" lang="zh-TW" altLang="en-US" smtClean="0"/>
+              <a:t>11</a:t>
+            </a:fld>
+            <a:endParaRPr kumimoji="1" lang="zh-TW" altLang="en-US"/>
+          </a:p>
+        </p:txBody>
+      </p:sp>
+    </p:spTree>
+    <p:extLst>
+      <p:ext uri="{BB962C8B-B14F-4D97-AF65-F5344CB8AC3E}">
+        <p14:creationId xmlns:p14="http://schemas.microsoft.com/office/powerpoint/2010/main" val="339152021"/>
+      </p:ext>
+    </p:extLst>
+  </p:cSld>
+  <p:clrMapOvr>
+    <a:masterClrMapping/>
+  </p:clrMapOvr>
+  <p:timing>
+    <p:tnLst>
+      <p:par>
+        <p:cTn xmlns:p14="http://schemas.microsoft.com/office/powerpoint/2010/main" id="1" dur="indefinite" restart="never" nodeType="tmRoot"/>
+      </p:par>
+    </p:tnLst>
+  </p:timing>
+</p:sld>
+</file>
+
+<file path=ppt/slides/slide12.xml><?xml version="1.0" encoding="utf-8"?>
+<p:sld xmlns:a="http://schemas.openxmlformats.org/drawingml/2006/main" xmlns:r="http://schemas.openxmlformats.org/officeDocument/2006/relationships" xmlns:p="http://schemas.openxmlformats.org/presentationml/2006/main">
+  <p:cSld>
+    <p:spTree>
+      <p:nvGrpSpPr>
+        <p:cNvPr id="1" name=""/>
+        <p:cNvGrpSpPr/>
+        <p:nvPr/>
+      </p:nvGrpSpPr>
+      <p:grpSpPr>
+        <a:xfrm>
+          <a:off x="0" y="0"/>
+          <a:ext cx="0" cy="0"/>
+          <a:chOff x="0" y="0"/>
+          <a:chExt cx="0" cy="0"/>
+        </a:xfrm>
+      </p:grpSpPr>
+      <p:sp>
+        <p:nvSpPr>
+          <p:cNvPr id="2" name="標題 1"/>
+          <p:cNvSpPr>
+            <a:spLocks noGrp="1"/>
+          </p:cNvSpPr>
+          <p:nvPr>
+            <p:ph type="title"/>
+          </p:nvPr>
+        </p:nvSpPr>
+        <p:spPr/>
+        <p:txBody>
+          <a:bodyPr/>
+          <a:lstStyle/>
+          <a:p>
+            <a:r>
               <a:rPr kumimoji="1" lang="zh-TW" altLang="zh-TW" dirty="0" smtClean="0"/>
               <a:t>W</a:t>
             </a:r>
@@ -4461,7 +4705,7 @@
           <a:p>
             <a:fld id="{D0256DAB-F776-1247-8262-D98F626E04EC}" type="slidenum">
               <a:rPr kumimoji="1" lang="zh-TW" altLang="en-US" smtClean="0"/>
-              <a:t>11</a:t>
+              <a:t>12</a:t>
             </a:fld>
             <a:endParaRPr kumimoji="1" lang="zh-TW" altLang="en-US"/>
           </a:p>
@@ -4877,7 +5121,7 @@
 </p:sld>
 </file>
 
-<file path=ppt/slides/slide12.xml><?xml version="1.0" encoding="utf-8"?>
+<file path=ppt/slides/slide13.xml><?xml version="1.0" encoding="utf-8"?>
 <p:sld xmlns:a="http://schemas.openxmlformats.org/drawingml/2006/main" xmlns:r="http://schemas.openxmlformats.org/officeDocument/2006/relationships" xmlns:p="http://schemas.openxmlformats.org/presentationml/2006/main">
   <p:cSld>
     <p:spTree>
@@ -4980,7 +5224,7 @@
           <a:p>
             <a:fld id="{D0256DAB-F776-1247-8262-D98F626E04EC}" type="slidenum">
               <a:rPr kumimoji="1" lang="zh-TW" altLang="en-US" smtClean="0"/>
-              <a:t>12</a:t>
+              <a:t>13</a:t>
             </a:fld>
             <a:endParaRPr kumimoji="1" lang="zh-TW" altLang="en-US"/>
           </a:p>
@@ -4990,178 +5234,6 @@
     <p:extLst>
       <p:ext uri="{BB962C8B-B14F-4D97-AF65-F5344CB8AC3E}">
         <p14:creationId xmlns:p14="http://schemas.microsoft.com/office/powerpoint/2010/main" val="107067887"/>
-      </p:ext>
-    </p:extLst>
-  </p:cSld>
-  <p:clrMapOvr>
-    <a:masterClrMapping/>
-  </p:clrMapOvr>
-  <p:timing>
-    <p:tnLst>
-      <p:par>
-        <p:cTn xmlns:p14="http://schemas.microsoft.com/office/powerpoint/2010/main" id="1" dur="indefinite" restart="never" nodeType="tmRoot"/>
-      </p:par>
-    </p:tnLst>
-  </p:timing>
-</p:sld>
-</file>
-
-<file path=ppt/slides/slide13.xml><?xml version="1.0" encoding="utf-8"?>
-<p:sld xmlns:a="http://schemas.openxmlformats.org/drawingml/2006/main" xmlns:r="http://schemas.openxmlformats.org/officeDocument/2006/relationships" xmlns:p="http://schemas.openxmlformats.org/presentationml/2006/main">
-  <p:cSld>
-    <p:spTree>
-      <p:nvGrpSpPr>
-        <p:cNvPr id="1" name=""/>
-        <p:cNvGrpSpPr/>
-        <p:nvPr/>
-      </p:nvGrpSpPr>
-      <p:grpSpPr>
-        <a:xfrm>
-          <a:off x="0" y="0"/>
-          <a:ext cx="0" cy="0"/>
-          <a:chOff x="0" y="0"/>
-          <a:chExt cx="0" cy="0"/>
-        </a:xfrm>
-      </p:grpSpPr>
-      <p:sp>
-        <p:nvSpPr>
-          <p:cNvPr id="2" name="標題 1"/>
-          <p:cNvSpPr>
-            <a:spLocks noGrp="1"/>
-          </p:cNvSpPr>
-          <p:nvPr>
-            <p:ph type="title"/>
-          </p:nvPr>
-        </p:nvSpPr>
-        <p:spPr/>
-        <p:txBody>
-          <a:bodyPr/>
-          <a:lstStyle/>
-          <a:p>
-            <a:r>
-              <a:rPr kumimoji="1" lang="en-US" altLang="zh-TW" dirty="0" smtClean="0"/>
-              <a:t>Install</a:t>
-            </a:r>
-            <a:r>
-              <a:rPr kumimoji="1" lang="zh-TW" altLang="en-US" dirty="0" smtClean="0"/>
-              <a:t> </a:t>
-            </a:r>
-            <a:r>
-              <a:rPr kumimoji="1" lang="en-US" altLang="zh-TW" dirty="0" smtClean="0"/>
-              <a:t>Python for</a:t>
-            </a:r>
-            <a:r>
-              <a:rPr kumimoji="1" lang="zh-TW" altLang="en-US" dirty="0" smtClean="0"/>
-              <a:t> </a:t>
-            </a:r>
-            <a:r>
-              <a:rPr kumimoji="1" lang="en-US" altLang="zh-TW" dirty="0" smtClean="0"/>
-              <a:t>Windows</a:t>
-            </a:r>
-            <a:endParaRPr kumimoji="1" lang="zh-TW" altLang="en-US" dirty="0"/>
-          </a:p>
-        </p:txBody>
-      </p:sp>
-      <p:pic>
-        <p:nvPicPr>
-          <p:cNvPr id="5" name="圖片 4" descr="2.JPG"/>
-          <p:cNvPicPr>
-            <a:picLocks noChangeAspect="1"/>
-          </p:cNvPicPr>
-          <p:nvPr/>
-        </p:nvPicPr>
-        <p:blipFill rotWithShape="1">
-          <a:blip r:embed="rId2">
-            <a:extLst>
-              <a:ext uri="{28A0092B-C50C-407E-A947-70E740481C1C}">
-                <a14:useLocalDpi xmlns:a14="http://schemas.microsoft.com/office/drawing/2010/main" val="0"/>
-              </a:ext>
-            </a:extLst>
-          </a:blip>
-          <a:srcRect b="29537"/>
-          <a:stretch/>
-        </p:blipFill>
-        <p:spPr>
-          <a:xfrm>
-            <a:off x="686452" y="1739203"/>
-            <a:ext cx="7543800" cy="4302129"/>
-          </a:xfrm>
-          <a:prstGeom prst="rect">
-            <a:avLst/>
-          </a:prstGeom>
-        </p:spPr>
-      </p:pic>
-      <p:sp>
-        <p:nvSpPr>
-          <p:cNvPr id="3" name="圓角矩形 2"/>
-          <p:cNvSpPr/>
-          <p:nvPr/>
-        </p:nvSpPr>
-        <p:spPr>
-          <a:xfrm>
-            <a:off x="1761872" y="3878811"/>
-            <a:ext cx="3558065" cy="846701"/>
-          </a:xfrm>
-          <a:prstGeom prst="roundRect">
-            <a:avLst/>
-          </a:prstGeom>
-          <a:noFill/>
-          <a:ln w="57150" cmpd="sng">
-            <a:solidFill>
-              <a:srgbClr val="FF0000"/>
-            </a:solidFill>
-          </a:ln>
-        </p:spPr>
-        <p:style>
-          <a:lnRef idx="1">
-            <a:schemeClr val="accent1"/>
-          </a:lnRef>
-          <a:fillRef idx="3">
-            <a:schemeClr val="accent1"/>
-          </a:fillRef>
-          <a:effectRef idx="2">
-            <a:schemeClr val="accent1"/>
-          </a:effectRef>
-          <a:fontRef idx="minor">
-            <a:schemeClr val="lt1"/>
-          </a:fontRef>
-        </p:style>
-        <p:txBody>
-          <a:bodyPr rtlCol="0" anchor="ctr"/>
-          <a:lstStyle/>
-          <a:p>
-            <a:pPr algn="ctr"/>
-            <a:endParaRPr kumimoji="1" lang="zh-TW" altLang="en-US"/>
-          </a:p>
-        </p:txBody>
-      </p:sp>
-      <p:sp>
-        <p:nvSpPr>
-          <p:cNvPr id="6" name="投影片編號版面配置區 5"/>
-          <p:cNvSpPr>
-            <a:spLocks noGrp="1"/>
-          </p:cNvSpPr>
-          <p:nvPr>
-            <p:ph type="sldNum" sz="quarter" idx="12"/>
-          </p:nvPr>
-        </p:nvSpPr>
-        <p:spPr/>
-        <p:txBody>
-          <a:bodyPr/>
-          <a:lstStyle/>
-          <a:p>
-            <a:fld id="{D0256DAB-F776-1247-8262-D98F626E04EC}" type="slidenum">
-              <a:rPr kumimoji="1" lang="zh-TW" altLang="en-US" smtClean="0"/>
-              <a:t>13</a:t>
-            </a:fld>
-            <a:endParaRPr kumimoji="1" lang="zh-TW" altLang="en-US"/>
-          </a:p>
-        </p:txBody>
-      </p:sp>
-    </p:spTree>
-    <p:extLst>
-      <p:ext uri="{BB962C8B-B14F-4D97-AF65-F5344CB8AC3E}">
-        <p14:creationId xmlns:p14="http://schemas.microsoft.com/office/powerpoint/2010/main" val="3127378390"/>
       </p:ext>
     </p:extLst>
   </p:cSld>
@@ -5236,13 +5308,13 @@
       </p:sp>
       <p:pic>
         <p:nvPicPr>
-          <p:cNvPr id="7" name="圖片 6" descr="3.JPG"/>
+          <p:cNvPr id="5" name="圖片 4" descr="2.JPG"/>
           <p:cNvPicPr>
             <a:picLocks noChangeAspect="1"/>
           </p:cNvPicPr>
           <p:nvPr/>
         </p:nvPicPr>
-        <p:blipFill>
+        <p:blipFill rotWithShape="1">
           <a:blip r:embed="rId2">
             <a:extLst>
               <a:ext uri="{28A0092B-C50C-407E-A947-70E740481C1C}">
@@ -5250,14 +5322,13 @@
               </a:ext>
             </a:extLst>
           </a:blip>
-          <a:stretch>
-            <a:fillRect/>
-          </a:stretch>
+          <a:srcRect b="29537"/>
+          <a:stretch/>
         </p:blipFill>
         <p:spPr>
           <a:xfrm>
-            <a:off x="712614" y="1417638"/>
-            <a:ext cx="7974186" cy="4992936"/>
+            <a:off x="686452" y="1739203"/>
+            <a:ext cx="7543800" cy="4302129"/>
           </a:xfrm>
           <a:prstGeom prst="rect">
             <a:avLst/>
@@ -5266,37 +5337,14 @@
       </p:pic>
       <p:sp>
         <p:nvSpPr>
-          <p:cNvPr id="8" name="投影片編號版面配置區 7"/>
-          <p:cNvSpPr>
-            <a:spLocks noGrp="1"/>
-          </p:cNvSpPr>
-          <p:nvPr>
-            <p:ph type="sldNum" sz="quarter" idx="12"/>
-          </p:nvPr>
-        </p:nvSpPr>
-        <p:spPr/>
-        <p:txBody>
-          <a:bodyPr/>
-          <a:lstStyle/>
-          <a:p>
-            <a:fld id="{D0256DAB-F776-1247-8262-D98F626E04EC}" type="slidenum">
-              <a:rPr kumimoji="1" lang="zh-TW" altLang="en-US" smtClean="0"/>
-              <a:t>14</a:t>
-            </a:fld>
-            <a:endParaRPr kumimoji="1" lang="zh-TW" altLang="en-US"/>
-          </a:p>
-        </p:txBody>
-      </p:sp>
-      <p:sp>
-        <p:nvSpPr>
-          <p:cNvPr id="9" name="圓角矩形 8"/>
+          <p:cNvPr id="3" name="圓角矩形 2"/>
           <p:cNvSpPr/>
           <p:nvPr/>
         </p:nvSpPr>
         <p:spPr>
           <a:xfrm>
-            <a:off x="4027137" y="3855927"/>
-            <a:ext cx="1018224" cy="308932"/>
+            <a:off x="1761872" y="3878811"/>
+            <a:ext cx="3558065" cy="846701"/>
           </a:xfrm>
           <a:prstGeom prst="roundRect">
             <a:avLst/>
@@ -5333,129 +5381,24 @@
       </p:sp>
       <p:sp>
         <p:nvSpPr>
-          <p:cNvPr id="10" name="圓角矩形 9"/>
-          <p:cNvSpPr/>
-          <p:nvPr/>
-        </p:nvSpPr>
-        <p:spPr>
-          <a:xfrm>
-            <a:off x="2463429" y="2463667"/>
-            <a:ext cx="934467" cy="419695"/>
-          </a:xfrm>
-          <a:prstGeom prst="roundRect">
-            <a:avLst/>
-          </a:prstGeom>
-          <a:noFill/>
-          <a:ln w="57150" cmpd="sng">
-            <a:solidFill>
-              <a:srgbClr val="FF0000"/>
-            </a:solidFill>
-          </a:ln>
-        </p:spPr>
-        <p:style>
-          <a:lnRef idx="1">
-            <a:schemeClr val="accent1"/>
-          </a:lnRef>
-          <a:fillRef idx="3">
-            <a:schemeClr val="accent1"/>
-          </a:fillRef>
-          <a:effectRef idx="2">
-            <a:schemeClr val="accent1"/>
-          </a:effectRef>
-          <a:fontRef idx="minor">
-            <a:schemeClr val="lt1"/>
-          </a:fontRef>
-        </p:style>
-        <p:txBody>
-          <a:bodyPr rtlCol="0" anchor="ctr"/>
-          <a:lstStyle/>
-          <a:p>
-            <a:pPr algn="ctr"/>
+          <p:cNvPr id="6" name="投影片編號版面配置區 5"/>
+          <p:cNvSpPr>
+            <a:spLocks noGrp="1"/>
+          </p:cNvSpPr>
+          <p:nvPr>
+            <p:ph type="sldNum" sz="quarter" idx="12"/>
+          </p:nvPr>
+        </p:nvSpPr>
+        <p:spPr/>
+        <p:txBody>
+          <a:bodyPr/>
+          <a:lstStyle/>
+          <a:p>
+            <a:fld id="{D0256DAB-F776-1247-8262-D98F626E04EC}" type="slidenum">
+              <a:rPr kumimoji="1" lang="zh-TW" altLang="en-US" smtClean="0"/>
+              <a:t>14</a:t>
+            </a:fld>
             <a:endParaRPr kumimoji="1" lang="zh-TW" altLang="en-US"/>
-          </a:p>
-        </p:txBody>
-      </p:sp>
-      <p:sp>
-        <p:nvSpPr>
-          <p:cNvPr id="11" name="橢圓 10"/>
-          <p:cNvSpPr/>
-          <p:nvPr/>
-        </p:nvSpPr>
-        <p:spPr>
-          <a:xfrm>
-            <a:off x="3397896" y="2883362"/>
-            <a:ext cx="354663" cy="366141"/>
-          </a:xfrm>
-          <a:prstGeom prst="ellipse">
-            <a:avLst/>
-          </a:prstGeom>
-        </p:spPr>
-        <p:style>
-          <a:lnRef idx="1">
-            <a:schemeClr val="accent2"/>
-          </a:lnRef>
-          <a:fillRef idx="3">
-            <a:schemeClr val="accent2"/>
-          </a:fillRef>
-          <a:effectRef idx="2">
-            <a:schemeClr val="accent2"/>
-          </a:effectRef>
-          <a:fontRef idx="minor">
-            <a:schemeClr val="lt1"/>
-          </a:fontRef>
-        </p:style>
-        <p:txBody>
-          <a:bodyPr rtlCol="0" anchor="ctr"/>
-          <a:lstStyle/>
-          <a:p>
-            <a:pPr algn="ctr"/>
-            <a:r>
-              <a:rPr kumimoji="1" lang="en-US" altLang="zh-TW" dirty="0" smtClean="0"/>
-              <a:t>1</a:t>
-            </a:r>
-            <a:endParaRPr kumimoji="1" lang="zh-TW" altLang="en-US" dirty="0"/>
-          </a:p>
-        </p:txBody>
-      </p:sp>
-      <p:sp>
-        <p:nvSpPr>
-          <p:cNvPr id="12" name="橢圓 11"/>
-          <p:cNvSpPr/>
-          <p:nvPr/>
-        </p:nvSpPr>
-        <p:spPr>
-          <a:xfrm>
-            <a:off x="5140557" y="4065534"/>
-            <a:ext cx="354663" cy="366141"/>
-          </a:xfrm>
-          <a:prstGeom prst="ellipse">
-            <a:avLst/>
-          </a:prstGeom>
-        </p:spPr>
-        <p:style>
-          <a:lnRef idx="1">
-            <a:schemeClr val="accent2"/>
-          </a:lnRef>
-          <a:fillRef idx="3">
-            <a:schemeClr val="accent2"/>
-          </a:fillRef>
-          <a:effectRef idx="2">
-            <a:schemeClr val="accent2"/>
-          </a:effectRef>
-          <a:fontRef idx="minor">
-            <a:schemeClr val="lt1"/>
-          </a:fontRef>
-        </p:style>
-        <p:txBody>
-          <a:bodyPr rtlCol="0" anchor="ctr"/>
-          <a:lstStyle/>
-          <a:p>
-            <a:pPr algn="ctr"/>
-            <a:r>
-              <a:rPr kumimoji="1" lang="zh-TW" altLang="zh-TW" dirty="0"/>
-              <a:t>2</a:t>
-            </a:r>
-            <a:endParaRPr kumimoji="1" lang="zh-TW" altLang="en-US" dirty="0"/>
           </a:p>
         </p:txBody>
       </p:sp>
@@ -5537,7 +5480,7 @@
       </p:sp>
       <p:pic>
         <p:nvPicPr>
-          <p:cNvPr id="4" name="圖片 3" descr="4.JPG"/>
+          <p:cNvPr id="7" name="圖片 6" descr="3.JPG"/>
           <p:cNvPicPr>
             <a:picLocks noChangeAspect="1"/>
           </p:cNvPicPr>
@@ -5557,8 +5500,8 @@
         </p:blipFill>
         <p:spPr>
           <a:xfrm>
-            <a:off x="0" y="2126500"/>
-            <a:ext cx="9144000" cy="3230008"/>
+            <a:off x="712614" y="1417638"/>
+            <a:ext cx="7974186" cy="4992936"/>
           </a:xfrm>
           <a:prstGeom prst="rect">
             <a:avLst/>
@@ -5567,7 +5510,7 @@
       </p:pic>
       <p:sp>
         <p:nvSpPr>
-          <p:cNvPr id="5" name="投影片編號版面配置區 4"/>
+          <p:cNvPr id="8" name="投影片編號版面配置區 7"/>
           <p:cNvSpPr>
             <a:spLocks noGrp="1"/>
           </p:cNvSpPr>
@@ -5590,13 +5533,13 @@
       </p:sp>
       <p:sp>
         <p:nvSpPr>
-          <p:cNvPr id="7" name="圓角矩形 6"/>
+          <p:cNvPr id="9" name="圓角矩形 8"/>
           <p:cNvSpPr/>
           <p:nvPr/>
         </p:nvSpPr>
         <p:spPr>
           <a:xfrm>
-            <a:off x="4347476" y="3501227"/>
+            <a:off x="4027137" y="3855927"/>
             <a:ext cx="1018224" cy="308932"/>
           </a:xfrm>
           <a:prstGeom prst="roundRect">
@@ -5632,10 +5575,138 @@
           </a:p>
         </p:txBody>
       </p:sp>
+      <p:sp>
+        <p:nvSpPr>
+          <p:cNvPr id="10" name="圓角矩形 9"/>
+          <p:cNvSpPr/>
+          <p:nvPr/>
+        </p:nvSpPr>
+        <p:spPr>
+          <a:xfrm>
+            <a:off x="2463429" y="2463667"/>
+            <a:ext cx="934467" cy="419695"/>
+          </a:xfrm>
+          <a:prstGeom prst="roundRect">
+            <a:avLst/>
+          </a:prstGeom>
+          <a:noFill/>
+          <a:ln w="57150" cmpd="sng">
+            <a:solidFill>
+              <a:srgbClr val="FF0000"/>
+            </a:solidFill>
+          </a:ln>
+        </p:spPr>
+        <p:style>
+          <a:lnRef idx="1">
+            <a:schemeClr val="accent1"/>
+          </a:lnRef>
+          <a:fillRef idx="3">
+            <a:schemeClr val="accent1"/>
+          </a:fillRef>
+          <a:effectRef idx="2">
+            <a:schemeClr val="accent1"/>
+          </a:effectRef>
+          <a:fontRef idx="minor">
+            <a:schemeClr val="lt1"/>
+          </a:fontRef>
+        </p:style>
+        <p:txBody>
+          <a:bodyPr rtlCol="0" anchor="ctr"/>
+          <a:lstStyle/>
+          <a:p>
+            <a:pPr algn="ctr"/>
+            <a:endParaRPr kumimoji="1" lang="zh-TW" altLang="en-US"/>
+          </a:p>
+        </p:txBody>
+      </p:sp>
+      <p:sp>
+        <p:nvSpPr>
+          <p:cNvPr id="11" name="橢圓 10"/>
+          <p:cNvSpPr/>
+          <p:nvPr/>
+        </p:nvSpPr>
+        <p:spPr>
+          <a:xfrm>
+            <a:off x="3397896" y="2883362"/>
+            <a:ext cx="354663" cy="366141"/>
+          </a:xfrm>
+          <a:prstGeom prst="ellipse">
+            <a:avLst/>
+          </a:prstGeom>
+        </p:spPr>
+        <p:style>
+          <a:lnRef idx="1">
+            <a:schemeClr val="accent2"/>
+          </a:lnRef>
+          <a:fillRef idx="3">
+            <a:schemeClr val="accent2"/>
+          </a:fillRef>
+          <a:effectRef idx="2">
+            <a:schemeClr val="accent2"/>
+          </a:effectRef>
+          <a:fontRef idx="minor">
+            <a:schemeClr val="lt1"/>
+          </a:fontRef>
+        </p:style>
+        <p:txBody>
+          <a:bodyPr rtlCol="0" anchor="ctr"/>
+          <a:lstStyle/>
+          <a:p>
+            <a:pPr algn="ctr"/>
+            <a:r>
+              <a:rPr kumimoji="1" lang="en-US" altLang="zh-TW" dirty="0" smtClean="0"/>
+              <a:t>1</a:t>
+            </a:r>
+            <a:endParaRPr kumimoji="1" lang="zh-TW" altLang="en-US" dirty="0"/>
+          </a:p>
+        </p:txBody>
+      </p:sp>
+      <p:sp>
+        <p:nvSpPr>
+          <p:cNvPr id="12" name="橢圓 11"/>
+          <p:cNvSpPr/>
+          <p:nvPr/>
+        </p:nvSpPr>
+        <p:spPr>
+          <a:xfrm>
+            <a:off x="5140557" y="4065534"/>
+            <a:ext cx="354663" cy="366141"/>
+          </a:xfrm>
+          <a:prstGeom prst="ellipse">
+            <a:avLst/>
+          </a:prstGeom>
+        </p:spPr>
+        <p:style>
+          <a:lnRef idx="1">
+            <a:schemeClr val="accent2"/>
+          </a:lnRef>
+          <a:fillRef idx="3">
+            <a:schemeClr val="accent2"/>
+          </a:fillRef>
+          <a:effectRef idx="2">
+            <a:schemeClr val="accent2"/>
+          </a:effectRef>
+          <a:fontRef idx="minor">
+            <a:schemeClr val="lt1"/>
+          </a:fontRef>
+        </p:style>
+        <p:txBody>
+          <a:bodyPr rtlCol="0" anchor="ctr"/>
+          <a:lstStyle/>
+          <a:p>
+            <a:pPr algn="ctr"/>
+            <a:r>
+              <a:rPr kumimoji="1" lang="zh-TW" altLang="zh-TW" dirty="0"/>
+              <a:t>2</a:t>
+            </a:r>
+            <a:endParaRPr kumimoji="1" lang="zh-TW" altLang="en-US" dirty="0"/>
+          </a:p>
+        </p:txBody>
+      </p:sp>
     </p:spTree>
     <p:extLst>
       <p:ext uri="{BB962C8B-B14F-4D97-AF65-F5344CB8AC3E}">
-        <p14:creationId xmlns:p14="http://schemas.microsoft.com/office/powerpoint/2010/main" val="3774335479"/>
+        <p14:creationId xmlns:p14="http://schemas.microsoft.com/office/powerpoint/2010/main" val="3127378390"/>
       </p:ext>
     </p:extLst>
   </p:cSld>
@@ -5679,12 +5750,7 @@
             <p:ph type="title"/>
           </p:nvPr>
         </p:nvSpPr>
-        <p:spPr>
-          <a:xfrm>
-            <a:off x="457200" y="-148713"/>
-            <a:ext cx="8229600" cy="1143000"/>
-          </a:xfrm>
-        </p:spPr>
+        <p:spPr/>
         <p:txBody>
           <a:bodyPr/>
           <a:lstStyle/>
@@ -5715,7 +5781,7 @@
       </p:sp>
       <p:pic>
         <p:nvPicPr>
-          <p:cNvPr id="4" name="圖片 3" descr="5.JPG"/>
+          <p:cNvPr id="4" name="圖片 3" descr="4.JPG"/>
           <p:cNvPicPr>
             <a:picLocks noChangeAspect="1"/>
           </p:cNvPicPr>
@@ -5735,8 +5801,8 @@
         </p:blipFill>
         <p:spPr>
           <a:xfrm>
-            <a:off x="171610" y="811215"/>
-            <a:ext cx="8855122" cy="5004417"/>
+            <a:off x="0" y="2126500"/>
+            <a:ext cx="9144000" cy="3230008"/>
           </a:xfrm>
           <a:prstGeom prst="rect">
             <a:avLst/>
@@ -5774,8 +5840,8 @@
         </p:nvSpPr>
         <p:spPr>
           <a:xfrm>
-            <a:off x="171609" y="5194631"/>
-            <a:ext cx="1670347" cy="308932"/>
+            <a:off x="4347476" y="3501227"/>
+            <a:ext cx="1018224" cy="308932"/>
           </a:xfrm>
           <a:prstGeom prst="roundRect">
             <a:avLst/>
@@ -5807,67 +5873,6 @@
           <a:p>
             <a:pPr algn="ctr"/>
             <a:endParaRPr kumimoji="1" lang="zh-TW" altLang="en-US"/>
-          </a:p>
-        </p:txBody>
-      </p:sp>
-      <p:sp>
-        <p:nvSpPr>
-          <p:cNvPr id="8" name="文字方塊 7"/>
-          <p:cNvSpPr txBox="1"/>
-          <p:nvPr/>
-        </p:nvSpPr>
-        <p:spPr>
-          <a:xfrm>
-            <a:off x="343222" y="5926914"/>
-            <a:ext cx="5297056" cy="646331"/>
-          </a:xfrm>
-          <a:prstGeom prst="rect">
-            <a:avLst/>
-          </a:prstGeom>
-          <a:noFill/>
-        </p:spPr>
-        <p:txBody>
-          <a:bodyPr wrap="square" rtlCol="0">
-            <a:spAutoFit/>
-          </a:bodyPr>
-          <a:lstStyle/>
-          <a:p>
-            <a:pPr marL="285750" indent="-285750">
-              <a:buFont typeface="Arial"/>
-              <a:buChar char="•"/>
-            </a:pPr>
-            <a:r>
-              <a:rPr kumimoji="1" lang="zh-TW" altLang="en-US" dirty="0" smtClean="0"/>
-              <a:t>找有</a:t>
-            </a:r>
-            <a:r>
-              <a:rPr kumimoji="1" lang="en-US" altLang="zh-TW" dirty="0" smtClean="0"/>
-              <a:t>”Windows”</a:t>
-            </a:r>
-            <a:r>
-              <a:rPr kumimoji="1" lang="zh-TW" altLang="en-US" dirty="0"/>
-              <a:t>,</a:t>
-            </a:r>
-            <a:r>
-              <a:rPr kumimoji="1" lang="en-US" altLang="zh-TW" dirty="0" smtClean="0"/>
-              <a:t>“x86-64”</a:t>
-            </a:r>
-            <a:r>
-              <a:rPr kumimoji="1" lang="zh-TW" altLang="en-US" dirty="0" smtClean="0"/>
-              <a:t>之類的關鍵字就對了！</a:t>
-            </a:r>
-            <a:endParaRPr kumimoji="1" lang="en-US" altLang="zh-TW" dirty="0" smtClean="0"/>
-          </a:p>
-          <a:p>
-            <a:pPr marL="285750" indent="-285750">
-              <a:buFont typeface="Arial"/>
-              <a:buChar char="•"/>
-            </a:pPr>
-            <a:r>
-              <a:rPr kumimoji="1" lang="zh-TW" altLang="en-US" dirty="0" smtClean="0"/>
-              <a:t>下載完後一直下一步安裝到底即可</a:t>
-            </a:r>
-            <a:endParaRPr kumimoji="1" lang="zh-TW" altLang="en-US" dirty="0"/>
           </a:p>
         </p:txBody>
       </p:sp>
@@ -5918,14 +5923,35 @@
             <p:ph type="title"/>
           </p:nvPr>
         </p:nvSpPr>
-        <p:spPr/>
+        <p:spPr>
+          <a:xfrm>
+            <a:off x="457200" y="-148713"/>
+            <a:ext cx="8229600" cy="1143000"/>
+          </a:xfrm>
+        </p:spPr>
         <p:txBody>
           <a:bodyPr/>
           <a:lstStyle/>
           <a:p>
             <a:r>
-              <a:rPr kumimoji="1" lang="zh-TW" altLang="en-US" dirty="0" smtClean="0"/>
-              <a:t>增加環境變數</a:t>
+              <a:rPr kumimoji="1" lang="en-US" altLang="zh-TW" dirty="0" smtClean="0"/>
+              <a:t>Install</a:t>
+            </a:r>
+            <a:r>
+              <a:rPr kumimoji="1" lang="zh-TW" altLang="en-US" dirty="0" smtClean="0"/>
+              <a:t> </a:t>
+            </a:r>
+            <a:r>
+              <a:rPr kumimoji="1" lang="en-US" altLang="zh-TW" dirty="0" smtClean="0"/>
+              <a:t>Python for</a:t>
+            </a:r>
+            <a:r>
+              <a:rPr kumimoji="1" lang="zh-TW" altLang="en-US" dirty="0" smtClean="0"/>
+              <a:t> </a:t>
+            </a:r>
+            <a:r>
+              <a:rPr kumimoji="1" lang="en-US" altLang="zh-TW" dirty="0" smtClean="0"/>
+              <a:t>Windows</a:t>
             </a:r>
             <a:endParaRPr kumimoji="1" lang="zh-TW" altLang="en-US" dirty="0"/>
           </a:p>
@@ -5933,13 +5959,11 @@
       </p:sp>
       <p:pic>
         <p:nvPicPr>
-          <p:cNvPr id="5" name="內容版面配置區 4" descr="1.JPG"/>
+          <p:cNvPr id="4" name="圖片 3" descr="5.JPG"/>
           <p:cNvPicPr>
-            <a:picLocks noGrp="1" noChangeAspect="1"/>
+            <a:picLocks noChangeAspect="1"/>
           </p:cNvPicPr>
-          <p:nvPr>
-            <p:ph idx="1"/>
-          </p:nvPr>
+          <p:nvPr/>
         </p:nvPicPr>
         <p:blipFill>
           <a:blip r:embed="rId2">
@@ -5949,16 +5973,23 @@
               </a:ext>
             </a:extLst>
           </a:blip>
-          <a:srcRect t="15546" b="15546"/>
           <a:stretch>
             <a:fillRect/>
           </a:stretch>
         </p:blipFill>
-        <p:spPr/>
+        <p:spPr>
+          <a:xfrm>
+            <a:off x="171610" y="811215"/>
+            <a:ext cx="8855122" cy="5004417"/>
+          </a:xfrm>
+          <a:prstGeom prst="rect">
+            <a:avLst/>
+          </a:prstGeom>
+        </p:spPr>
       </p:pic>
       <p:sp>
         <p:nvSpPr>
-          <p:cNvPr id="4" name="投影片編號版面配置區 3"/>
+          <p:cNvPr id="5" name="投影片編號版面配置區 4"/>
           <p:cNvSpPr>
             <a:spLocks noGrp="1"/>
           </p:cNvSpPr>
@@ -5981,44 +6012,14 @@
       </p:sp>
       <p:sp>
         <p:nvSpPr>
-          <p:cNvPr id="10" name="文字方塊 9"/>
-          <p:cNvSpPr txBox="1"/>
+          <p:cNvPr id="7" name="圓角矩形 6"/>
+          <p:cNvSpPr/>
           <p:nvPr/>
         </p:nvSpPr>
         <p:spPr>
           <a:xfrm>
-            <a:off x="457200" y="6171684"/>
-            <a:ext cx="2551282" cy="369332"/>
-          </a:xfrm>
-          <a:prstGeom prst="rect">
-            <a:avLst/>
-          </a:prstGeom>
-          <a:noFill/>
-        </p:spPr>
-        <p:txBody>
-          <a:bodyPr wrap="square" rtlCol="0">
-            <a:spAutoFit/>
-          </a:bodyPr>
-          <a:lstStyle/>
-          <a:p>
-            <a:r>
-              <a:rPr kumimoji="1" lang="zh-TW" altLang="en-US" dirty="0" smtClean="0"/>
-              <a:t>打開控制台，尋找系統</a:t>
-            </a:r>
-            <a:endParaRPr kumimoji="1" lang="zh-TW" altLang="en-US" dirty="0"/>
-          </a:p>
-        </p:txBody>
-      </p:sp>
-      <p:sp>
-        <p:nvSpPr>
-          <p:cNvPr id="11" name="圓角矩形 10"/>
-          <p:cNvSpPr/>
-          <p:nvPr/>
-        </p:nvSpPr>
-        <p:spPr>
-          <a:xfrm>
-            <a:off x="572036" y="3695740"/>
-            <a:ext cx="675004" cy="308932"/>
+            <a:off x="171609" y="5194631"/>
+            <a:ext cx="1670347" cy="308932"/>
           </a:xfrm>
           <a:prstGeom prst="roundRect">
             <a:avLst/>
@@ -6049,6 +6050,67 @@
           <a:lstStyle/>
           <a:p>
             <a:pPr algn="ctr"/>
+            <a:endParaRPr kumimoji="1" lang="zh-TW" altLang="en-US"/>
+          </a:p>
+        </p:txBody>
+      </p:sp>
+      <p:sp>
+        <p:nvSpPr>
+          <p:cNvPr id="8" name="文字方塊 7"/>
+          <p:cNvSpPr txBox="1"/>
+          <p:nvPr/>
+        </p:nvSpPr>
+        <p:spPr>
+          <a:xfrm>
+            <a:off x="343222" y="5926914"/>
+            <a:ext cx="5297056" cy="646331"/>
+          </a:xfrm>
+          <a:prstGeom prst="rect">
+            <a:avLst/>
+          </a:prstGeom>
+          <a:noFill/>
+        </p:spPr>
+        <p:txBody>
+          <a:bodyPr wrap="square" rtlCol="0">
+            <a:spAutoFit/>
+          </a:bodyPr>
+          <a:lstStyle/>
+          <a:p>
+            <a:pPr marL="285750" indent="-285750">
+              <a:buFont typeface="Arial"/>
+              <a:buChar char="•"/>
+            </a:pPr>
+            <a:r>
+              <a:rPr kumimoji="1" lang="zh-TW" altLang="en-US" dirty="0" smtClean="0"/>
+              <a:t>找有</a:t>
+            </a:r>
+            <a:r>
+              <a:rPr kumimoji="1" lang="en-US" altLang="zh-TW" dirty="0" smtClean="0"/>
+              <a:t>”Windows”</a:t>
+            </a:r>
+            <a:r>
+              <a:rPr kumimoji="1" lang="zh-TW" altLang="en-US" dirty="0"/>
+              <a:t>,</a:t>
+            </a:r>
+            <a:r>
+              <a:rPr kumimoji="1" lang="en-US" altLang="zh-TW" dirty="0" smtClean="0"/>
+              <a:t>“x86-64”</a:t>
+            </a:r>
+            <a:r>
+              <a:rPr kumimoji="1" lang="zh-TW" altLang="en-US" dirty="0" smtClean="0"/>
+              <a:t>之類的關鍵字就對了！</a:t>
+            </a:r>
+            <a:endParaRPr kumimoji="1" lang="en-US" altLang="zh-TW" dirty="0" smtClean="0"/>
+          </a:p>
+          <a:p>
+            <a:pPr marL="285750" indent="-285750">
+              <a:buFont typeface="Arial"/>
+              <a:buChar char="•"/>
+            </a:pPr>
+            <a:r>
+              <a:rPr kumimoji="1" lang="zh-TW" altLang="en-US" dirty="0" smtClean="0"/>
+              <a:t>下載完後一直下一步安裝到底即可</a:t>
+            </a:r>
             <a:endParaRPr kumimoji="1" lang="zh-TW" altLang="en-US" dirty="0"/>
           </a:p>
         </p:txBody>
@@ -6056,7 +6118,7 @@
     </p:spTree>
     <p:extLst>
       <p:ext uri="{BB962C8B-B14F-4D97-AF65-F5344CB8AC3E}">
-        <p14:creationId xmlns:p14="http://schemas.microsoft.com/office/powerpoint/2010/main" val="1487878302"/>
+        <p14:creationId xmlns:p14="http://schemas.microsoft.com/office/powerpoint/2010/main" val="3774335479"/>
       </p:ext>
     </p:extLst>
   </p:cSld>
@@ -6113,36 +6175,15 @@
           </a:p>
         </p:txBody>
       </p:sp>
-      <p:sp>
-        <p:nvSpPr>
-          <p:cNvPr id="4" name="投影片編號版面配置區 3"/>
-          <p:cNvSpPr>
-            <a:spLocks noGrp="1"/>
-          </p:cNvSpPr>
-          <p:nvPr>
-            <p:ph type="sldNum" sz="quarter" idx="12"/>
-          </p:nvPr>
-        </p:nvSpPr>
-        <p:spPr/>
-        <p:txBody>
-          <a:bodyPr/>
-          <a:lstStyle/>
-          <a:p>
-            <a:fld id="{D0256DAB-F776-1247-8262-D98F626E04EC}" type="slidenum">
-              <a:rPr kumimoji="1" lang="zh-TW" altLang="en-US" smtClean="0"/>
-              <a:t>18</a:t>
-            </a:fld>
-            <a:endParaRPr kumimoji="1" lang="zh-TW" altLang="en-US"/>
-          </a:p>
-        </p:txBody>
-      </p:sp>
       <p:pic>
         <p:nvPicPr>
-          <p:cNvPr id="10" name="圖片 9" descr="2.JPG"/>
+          <p:cNvPr id="5" name="內容版面配置區 4" descr="1.JPG"/>
           <p:cNvPicPr>
-            <a:picLocks noChangeAspect="1"/>
+            <a:picLocks noGrp="1" noChangeAspect="1"/>
           </p:cNvPicPr>
-          <p:nvPr/>
+          <p:nvPr>
+            <p:ph idx="1"/>
+          </p:nvPr>
         </p:nvPicPr>
         <p:blipFill>
           <a:blip r:embed="rId2">
@@ -6152,20 +6193,66 @@
               </a:ext>
             </a:extLst>
           </a:blip>
+          <a:srcRect t="15546" b="15546"/>
           <a:stretch>
             <a:fillRect/>
           </a:stretch>
         </p:blipFill>
+        <p:spPr/>
+      </p:pic>
+      <p:sp>
+        <p:nvSpPr>
+          <p:cNvPr id="4" name="投影片編號版面配置區 3"/>
+          <p:cNvSpPr>
+            <a:spLocks noGrp="1"/>
+          </p:cNvSpPr>
+          <p:nvPr>
+            <p:ph type="sldNum" sz="quarter" idx="12"/>
+          </p:nvPr>
+        </p:nvSpPr>
+        <p:spPr/>
+        <p:txBody>
+          <a:bodyPr/>
+          <a:lstStyle/>
+          <a:p>
+            <a:fld id="{D0256DAB-F776-1247-8262-D98F626E04EC}" type="slidenum">
+              <a:rPr kumimoji="1" lang="zh-TW" altLang="en-US" smtClean="0"/>
+              <a:t>18</a:t>
+            </a:fld>
+            <a:endParaRPr kumimoji="1" lang="zh-TW" altLang="en-US"/>
+          </a:p>
+        </p:txBody>
+      </p:sp>
+      <p:sp>
+        <p:nvSpPr>
+          <p:cNvPr id="10" name="文字方塊 9"/>
+          <p:cNvSpPr txBox="1"/>
+          <p:nvPr/>
+        </p:nvSpPr>
         <p:spPr>
           <a:xfrm>
-            <a:off x="1253683" y="1309015"/>
-            <a:ext cx="6640418" cy="5320147"/>
+            <a:off x="457200" y="6171684"/>
+            <a:ext cx="2551282" cy="369332"/>
           </a:xfrm>
           <a:prstGeom prst="rect">
             <a:avLst/>
           </a:prstGeom>
+          <a:noFill/>
         </p:spPr>
-      </p:pic>
+        <p:txBody>
+          <a:bodyPr wrap="square" rtlCol="0">
+            <a:spAutoFit/>
+          </a:bodyPr>
+          <a:lstStyle/>
+          <a:p>
+            <a:r>
+              <a:rPr kumimoji="1" lang="zh-TW" altLang="en-US" dirty="0" smtClean="0"/>
+              <a:t>打開控制台，尋找系統</a:t>
+            </a:r>
+            <a:endParaRPr kumimoji="1" lang="zh-TW" altLang="en-US" dirty="0"/>
+          </a:p>
+        </p:txBody>
+      </p:sp>
       <p:sp>
         <p:nvSpPr>
           <p:cNvPr id="11" name="圓角矩形 10"/>
@@ -6174,8 +6261,8 @@
         </p:nvSpPr>
         <p:spPr>
           <a:xfrm>
-            <a:off x="1253684" y="2665967"/>
-            <a:ext cx="1000140" cy="308932"/>
+            <a:off x="572036" y="3695740"/>
+            <a:ext cx="675004" cy="308932"/>
           </a:xfrm>
           <a:prstGeom prst="roundRect">
             <a:avLst/>
@@ -6206,14 +6293,14 @@
           <a:lstStyle/>
           <a:p>
             <a:pPr algn="ctr"/>
-            <a:endParaRPr kumimoji="1" lang="zh-TW" altLang="en-US"/>
+            <a:endParaRPr kumimoji="1" lang="zh-TW" altLang="en-US" dirty="0"/>
           </a:p>
         </p:txBody>
       </p:sp>
     </p:spTree>
     <p:extLst>
       <p:ext uri="{BB962C8B-B14F-4D97-AF65-F5344CB8AC3E}">
-        <p14:creationId xmlns:p14="http://schemas.microsoft.com/office/powerpoint/2010/main" val="1980587385"/>
+        <p14:creationId xmlns:p14="http://schemas.microsoft.com/office/powerpoint/2010/main" val="1487878302"/>
       </p:ext>
     </p:extLst>
   </p:cSld>
@@ -6288,6 +6375,332 @@
             <a:fld id="{D0256DAB-F776-1247-8262-D98F626E04EC}" type="slidenum">
               <a:rPr kumimoji="1" lang="zh-TW" altLang="en-US" smtClean="0"/>
               <a:t>19</a:t>
+            </a:fld>
+            <a:endParaRPr kumimoji="1" lang="zh-TW" altLang="en-US"/>
+          </a:p>
+        </p:txBody>
+      </p:sp>
+      <p:pic>
+        <p:nvPicPr>
+          <p:cNvPr id="10" name="圖片 9" descr="2.JPG"/>
+          <p:cNvPicPr>
+            <a:picLocks noChangeAspect="1"/>
+          </p:cNvPicPr>
+          <p:nvPr/>
+        </p:nvPicPr>
+        <p:blipFill>
+          <a:blip r:embed="rId2">
+            <a:extLst>
+              <a:ext uri="{28A0092B-C50C-407E-A947-70E740481C1C}">
+                <a14:useLocalDpi xmlns:a14="http://schemas.microsoft.com/office/drawing/2010/main" val="0"/>
+              </a:ext>
+            </a:extLst>
+          </a:blip>
+          <a:stretch>
+            <a:fillRect/>
+          </a:stretch>
+        </p:blipFill>
+        <p:spPr>
+          <a:xfrm>
+            <a:off x="1253683" y="1309015"/>
+            <a:ext cx="6640418" cy="5320147"/>
+          </a:xfrm>
+          <a:prstGeom prst="rect">
+            <a:avLst/>
+          </a:prstGeom>
+        </p:spPr>
+      </p:pic>
+      <p:sp>
+        <p:nvSpPr>
+          <p:cNvPr id="11" name="圓角矩形 10"/>
+          <p:cNvSpPr/>
+          <p:nvPr/>
+        </p:nvSpPr>
+        <p:spPr>
+          <a:xfrm>
+            <a:off x="1253684" y="2665967"/>
+            <a:ext cx="1000140" cy="308932"/>
+          </a:xfrm>
+          <a:prstGeom prst="roundRect">
+            <a:avLst/>
+          </a:prstGeom>
+          <a:noFill/>
+          <a:ln w="57150" cmpd="sng">
+            <a:solidFill>
+              <a:srgbClr val="FF0000"/>
+            </a:solidFill>
+          </a:ln>
+        </p:spPr>
+        <p:style>
+          <a:lnRef idx="1">
+            <a:schemeClr val="accent1"/>
+          </a:lnRef>
+          <a:fillRef idx="3">
+            <a:schemeClr val="accent1"/>
+          </a:fillRef>
+          <a:effectRef idx="2">
+            <a:schemeClr val="accent1"/>
+          </a:effectRef>
+          <a:fontRef idx="minor">
+            <a:schemeClr val="lt1"/>
+          </a:fontRef>
+        </p:style>
+        <p:txBody>
+          <a:bodyPr rtlCol="0" anchor="ctr"/>
+          <a:lstStyle/>
+          <a:p>
+            <a:pPr algn="ctr"/>
+            <a:endParaRPr kumimoji="1" lang="zh-TW" altLang="en-US"/>
+          </a:p>
+        </p:txBody>
+      </p:sp>
+    </p:spTree>
+    <p:extLst>
+      <p:ext uri="{BB962C8B-B14F-4D97-AF65-F5344CB8AC3E}">
+        <p14:creationId xmlns:p14="http://schemas.microsoft.com/office/powerpoint/2010/main" val="1980587385"/>
+      </p:ext>
+    </p:extLst>
+  </p:cSld>
+  <p:clrMapOvr>
+    <a:masterClrMapping/>
+  </p:clrMapOvr>
+  <p:timing>
+    <p:tnLst>
+      <p:par>
+        <p:cTn xmlns:p14="http://schemas.microsoft.com/office/powerpoint/2010/main" id="1" dur="indefinite" restart="never" nodeType="tmRoot"/>
+      </p:par>
+    </p:tnLst>
+  </p:timing>
+</p:sld>
+</file>
+
+<file path=ppt/slides/slide2.xml><?xml version="1.0" encoding="utf-8"?>
+<p:sld xmlns:a="http://schemas.openxmlformats.org/drawingml/2006/main" xmlns:r="http://schemas.openxmlformats.org/officeDocument/2006/relationships" xmlns:p="http://schemas.openxmlformats.org/presentationml/2006/main">
+  <p:cSld>
+    <p:spTree>
+      <p:nvGrpSpPr>
+        <p:cNvPr id="1" name=""/>
+        <p:cNvGrpSpPr/>
+        <p:nvPr/>
+      </p:nvGrpSpPr>
+      <p:grpSpPr>
+        <a:xfrm>
+          <a:off x="0" y="0"/>
+          <a:ext cx="0" cy="0"/>
+          <a:chOff x="0" y="0"/>
+          <a:chExt cx="0" cy="0"/>
+        </a:xfrm>
+      </p:grpSpPr>
+      <p:sp>
+        <p:nvSpPr>
+          <p:cNvPr id="2" name="標題 1"/>
+          <p:cNvSpPr>
+            <a:spLocks noGrp="1"/>
+          </p:cNvSpPr>
+          <p:nvPr>
+            <p:ph type="title"/>
+          </p:nvPr>
+        </p:nvSpPr>
+        <p:spPr/>
+        <p:txBody>
+          <a:bodyPr/>
+          <a:lstStyle/>
+          <a:p>
+            <a:r>
+              <a:rPr kumimoji="1" lang="en-US" altLang="zh-TW" dirty="0" smtClean="0"/>
+              <a:t>Final</a:t>
+            </a:r>
+            <a:r>
+              <a:rPr kumimoji="1" lang="zh-TW" altLang="en-US" dirty="0" smtClean="0"/>
+              <a:t> </a:t>
+            </a:r>
+            <a:r>
+              <a:rPr kumimoji="1" lang="en-US" altLang="zh-TW" dirty="0" smtClean="0"/>
+              <a:t>Target</a:t>
+            </a:r>
+            <a:endParaRPr kumimoji="1" lang="zh-TW" altLang="en-US" dirty="0"/>
+          </a:p>
+        </p:txBody>
+      </p:sp>
+      <p:sp>
+        <p:nvSpPr>
+          <p:cNvPr id="3" name="內容版面配置區 2"/>
+          <p:cNvSpPr>
+            <a:spLocks noGrp="1"/>
+          </p:cNvSpPr>
+          <p:nvPr>
+            <p:ph idx="1"/>
+          </p:nvPr>
+        </p:nvSpPr>
+        <p:spPr/>
+        <p:txBody>
+          <a:bodyPr/>
+          <a:lstStyle/>
+          <a:p>
+            <a:r>
+              <a:rPr kumimoji="1" lang="en-US" altLang="zh-TW" dirty="0" smtClean="0"/>
+              <a:t>Recipe</a:t>
+            </a:r>
+            <a:r>
+              <a:rPr kumimoji="1" lang="zh-TW" altLang="en-US" dirty="0" smtClean="0"/>
+              <a:t> </a:t>
+            </a:r>
+            <a:r>
+              <a:rPr kumimoji="1" lang="en-US" altLang="zh-TW" dirty="0" smtClean="0"/>
+              <a:t>Recommender</a:t>
+            </a:r>
+            <a:r>
+              <a:rPr kumimoji="1" lang="zh-TW" altLang="en-US" dirty="0" smtClean="0"/>
+              <a:t> </a:t>
+            </a:r>
+            <a:r>
+              <a:rPr kumimoji="1" lang="en-US" altLang="zh-TW" dirty="0" smtClean="0"/>
+              <a:t>System</a:t>
+            </a:r>
+          </a:p>
+          <a:p>
+            <a:pPr lvl="1"/>
+            <a:r>
+              <a:rPr kumimoji="1" lang="zh-TW" altLang="en-US" dirty="0" smtClean="0"/>
+              <a:t>I</a:t>
+            </a:r>
+            <a:r>
+              <a:rPr kumimoji="1" lang="en-US" altLang="zh-TW" dirty="0" err="1" smtClean="0"/>
+              <a:t>nput</a:t>
+            </a:r>
+            <a:r>
+              <a:rPr kumimoji="1" lang="en-US" altLang="zh-TW" dirty="0" smtClean="0"/>
+              <a:t>:</a:t>
+            </a:r>
+            <a:r>
+              <a:rPr kumimoji="1" lang="zh-TW" altLang="en-US" dirty="0" smtClean="0"/>
+              <a:t> 食材或食譜名</a:t>
+            </a:r>
+            <a:endParaRPr kumimoji="1" lang="en-US" altLang="zh-TW" dirty="0" smtClean="0"/>
+          </a:p>
+          <a:p>
+            <a:pPr lvl="1"/>
+            <a:r>
+              <a:rPr kumimoji="1" lang="zh-TW" altLang="zh-TW" dirty="0" smtClean="0"/>
+              <a:t>O</a:t>
+            </a:r>
+            <a:r>
+              <a:rPr kumimoji="1" lang="en-US" altLang="zh-TW" dirty="0" err="1" smtClean="0"/>
+              <a:t>utput</a:t>
+            </a:r>
+            <a:r>
+              <a:rPr kumimoji="1" lang="en-US" altLang="zh-TW" dirty="0" smtClean="0"/>
+              <a:t>:</a:t>
+            </a:r>
+            <a:r>
+              <a:rPr kumimoji="1" lang="zh-TW" altLang="en-US" dirty="0" smtClean="0"/>
+              <a:t> 食譜的清單</a:t>
+            </a:r>
+            <a:endParaRPr kumimoji="1" lang="en-US" altLang="zh-TW" dirty="0" smtClean="0"/>
+          </a:p>
+        </p:txBody>
+      </p:sp>
+      <p:sp>
+        <p:nvSpPr>
+          <p:cNvPr id="4" name="投影片編號版面配置區 3"/>
+          <p:cNvSpPr>
+            <a:spLocks noGrp="1"/>
+          </p:cNvSpPr>
+          <p:nvPr>
+            <p:ph type="sldNum" sz="quarter" idx="12"/>
+          </p:nvPr>
+        </p:nvSpPr>
+        <p:spPr/>
+        <p:txBody>
+          <a:bodyPr/>
+          <a:lstStyle/>
+          <a:p>
+            <a:fld id="{D0256DAB-F776-1247-8262-D98F626E04EC}" type="slidenum">
+              <a:rPr kumimoji="1" lang="zh-TW" altLang="en-US" smtClean="0"/>
+              <a:t>2</a:t>
+            </a:fld>
+            <a:endParaRPr kumimoji="1" lang="zh-TW" altLang="en-US"/>
+          </a:p>
+        </p:txBody>
+      </p:sp>
+    </p:spTree>
+    <p:extLst>
+      <p:ext uri="{BB962C8B-B14F-4D97-AF65-F5344CB8AC3E}">
+        <p14:creationId xmlns:p14="http://schemas.microsoft.com/office/powerpoint/2010/main" val="3692903855"/>
+      </p:ext>
+    </p:extLst>
+  </p:cSld>
+  <p:clrMapOvr>
+    <a:masterClrMapping/>
+  </p:clrMapOvr>
+  <p:timing>
+    <p:tnLst>
+      <p:par>
+        <p:cTn xmlns:p14="http://schemas.microsoft.com/office/powerpoint/2010/main" id="1" dur="indefinite" restart="never" nodeType="tmRoot"/>
+      </p:par>
+    </p:tnLst>
+  </p:timing>
+</p:sld>
+</file>
+
+<file path=ppt/slides/slide20.xml><?xml version="1.0" encoding="utf-8"?>
+<p:sld xmlns:a="http://schemas.openxmlformats.org/drawingml/2006/main" xmlns:r="http://schemas.openxmlformats.org/officeDocument/2006/relationships" xmlns:p="http://schemas.openxmlformats.org/presentationml/2006/main">
+  <p:cSld>
+    <p:spTree>
+      <p:nvGrpSpPr>
+        <p:cNvPr id="1" name=""/>
+        <p:cNvGrpSpPr/>
+        <p:nvPr/>
+      </p:nvGrpSpPr>
+      <p:grpSpPr>
+        <a:xfrm>
+          <a:off x="0" y="0"/>
+          <a:ext cx="0" cy="0"/>
+          <a:chOff x="0" y="0"/>
+          <a:chExt cx="0" cy="0"/>
+        </a:xfrm>
+      </p:grpSpPr>
+      <p:sp>
+        <p:nvSpPr>
+          <p:cNvPr id="2" name="標題 1"/>
+          <p:cNvSpPr>
+            <a:spLocks noGrp="1"/>
+          </p:cNvSpPr>
+          <p:nvPr>
+            <p:ph type="title"/>
+          </p:nvPr>
+        </p:nvSpPr>
+        <p:spPr/>
+        <p:txBody>
+          <a:bodyPr/>
+          <a:lstStyle/>
+          <a:p>
+            <a:r>
+              <a:rPr kumimoji="1" lang="zh-TW" altLang="en-US" dirty="0" smtClean="0"/>
+              <a:t>增加環境變數</a:t>
+            </a:r>
+            <a:endParaRPr kumimoji="1" lang="zh-TW" altLang="en-US" dirty="0"/>
+          </a:p>
+        </p:txBody>
+      </p:sp>
+      <p:sp>
+        <p:nvSpPr>
+          <p:cNvPr id="4" name="投影片編號版面配置區 3"/>
+          <p:cNvSpPr>
+            <a:spLocks noGrp="1"/>
+          </p:cNvSpPr>
+          <p:nvPr>
+            <p:ph type="sldNum" sz="quarter" idx="12"/>
+          </p:nvPr>
+        </p:nvSpPr>
+        <p:spPr/>
+        <p:txBody>
+          <a:bodyPr/>
+          <a:lstStyle/>
+          <a:p>
+            <a:fld id="{D0256DAB-F776-1247-8262-D98F626E04EC}" type="slidenum">
+              <a:rPr kumimoji="1" lang="zh-TW" altLang="en-US" smtClean="0"/>
+              <a:t>20</a:t>
             </a:fld>
             <a:endParaRPr kumimoji="1" lang="zh-TW" altLang="en-US"/>
           </a:p>
@@ -6874,7 +7287,7 @@
 </p:sld>
 </file>
 
-<file path=ppt/slides/slide2.xml><?xml version="1.0" encoding="utf-8"?>
+<file path=ppt/slides/slide21.xml><?xml version="1.0" encoding="utf-8"?>
 <p:sld xmlns:a="http://schemas.openxmlformats.org/drawingml/2006/main" xmlns:r="http://schemas.openxmlformats.org/officeDocument/2006/relationships" xmlns:p="http://schemas.openxmlformats.org/presentationml/2006/main">
   <p:cSld>
     <p:spTree>
@@ -6901,175 +7314,6 @@
             <p:ph type="title"/>
           </p:nvPr>
         </p:nvSpPr>
-        <p:spPr/>
-        <p:txBody>
-          <a:bodyPr/>
-          <a:lstStyle/>
-          <a:p>
-            <a:r>
-              <a:rPr kumimoji="1" lang="en-US" altLang="zh-TW" dirty="0" smtClean="0"/>
-              <a:t>Final</a:t>
-            </a:r>
-            <a:r>
-              <a:rPr kumimoji="1" lang="zh-TW" altLang="en-US" dirty="0" smtClean="0"/>
-              <a:t> </a:t>
-            </a:r>
-            <a:r>
-              <a:rPr kumimoji="1" lang="en-US" altLang="zh-TW" dirty="0" smtClean="0"/>
-              <a:t>Target</a:t>
-            </a:r>
-            <a:endParaRPr kumimoji="1" lang="zh-TW" altLang="en-US" dirty="0"/>
-          </a:p>
-        </p:txBody>
-      </p:sp>
-      <p:sp>
-        <p:nvSpPr>
-          <p:cNvPr id="3" name="內容版面配置區 2"/>
-          <p:cNvSpPr>
-            <a:spLocks noGrp="1"/>
-          </p:cNvSpPr>
-          <p:nvPr>
-            <p:ph idx="1"/>
-          </p:nvPr>
-        </p:nvSpPr>
-        <p:spPr/>
-        <p:txBody>
-          <a:bodyPr/>
-          <a:lstStyle/>
-          <a:p>
-            <a:r>
-              <a:rPr kumimoji="1" lang="en-US" altLang="zh-TW" dirty="0" smtClean="0"/>
-              <a:t>Recipe</a:t>
-            </a:r>
-            <a:r>
-              <a:rPr kumimoji="1" lang="zh-TW" altLang="en-US" dirty="0" smtClean="0"/>
-              <a:t> </a:t>
-            </a:r>
-            <a:r>
-              <a:rPr kumimoji="1" lang="en-US" altLang="zh-TW" dirty="0" smtClean="0"/>
-              <a:t>Recommender</a:t>
-            </a:r>
-            <a:r>
-              <a:rPr kumimoji="1" lang="zh-TW" altLang="en-US" dirty="0" smtClean="0"/>
-              <a:t> </a:t>
-            </a:r>
-            <a:r>
-              <a:rPr kumimoji="1" lang="en-US" altLang="zh-TW" dirty="0" smtClean="0"/>
-              <a:t>System</a:t>
-            </a:r>
-          </a:p>
-          <a:p>
-            <a:pPr lvl="1"/>
-            <a:r>
-              <a:rPr kumimoji="1" lang="zh-TW" altLang="en-US" dirty="0" smtClean="0"/>
-              <a:t>I</a:t>
-            </a:r>
-            <a:r>
-              <a:rPr kumimoji="1" lang="en-US" altLang="zh-TW" dirty="0" err="1" smtClean="0"/>
-              <a:t>nput</a:t>
-            </a:r>
-            <a:r>
-              <a:rPr kumimoji="1" lang="en-US" altLang="zh-TW" dirty="0" smtClean="0"/>
-              <a:t>:</a:t>
-            </a:r>
-            <a:r>
-              <a:rPr kumimoji="1" lang="zh-TW" altLang="en-US" dirty="0" smtClean="0"/>
-              <a:t> 食材或食譜名</a:t>
-            </a:r>
-            <a:endParaRPr kumimoji="1" lang="en-US" altLang="zh-TW" dirty="0" smtClean="0"/>
-          </a:p>
-          <a:p>
-            <a:pPr lvl="1"/>
-            <a:r>
-              <a:rPr kumimoji="1" lang="zh-TW" altLang="zh-TW" dirty="0" smtClean="0"/>
-              <a:t>O</a:t>
-            </a:r>
-            <a:r>
-              <a:rPr kumimoji="1" lang="en-US" altLang="zh-TW" dirty="0" err="1" smtClean="0"/>
-              <a:t>utput</a:t>
-            </a:r>
-            <a:r>
-              <a:rPr kumimoji="1" lang="en-US" altLang="zh-TW" dirty="0" smtClean="0"/>
-              <a:t>:</a:t>
-            </a:r>
-            <a:r>
-              <a:rPr kumimoji="1" lang="zh-TW" altLang="en-US" dirty="0" smtClean="0"/>
-              <a:t> 食譜的清單</a:t>
-            </a:r>
-            <a:endParaRPr kumimoji="1" lang="en-US" altLang="zh-TW" dirty="0" smtClean="0"/>
-          </a:p>
-        </p:txBody>
-      </p:sp>
-      <p:sp>
-        <p:nvSpPr>
-          <p:cNvPr id="4" name="投影片編號版面配置區 3"/>
-          <p:cNvSpPr>
-            <a:spLocks noGrp="1"/>
-          </p:cNvSpPr>
-          <p:nvPr>
-            <p:ph type="sldNum" sz="quarter" idx="12"/>
-          </p:nvPr>
-        </p:nvSpPr>
-        <p:spPr/>
-        <p:txBody>
-          <a:bodyPr/>
-          <a:lstStyle/>
-          <a:p>
-            <a:fld id="{D0256DAB-F776-1247-8262-D98F626E04EC}" type="slidenum">
-              <a:rPr kumimoji="1" lang="zh-TW" altLang="en-US" smtClean="0"/>
-              <a:t>2</a:t>
-            </a:fld>
-            <a:endParaRPr kumimoji="1" lang="zh-TW" altLang="en-US"/>
-          </a:p>
-        </p:txBody>
-      </p:sp>
-    </p:spTree>
-    <p:extLst>
-      <p:ext uri="{BB962C8B-B14F-4D97-AF65-F5344CB8AC3E}">
-        <p14:creationId xmlns:p14="http://schemas.microsoft.com/office/powerpoint/2010/main" val="3692903855"/>
-      </p:ext>
-    </p:extLst>
-  </p:cSld>
-  <p:clrMapOvr>
-    <a:masterClrMapping/>
-  </p:clrMapOvr>
-  <p:timing>
-    <p:tnLst>
-      <p:par>
-        <p:cTn xmlns:p14="http://schemas.microsoft.com/office/powerpoint/2010/main" id="1" dur="indefinite" restart="never" nodeType="tmRoot"/>
-      </p:par>
-    </p:tnLst>
-  </p:timing>
-</p:sld>
-</file>
-
-<file path=ppt/slides/slide20.xml><?xml version="1.0" encoding="utf-8"?>
-<p:sld xmlns:a="http://schemas.openxmlformats.org/drawingml/2006/main" xmlns:r="http://schemas.openxmlformats.org/officeDocument/2006/relationships" xmlns:p="http://schemas.openxmlformats.org/presentationml/2006/main">
-  <p:cSld>
-    <p:spTree>
-      <p:nvGrpSpPr>
-        <p:cNvPr id="1" name=""/>
-        <p:cNvGrpSpPr/>
-        <p:nvPr/>
-      </p:nvGrpSpPr>
-      <p:grpSpPr>
-        <a:xfrm>
-          <a:off x="0" y="0"/>
-          <a:ext cx="0" cy="0"/>
-          <a:chOff x="0" y="0"/>
-          <a:chExt cx="0" cy="0"/>
-        </a:xfrm>
-      </p:grpSpPr>
-      <p:sp>
-        <p:nvSpPr>
-          <p:cNvPr id="2" name="標題 1"/>
-          <p:cNvSpPr>
-            <a:spLocks noGrp="1"/>
-          </p:cNvSpPr>
-          <p:nvPr>
-            <p:ph type="title"/>
-          </p:nvPr>
-        </p:nvSpPr>
         <p:spPr>
           <a:xfrm>
             <a:off x="2127546" y="0"/>
@@ -7105,7 +7349,7 @@
           <a:p>
             <a:fld id="{D0256DAB-F776-1247-8262-D98F626E04EC}" type="slidenum">
               <a:rPr kumimoji="1" lang="zh-TW" altLang="en-US" smtClean="0"/>
-              <a:t>20</a:t>
+              <a:t>21</a:t>
             </a:fld>
             <a:endParaRPr kumimoji="1" lang="zh-TW" altLang="en-US"/>
           </a:p>
@@ -7416,7 +7660,7 @@
 </p:sld>
 </file>
 
-<file path=ppt/slides/slide21.xml><?xml version="1.0" encoding="utf-8"?>
+<file path=ppt/slides/slide22.xml><?xml version="1.0" encoding="utf-8"?>
 <p:sld xmlns:a="http://schemas.openxmlformats.org/drawingml/2006/main" xmlns:r="http://schemas.openxmlformats.org/officeDocument/2006/relationships" xmlns:p="http://schemas.openxmlformats.org/presentationml/2006/main">
   <p:cSld>
     <p:spTree>
@@ -7562,7 +7806,7 @@
           <a:p>
             <a:fld id="{D0256DAB-F776-1247-8262-D98F626E04EC}" type="slidenum">
               <a:rPr kumimoji="1" lang="zh-TW" altLang="en-US" smtClean="0"/>
-              <a:t>21</a:t>
+              <a:t>22</a:t>
             </a:fld>
             <a:endParaRPr kumimoji="1" lang="zh-TW" altLang="en-US"/>
           </a:p>
@@ -7678,350 +7922,6 @@
 </p:sld>
 </file>
 
-<file path=ppt/slides/slide22.xml><?xml version="1.0" encoding="utf-8"?>
-<p:sld xmlns:a="http://schemas.openxmlformats.org/drawingml/2006/main" xmlns:r="http://schemas.openxmlformats.org/officeDocument/2006/relationships" xmlns:p="http://schemas.openxmlformats.org/presentationml/2006/main">
-  <p:cSld>
-    <p:spTree>
-      <p:nvGrpSpPr>
-        <p:cNvPr id="1" name=""/>
-        <p:cNvGrpSpPr/>
-        <p:nvPr/>
-      </p:nvGrpSpPr>
-      <p:grpSpPr>
-        <a:xfrm>
-          <a:off x="0" y="0"/>
-          <a:ext cx="0" cy="0"/>
-          <a:chOff x="0" y="0"/>
-          <a:chExt cx="0" cy="0"/>
-        </a:xfrm>
-      </p:grpSpPr>
-      <p:sp>
-        <p:nvSpPr>
-          <p:cNvPr id="2" name="標題 1"/>
-          <p:cNvSpPr>
-            <a:spLocks noGrp="1"/>
-          </p:cNvSpPr>
-          <p:nvPr>
-            <p:ph type="title"/>
-          </p:nvPr>
-        </p:nvSpPr>
-        <p:spPr>
-          <a:xfrm>
-            <a:off x="457200" y="114451"/>
-            <a:ext cx="8229600" cy="1143000"/>
-          </a:xfrm>
-        </p:spPr>
-        <p:txBody>
-          <a:bodyPr>
-            <a:normAutofit fontScale="90000"/>
-          </a:bodyPr>
-          <a:lstStyle/>
-          <a:p>
-            <a:r>
-              <a:rPr kumimoji="1" lang="en-US" altLang="zh-TW" dirty="0" smtClean="0"/>
-              <a:t>IDE(Integrated Development Environment)</a:t>
-            </a:r>
-            <a:endParaRPr kumimoji="1" lang="zh-TW" altLang="en-US" dirty="0"/>
-          </a:p>
-        </p:txBody>
-      </p:sp>
-      <p:sp>
-        <p:nvSpPr>
-          <p:cNvPr id="3" name="內容版面配置區 2"/>
-          <p:cNvSpPr>
-            <a:spLocks noGrp="1"/>
-          </p:cNvSpPr>
-          <p:nvPr>
-            <p:ph idx="1"/>
-          </p:nvPr>
-        </p:nvSpPr>
-        <p:spPr>
-          <a:xfrm>
-            <a:off x="457200" y="1338704"/>
-            <a:ext cx="8229600" cy="5206073"/>
-          </a:xfrm>
-        </p:spPr>
-        <p:txBody>
-          <a:bodyPr>
-            <a:normAutofit fontScale="85000" lnSpcReduction="20000"/>
-          </a:bodyPr>
-          <a:lstStyle/>
-          <a:p>
-            <a:r>
-              <a:rPr kumimoji="1" lang="en-US" altLang="zh-TW" dirty="0" smtClean="0"/>
-              <a:t>IDE:</a:t>
-            </a:r>
-            <a:r>
-              <a:rPr kumimoji="1" lang="zh-TW" altLang="en-US" dirty="0" smtClean="0"/>
-              <a:t> 寫程式的工具</a:t>
-            </a:r>
-            <a:endParaRPr kumimoji="1" lang="en-US" altLang="zh-TW" dirty="0" smtClean="0"/>
-          </a:p>
-          <a:p>
-            <a:r>
-              <a:rPr kumimoji="1" lang="zh-TW" altLang="en-US" dirty="0" smtClean="0"/>
-              <a:t>有好的開發環境，寫起程式來將會快速很多！</a:t>
-            </a:r>
-            <a:endParaRPr kumimoji="1" lang="en-US" altLang="zh-TW" dirty="0" smtClean="0"/>
-          </a:p>
-          <a:p>
-            <a:r>
-              <a:rPr kumimoji="1" lang="zh-TW" altLang="en-US" dirty="0" smtClean="0"/>
-              <a:t>好用</a:t>
-            </a:r>
-            <a:r>
-              <a:rPr kumimoji="1" lang="en-US" altLang="zh-TW" dirty="0" smtClean="0"/>
-              <a:t>IDE:</a:t>
-            </a:r>
-          </a:p>
-          <a:p>
-            <a:pPr lvl="1"/>
-            <a:r>
-              <a:rPr kumimoji="1" lang="zh-TW" altLang="zh-TW" dirty="0" smtClean="0"/>
-              <a:t>S</a:t>
-            </a:r>
-            <a:r>
-              <a:rPr kumimoji="1" lang="en-US" altLang="zh-TW" dirty="0" err="1" smtClean="0"/>
-              <a:t>ublime</a:t>
-            </a:r>
-            <a:r>
-              <a:rPr kumimoji="1" lang="zh-TW" altLang="en-US" dirty="0" smtClean="0"/>
-              <a:t> </a:t>
-            </a:r>
-            <a:r>
-              <a:rPr kumimoji="1" lang="en-US" altLang="zh-TW" dirty="0" smtClean="0"/>
-              <a:t>text:</a:t>
-            </a:r>
-            <a:r>
-              <a:rPr kumimoji="1" lang="zh-TW" altLang="en-US" dirty="0" smtClean="0"/>
-              <a:t> </a:t>
-            </a:r>
-            <a:endParaRPr kumimoji="1" lang="en-US" altLang="zh-TW" dirty="0" smtClean="0"/>
-          </a:p>
-          <a:p>
-            <a:pPr lvl="2"/>
-            <a:r>
-              <a:rPr kumimoji="1" lang="en-US" altLang="zh-TW" dirty="0" smtClean="0">
-                <a:hlinkClick r:id="rId2"/>
-              </a:rPr>
-              <a:t>http://www.sublimetext.com/3</a:t>
-            </a:r>
-            <a:endParaRPr kumimoji="1" lang="en-US" altLang="zh-TW" dirty="0" smtClean="0"/>
-          </a:p>
-          <a:p>
-            <a:pPr lvl="2"/>
-            <a:r>
-              <a:rPr kumimoji="1" lang="zh-TW" altLang="en-US" dirty="0" smtClean="0"/>
-              <a:t>依照對應的</a:t>
-            </a:r>
-            <a:r>
-              <a:rPr kumimoji="1" lang="en-US" altLang="zh-TW" dirty="0" smtClean="0"/>
-              <a:t>OS</a:t>
-            </a:r>
-            <a:r>
-              <a:rPr kumimoji="1" lang="zh-TW" altLang="en-US" dirty="0" smtClean="0"/>
-              <a:t>下載安裝後就可以使用了</a:t>
-            </a:r>
-            <a:r>
-              <a:rPr kumimoji="1" lang="en-US" altLang="zh-TW" dirty="0" smtClean="0"/>
-              <a:t>!</a:t>
-            </a:r>
-          </a:p>
-          <a:p>
-            <a:pPr lvl="2"/>
-            <a:r>
-              <a:rPr kumimoji="1" lang="zh-TW" altLang="en-US" dirty="0" smtClean="0"/>
-              <a:t>使用</a:t>
-            </a:r>
-            <a:r>
-              <a:rPr kumimoji="1" lang="en-US" altLang="zh-TW" dirty="0" err="1" smtClean="0"/>
-              <a:t>ctrl+B</a:t>
-            </a:r>
-            <a:r>
-              <a:rPr kumimoji="1" lang="en-US" altLang="zh-TW" dirty="0" smtClean="0"/>
-              <a:t>(mac:</a:t>
-            </a:r>
-            <a:r>
-              <a:rPr kumimoji="1" lang="zh-TW" altLang="en-US" dirty="0" smtClean="0"/>
-              <a:t> </a:t>
-            </a:r>
-            <a:r>
-              <a:rPr kumimoji="1" lang="en-US" altLang="zh-TW" dirty="0" err="1" smtClean="0"/>
-              <a:t>command+B</a:t>
-            </a:r>
-            <a:r>
-              <a:rPr kumimoji="1" lang="en-US" altLang="zh-TW" dirty="0" smtClean="0"/>
-              <a:t>)</a:t>
-            </a:r>
-            <a:r>
-              <a:rPr kumimoji="1" lang="zh-TW" altLang="en-US" dirty="0" smtClean="0"/>
-              <a:t>即可執行程式</a:t>
-            </a:r>
-            <a:endParaRPr kumimoji="1" lang="en-US" altLang="zh-TW" dirty="0" smtClean="0"/>
-          </a:p>
-          <a:p>
-            <a:pPr lvl="1"/>
-            <a:r>
-              <a:rPr kumimoji="1" lang="zh-TW" altLang="zh-TW" dirty="0" smtClean="0"/>
-              <a:t>I</a:t>
-            </a:r>
-            <a:r>
-              <a:rPr kumimoji="1" lang="en-US" altLang="zh-TW" dirty="0" smtClean="0"/>
-              <a:t>python notebook</a:t>
-            </a:r>
-          </a:p>
-          <a:p>
-            <a:pPr lvl="2"/>
-            <a:r>
-              <a:rPr kumimoji="1" lang="zh-TW" altLang="en-US" dirty="0" smtClean="0"/>
-              <a:t>由</a:t>
-            </a:r>
-            <a:r>
-              <a:rPr kumimoji="1" lang="en-US" altLang="zh-TW" dirty="0" smtClean="0"/>
-              <a:t>Python</a:t>
-            </a:r>
-            <a:r>
-              <a:rPr kumimoji="1" lang="zh-TW" altLang="en-US" dirty="0" smtClean="0"/>
-              <a:t>驅動，可以讓我們在瀏覽器上寫程式</a:t>
-            </a:r>
-            <a:endParaRPr kumimoji="1" lang="en-US" altLang="zh-TW" dirty="0" smtClean="0"/>
-          </a:p>
-          <a:p>
-            <a:pPr lvl="2"/>
-            <a:r>
-              <a:rPr kumimoji="1" lang="zh-TW" altLang="en-US" dirty="0" smtClean="0"/>
-              <a:t>可以寫</a:t>
-            </a:r>
-            <a:r>
-              <a:rPr kumimoji="1" lang="zh-TW" altLang="en-US" dirty="0" smtClean="0"/>
-              <a:t>由</a:t>
-            </a:r>
-            <a:r>
-              <a:rPr kumimoji="1" lang="zh-TW" altLang="en-US" dirty="0" smtClean="0"/>
-              <a:t>多個</a:t>
-            </a:r>
-            <a:r>
-              <a:rPr kumimoji="1" lang="en-US" altLang="zh-TW" dirty="0" smtClean="0"/>
-              <a:t>cell</a:t>
-            </a:r>
-            <a:r>
-              <a:rPr kumimoji="1" lang="zh-TW" altLang="en-US" dirty="0" smtClean="0"/>
-              <a:t>組成的程式</a:t>
-            </a:r>
-            <a:endParaRPr kumimoji="1" lang="en-US" altLang="zh-TW" dirty="0" smtClean="0"/>
-          </a:p>
-          <a:p>
-            <a:pPr lvl="2"/>
-            <a:r>
-              <a:rPr kumimoji="1" lang="en-US" altLang="zh-TW" dirty="0" smtClean="0"/>
-              <a:t>cell</a:t>
-            </a:r>
-            <a:r>
-              <a:rPr kumimoji="1" lang="zh-TW" altLang="en-US" dirty="0" smtClean="0"/>
-              <a:t>的</a:t>
-            </a:r>
-            <a:r>
-              <a:rPr kumimoji="1" lang="en-US" altLang="zh-TW" dirty="0" smtClean="0"/>
-              <a:t>crash</a:t>
-            </a:r>
-            <a:r>
-              <a:rPr kumimoji="1" lang="zh-TW" altLang="en-US" dirty="0" smtClean="0"/>
-              <a:t>並不導致整體</a:t>
-            </a:r>
-            <a:r>
-              <a:rPr kumimoji="1" lang="en-US" altLang="zh-TW" dirty="0" smtClean="0"/>
-              <a:t>crash</a:t>
-            </a:r>
-          </a:p>
-          <a:p>
-            <a:pPr lvl="2"/>
-            <a:r>
-              <a:rPr kumimoji="1" lang="zh-TW" altLang="en-US" dirty="0" smtClean="0"/>
-              <a:t>提供內建的分散式機制</a:t>
-            </a:r>
-            <a:endParaRPr kumimoji="1" lang="en-US" altLang="zh-TW" dirty="0" smtClean="0"/>
-          </a:p>
-          <a:p>
-            <a:pPr lvl="2"/>
-            <a:r>
-              <a:rPr kumimoji="1" lang="zh-TW" altLang="en-US" dirty="0" smtClean="0"/>
-              <a:t>可以在</a:t>
-            </a:r>
-            <a:r>
-              <a:rPr kumimoji="1" lang="en-US" altLang="zh-TW" dirty="0" smtClean="0"/>
-              <a:t>notebook</a:t>
-            </a:r>
-            <a:r>
-              <a:rPr kumimoji="1" lang="zh-TW" altLang="en-US" dirty="0" smtClean="0"/>
-              <a:t>上插入圖片</a:t>
-            </a:r>
-            <a:endParaRPr kumimoji="1" lang="en-US" altLang="zh-TW" dirty="0" smtClean="0"/>
-          </a:p>
-          <a:p>
-            <a:pPr lvl="2"/>
-            <a:r>
-              <a:rPr kumimoji="1" lang="zh-TW" altLang="en-US" dirty="0" smtClean="0"/>
-              <a:t>很適合用來教學，或進行科學運算</a:t>
-            </a:r>
-            <a:endParaRPr kumimoji="1" lang="en-US" altLang="zh-TW" dirty="0" smtClean="0"/>
-          </a:p>
-          <a:p>
-            <a:pPr lvl="1"/>
-            <a:r>
-              <a:rPr kumimoji="1" lang="en-US" altLang="zh-TW" dirty="0" smtClean="0"/>
-              <a:t>…</a:t>
-            </a:r>
-            <a:endParaRPr kumimoji="1" lang="zh-TW" altLang="en-US" dirty="0" smtClean="0"/>
-          </a:p>
-          <a:p>
-            <a:pPr lvl="2"/>
-            <a:endParaRPr kumimoji="1" lang="en-US" altLang="zh-TW" dirty="0"/>
-          </a:p>
-        </p:txBody>
-      </p:sp>
-      <p:sp>
-        <p:nvSpPr>
-          <p:cNvPr id="4" name="投影片編號版面配置區 3"/>
-          <p:cNvSpPr>
-            <a:spLocks noGrp="1"/>
-          </p:cNvSpPr>
-          <p:nvPr>
-            <p:ph type="sldNum" sz="quarter" idx="12"/>
-          </p:nvPr>
-        </p:nvSpPr>
-        <p:spPr/>
-        <p:txBody>
-          <a:bodyPr/>
-          <a:lstStyle/>
-          <a:p>
-            <a:fld id="{D0256DAB-F776-1247-8262-D98F626E04EC}" type="slidenum">
-              <a:rPr kumimoji="1" lang="zh-TW" altLang="en-US" smtClean="0"/>
-              <a:t>22</a:t>
-            </a:fld>
-            <a:endParaRPr kumimoji="1" lang="zh-TW" altLang="en-US"/>
-          </a:p>
-        </p:txBody>
-      </p:sp>
-    </p:spTree>
-    <p:extLst>
-      <p:ext uri="{BB962C8B-B14F-4D97-AF65-F5344CB8AC3E}">
-        <p14:creationId xmlns:p14="http://schemas.microsoft.com/office/powerpoint/2010/main" val="2456639328"/>
-      </p:ext>
-    </p:extLst>
-  </p:cSld>
-  <p:clrMapOvr>
-    <a:masterClrMapping/>
-  </p:clrMapOvr>
-  <p:timing>
-    <p:tnLst>
-      <p:par>
-        <p:cTn xmlns:p14="http://schemas.microsoft.com/office/powerpoint/2010/main" id="1" dur="indefinite" restart="never" nodeType="tmRoot"/>
-      </p:par>
-    </p:tnLst>
-  </p:timing>
-</p:sld>
-</file>
-
 <file path=ppt/slides/slide23.xml><?xml version="1.0" encoding="utf-8"?>
 <p:sld xmlns:a="http://schemas.openxmlformats.org/drawingml/2006/main" xmlns:r="http://schemas.openxmlformats.org/officeDocument/2006/relationships" xmlns:p="http://schemas.openxmlformats.org/presentationml/2006/main">
   <p:cSld>
@@ -8049,14 +7949,21 @@
             <p:ph type="title"/>
           </p:nvPr>
         </p:nvSpPr>
-        <p:spPr/>
-        <p:txBody>
-          <a:bodyPr/>
-          <a:lstStyle/>
-          <a:p>
-            <a:r>
-              <a:rPr kumimoji="1" lang="zh-TW" altLang="en-US" dirty="0" smtClean="0"/>
-              <a:t>安裝套件</a:t>
+        <p:spPr>
+          <a:xfrm>
+            <a:off x="457200" y="114451"/>
+            <a:ext cx="8229600" cy="1143000"/>
+          </a:xfrm>
+        </p:spPr>
+        <p:txBody>
+          <a:bodyPr>
+            <a:normAutofit fontScale="90000"/>
+          </a:bodyPr>
+          <a:lstStyle/>
+          <a:p>
+            <a:r>
+              <a:rPr kumimoji="1" lang="en-US" altLang="zh-TW" dirty="0" smtClean="0"/>
+              <a:t>IDE(Integrated Development Environment)</a:t>
             </a:r>
             <a:endParaRPr kumimoji="1" lang="zh-TW" altLang="en-US" dirty="0"/>
           </a:p>
@@ -8072,230 +7979,239 @@
             <p:ph idx="1"/>
           </p:nvPr>
         </p:nvSpPr>
-        <p:spPr/>
+        <p:spPr>
+          <a:xfrm>
+            <a:off x="457200" y="1338704"/>
+            <a:ext cx="8229600" cy="5206073"/>
+          </a:xfrm>
+        </p:spPr>
         <p:txBody>
           <a:bodyPr>
             <a:normAutofit fontScale="85000" lnSpcReduction="20000"/>
           </a:bodyPr>
           <a:lstStyle/>
           <a:p>
-            <a:pPr marL="0" indent="0">
-              <a:buNone/>
-            </a:pPr>
-            <a:r>
-              <a:rPr kumimoji="1" lang="zh-TW" altLang="en-US" dirty="0" smtClean="0"/>
-              <a:t>主要安裝途徑</a:t>
-            </a:r>
-            <a:r>
-              <a:rPr kumimoji="1" lang="en-US" altLang="zh-TW" dirty="0" smtClean="0"/>
-              <a:t>:</a:t>
-            </a:r>
+            <a:r>
+              <a:rPr kumimoji="1" lang="en-US" altLang="zh-TW" dirty="0" smtClean="0"/>
+              <a:t>IDE:</a:t>
+            </a:r>
+            <a:r>
+              <a:rPr kumimoji="1" lang="zh-TW" altLang="en-US" dirty="0" smtClean="0"/>
+              <a:t> 寫程式的工具</a:t>
+            </a:r>
+            <a:endParaRPr kumimoji="1" lang="en-US" altLang="zh-TW" dirty="0" smtClean="0"/>
+          </a:p>
+          <a:p>
+            <a:r>
+              <a:rPr kumimoji="1" lang="zh-TW" altLang="en-US" dirty="0" smtClean="0"/>
+              <a:t>有好的開發環境，寫起程式來將會快速很多！</a:t>
+            </a:r>
+            <a:endParaRPr kumimoji="1" lang="en-US" altLang="zh-TW" dirty="0" smtClean="0"/>
+          </a:p>
+          <a:p>
+            <a:r>
+              <a:rPr kumimoji="1" lang="zh-TW" altLang="en-US" dirty="0" smtClean="0"/>
+              <a:t>好用</a:t>
+            </a:r>
+            <a:r>
+              <a:rPr kumimoji="1" lang="en-US" altLang="zh-TW" dirty="0" smtClean="0"/>
+              <a:t>IDE:</a:t>
+            </a:r>
+          </a:p>
+          <a:p>
+            <a:pPr lvl="1"/>
+            <a:r>
+              <a:rPr kumimoji="1" lang="zh-TW" altLang="zh-TW" dirty="0" smtClean="0"/>
+              <a:t>S</a:t>
+            </a:r>
+            <a:r>
+              <a:rPr kumimoji="1" lang="en-US" altLang="zh-TW" dirty="0" err="1" smtClean="0"/>
+              <a:t>ublime</a:t>
+            </a:r>
+            <a:r>
+              <a:rPr kumimoji="1" lang="zh-TW" altLang="en-US" dirty="0" smtClean="0"/>
+              <a:t> </a:t>
+            </a:r>
+            <a:r>
+              <a:rPr kumimoji="1" lang="en-US" altLang="zh-TW" dirty="0" smtClean="0"/>
+              <a:t>text:</a:t>
+            </a:r>
+            <a:r>
+              <a:rPr kumimoji="1" lang="zh-TW" altLang="en-US" dirty="0" smtClean="0"/>
+              <a:t> </a:t>
+            </a:r>
+            <a:endParaRPr kumimoji="1" lang="en-US" altLang="zh-TW" dirty="0" smtClean="0"/>
+          </a:p>
+          <a:p>
+            <a:pPr lvl="2"/>
+            <a:r>
+              <a:rPr kumimoji="1" lang="en-US" altLang="zh-TW" dirty="0" smtClean="0">
+                <a:hlinkClick r:id="rId2"/>
+              </a:rPr>
+              <a:t>http://www.sublimetext.com/3</a:t>
+            </a:r>
+            <a:endParaRPr kumimoji="1" lang="en-US" altLang="zh-TW" dirty="0" smtClean="0"/>
+          </a:p>
+          <a:p>
+            <a:pPr lvl="2"/>
+            <a:r>
+              <a:rPr kumimoji="1" lang="zh-TW" altLang="en-US" dirty="0" smtClean="0"/>
+              <a:t>依照對應的</a:t>
+            </a:r>
+            <a:r>
+              <a:rPr kumimoji="1" lang="en-US" altLang="zh-TW" dirty="0" smtClean="0"/>
+              <a:t>OS</a:t>
+            </a:r>
+            <a:r>
+              <a:rPr kumimoji="1" lang="zh-TW" altLang="en-US" dirty="0" smtClean="0"/>
+              <a:t>下載安裝後就可以使用了</a:t>
+            </a:r>
+            <a:r>
+              <a:rPr kumimoji="1" lang="en-US" altLang="zh-TW" dirty="0" smtClean="0"/>
+              <a:t>!</a:t>
+            </a:r>
+          </a:p>
+          <a:p>
+            <a:pPr lvl="2"/>
+            <a:r>
+              <a:rPr kumimoji="1" lang="zh-TW" altLang="en-US" dirty="0" smtClean="0"/>
+              <a:t>使用</a:t>
+            </a:r>
+            <a:r>
+              <a:rPr kumimoji="1" lang="en-US" altLang="zh-TW" dirty="0" err="1" smtClean="0"/>
+              <a:t>ctrl+B</a:t>
+            </a:r>
+            <a:r>
+              <a:rPr kumimoji="1" lang="en-US" altLang="zh-TW" dirty="0" smtClean="0"/>
+              <a:t>(mac:</a:t>
+            </a:r>
+            <a:r>
+              <a:rPr kumimoji="1" lang="zh-TW" altLang="en-US" dirty="0" smtClean="0"/>
+              <a:t> </a:t>
+            </a:r>
+            <a:r>
+              <a:rPr kumimoji="1" lang="en-US" altLang="zh-TW" dirty="0" err="1" smtClean="0"/>
+              <a:t>command+B</a:t>
+            </a:r>
+            <a:r>
+              <a:rPr kumimoji="1" lang="en-US" altLang="zh-TW" dirty="0" smtClean="0"/>
+              <a:t>)</a:t>
+            </a:r>
+            <a:r>
+              <a:rPr kumimoji="1" lang="zh-TW" altLang="en-US" dirty="0" smtClean="0"/>
+              <a:t>即可執行程式</a:t>
+            </a:r>
+            <a:endParaRPr kumimoji="1" lang="en-US" altLang="zh-TW" dirty="0" smtClean="0"/>
+          </a:p>
+          <a:p>
+            <a:pPr lvl="1"/>
+            <a:r>
+              <a:rPr kumimoji="1" lang="zh-TW" altLang="zh-TW" dirty="0" smtClean="0"/>
+              <a:t>I</a:t>
+            </a:r>
+            <a:r>
+              <a:rPr kumimoji="1" lang="en-US" altLang="zh-TW" dirty="0" smtClean="0"/>
+              <a:t>python notebook</a:t>
+            </a:r>
+          </a:p>
+          <a:p>
+            <a:pPr lvl="2"/>
+            <a:r>
+              <a:rPr kumimoji="1" lang="zh-TW" altLang="en-US" dirty="0" smtClean="0"/>
+              <a:t>由</a:t>
+            </a:r>
+            <a:r>
+              <a:rPr kumimoji="1" lang="en-US" altLang="zh-TW" dirty="0" smtClean="0"/>
+              <a:t>Python</a:t>
+            </a:r>
+            <a:r>
+              <a:rPr kumimoji="1" lang="zh-TW" altLang="en-US" dirty="0" smtClean="0"/>
+              <a:t>驅動，可以讓我們在瀏覽器上寫程式</a:t>
+            </a:r>
+            <a:endParaRPr kumimoji="1" lang="en-US" altLang="zh-TW" dirty="0" smtClean="0"/>
+          </a:p>
+          <a:p>
+            <a:pPr lvl="2"/>
+            <a:r>
+              <a:rPr kumimoji="1" lang="zh-TW" altLang="en-US" dirty="0" smtClean="0"/>
+              <a:t>可以寫由多個</a:t>
+            </a:r>
+            <a:r>
+              <a:rPr kumimoji="1" lang="en-US" altLang="zh-TW" dirty="0" smtClean="0"/>
+              <a:t>cell</a:t>
+            </a:r>
+            <a:r>
+              <a:rPr kumimoji="1" lang="zh-TW" altLang="en-US" dirty="0" smtClean="0"/>
+              <a:t>組成的程式</a:t>
+            </a:r>
+            <a:endParaRPr kumimoji="1" lang="en-US" altLang="zh-TW" dirty="0" smtClean="0"/>
+          </a:p>
+          <a:p>
+            <a:pPr lvl="2"/>
+            <a:r>
+              <a:rPr kumimoji="1" lang="en-US" altLang="zh-TW" dirty="0" smtClean="0"/>
+              <a:t>cell</a:t>
+            </a:r>
+            <a:r>
+              <a:rPr kumimoji="1" lang="zh-TW" altLang="en-US" dirty="0" smtClean="0"/>
+              <a:t>的</a:t>
+            </a:r>
+            <a:r>
+              <a:rPr kumimoji="1" lang="en-US" altLang="zh-TW" dirty="0" smtClean="0"/>
+              <a:t>crash</a:t>
+            </a:r>
+            <a:r>
+              <a:rPr kumimoji="1" lang="zh-TW" altLang="en-US" dirty="0" smtClean="0"/>
+              <a:t>並不導致整體</a:t>
+            </a:r>
+            <a:r>
+              <a:rPr kumimoji="1" lang="en-US" altLang="zh-TW" dirty="0" smtClean="0"/>
+              <a:t>crash</a:t>
+            </a:r>
+          </a:p>
+          <a:p>
+            <a:pPr lvl="2"/>
+            <a:r>
+              <a:rPr kumimoji="1" lang="zh-TW" altLang="en-US" dirty="0" smtClean="0"/>
+              <a:t>提供內建的分散式機制</a:t>
+            </a:r>
+            <a:endParaRPr kumimoji="1" lang="en-US" altLang="zh-TW" dirty="0" smtClean="0"/>
+          </a:p>
+          <a:p>
+            <a:pPr lvl="2"/>
+            <a:r>
+              <a:rPr kumimoji="1" lang="zh-TW" altLang="en-US" dirty="0" smtClean="0"/>
+              <a:t>可以在</a:t>
+            </a:r>
+            <a:r>
+              <a:rPr kumimoji="1" lang="en-US" altLang="zh-TW" dirty="0" smtClean="0"/>
+              <a:t>notebook</a:t>
+            </a:r>
+            <a:r>
+              <a:rPr kumimoji="1" lang="zh-TW" altLang="en-US" dirty="0" smtClean="0"/>
+              <a:t>上插入圖片</a:t>
+            </a:r>
+            <a:endParaRPr kumimoji="1" lang="en-US" altLang="zh-TW" dirty="0" smtClean="0"/>
+          </a:p>
+          <a:p>
+            <a:pPr lvl="2"/>
+            <a:r>
+              <a:rPr kumimoji="1" lang="zh-TW" altLang="en-US" dirty="0" smtClean="0"/>
+              <a:t>很適合用來教學，或進行科學運算</a:t>
+            </a:r>
+            <a:endParaRPr kumimoji="1" lang="en-US" altLang="zh-TW" dirty="0" smtClean="0"/>
+          </a:p>
+          <a:p>
+            <a:pPr lvl="1"/>
+            <a:r>
+              <a:rPr kumimoji="1" lang="en-US" altLang="zh-TW" dirty="0" smtClean="0"/>
+              <a:t>…</a:t>
+            </a:r>
+            <a:endParaRPr kumimoji="1" lang="zh-TW" altLang="en-US" dirty="0" smtClean="0"/>
+          </a:p>
+          <a:p>
+            <a:pPr lvl="2"/>
             <a:endParaRPr kumimoji="1" lang="en-US" altLang="zh-TW" dirty="0"/>
-          </a:p>
-          <a:p>
-            <a:pPr marL="514350" indent="-514350">
-              <a:buFont typeface="+mj-lt"/>
-              <a:buAutoNum type="arabicPeriod"/>
-            </a:pPr>
-            <a:r>
-              <a:rPr kumimoji="1" lang="en-US" altLang="zh-TW" dirty="0" smtClean="0"/>
-              <a:t>Pip</a:t>
-            </a:r>
-            <a:r>
-              <a:rPr kumimoji="1" lang="zh-TW" altLang="en-US" dirty="0" smtClean="0"/>
-              <a:t> </a:t>
-            </a:r>
-            <a:r>
-              <a:rPr kumimoji="1" lang="en-US" altLang="zh-TW" dirty="0" smtClean="0"/>
-              <a:t>&amp;</a:t>
-            </a:r>
-            <a:r>
-              <a:rPr kumimoji="1" lang="zh-TW" altLang="en-US" dirty="0" smtClean="0"/>
-              <a:t> </a:t>
-            </a:r>
-            <a:r>
-              <a:rPr kumimoji="1" lang="en-US" altLang="zh-TW" dirty="0" err="1" smtClean="0"/>
-              <a:t>easy_install</a:t>
-            </a:r>
-            <a:r>
-              <a:rPr kumimoji="1" lang="en-US" altLang="zh-TW" dirty="0" smtClean="0"/>
-              <a:t>:</a:t>
-            </a:r>
-            <a:r>
-              <a:rPr kumimoji="1" lang="zh-TW" altLang="en-US" dirty="0" smtClean="0"/>
-              <a:t> </a:t>
-            </a:r>
-            <a:endParaRPr kumimoji="1" lang="en-US" altLang="zh-TW" dirty="0" smtClean="0"/>
-          </a:p>
-          <a:p>
-            <a:pPr lvl="1"/>
-            <a:r>
-              <a:rPr kumimoji="1" lang="zh-TW" altLang="en-US" dirty="0" smtClean="0"/>
-              <a:t>是</a:t>
-            </a:r>
-            <a:r>
-              <a:rPr kumimoji="1" lang="en-US" altLang="zh-TW" dirty="0" smtClean="0"/>
-              <a:t> python</a:t>
-            </a:r>
-            <a:r>
-              <a:rPr kumimoji="1" lang="zh-TW" altLang="en-US" dirty="0" smtClean="0"/>
-              <a:t> 在</a:t>
-            </a:r>
-            <a:r>
-              <a:rPr kumimoji="1" lang="en-US" altLang="zh-TW" dirty="0" smtClean="0"/>
-              <a:t> commend</a:t>
-            </a:r>
-            <a:r>
-              <a:rPr kumimoji="1" lang="zh-TW" altLang="en-US" dirty="0" smtClean="0"/>
-              <a:t> </a:t>
-            </a:r>
-            <a:r>
-              <a:rPr kumimoji="1" lang="en-US" altLang="zh-TW" dirty="0" smtClean="0"/>
-              <a:t>line</a:t>
-            </a:r>
-            <a:r>
-              <a:rPr kumimoji="1" lang="zh-TW" altLang="en-US" dirty="0" smtClean="0"/>
-              <a:t>上直接安裝套件的指令</a:t>
-            </a:r>
-            <a:endParaRPr kumimoji="1" lang="en-US" altLang="zh-TW" dirty="0" smtClean="0"/>
-          </a:p>
-          <a:p>
-            <a:pPr lvl="1"/>
-            <a:r>
-              <a:rPr kumimoji="1" lang="zh-TW" altLang="en-US" dirty="0" smtClean="0"/>
-              <a:t>用途主要為下載以及更新</a:t>
-            </a:r>
-            <a:r>
-              <a:rPr kumimoji="1" lang="zh-TW" altLang="zh-TW" dirty="0" smtClean="0"/>
-              <a:t>3</a:t>
-            </a:r>
-            <a:r>
-              <a:rPr kumimoji="1" lang="en-US" altLang="zh-TW" dirty="0" err="1" smtClean="0"/>
-              <a:t>rd</a:t>
-            </a:r>
-            <a:r>
-              <a:rPr kumimoji="1" lang="zh-TW" altLang="en-US" dirty="0" smtClean="0"/>
-              <a:t> </a:t>
-            </a:r>
-            <a:r>
-              <a:rPr kumimoji="1" lang="en-US" altLang="zh-TW" dirty="0" smtClean="0"/>
-              <a:t>party</a:t>
-            </a:r>
-            <a:r>
-              <a:rPr kumimoji="1" lang="zh-TW" altLang="en-US" dirty="0" smtClean="0"/>
-              <a:t> </a:t>
-            </a:r>
-            <a:r>
-              <a:rPr kumimoji="1" lang="en-US" altLang="zh-TW" dirty="0" smtClean="0"/>
-              <a:t>package</a:t>
-            </a:r>
-          </a:p>
-          <a:p>
-            <a:pPr lvl="1"/>
-            <a:r>
-              <a:rPr kumimoji="1" lang="zh-TW" altLang="en-US" dirty="0" smtClean="0"/>
-              <a:t>能安裝的套件</a:t>
-            </a:r>
-            <a:r>
-              <a:rPr kumimoji="1" lang="en-US" altLang="zh-TW" dirty="0" smtClean="0"/>
-              <a:t>:</a:t>
-            </a:r>
-          </a:p>
-          <a:p>
-            <a:pPr lvl="2"/>
-            <a:r>
-              <a:rPr kumimoji="1" lang="zh-TW" altLang="en-US" dirty="0" smtClean="0"/>
-              <a:t>有註冊在</a:t>
-            </a:r>
-            <a:r>
-              <a:rPr kumimoji="1" lang="en-US" altLang="zh-TW" dirty="0" smtClean="0"/>
-              <a:t>python</a:t>
-            </a:r>
-            <a:r>
-              <a:rPr kumimoji="1" lang="zh-TW" altLang="en-US" dirty="0" smtClean="0"/>
-              <a:t>官方套件資料庫的套件</a:t>
-            </a:r>
-            <a:endParaRPr kumimoji="1" lang="en-US" altLang="zh-TW" dirty="0" smtClean="0"/>
-          </a:p>
-          <a:p>
-            <a:pPr lvl="2"/>
-            <a:r>
-              <a:rPr kumimoji="1" lang="zh-TW" altLang="en-US" dirty="0" smtClean="0"/>
-              <a:t>有打包成</a:t>
-            </a:r>
-            <a:r>
-              <a:rPr kumimoji="1" lang="en-US" altLang="zh-TW" dirty="0" smtClean="0"/>
-              <a:t>wheel</a:t>
-            </a:r>
-            <a:r>
-              <a:rPr kumimoji="1" lang="zh-TW" altLang="en-US" dirty="0" smtClean="0"/>
-              <a:t>的檔案</a:t>
-            </a:r>
-            <a:endParaRPr kumimoji="1" lang="en-US" altLang="zh-TW" dirty="0" smtClean="0"/>
-          </a:p>
-          <a:p>
-            <a:pPr lvl="2"/>
-            <a:r>
-              <a:rPr kumimoji="1" lang="en-US" altLang="zh-TW" dirty="0" err="1" smtClean="0"/>
-              <a:t>Github</a:t>
-            </a:r>
-            <a:r>
-              <a:rPr kumimoji="1" lang="zh-TW" altLang="en-US" dirty="0" smtClean="0"/>
-              <a:t>上的套件</a:t>
-            </a:r>
-            <a:endParaRPr kumimoji="1" lang="en-US" altLang="zh-TW" dirty="0" smtClean="0"/>
-          </a:p>
-          <a:p>
-            <a:pPr lvl="2"/>
-            <a:r>
-              <a:rPr kumimoji="1" lang="en-US" altLang="zh-TW" dirty="0" smtClean="0"/>
-              <a:t>…</a:t>
-            </a:r>
-          </a:p>
-          <a:p>
-            <a:pPr marL="514350" indent="-514350">
-              <a:buFont typeface="+mj-lt"/>
-              <a:buAutoNum type="arabicPeriod"/>
-            </a:pPr>
-            <a:r>
-              <a:rPr kumimoji="1" lang="en-US" altLang="zh-TW" dirty="0" err="1" smtClean="0"/>
-              <a:t>Github</a:t>
-            </a:r>
-            <a:r>
-              <a:rPr kumimoji="1" lang="en-US" altLang="zh-TW" dirty="0" smtClean="0"/>
-              <a:t>:</a:t>
-            </a:r>
-          </a:p>
-          <a:p>
-            <a:pPr lvl="1"/>
-            <a:r>
-              <a:rPr kumimoji="1" lang="zh-TW" altLang="en-US" dirty="0" smtClean="0"/>
-              <a:t>專案管理套件</a:t>
-            </a:r>
-            <a:endParaRPr kumimoji="1" lang="en-US" altLang="zh-TW" dirty="0" smtClean="0"/>
-          </a:p>
-          <a:p>
-            <a:pPr lvl="1"/>
-            <a:r>
-              <a:rPr kumimoji="1" lang="zh-TW" altLang="en-US" dirty="0" smtClean="0"/>
-              <a:t>上面也放了許多的第三方套件</a:t>
-            </a:r>
-            <a:r>
-              <a:rPr kumimoji="1" lang="en-US" altLang="zh-TW" dirty="0" smtClean="0"/>
-              <a:t>(</a:t>
-            </a:r>
-            <a:r>
-              <a:rPr kumimoji="1" lang="zh-TW" altLang="en-US" dirty="0" smtClean="0"/>
-              <a:t>也有其他語言的套件</a:t>
-            </a:r>
-            <a:r>
-              <a:rPr kumimoji="1" lang="en-US" altLang="zh-TW" dirty="0" smtClean="0"/>
-              <a:t>)</a:t>
-            </a:r>
-          </a:p>
-          <a:p>
-            <a:pPr lvl="2"/>
-            <a:endParaRPr kumimoji="1" lang="en-US" altLang="zh-TW" dirty="0" smtClean="0"/>
           </a:p>
         </p:txBody>
       </p:sp>
@@ -8325,7 +8241,7 @@
     </p:spTree>
     <p:extLst>
       <p:ext uri="{BB962C8B-B14F-4D97-AF65-F5344CB8AC3E}">
-        <p14:creationId xmlns:p14="http://schemas.microsoft.com/office/powerpoint/2010/main" val="3615736512"/>
+        <p14:creationId xmlns:p14="http://schemas.microsoft.com/office/powerpoint/2010/main" val="2456639328"/>
       </p:ext>
     </p:extLst>
   </p:cSld>
@@ -8375,16 +8291,8 @@
           <a:lstStyle/>
           <a:p>
             <a:r>
-              <a:rPr kumimoji="1" lang="en-US" altLang="zh-TW" dirty="0" err="1" smtClean="0"/>
-              <a:t>Ipython</a:t>
-            </a:r>
-            <a:r>
-              <a:rPr kumimoji="1" lang="en-US" altLang="zh-TW" dirty="0" smtClean="0"/>
-              <a:t> </a:t>
-            </a:r>
-            <a:r>
-              <a:rPr kumimoji="1" lang="zh-TW" altLang="en-US" dirty="0" smtClean="0"/>
-              <a:t>安裝</a:t>
+              <a:rPr kumimoji="1" lang="zh-TW" altLang="en-US" dirty="0" smtClean="0"/>
+              <a:t>安裝套件</a:t>
             </a:r>
             <a:endParaRPr kumimoji="1" lang="zh-TW" altLang="en-US" dirty="0"/>
           </a:p>
@@ -8402,22 +8310,23 @@
         </p:nvSpPr>
         <p:spPr/>
         <p:txBody>
-          <a:bodyPr/>
-          <a:lstStyle/>
-          <a:p>
-            <a:r>
-              <a:rPr kumimoji="1" lang="zh-TW" altLang="en-US" dirty="0" smtClean="0"/>
-              <a:t>開啟</a:t>
-            </a:r>
-            <a:r>
-              <a:rPr kumimoji="1" lang="en-US" altLang="zh-TW" dirty="0" err="1" smtClean="0"/>
-              <a:t>cmd</a:t>
-            </a:r>
-            <a:r>
-              <a:rPr kumimoji="1" lang="zh-TW" altLang="en-US" dirty="0" smtClean="0"/>
-              <a:t>，輸入</a:t>
-            </a:r>
-            <a:endParaRPr kumimoji="1" lang="en-US" altLang="zh-TW" dirty="0" smtClean="0"/>
+          <a:bodyPr>
+            <a:normAutofit fontScale="85000" lnSpcReduction="20000"/>
+          </a:bodyPr>
+          <a:lstStyle/>
+          <a:p>
+            <a:pPr marL="0" indent="0">
+              <a:buNone/>
+            </a:pPr>
+            <a:r>
+              <a:rPr kumimoji="1" lang="zh-TW" altLang="en-US" dirty="0" smtClean="0"/>
+              <a:t>主要安裝途徑</a:t>
+            </a:r>
+            <a:r>
+              <a:rPr kumimoji="1" lang="en-US" altLang="zh-TW" dirty="0" smtClean="0"/>
+              <a:t>:</a:t>
+            </a:r>
+            <a:endParaRPr kumimoji="1" lang="en-US" altLang="zh-TW" dirty="0"/>
           </a:p>
           <a:p>
             <a:pPr marL="514350" indent="-514350">
@@ -8425,30 +8334,159 @@
               <a:buAutoNum type="arabicPeriod"/>
             </a:pPr>
             <a:r>
-              <a:rPr kumimoji="1" lang="zh-TW" altLang="zh-TW" dirty="0"/>
-              <a:t>p</a:t>
+              <a:rPr kumimoji="1" lang="en-US" altLang="zh-TW" dirty="0" smtClean="0"/>
+              <a:t>Pip</a:t>
+            </a:r>
+            <a:r>
+              <a:rPr kumimoji="1" lang="zh-TW" altLang="en-US" dirty="0" smtClean="0"/>
+              <a:t> </a:t>
+            </a:r>
+            <a:r>
+              <a:rPr kumimoji="1" lang="en-US" altLang="zh-TW" dirty="0" smtClean="0"/>
+              <a:t>&amp;</a:t>
+            </a:r>
+            <a:r>
+              <a:rPr kumimoji="1" lang="zh-TW" altLang="en-US" dirty="0" smtClean="0"/>
+              <a:t> </a:t>
             </a:r>
             <a:r>
               <a:rPr kumimoji="1" lang="en-US" altLang="zh-TW" dirty="0" err="1" smtClean="0"/>
-              <a:t>ip</a:t>
+              <a:t>easy_install</a:t>
+            </a:r>
+            <a:r>
+              <a:rPr kumimoji="1" lang="en-US" altLang="zh-TW" dirty="0" smtClean="0"/>
+              <a:t>:</a:t>
             </a:r>
             <a:r>
               <a:rPr kumimoji="1" lang="zh-TW" altLang="en-US" dirty="0" smtClean="0"/>
               <a:t> </a:t>
             </a:r>
-            <a:r>
-              <a:rPr kumimoji="1" lang="en-US" altLang="zh-TW" dirty="0" smtClean="0"/>
-              <a:t>install</a:t>
+            <a:endParaRPr kumimoji="1" lang="en-US" altLang="zh-TW" dirty="0" smtClean="0"/>
+          </a:p>
+          <a:p>
+            <a:pPr lvl="1"/>
+            <a:r>
+              <a:rPr kumimoji="1" lang="zh-TW" altLang="en-US" dirty="0" smtClean="0"/>
+              <a:t>是</a:t>
+            </a:r>
+            <a:r>
+              <a:rPr kumimoji="1" lang="en-US" altLang="zh-TW" dirty="0" smtClean="0"/>
+              <a:t> python</a:t>
+            </a:r>
+            <a:r>
+              <a:rPr kumimoji="1" lang="zh-TW" altLang="en-US" dirty="0" smtClean="0"/>
+              <a:t> 在</a:t>
+            </a:r>
+            <a:r>
+              <a:rPr kumimoji="1" lang="en-US" altLang="zh-TW" dirty="0" smtClean="0"/>
+              <a:t> commend</a:t>
             </a:r>
             <a:r>
               <a:rPr kumimoji="1" lang="zh-TW" altLang="en-US" dirty="0" smtClean="0"/>
               <a:t> </a:t>
             </a:r>
             <a:r>
+              <a:rPr kumimoji="1" lang="en-US" altLang="zh-TW" dirty="0" smtClean="0"/>
+              <a:t>line</a:t>
+            </a:r>
+            <a:r>
+              <a:rPr kumimoji="1" lang="zh-TW" altLang="en-US" dirty="0" smtClean="0"/>
+              <a:t>上直接安裝套件的指令</a:t>
+            </a:r>
+            <a:endParaRPr kumimoji="1" lang="en-US" altLang="zh-TW" dirty="0" smtClean="0"/>
+          </a:p>
+          <a:p>
+            <a:pPr lvl="1"/>
+            <a:r>
+              <a:rPr kumimoji="1" lang="zh-TW" altLang="en-US" dirty="0" smtClean="0"/>
+              <a:t>用途主要為下載以及更新</a:t>
+            </a:r>
+            <a:r>
+              <a:rPr kumimoji="1" lang="zh-TW" altLang="zh-TW" dirty="0" smtClean="0"/>
+              <a:t>3</a:t>
+            </a:r>
+            <a:r>
               <a:rPr kumimoji="1" lang="en-US" altLang="zh-TW" dirty="0" err="1" smtClean="0"/>
-              <a:t>ipython</a:t>
+              <a:t>rd</a:t>
+            </a:r>
+            <a:r>
+              <a:rPr kumimoji="1" lang="zh-TW" altLang="en-US" dirty="0" smtClean="0"/>
+              <a:t> </a:t>
+            </a:r>
+            <a:r>
+              <a:rPr kumimoji="1" lang="en-US" altLang="zh-TW" dirty="0" smtClean="0"/>
+              <a:t>party</a:t>
+            </a:r>
+            <a:r>
+              <a:rPr kumimoji="1" lang="zh-TW" altLang="en-US" dirty="0" smtClean="0"/>
+              <a:t> </a:t>
+            </a:r>
+            <a:r>
+              <a:rPr kumimoji="1" lang="en-US" altLang="zh-TW" dirty="0" smtClean="0"/>
+              <a:t>package</a:t>
+            </a:r>
+          </a:p>
+          <a:p>
+            <a:pPr lvl="1"/>
+            <a:r>
+              <a:rPr kumimoji="1" lang="zh-TW" altLang="en-US" dirty="0" smtClean="0"/>
+              <a:t>能安裝的套件</a:t>
+            </a:r>
+            <a:r>
+              <a:rPr kumimoji="1" lang="en-US" altLang="zh-TW" dirty="0" smtClean="0"/>
+              <a:t>:</a:t>
+            </a:r>
+          </a:p>
+          <a:p>
+            <a:pPr lvl="2"/>
+            <a:r>
+              <a:rPr kumimoji="1" lang="zh-TW" altLang="en-US" dirty="0" smtClean="0"/>
+              <a:t>有註冊在</a:t>
+            </a:r>
+            <a:r>
+              <a:rPr kumimoji="1" lang="en-US" altLang="zh-TW" dirty="0" smtClean="0"/>
+              <a:t>python</a:t>
+            </a:r>
+            <a:r>
+              <a:rPr kumimoji="1" lang="zh-TW" altLang="en-US" dirty="0" smtClean="0"/>
+              <a:t>官方套件資料庫的套件</a:t>
             </a:r>
             <a:endParaRPr kumimoji="1" lang="en-US" altLang="zh-TW" dirty="0" smtClean="0"/>
+          </a:p>
+          <a:p>
+            <a:pPr lvl="2"/>
+            <a:r>
+              <a:rPr kumimoji="1" lang="zh-TW" altLang="en-US" dirty="0" smtClean="0"/>
+              <a:t>有打包成</a:t>
+            </a:r>
+            <a:r>
+              <a:rPr kumimoji="1" lang="en-US" altLang="zh-TW" dirty="0" smtClean="0"/>
+              <a:t>wheel</a:t>
+            </a:r>
+            <a:r>
+              <a:rPr kumimoji="1" lang="zh-TW" altLang="en-US" dirty="0" smtClean="0"/>
+              <a:t>的檔案</a:t>
+            </a:r>
+            <a:endParaRPr kumimoji="1" lang="en-US" altLang="zh-TW" dirty="0" smtClean="0"/>
+          </a:p>
+          <a:p>
+            <a:pPr lvl="2"/>
+            <a:r>
+              <a:rPr kumimoji="1" lang="en-US" altLang="zh-TW" dirty="0" err="1" smtClean="0"/>
+              <a:t>Github</a:t>
+            </a:r>
+            <a:r>
+              <a:rPr kumimoji="1" lang="zh-TW" altLang="en-US" dirty="0" smtClean="0"/>
+              <a:t>上的套件</a:t>
+            </a:r>
+            <a:endParaRPr kumimoji="1" lang="en-US" altLang="zh-TW" dirty="0" smtClean="0"/>
+          </a:p>
+          <a:p>
+            <a:pPr lvl="2"/>
+            <a:r>
+              <a:rPr kumimoji="1" lang="en-US" altLang="zh-TW" dirty="0" smtClean="0"/>
+              <a:t>…</a:t>
+            </a:r>
           </a:p>
           <a:p>
             <a:pPr marL="514350" indent="-514350">
@@ -8456,37 +8494,166 @@
               <a:buAutoNum type="arabicPeriod"/>
             </a:pPr>
             <a:r>
-              <a:rPr kumimoji="1" lang="zh-TW" altLang="zh-TW" dirty="0" smtClean="0"/>
-              <a:t>p</a:t>
-            </a:r>
-            <a:r>
               <a:rPr kumimoji="1" lang="en-US" altLang="zh-TW" dirty="0" err="1" smtClean="0"/>
-              <a:t>ip</a:t>
-            </a:r>
-            <a:r>
-              <a:rPr kumimoji="1" lang="zh-TW" altLang="en-US" dirty="0" smtClean="0"/>
+              <a:t>Github</a:t>
+            </a:r>
+            <a:r>
+              <a:rPr kumimoji="1" lang="en-US" altLang="zh-TW" dirty="0" smtClean="0"/>
+              <a:t>:</a:t>
+            </a:r>
+          </a:p>
+          <a:p>
+            <a:pPr lvl="1"/>
+            <a:r>
+              <a:rPr kumimoji="1" lang="zh-TW" altLang="en-US" dirty="0" smtClean="0"/>
+              <a:t>專案管理套件</a:t>
+            </a:r>
+            <a:endParaRPr kumimoji="1" lang="en-US" altLang="zh-TW" dirty="0" smtClean="0"/>
+          </a:p>
+          <a:p>
+            <a:pPr lvl="1"/>
+            <a:r>
+              <a:rPr kumimoji="1" lang="zh-TW" altLang="en-US" dirty="0" smtClean="0"/>
+              <a:t>上面也放了許多的第三方套件</a:t>
+            </a:r>
+            <a:r>
+              <a:rPr kumimoji="1" lang="en-US" altLang="zh-TW" dirty="0" smtClean="0"/>
+              <a:t>(</a:t>
+            </a:r>
+            <a:r>
+              <a:rPr kumimoji="1" lang="zh-TW" altLang="en-US" dirty="0" smtClean="0"/>
+              <a:t>也有其他語言的套件</a:t>
+            </a:r>
+            <a:r>
+              <a:rPr kumimoji="1" lang="en-US" altLang="zh-TW" dirty="0" smtClean="0"/>
+              <a:t>)</a:t>
+            </a:r>
+          </a:p>
+          <a:p>
+            <a:pPr lvl="2"/>
+            <a:endParaRPr kumimoji="1" lang="en-US" altLang="zh-TW" dirty="0" smtClean="0"/>
+          </a:p>
+        </p:txBody>
+      </p:sp>
+      <p:sp>
+        <p:nvSpPr>
+          <p:cNvPr id="4" name="投影片編號版面配置區 3"/>
+          <p:cNvSpPr>
+            <a:spLocks noGrp="1"/>
+          </p:cNvSpPr>
+          <p:nvPr>
+            <p:ph type="sldNum" sz="quarter" idx="12"/>
+          </p:nvPr>
+        </p:nvSpPr>
+        <p:spPr/>
+        <p:txBody>
+          <a:bodyPr/>
+          <a:lstStyle/>
+          <a:p>
+            <a:fld id="{D0256DAB-F776-1247-8262-D98F626E04EC}" type="slidenum">
+              <a:rPr kumimoji="1" lang="zh-TW" altLang="en-US" smtClean="0"/>
+              <a:t>24</a:t>
+            </a:fld>
+            <a:endParaRPr kumimoji="1" lang="zh-TW" altLang="en-US"/>
+          </a:p>
+        </p:txBody>
+      </p:sp>
+    </p:spTree>
+    <p:extLst>
+      <p:ext uri="{BB962C8B-B14F-4D97-AF65-F5344CB8AC3E}">
+        <p14:creationId xmlns:p14="http://schemas.microsoft.com/office/powerpoint/2010/main" val="3615736512"/>
+      </p:ext>
+    </p:extLst>
+  </p:cSld>
+  <p:clrMapOvr>
+    <a:masterClrMapping/>
+  </p:clrMapOvr>
+  <p:timing>
+    <p:tnLst>
+      <p:par>
+        <p:cTn xmlns:p14="http://schemas.microsoft.com/office/powerpoint/2010/main" id="1" dur="indefinite" restart="never" nodeType="tmRoot"/>
+      </p:par>
+    </p:tnLst>
+  </p:timing>
+</p:sld>
+</file>
+
+<file path=ppt/slides/slide25.xml><?xml version="1.0" encoding="utf-8"?>
+<p:sld xmlns:a="http://schemas.openxmlformats.org/drawingml/2006/main" xmlns:r="http://schemas.openxmlformats.org/officeDocument/2006/relationships" xmlns:p="http://schemas.openxmlformats.org/presentationml/2006/main">
+  <p:cSld>
+    <p:spTree>
+      <p:nvGrpSpPr>
+        <p:cNvPr id="1" name=""/>
+        <p:cNvGrpSpPr/>
+        <p:nvPr/>
+      </p:nvGrpSpPr>
+      <p:grpSpPr>
+        <a:xfrm>
+          <a:off x="0" y="0"/>
+          <a:ext cx="0" cy="0"/>
+          <a:chOff x="0" y="0"/>
+          <a:chExt cx="0" cy="0"/>
+        </a:xfrm>
+      </p:grpSpPr>
+      <p:sp>
+        <p:nvSpPr>
+          <p:cNvPr id="2" name="標題 1"/>
+          <p:cNvSpPr>
+            <a:spLocks noGrp="1"/>
+          </p:cNvSpPr>
+          <p:nvPr>
+            <p:ph type="title"/>
+          </p:nvPr>
+        </p:nvSpPr>
+        <p:spPr/>
+        <p:txBody>
+          <a:bodyPr/>
+          <a:lstStyle/>
+          <a:p>
+            <a:r>
+              <a:rPr kumimoji="1" lang="en-US" altLang="zh-TW" dirty="0" err="1" smtClean="0"/>
+              <a:t>Ipython</a:t>
+            </a:r>
+            <a:r>
+              <a:rPr kumimoji="1" lang="en-US" altLang="zh-TW" dirty="0" smtClean="0"/>
               <a:t> </a:t>
             </a:r>
             <a:r>
-              <a:rPr kumimoji="1" lang="en-US" altLang="zh-TW" dirty="0" smtClean="0"/>
-              <a:t>install</a:t>
-            </a:r>
-            <a:r>
-              <a:rPr kumimoji="1" lang="zh-TW" altLang="en-US" dirty="0" smtClean="0"/>
-              <a:t> </a:t>
+              <a:rPr kumimoji="1" lang="zh-TW" altLang="en-US" dirty="0" smtClean="0"/>
+              <a:t>安裝</a:t>
+            </a:r>
+            <a:endParaRPr kumimoji="1" lang="zh-TW" altLang="en-US" dirty="0"/>
+          </a:p>
+        </p:txBody>
+      </p:sp>
+      <p:sp>
+        <p:nvSpPr>
+          <p:cNvPr id="3" name="內容版面配置區 2"/>
+          <p:cNvSpPr>
+            <a:spLocks noGrp="1"/>
+          </p:cNvSpPr>
+          <p:nvPr>
+            <p:ph idx="1"/>
+          </p:nvPr>
+        </p:nvSpPr>
+        <p:spPr/>
+        <p:txBody>
+          <a:bodyPr/>
+          <a:lstStyle/>
+          <a:p>
+            <a:r>
+              <a:rPr kumimoji="1" lang="zh-TW" altLang="en-US" dirty="0" smtClean="0"/>
+              <a:t>開啟</a:t>
             </a:r>
             <a:r>
               <a:rPr kumimoji="1" lang="en-US" altLang="zh-TW" dirty="0" err="1" smtClean="0"/>
-              <a:t>ipython</a:t>
-            </a:r>
-            <a:r>
-              <a:rPr kumimoji="1" lang="zh-TW" altLang="en-US" dirty="0" smtClean="0"/>
-              <a:t>[</a:t>
-            </a:r>
-            <a:r>
-              <a:rPr kumimoji="1" lang="en-US" altLang="zh-TW" dirty="0" smtClean="0"/>
-              <a:t>notebook]</a:t>
-            </a:r>
+              <a:t>cmd</a:t>
+            </a:r>
+            <a:r>
+              <a:rPr kumimoji="1" lang="zh-TW" altLang="en-US" dirty="0" smtClean="0"/>
+              <a:t>，輸入</a:t>
+            </a:r>
+            <a:endParaRPr kumimoji="1" lang="en-US" altLang="zh-TW" dirty="0" smtClean="0"/>
           </a:p>
           <a:p>
             <a:pPr marL="514350" indent="-514350">
@@ -8494,6 +8661,75 @@
               <a:buAutoNum type="arabicPeriod"/>
             </a:pPr>
             <a:r>
+              <a:rPr kumimoji="1" lang="zh-TW" altLang="zh-TW" dirty="0"/>
+              <a:t>p</a:t>
+            </a:r>
+            <a:r>
+              <a:rPr kumimoji="1" lang="en-US" altLang="zh-TW" dirty="0" err="1" smtClean="0"/>
+              <a:t>ip</a:t>
+            </a:r>
+            <a:r>
+              <a:rPr kumimoji="1" lang="zh-TW" altLang="en-US" dirty="0" smtClean="0"/>
+              <a:t> </a:t>
+            </a:r>
+            <a:r>
+              <a:rPr kumimoji="1" lang="en-US" altLang="zh-TW" dirty="0" smtClean="0"/>
+              <a:t>install</a:t>
+            </a:r>
+            <a:r>
+              <a:rPr kumimoji="1" lang="zh-TW" altLang="en-US" dirty="0" smtClean="0"/>
+              <a:t> </a:t>
+            </a:r>
+            <a:r>
+              <a:rPr kumimoji="1" lang="en-US" altLang="zh-TW" dirty="0" err="1" smtClean="0"/>
+              <a:t>ipython</a:t>
+            </a:r>
+            <a:endParaRPr kumimoji="1" lang="en-US" altLang="zh-TW" dirty="0" smtClean="0"/>
+          </a:p>
+          <a:p>
+            <a:pPr marL="514350" indent="-514350">
+              <a:buFont typeface="+mj-lt"/>
+              <a:buAutoNum type="arabicPeriod"/>
+            </a:pPr>
+            <a:r>
+              <a:rPr kumimoji="1" lang="zh-TW" altLang="zh-TW" dirty="0" smtClean="0"/>
+              <a:t>p</a:t>
+            </a:r>
+            <a:r>
+              <a:rPr kumimoji="1" lang="en-US" altLang="zh-TW" dirty="0" err="1" smtClean="0"/>
+              <a:t>ip</a:t>
+            </a:r>
+            <a:r>
+              <a:rPr kumimoji="1" lang="zh-TW" altLang="en-US" dirty="0" smtClean="0"/>
+              <a:t> </a:t>
+            </a:r>
+            <a:r>
+              <a:rPr kumimoji="1" lang="en-US" altLang="zh-TW" dirty="0" smtClean="0"/>
+              <a:t>install</a:t>
+            </a:r>
+            <a:r>
+              <a:rPr kumimoji="1" lang="zh-TW" altLang="en-US" dirty="0" smtClean="0"/>
+              <a:t> </a:t>
+            </a:r>
+            <a:r>
+              <a:rPr kumimoji="1" lang="en-US" altLang="zh-TW" dirty="0" err="1" smtClean="0"/>
+              <a:t>ipython</a:t>
+            </a:r>
+            <a:r>
+              <a:rPr kumimoji="1" lang="zh-TW" altLang="en-US" dirty="0" smtClean="0"/>
+              <a:t>[</a:t>
+            </a:r>
+            <a:r>
+              <a:rPr kumimoji="1" lang="en-US" altLang="zh-TW" dirty="0" smtClean="0"/>
+              <a:t>notebook]</a:t>
+            </a:r>
+          </a:p>
+          <a:p>
+            <a:pPr marL="514350" indent="-514350">
+              <a:buFont typeface="+mj-lt"/>
+              <a:buAutoNum type="arabicPeriod"/>
+            </a:pPr>
+            <a:r>
               <a:rPr kumimoji="1" lang="en-US" altLang="zh-TW" dirty="0" err="1" smtClean="0"/>
               <a:t>Ipython</a:t>
             </a:r>
@@ -8540,7 +8776,7 @@
           <a:p>
             <a:fld id="{D0256DAB-F776-1247-8262-D98F626E04EC}" type="slidenum">
               <a:rPr kumimoji="1" lang="zh-TW" altLang="en-US" smtClean="0"/>
-              <a:t>24</a:t>
+              <a:t>25</a:t>
             </a:fld>
             <a:endParaRPr kumimoji="1" lang="zh-TW" altLang="en-US"/>
           </a:p>
@@ -8589,7 +8825,7 @@
 </p:sld>
 </file>
 
-<file path=ppt/slides/slide25.xml><?xml version="1.0" encoding="utf-8"?>
+<file path=ppt/slides/slide26.xml><?xml version="1.0" encoding="utf-8"?>
 <p:sld xmlns:a="http://schemas.openxmlformats.org/drawingml/2006/main" xmlns:r="http://schemas.openxmlformats.org/officeDocument/2006/relationships" xmlns:p="http://schemas.openxmlformats.org/presentationml/2006/main">
   <p:cSld>
     <p:spTree>
@@ -8687,7 +8923,7 @@
           <a:p>
             <a:fld id="{D0256DAB-F776-1247-8262-D98F626E04EC}" type="slidenum">
               <a:rPr kumimoji="1" lang="zh-TW" altLang="en-US" smtClean="0"/>
-              <a:t>25</a:t>
+              <a:t>26</a:t>
             </a:fld>
             <a:endParaRPr kumimoji="1" lang="zh-TW" altLang="en-US"/>
           </a:p>
@@ -9078,7 +9314,7 @@
 </p:sld>
 </file>
 
-<file path=ppt/slides/slide26.xml><?xml version="1.0" encoding="utf-8"?>
+<file path=ppt/slides/slide27.xml><?xml version="1.0" encoding="utf-8"?>
 <p:sld xmlns:a="http://schemas.openxmlformats.org/drawingml/2006/main" xmlns:r="http://schemas.openxmlformats.org/officeDocument/2006/relationships" xmlns:p="http://schemas.openxmlformats.org/presentationml/2006/main">
   <p:cSld>
     <p:spTree>
@@ -9311,7 +9547,7 @@
           <a:p>
             <a:fld id="{D0256DAB-F776-1247-8262-D98F626E04EC}" type="slidenum">
               <a:rPr kumimoji="1" lang="zh-TW" altLang="en-US" smtClean="0"/>
-              <a:t>26</a:t>
+              <a:t>27</a:t>
             </a:fld>
             <a:endParaRPr kumimoji="1" lang="zh-TW" altLang="en-US"/>
           </a:p>
@@ -9360,7 +9596,7 @@
 </p:sld>
 </file>
 
-<file path=ppt/slides/slide27.xml><?xml version="1.0" encoding="utf-8"?>
+<file path=ppt/slides/slide28.xml><?xml version="1.0" encoding="utf-8"?>
 <p:sld xmlns:a="http://schemas.openxmlformats.org/drawingml/2006/main" xmlns:r="http://schemas.openxmlformats.org/officeDocument/2006/relationships" xmlns:p="http://schemas.openxmlformats.org/presentationml/2006/main">
   <p:cSld>
     <p:spTree>
@@ -9516,7 +9752,7 @@
           <a:p>
             <a:fld id="{D0256DAB-F776-1247-8262-D98F626E04EC}" type="slidenum">
               <a:rPr kumimoji="1" lang="zh-TW" altLang="en-US" smtClean="0"/>
-              <a:t>27</a:t>
+              <a:t>28</a:t>
             </a:fld>
             <a:endParaRPr kumimoji="1" lang="zh-TW" altLang="en-US"/>
           </a:p>
@@ -9658,11 +9894,7 @@
           <a:p>
             <a:r>
               <a:rPr kumimoji="1" lang="en-US" altLang="zh-TW" dirty="0" smtClean="0"/>
-              <a:t>R</a:t>
-            </a:r>
-            <a:r>
-              <a:rPr kumimoji="1" lang="en-US" altLang="zh-TW" dirty="0" smtClean="0"/>
-              <a:t>equirement</a:t>
+              <a:t>Requirement</a:t>
             </a:r>
             <a:endParaRPr kumimoji="1" lang="zh-TW" altLang="en-US" dirty="0"/>
           </a:p>
@@ -9844,19 +10076,11 @@
           <a:p>
             <a:r>
               <a:rPr kumimoji="1" lang="en-US" altLang="zh-TW" dirty="0" smtClean="0"/>
-              <a:t>Tutorial</a:t>
-            </a:r>
-            <a:r>
-              <a:rPr kumimoji="1" lang="zh-TW" altLang="en-US" dirty="0" smtClean="0"/>
-              <a:t> </a:t>
-            </a:r>
-            <a:r>
-              <a:rPr kumimoji="1" lang="zh-TW" altLang="zh-TW" dirty="0" smtClean="0"/>
-              <a:t>C</a:t>
-            </a:r>
-            <a:r>
-              <a:rPr kumimoji="1" lang="en-US" altLang="zh-TW" dirty="0" err="1" smtClean="0"/>
-              <a:t>ontent</a:t>
+              <a:t>L</a:t>
+            </a:r>
+            <a:r>
+              <a:rPr kumimoji="1" lang="en-US" altLang="zh-TW" dirty="0" smtClean="0"/>
+              <a:t>earning</a:t>
             </a:r>
             <a:endParaRPr kumimoji="1" lang="zh-TW" altLang="en-US" dirty="0"/>
           </a:p>
@@ -9874,55 +10098,98 @@
         </p:nvSpPr>
         <p:spPr/>
         <p:txBody>
-          <a:bodyPr/>
-          <a:lstStyle/>
-          <a:p>
-            <a:r>
-              <a:rPr kumimoji="1" lang="en-US" altLang="zh-TW" dirty="0" smtClean="0"/>
-              <a:t>Introduction</a:t>
-            </a:r>
-          </a:p>
-          <a:p>
-            <a:r>
-              <a:rPr kumimoji="1" lang="en-US" altLang="zh-TW" dirty="0" smtClean="0"/>
-              <a:t>python programing</a:t>
-            </a:r>
-          </a:p>
-          <a:p>
-            <a:r>
-              <a:rPr kumimoji="1" lang="en-US" altLang="zh-TW" dirty="0" smtClean="0"/>
-              <a:t>crawler</a:t>
-            </a:r>
-          </a:p>
-          <a:p>
-            <a:r>
-              <a:rPr kumimoji="1" lang="en-US" altLang="zh-TW" dirty="0" smtClean="0"/>
-              <a:t>DB</a:t>
-            </a:r>
-          </a:p>
-          <a:p>
-            <a:r>
-              <a:rPr kumimoji="1" lang="en-US" altLang="zh-TW" dirty="0" smtClean="0"/>
-              <a:t>preprocessing</a:t>
-            </a:r>
-          </a:p>
-          <a:p>
-            <a:r>
-              <a:rPr kumimoji="1" lang="en-US" altLang="zh-TW" dirty="0" smtClean="0"/>
-              <a:t>model building</a:t>
-            </a:r>
-          </a:p>
-          <a:p>
-            <a:r>
-              <a:rPr kumimoji="1" lang="en-US" altLang="zh-TW" dirty="0" err="1" smtClean="0"/>
-              <a:t>django</a:t>
-            </a:r>
-            <a:r>
-              <a:rPr kumimoji="1" lang="en-US" altLang="zh-TW" dirty="0" smtClean="0"/>
-              <a:t> recommender system</a:t>
-            </a:r>
-          </a:p>
-          <a:p>
+          <a:bodyPr>
+            <a:normAutofit lnSpcReduction="10000"/>
+          </a:bodyPr>
+          <a:lstStyle/>
+          <a:p>
+            <a:pPr lvl="1"/>
+            <a:r>
+              <a:rPr kumimoji="1" lang="zh-TW" altLang="en-US" dirty="0" smtClean="0"/>
+              <a:t>本課程的寫作風格</a:t>
+            </a:r>
+            <a:endParaRPr kumimoji="1" lang="en-US" altLang="zh-TW" dirty="0" smtClean="0"/>
+          </a:p>
+          <a:p>
+            <a:pPr lvl="2"/>
+            <a:r>
+              <a:rPr kumimoji="1" lang="zh-TW" altLang="en-US" dirty="0" smtClean="0"/>
+              <a:t>提問與解答</a:t>
+            </a:r>
+            <a:endParaRPr kumimoji="1" lang="en-US" altLang="zh-TW" dirty="0" smtClean="0"/>
+          </a:p>
+          <a:p>
+            <a:pPr lvl="3"/>
+            <a:r>
+              <a:rPr kumimoji="1" lang="zh-TW" altLang="en-US" dirty="0" smtClean="0"/>
+              <a:t>若有遇到提問的章節，建議可以先想想解法再按下一頁看答案喔！</a:t>
+            </a:r>
+            <a:endParaRPr kumimoji="1" lang="en-US" altLang="zh-TW" dirty="0" smtClean="0"/>
+          </a:p>
+          <a:p>
+            <a:pPr lvl="2"/>
+            <a:r>
+              <a:rPr kumimoji="1" lang="zh-TW" altLang="en-US" dirty="0" smtClean="0"/>
+              <a:t>直接說明</a:t>
+            </a:r>
+            <a:endParaRPr kumimoji="1" lang="en-US" altLang="zh-TW" dirty="0" smtClean="0"/>
+          </a:p>
+          <a:p>
+            <a:pPr lvl="3"/>
+            <a:r>
+              <a:rPr kumimoji="1" lang="zh-TW" altLang="en-US" dirty="0" smtClean="0"/>
+              <a:t>直接說明的章節通常都是很簡單的部份，只要試著打打看</a:t>
+            </a:r>
+            <a:r>
+              <a:rPr kumimoji="1" lang="en-US" altLang="zh-TW" dirty="0" smtClean="0"/>
+              <a:t>code</a:t>
+            </a:r>
+            <a:r>
+              <a:rPr kumimoji="1" lang="zh-TW" altLang="en-US" dirty="0" smtClean="0"/>
+              <a:t>，通常就能了解程式碼在做什麼</a:t>
+            </a:r>
+            <a:endParaRPr kumimoji="1" lang="en-US" altLang="zh-TW" dirty="0" smtClean="0"/>
+          </a:p>
+          <a:p>
+            <a:pPr lvl="3"/>
+            <a:r>
+              <a:rPr kumimoji="1" lang="zh-TW" altLang="en-US" dirty="0" smtClean="0"/>
+              <a:t>這些</a:t>
+            </a:r>
+            <a:r>
+              <a:rPr kumimoji="1" lang="en-US" altLang="zh-TW" dirty="0" smtClean="0"/>
+              <a:t>code</a:t>
+            </a:r>
+            <a:r>
+              <a:rPr kumimoji="1" lang="zh-TW" altLang="en-US" dirty="0" smtClean="0"/>
+              <a:t>大多都是後續會使用到的</a:t>
+            </a:r>
+            <a:r>
+              <a:rPr kumimoji="1" lang="en-US" altLang="zh-TW" dirty="0" smtClean="0"/>
+              <a:t>code</a:t>
+            </a:r>
+          </a:p>
+          <a:p>
+            <a:pPr lvl="3"/>
+            <a:r>
+              <a:rPr kumimoji="1" lang="zh-TW" altLang="en-US" dirty="0" smtClean="0"/>
+              <a:t>少量為值得提起，但後續不會用到的</a:t>
+            </a:r>
+            <a:endParaRPr kumimoji="1" lang="en-US" altLang="zh-TW" dirty="0" smtClean="0"/>
+          </a:p>
+          <a:p>
+            <a:pPr lvl="1"/>
+            <a:r>
+              <a:rPr kumimoji="1" lang="en-US" altLang="zh-TW" dirty="0" smtClean="0"/>
+              <a:t>Code</a:t>
+            </a:r>
+          </a:p>
+          <a:p>
+            <a:pPr lvl="2"/>
+            <a:r>
+              <a:rPr kumimoji="1" lang="zh-TW" altLang="en-US" dirty="0" smtClean="0"/>
+              <a:t>本課程的程式碼皆為可執行的，若遇到不清楚的程式碼，建議可以獨立出來執行看看會發生什麼事喔！</a:t>
+            </a:r>
             <a:endParaRPr kumimoji="1" lang="zh-TW" altLang="en-US" dirty="0"/>
           </a:p>
         </p:txBody>
@@ -9953,20 +10220,13 @@
     </p:spTree>
     <p:extLst>
       <p:ext uri="{BB962C8B-B14F-4D97-AF65-F5344CB8AC3E}">
-        <p14:creationId xmlns:p14="http://schemas.microsoft.com/office/powerpoint/2010/main" val="3906212524"/>
+        <p14:creationId xmlns:p14="http://schemas.microsoft.com/office/powerpoint/2010/main" val="1253492316"/>
       </p:ext>
     </p:extLst>
   </p:cSld>
   <p:clrMapOvr>
     <a:masterClrMapping/>
   </p:clrMapOvr>
-  <p:timing>
-    <p:tnLst>
-      <p:par>
-        <p:cTn xmlns:p14="http://schemas.microsoft.com/office/powerpoint/2010/main" id="1" dur="indefinite" restart="never" nodeType="tmRoot"/>
-      </p:par>
-    </p:tnLst>
-  </p:timing>
 </p:sld>
 </file>
 
@@ -9994,7 +10254,7 @@
             <a:spLocks noGrp="1"/>
           </p:cNvSpPr>
           <p:nvPr>
-            <p:ph type="ctrTitle"/>
+            <p:ph type="title"/>
           </p:nvPr>
         </p:nvSpPr>
         <p:spPr/>
@@ -10004,20 +10264,97 @@
           <a:p>
             <a:r>
               <a:rPr kumimoji="1" lang="en-US" altLang="zh-TW" dirty="0" smtClean="0"/>
+              <a:t>Tutorial</a:t>
+            </a:r>
+            <a:r>
+              <a:rPr kumimoji="1" lang="zh-TW" altLang="en-US" dirty="0" smtClean="0"/>
+              <a:t> </a:t>
+            </a:r>
+            <a:r>
+              <a:rPr kumimoji="1" lang="zh-TW" altLang="zh-TW" dirty="0" smtClean="0"/>
+              <a:t>C</a:t>
+            </a:r>
+            <a:r>
+              <a:rPr kumimoji="1" lang="en-US" altLang="zh-TW" dirty="0" err="1" smtClean="0"/>
+              <a:t>ontent</a:t>
+            </a:r>
+            <a:endParaRPr kumimoji="1" lang="zh-TW" altLang="en-US" dirty="0"/>
+          </a:p>
+        </p:txBody>
+      </p:sp>
+      <p:sp>
+        <p:nvSpPr>
+          <p:cNvPr id="3" name="內容版面配置區 2"/>
+          <p:cNvSpPr>
+            <a:spLocks noGrp="1"/>
+          </p:cNvSpPr>
+          <p:nvPr>
+            <p:ph idx="1"/>
+          </p:nvPr>
+        </p:nvSpPr>
+        <p:spPr/>
+        <p:txBody>
+          <a:bodyPr/>
+          <a:lstStyle/>
+          <a:p>
+            <a:r>
+              <a:rPr kumimoji="1" lang="en-US" altLang="zh-TW" dirty="0" smtClean="0"/>
               <a:t>Introduction</a:t>
             </a:r>
+          </a:p>
+          <a:p>
+            <a:r>
+              <a:rPr kumimoji="1" lang="en-US" altLang="zh-TW" dirty="0" smtClean="0"/>
+              <a:t>python programing</a:t>
+            </a:r>
+          </a:p>
+          <a:p>
+            <a:r>
+              <a:rPr kumimoji="1" lang="en-US" altLang="zh-TW" dirty="0" smtClean="0"/>
+              <a:t>crawler</a:t>
+            </a:r>
+          </a:p>
+          <a:p>
+            <a:r>
+              <a:rPr kumimoji="1" lang="en-US" altLang="zh-TW" dirty="0" smtClean="0"/>
+              <a:t>DB</a:t>
+            </a:r>
+          </a:p>
+          <a:p>
+            <a:r>
+              <a:rPr kumimoji="1" lang="en-US" altLang="zh-TW" dirty="0" smtClean="0"/>
+              <a:t>preprocessing</a:t>
+            </a:r>
+          </a:p>
+          <a:p>
+            <a:r>
+              <a:rPr kumimoji="1" lang="en-US" altLang="zh-TW" dirty="0" smtClean="0"/>
+              <a:t>model building</a:t>
+            </a:r>
+          </a:p>
+          <a:p>
+            <a:r>
+              <a:rPr kumimoji="1" lang="en-US" altLang="zh-TW" dirty="0" err="1" smtClean="0"/>
+              <a:t>django</a:t>
+            </a:r>
+            <a:r>
+              <a:rPr kumimoji="1" lang="en-US" altLang="zh-TW" dirty="0" smtClean="0"/>
+              <a:t> recommender system</a:t>
+            </a:r>
+          </a:p>
+          <a:p>
             <a:endParaRPr kumimoji="1" lang="zh-TW" altLang="en-US" dirty="0"/>
           </a:p>
         </p:txBody>
       </p:sp>
       <p:sp>
         <p:nvSpPr>
-          <p:cNvPr id="3" name="子標題 2"/>
-          <p:cNvSpPr>
-            <a:spLocks noGrp="1"/>
-          </p:cNvSpPr>
-          <p:nvPr>
-            <p:ph type="subTitle" idx="1"/>
+          <p:cNvPr id="4" name="投影片編號版面配置區 3"/>
+          <p:cNvSpPr>
+            <a:spLocks noGrp="1"/>
+          </p:cNvSpPr>
+          <p:nvPr>
+            <p:ph type="sldNum" sz="quarter" idx="12"/>
           </p:nvPr>
         </p:nvSpPr>
         <p:spPr/>
@@ -10025,6 +10362,10 @@
           <a:bodyPr/>
           <a:lstStyle/>
           <a:p>
+            <a:fld id="{D0256DAB-F776-1247-8262-D98F626E04EC}" type="slidenum">
+              <a:rPr kumimoji="1" lang="zh-TW" altLang="en-US" smtClean="0"/>
+              <a:t>5</a:t>
+            </a:fld>
             <a:endParaRPr kumimoji="1" lang="zh-TW" altLang="en-US"/>
           </a:p>
         </p:txBody>
@@ -10032,7 +10373,7 @@
     </p:spTree>
     <p:extLst>
       <p:ext uri="{BB962C8B-B14F-4D97-AF65-F5344CB8AC3E}">
-        <p14:creationId xmlns:p14="http://schemas.microsoft.com/office/powerpoint/2010/main" val="2948426396"/>
+        <p14:creationId xmlns:p14="http://schemas.microsoft.com/office/powerpoint/2010/main" val="3906212524"/>
       </p:ext>
     </p:extLst>
   </p:cSld>
@@ -10073,6 +10414,85 @@
             <a:spLocks noGrp="1"/>
           </p:cNvSpPr>
           <p:nvPr>
+            <p:ph type="ctrTitle"/>
+          </p:nvPr>
+        </p:nvSpPr>
+        <p:spPr/>
+        <p:txBody>
+          <a:bodyPr/>
+          <a:lstStyle/>
+          <a:p>
+            <a:r>
+              <a:rPr kumimoji="1" lang="en-US" altLang="zh-TW" dirty="0" smtClean="0"/>
+              <a:t>Introduction</a:t>
+            </a:r>
+            <a:endParaRPr kumimoji="1" lang="zh-TW" altLang="en-US" dirty="0"/>
+          </a:p>
+        </p:txBody>
+      </p:sp>
+      <p:sp>
+        <p:nvSpPr>
+          <p:cNvPr id="3" name="子標題 2"/>
+          <p:cNvSpPr>
+            <a:spLocks noGrp="1"/>
+          </p:cNvSpPr>
+          <p:nvPr>
+            <p:ph type="subTitle" idx="1"/>
+          </p:nvPr>
+        </p:nvSpPr>
+        <p:spPr/>
+        <p:txBody>
+          <a:bodyPr/>
+          <a:lstStyle/>
+          <a:p>
+            <a:endParaRPr kumimoji="1" lang="zh-TW" altLang="en-US"/>
+          </a:p>
+        </p:txBody>
+      </p:sp>
+    </p:spTree>
+    <p:extLst>
+      <p:ext uri="{BB962C8B-B14F-4D97-AF65-F5344CB8AC3E}">
+        <p14:creationId xmlns:p14="http://schemas.microsoft.com/office/powerpoint/2010/main" val="2948426396"/>
+      </p:ext>
+    </p:extLst>
+  </p:cSld>
+  <p:clrMapOvr>
+    <a:masterClrMapping/>
+  </p:clrMapOvr>
+  <p:timing>
+    <p:tnLst>
+      <p:par>
+        <p:cTn xmlns:p14="http://schemas.microsoft.com/office/powerpoint/2010/main" id="1" dur="indefinite" restart="never" nodeType="tmRoot"/>
+      </p:par>
+    </p:tnLst>
+  </p:timing>
+</p:sld>
+</file>
+
+<file path=ppt/slides/slide7.xml><?xml version="1.0" encoding="utf-8"?>
+<p:sld xmlns:a="http://schemas.openxmlformats.org/drawingml/2006/main" xmlns:r="http://schemas.openxmlformats.org/officeDocument/2006/relationships" xmlns:p="http://schemas.openxmlformats.org/presentationml/2006/main">
+  <p:cSld>
+    <p:spTree>
+      <p:nvGrpSpPr>
+        <p:cNvPr id="1" name=""/>
+        <p:cNvGrpSpPr/>
+        <p:nvPr/>
+      </p:nvGrpSpPr>
+      <p:grpSpPr>
+        <a:xfrm>
+          <a:off x="0" y="0"/>
+          <a:ext cx="0" cy="0"/>
+          <a:chOff x="0" y="0"/>
+          <a:chExt cx="0" cy="0"/>
+        </a:xfrm>
+      </p:grpSpPr>
+      <p:sp>
+        <p:nvSpPr>
+          <p:cNvPr id="2" name="標題 1"/>
+          <p:cNvSpPr>
+            <a:spLocks noGrp="1"/>
+          </p:cNvSpPr>
+          <p:nvPr>
             <p:ph type="title"/>
           </p:nvPr>
         </p:nvSpPr>
@@ -10114,27 +10534,11 @@
           <a:p>
             <a:r>
               <a:rPr kumimoji="1" lang="zh-TW" altLang="en-US" dirty="0" smtClean="0"/>
-              <a:t>如果</a:t>
-            </a:r>
-            <a:r>
-              <a:rPr kumimoji="1" lang="zh-TW" altLang="en-US" dirty="0" smtClean="0"/>
-              <a:t>將</a:t>
-            </a:r>
-            <a:r>
-              <a:rPr kumimoji="1" lang="zh-TW" altLang="en-US" dirty="0" smtClean="0"/>
-              <a:t>程式語言</a:t>
-            </a:r>
-            <a:r>
-              <a:rPr kumimoji="1" lang="zh-TW" altLang="en-US" dirty="0" smtClean="0"/>
-              <a:t>比擬成姑娘</a:t>
-            </a:r>
-            <a:r>
-              <a:rPr kumimoji="1" lang="en-US" altLang="zh-TW" dirty="0" smtClean="0"/>
-              <a:t>…</a:t>
-            </a:r>
-            <a:r>
-              <a:rPr kumimoji="1" lang="en-US" altLang="zh-TW" dirty="0" smtClean="0"/>
-              <a:t>.</a:t>
+              <a:t>如果將程式語言比擬成姑娘</a:t>
+            </a:r>
+            <a:r>
+              <a:rPr kumimoji="1" lang="en-US" altLang="zh-TW" dirty="0" smtClean="0"/>
+              <a:t>….</a:t>
             </a:r>
           </a:p>
           <a:p>
@@ -10152,19 +10556,7 @@
             </a:r>
             <a:r>
               <a:rPr kumimoji="1" lang="zh-TW" altLang="en-US" dirty="0" smtClean="0"/>
-              <a:t>一個懂事的</a:t>
-            </a:r>
-            <a:r>
-              <a:rPr kumimoji="1" lang="zh-TW" altLang="en-US" dirty="0" smtClean="0"/>
-              <a:t>漂亮模特兒</a:t>
-            </a:r>
-            <a:r>
-              <a:rPr kumimoji="1" lang="zh-TW" altLang="en-US" dirty="0" smtClean="0"/>
-              <a:t>啊</a:t>
-            </a:r>
-            <a:r>
-              <a:rPr kumimoji="1" lang="zh-TW" altLang="en-US" dirty="0" smtClean="0"/>
-              <a:t>！</a:t>
+              <a:t>一個懂事的漂亮模特兒啊！</a:t>
             </a:r>
             <a:endParaRPr kumimoji="1" lang="en-US" altLang="zh-TW" dirty="0" smtClean="0"/>
           </a:p>
@@ -10201,7 +10593,7 @@
           <a:p>
             <a:fld id="{D0256DAB-F776-1247-8262-D98F626E04EC}" type="slidenum">
               <a:rPr kumimoji="1" lang="zh-TW" altLang="en-US" smtClean="0"/>
-              <a:t>6</a:t>
+              <a:t>7</a:t>
             </a:fld>
             <a:endParaRPr kumimoji="1" lang="zh-TW" altLang="en-US"/>
           </a:p>
@@ -10449,7 +10841,7 @@
 </p:sld>
 </file>
 
-<file path=ppt/slides/slide7.xml><?xml version="1.0" encoding="utf-8"?>
+<file path=ppt/slides/slide8.xml><?xml version="1.0" encoding="utf-8"?>
 <p:sld xmlns:a="http://schemas.openxmlformats.org/drawingml/2006/main" xmlns:r="http://schemas.openxmlformats.org/officeDocument/2006/relationships" xmlns:p="http://schemas.openxmlformats.org/presentationml/2006/main">
   <p:cSld>
     <p:spTree>
@@ -10700,7 +11092,7 @@
           <a:p>
             <a:fld id="{D0256DAB-F776-1247-8262-D98F626E04EC}" type="slidenum">
               <a:rPr kumimoji="1" lang="zh-TW" altLang="en-US" smtClean="0"/>
-              <a:t>7</a:t>
+              <a:t>8</a:t>
             </a:fld>
             <a:endParaRPr kumimoji="1" lang="zh-TW" altLang="en-US"/>
           </a:p>
@@ -10751,230 +11143,6 @@
 </p:sld>
 </file>
 
-<file path=ppt/slides/slide8.xml><?xml version="1.0" encoding="utf-8"?>
-<p:sld xmlns:a="http://schemas.openxmlformats.org/drawingml/2006/main" xmlns:r="http://schemas.openxmlformats.org/officeDocument/2006/relationships" xmlns:p="http://schemas.openxmlformats.org/presentationml/2006/main">
-  <p:cSld>
-    <p:spTree>
-      <p:nvGrpSpPr>
-        <p:cNvPr id="1" name=""/>
-        <p:cNvGrpSpPr/>
-        <p:nvPr/>
-      </p:nvGrpSpPr>
-      <p:grpSpPr>
-        <a:xfrm>
-          <a:off x="0" y="0"/>
-          <a:ext cx="0" cy="0"/>
-          <a:chOff x="0" y="0"/>
-          <a:chExt cx="0" cy="0"/>
-        </a:xfrm>
-      </p:grpSpPr>
-      <p:sp>
-        <p:nvSpPr>
-          <p:cNvPr id="2" name="標題 1"/>
-          <p:cNvSpPr>
-            <a:spLocks noGrp="1"/>
-          </p:cNvSpPr>
-          <p:nvPr>
-            <p:ph type="title"/>
-          </p:nvPr>
-        </p:nvSpPr>
-        <p:spPr/>
-        <p:txBody>
-          <a:bodyPr/>
-          <a:lstStyle/>
-          <a:p>
-            <a:r>
-              <a:rPr kumimoji="1" lang="en-US" altLang="zh-TW" dirty="0" smtClean="0"/>
-              <a:t>Python</a:t>
-            </a:r>
-            <a:r>
-              <a:rPr kumimoji="1" lang="zh-TW" altLang="en-US" dirty="0" smtClean="0"/>
-              <a:t>的語言美學</a:t>
-            </a:r>
-            <a:endParaRPr kumimoji="1" lang="zh-TW" altLang="en-US" dirty="0"/>
-          </a:p>
-        </p:txBody>
-      </p:sp>
-      <p:sp>
-        <p:nvSpPr>
-          <p:cNvPr id="3" name="內容版面配置區 2"/>
-          <p:cNvSpPr>
-            <a:spLocks noGrp="1"/>
-          </p:cNvSpPr>
-          <p:nvPr>
-            <p:ph idx="1"/>
-          </p:nvPr>
-        </p:nvSpPr>
-        <p:spPr>
-          <a:xfrm>
-            <a:off x="457200" y="1600200"/>
-            <a:ext cx="8229600" cy="4756150"/>
-          </a:xfrm>
-        </p:spPr>
-        <p:txBody>
-          <a:bodyPr>
-            <a:normAutofit fontScale="77500" lnSpcReduction="20000"/>
-          </a:bodyPr>
-          <a:lstStyle/>
-          <a:p>
-            <a:r>
-              <a:rPr kumimoji="1" lang="zh-TW" altLang="en-US" dirty="0" smtClean="0"/>
-              <a:t>語法中不需用分號來隔開指令</a:t>
-            </a:r>
-            <a:endParaRPr kumimoji="1" lang="en-US" altLang="zh-TW" dirty="0" smtClean="0"/>
-          </a:p>
-          <a:p>
-            <a:pPr lvl="1"/>
-            <a:r>
-              <a:rPr kumimoji="1" lang="zh-TW" altLang="en-US" dirty="0" smtClean="0"/>
-              <a:t>而是直接換行來表示指令</a:t>
-            </a:r>
-            <a:endParaRPr kumimoji="1" lang="en-US" altLang="zh-TW" dirty="0" smtClean="0"/>
-          </a:p>
-          <a:p>
-            <a:r>
-              <a:rPr kumimoji="1" lang="zh-TW" altLang="en-US" dirty="0" smtClean="0"/>
-              <a:t>面對迴圈，或條件判斷式</a:t>
-            </a:r>
-            <a:endParaRPr kumimoji="1" lang="en-US" altLang="zh-TW" dirty="0" smtClean="0"/>
-          </a:p>
-          <a:p>
-            <a:pPr lvl="1"/>
-            <a:r>
-              <a:rPr kumimoji="1" lang="zh-TW" altLang="en-US" dirty="0" smtClean="0"/>
-              <a:t>不以大括號來控制要執行的範圍</a:t>
-            </a:r>
-            <a:endParaRPr kumimoji="1" lang="en-US" altLang="zh-TW" dirty="0"/>
-          </a:p>
-          <a:p>
-            <a:pPr lvl="1"/>
-            <a:r>
-              <a:rPr kumimoji="1" lang="zh-TW" altLang="en-US" dirty="0" smtClean="0"/>
-              <a:t>用縮排來控制要執行的範圍</a:t>
-            </a:r>
-            <a:endParaRPr kumimoji="1" lang="en-US" altLang="zh-TW" dirty="0" smtClean="0"/>
-          </a:p>
-          <a:p>
-            <a:r>
-              <a:rPr kumimoji="1" lang="zh-TW" altLang="en-US" dirty="0" smtClean="0"/>
-              <a:t>宣告變數時不需特別寫出型態</a:t>
-            </a:r>
-            <a:endParaRPr kumimoji="1" lang="en-US" altLang="zh-TW" dirty="0" smtClean="0"/>
-          </a:p>
-          <a:p>
-            <a:r>
-              <a:rPr kumimoji="1" lang="zh-TW" altLang="en-US" dirty="0" smtClean="0"/>
-              <a:t>宣告</a:t>
-            </a:r>
-            <a:r>
-              <a:rPr kumimoji="1" lang="en-US" altLang="zh-TW" dirty="0" smtClean="0"/>
-              <a:t>function</a:t>
-            </a:r>
-            <a:r>
-              <a:rPr kumimoji="1" lang="zh-TW" altLang="en-US" dirty="0" smtClean="0"/>
-              <a:t>時不需特別擔心</a:t>
-            </a:r>
-            <a:endParaRPr kumimoji="1" lang="en-US" altLang="zh-TW" dirty="0" smtClean="0"/>
-          </a:p>
-          <a:p>
-            <a:pPr lvl="1"/>
-            <a:r>
-              <a:rPr kumimoji="1" lang="zh-TW" altLang="en-US" dirty="0" smtClean="0"/>
-              <a:t>宣告型態</a:t>
-            </a:r>
-            <a:endParaRPr kumimoji="1" lang="en-US" altLang="zh-TW" dirty="0" smtClean="0"/>
-          </a:p>
-          <a:p>
-            <a:pPr lvl="1"/>
-            <a:r>
-              <a:rPr kumimoji="1" lang="zh-TW" altLang="en-US" dirty="0" smtClean="0"/>
-              <a:t>回傳型態</a:t>
-            </a:r>
-            <a:endParaRPr kumimoji="1" lang="en-US" altLang="zh-TW" dirty="0" smtClean="0"/>
-          </a:p>
-          <a:p>
-            <a:pPr lvl="1"/>
-            <a:r>
-              <a:rPr kumimoji="1" lang="zh-TW" altLang="en-US" dirty="0" smtClean="0"/>
-              <a:t>輸入參數的型態</a:t>
-            </a:r>
-            <a:endParaRPr kumimoji="1" lang="en-US" altLang="zh-TW" dirty="0" smtClean="0"/>
-          </a:p>
-          <a:p>
-            <a:r>
-              <a:rPr kumimoji="1" lang="en-US" altLang="zh-TW" dirty="0" smtClean="0"/>
-              <a:t>…</a:t>
-            </a:r>
-          </a:p>
-          <a:p>
-            <a:r>
-              <a:rPr kumimoji="1" lang="en-US" altLang="zh-TW" b="1" dirty="0" smtClean="0">
-                <a:solidFill>
-                  <a:srgbClr val="FF0000"/>
-                </a:solidFill>
-              </a:rPr>
-              <a:t>BTW</a:t>
-            </a:r>
-            <a:r>
-              <a:rPr kumimoji="1" lang="zh-TW" altLang="en-US" b="1" dirty="0" smtClean="0">
-                <a:solidFill>
-                  <a:srgbClr val="FF0000"/>
-                </a:solidFill>
-              </a:rPr>
-              <a:t>，縮排是非常重要的！！</a:t>
-            </a:r>
-            <a:endParaRPr kumimoji="1" lang="en-US" altLang="zh-TW" b="1" dirty="0" smtClean="0">
-              <a:solidFill>
-                <a:srgbClr val="FF0000"/>
-              </a:solidFill>
-            </a:endParaRPr>
-          </a:p>
-          <a:p>
-            <a:pPr lvl="1"/>
-            <a:r>
-              <a:rPr kumimoji="1" lang="zh-TW" altLang="en-US" dirty="0" smtClean="0"/>
-              <a:t>縮排沒縮好，程式便會執行到奇怪的東西！</a:t>
-            </a:r>
-            <a:endParaRPr kumimoji="1" lang="zh-TW" altLang="en-US" dirty="0"/>
-          </a:p>
-        </p:txBody>
-      </p:sp>
-      <p:sp>
-        <p:nvSpPr>
-          <p:cNvPr id="4" name="投影片編號版面配置區 3"/>
-          <p:cNvSpPr>
-            <a:spLocks noGrp="1"/>
-          </p:cNvSpPr>
-          <p:nvPr>
-            <p:ph type="sldNum" sz="quarter" idx="12"/>
-          </p:nvPr>
-        </p:nvSpPr>
-        <p:spPr/>
-        <p:txBody>
-          <a:bodyPr/>
-          <a:lstStyle/>
-          <a:p>
-            <a:fld id="{D0256DAB-F776-1247-8262-D98F626E04EC}" type="slidenum">
-              <a:rPr kumimoji="1" lang="zh-TW" altLang="en-US" smtClean="0"/>
-              <a:t>8</a:t>
-            </a:fld>
-            <a:endParaRPr kumimoji="1" lang="zh-TW" altLang="en-US"/>
-          </a:p>
-        </p:txBody>
-      </p:sp>
-    </p:spTree>
-    <p:extLst>
-      <p:ext uri="{BB962C8B-B14F-4D97-AF65-F5344CB8AC3E}">
-        <p14:creationId xmlns:p14="http://schemas.microsoft.com/office/powerpoint/2010/main" val="3406506341"/>
-      </p:ext>
-    </p:extLst>
-  </p:cSld>
-  <p:clrMapOvr>
-    <a:masterClrMapping/>
-  </p:clrMapOvr>
-</p:sld>
-</file>
-
 <file path=ppt/slides/slide9.xml><?xml version="1.0" encoding="utf-8"?>
 <p:sld xmlns:a="http://schemas.openxmlformats.org/drawingml/2006/main" xmlns:r="http://schemas.openxmlformats.org/officeDocument/2006/relationships" xmlns:p="http://schemas.openxmlformats.org/presentationml/2006/main">
   <p:cSld>
@@ -11009,7 +11177,11 @@
           <a:p>
             <a:r>
               <a:rPr kumimoji="1" lang="en-US" altLang="zh-TW" dirty="0" smtClean="0"/>
-              <a:t>Performance</a:t>
+              <a:t>Python</a:t>
+            </a:r>
+            <a:r>
+              <a:rPr kumimoji="1" lang="zh-TW" altLang="en-US" dirty="0" smtClean="0"/>
+              <a:t>的語言美學</a:t>
             </a:r>
             <a:endParaRPr kumimoji="1" lang="zh-TW" altLang="en-US" dirty="0"/>
           </a:p>
@@ -11025,77 +11197,102 @@
             <p:ph idx="1"/>
           </p:nvPr>
         </p:nvSpPr>
-        <p:spPr/>
+        <p:spPr>
+          <a:xfrm>
+            <a:off x="457200" y="1600200"/>
+            <a:ext cx="8229600" cy="4756150"/>
+          </a:xfrm>
+        </p:spPr>
         <p:txBody>
           <a:bodyPr>
-            <a:normAutofit lnSpcReduction="10000"/>
+            <a:normAutofit fontScale="77500" lnSpcReduction="20000"/>
           </a:bodyPr>
           <a:lstStyle/>
           <a:p>
             <a:r>
               <a:rPr kumimoji="1" lang="zh-TW" altLang="en-US" dirty="0" smtClean="0"/>
-              <a:t>由於是直譯式語言，因此執行速度上比編譯式語言慢</a:t>
-            </a:r>
-            <a:r>
-              <a:rPr kumimoji="1" lang="en-US" altLang="zh-TW" dirty="0" smtClean="0"/>
-              <a:t>(C,C++,Java…)</a:t>
-            </a:r>
-          </a:p>
-          <a:p>
-            <a:r>
-              <a:rPr kumimoji="1" lang="zh-TW" altLang="en-US" dirty="0" smtClean="0"/>
-              <a:t>如果重視開發速度</a:t>
-            </a:r>
-            <a:r>
-              <a:rPr kumimoji="1" lang="en-US" altLang="zh-TW" dirty="0" smtClean="0"/>
-              <a:t>:</a:t>
-            </a:r>
-            <a:r>
-              <a:rPr kumimoji="1" lang="zh-TW" altLang="en-US" dirty="0" smtClean="0"/>
-              <a:t> </a:t>
-            </a:r>
-            <a:r>
-              <a:rPr kumimoji="1" lang="en-US" altLang="zh-TW" dirty="0" smtClean="0"/>
-              <a:t>Python</a:t>
-            </a:r>
-          </a:p>
-          <a:p>
-            <a:r>
-              <a:rPr kumimoji="1" lang="zh-TW" altLang="en-US" dirty="0" smtClean="0"/>
-              <a:t>如果重視程式效能</a:t>
-            </a:r>
-            <a:r>
-              <a:rPr kumimoji="1" lang="en-US" altLang="zh-TW" dirty="0" smtClean="0"/>
-              <a:t>:</a:t>
-            </a:r>
-            <a:r>
-              <a:rPr kumimoji="1" lang="zh-TW" altLang="en-US" dirty="0" smtClean="0"/>
-              <a:t> </a:t>
-            </a:r>
-            <a:r>
-              <a:rPr kumimoji="1" lang="en-US" altLang="zh-TW" dirty="0" smtClean="0"/>
-              <a:t>C,</a:t>
-            </a:r>
-            <a:r>
-              <a:rPr kumimoji="1" lang="zh-TW" altLang="en-US" dirty="0" smtClean="0"/>
-              <a:t> </a:t>
-            </a:r>
-            <a:r>
-              <a:rPr kumimoji="1" lang="en-US" altLang="zh-TW" dirty="0" smtClean="0"/>
-              <a:t>C++,</a:t>
-            </a:r>
-            <a:r>
-              <a:rPr kumimoji="1" lang="zh-TW" altLang="en-US" dirty="0" smtClean="0"/>
-              <a:t> </a:t>
-            </a:r>
-            <a:r>
-              <a:rPr kumimoji="1" lang="en-US" altLang="zh-TW" dirty="0" smtClean="0"/>
-              <a:t>Java</a:t>
-            </a:r>
-            <a:r>
-              <a:rPr kumimoji="1" lang="zh-TW" altLang="en-US" dirty="0" smtClean="0"/>
-              <a:t> </a:t>
-            </a:r>
+              <a:t>語法中不需用分號來隔開指令</a:t>
+            </a:r>
+            <a:endParaRPr kumimoji="1" lang="en-US" altLang="zh-TW" dirty="0" smtClean="0"/>
+          </a:p>
+          <a:p>
+            <a:pPr lvl="1"/>
+            <a:r>
+              <a:rPr kumimoji="1" lang="zh-TW" altLang="en-US" dirty="0" smtClean="0"/>
+              <a:t>而是直接換行來表示指令</a:t>
+            </a:r>
+            <a:endParaRPr kumimoji="1" lang="en-US" altLang="zh-TW" dirty="0" smtClean="0"/>
+          </a:p>
+          <a:p>
+            <a:r>
+              <a:rPr kumimoji="1" lang="zh-TW" altLang="en-US" dirty="0" smtClean="0"/>
+              <a:t>面對迴圈，或條件判斷式</a:t>
+            </a:r>
+            <a:endParaRPr kumimoji="1" lang="en-US" altLang="zh-TW" dirty="0" smtClean="0"/>
+          </a:p>
+          <a:p>
+            <a:pPr lvl="1"/>
+            <a:r>
+              <a:rPr kumimoji="1" lang="zh-TW" altLang="en-US" dirty="0" smtClean="0"/>
+              <a:t>不以大括號來控制要執行的範圍</a:t>
+            </a:r>
+            <a:endParaRPr kumimoji="1" lang="en-US" altLang="zh-TW" dirty="0"/>
+          </a:p>
+          <a:p>
+            <a:pPr lvl="1"/>
+            <a:r>
+              <a:rPr kumimoji="1" lang="zh-TW" altLang="en-US" dirty="0" smtClean="0"/>
+              <a:t>用縮排來控制要執行的範圍</a:t>
+            </a:r>
+            <a:endParaRPr kumimoji="1" lang="en-US" altLang="zh-TW" dirty="0" smtClean="0"/>
+          </a:p>
+          <a:p>
+            <a:r>
+              <a:rPr kumimoji="1" lang="zh-TW" altLang="en-US" dirty="0" smtClean="0"/>
+              <a:t>宣告變數時不需特別寫出型態</a:t>
+            </a:r>
+            <a:endParaRPr kumimoji="1" lang="en-US" altLang="zh-TW" dirty="0" smtClean="0"/>
+          </a:p>
+          <a:p>
+            <a:r>
+              <a:rPr kumimoji="1" lang="zh-TW" altLang="en-US" dirty="0" smtClean="0"/>
+              <a:t>宣告</a:t>
+            </a:r>
+            <a:r>
+              <a:rPr kumimoji="1" lang="en-US" altLang="zh-TW" dirty="0" smtClean="0"/>
+              <a:t>function</a:t>
+            </a:r>
+            <a:r>
+              <a:rPr kumimoji="1" lang="zh-TW" altLang="en-US" dirty="0" smtClean="0"/>
+              <a:t>時不需特別擔心</a:t>
+            </a:r>
+            <a:endParaRPr kumimoji="1" lang="en-US" altLang="zh-TW" dirty="0" smtClean="0"/>
+          </a:p>
+          <a:p>
+            <a:pPr lvl="1"/>
+            <a:r>
+              <a:rPr kumimoji="1" lang="zh-TW" altLang="en-US" dirty="0" smtClean="0"/>
+              <a:t>宣告型態</a:t>
+            </a:r>
+            <a:endParaRPr kumimoji="1" lang="en-US" altLang="zh-TW" dirty="0" smtClean="0"/>
+          </a:p>
+          <a:p>
+            <a:pPr lvl="1"/>
+            <a:r>
+              <a:rPr kumimoji="1" lang="zh-TW" altLang="en-US" dirty="0" smtClean="0"/>
+              <a:t>回傳型態</a:t>
+            </a:r>
+            <a:endParaRPr kumimoji="1" lang="en-US" altLang="zh-TW" dirty="0" smtClean="0"/>
+          </a:p>
+          <a:p>
+            <a:pPr lvl="1"/>
+            <a:r>
+              <a:rPr kumimoji="1" lang="zh-TW" altLang="en-US" dirty="0" smtClean="0"/>
+              <a:t>輸入參數的型態</a:t>
+            </a:r>
+            <a:endParaRPr kumimoji="1" lang="en-US" altLang="zh-TW" dirty="0" smtClean="0"/>
+          </a:p>
+          <a:p>
             <a:r>
               <a:rPr kumimoji="1" lang="en-US" altLang="zh-TW" dirty="0" smtClean="0"/>
               <a:t>…</a:t>
@@ -11103,74 +11300,33 @@
           </a:p>
           <a:p>
             <a:r>
-              <a:rPr kumimoji="1" lang="zh-TW" altLang="en-US" dirty="0" smtClean="0"/>
-              <a:t>如果想兼顧</a:t>
-            </a:r>
-            <a:r>
-              <a:rPr kumimoji="1" lang="en-US" altLang="zh-TW" dirty="0" smtClean="0"/>
-              <a:t>:</a:t>
-            </a:r>
+              <a:rPr kumimoji="1" lang="en-US" altLang="zh-TW" b="1" dirty="0" smtClean="0">
+                <a:solidFill>
+                  <a:srgbClr val="FF0000"/>
+                </a:solidFill>
+              </a:rPr>
+              <a:t>BTW</a:t>
+            </a:r>
+            <a:r>
+              <a:rPr kumimoji="1" lang="zh-TW" altLang="en-US" b="1" dirty="0" smtClean="0">
+                <a:solidFill>
+                  <a:srgbClr val="FF0000"/>
+                </a:solidFill>
+              </a:rPr>
+              <a:t>，縮排是非常重要的！！</a:t>
+            </a:r>
+            <a:endParaRPr kumimoji="1" lang="en-US" altLang="zh-TW" b="1" dirty="0" smtClean="0">
+              <a:solidFill>
+                <a:srgbClr val="FF0000"/>
+              </a:solidFill>
+            </a:endParaRPr>
           </a:p>
           <a:p>
             <a:pPr lvl="1"/>
             <a:r>
               <a:rPr kumimoji="1" lang="zh-TW" altLang="en-US" dirty="0" smtClean="0"/>
-              <a:t>可以在執行時間長的片段使用編譯式語言混合使用</a:t>
-            </a:r>
-            <a:endParaRPr kumimoji="1" lang="en-US" altLang="zh-TW" dirty="0" smtClean="0"/>
-          </a:p>
-          <a:p>
-            <a:pPr lvl="1"/>
-            <a:r>
-              <a:rPr kumimoji="1" lang="zh-TW" altLang="en-US" dirty="0" smtClean="0"/>
-              <a:t>或者可以使用加速</a:t>
-            </a:r>
-            <a:r>
-              <a:rPr kumimoji="1" lang="en-US" altLang="zh-TW" dirty="0" smtClean="0"/>
-              <a:t>python</a:t>
-            </a:r>
-            <a:r>
-              <a:rPr kumimoji="1" lang="zh-TW" altLang="en-US" dirty="0" smtClean="0"/>
-              <a:t>的技術</a:t>
-            </a:r>
-            <a:r>
-              <a:rPr kumimoji="1" lang="en-US" altLang="zh-TW" dirty="0" smtClean="0"/>
-              <a:t>:</a:t>
-            </a:r>
-            <a:r>
-              <a:rPr kumimoji="1" lang="zh-TW" altLang="en-US" dirty="0" smtClean="0"/>
-              <a:t> </a:t>
-            </a:r>
-            <a:r>
-              <a:rPr kumimoji="1" lang="en-US" altLang="zh-TW" dirty="0" err="1" smtClean="0"/>
-              <a:t>Cython</a:t>
-            </a:r>
-            <a:r>
-              <a:rPr kumimoji="1" lang="en-US" altLang="zh-TW" dirty="0" smtClean="0"/>
-              <a:t>,</a:t>
-            </a:r>
-            <a:r>
-              <a:rPr kumimoji="1" lang="zh-TW" altLang="en-US" dirty="0" smtClean="0"/>
-              <a:t> </a:t>
-            </a:r>
-            <a:r>
-              <a:rPr kumimoji="1" lang="en-US" altLang="zh-TW" dirty="0" err="1" smtClean="0"/>
-              <a:t>pypy</a:t>
-            </a:r>
-            <a:r>
-              <a:rPr kumimoji="1" lang="en-US" altLang="zh-TW" dirty="0" smtClean="0"/>
-              <a:t>(</a:t>
-            </a:r>
-            <a:r>
-              <a:rPr kumimoji="1" lang="zh-TW" altLang="en-US" dirty="0" smtClean="0"/>
-              <a:t>本課程不會再深入提到</a:t>
-            </a:r>
-            <a:r>
-              <a:rPr kumimoji="1" lang="en-US" altLang="zh-TW" dirty="0" smtClean="0"/>
-              <a:t>)</a:t>
-            </a:r>
-          </a:p>
-          <a:p>
+              <a:t>縮排沒縮好，程式便會執行到奇怪的東西！</a:t>
+            </a:r>
             <a:endParaRPr kumimoji="1" lang="zh-TW" altLang="en-US" dirty="0"/>
           </a:p>
         </p:txBody>
@@ -11201,20 +11357,13 @@
     </p:spTree>
     <p:extLst>
       <p:ext uri="{BB962C8B-B14F-4D97-AF65-F5344CB8AC3E}">
-        <p14:creationId xmlns:p14="http://schemas.microsoft.com/office/powerpoint/2010/main" val="1230593544"/>
+        <p14:creationId xmlns:p14="http://schemas.microsoft.com/office/powerpoint/2010/main" val="3406506341"/>
       </p:ext>
     </p:extLst>
   </p:cSld>
   <p:clrMapOvr>
     <a:masterClrMapping/>
   </p:clrMapOvr>
-  <p:timing>
-    <p:tnLst>
-      <p:par>
-        <p:cTn xmlns:p14="http://schemas.microsoft.com/office/powerpoint/2010/main" id="1" dur="indefinite" restart="never" nodeType="tmRoot"/>
-      </p:par>
-    </p:tnLst>
-  </p:timing>
 </p:sld>
 </file>
 

--- a/lesson 0-Introduction/Introduction.pptx
+++ b/lesson 0-Introduction/Introduction.pptx
@@ -10099,7 +10099,7 @@
         <p:spPr/>
         <p:txBody>
           <a:bodyPr>
-            <a:normAutofit lnSpcReduction="10000"/>
+            <a:normAutofit fontScale="92500" lnSpcReduction="20000"/>
           </a:bodyPr>
           <a:lstStyle/>
           <a:p>
@@ -10188,7 +10188,31 @@
             <a:pPr lvl="2"/>
             <a:r>
               <a:rPr kumimoji="1" lang="zh-TW" altLang="en-US" dirty="0" smtClean="0"/>
-              <a:t>本課程的程式碼皆為可執行的，若遇到不清楚的程式碼，建議可以獨立出來執行看看會發生什麼事喔！</a:t>
+              <a:t>本課程的程式碼皆為可執行的</a:t>
+            </a:r>
+            <a:endParaRPr kumimoji="1" lang="en-US" altLang="zh-TW" dirty="0" smtClean="0"/>
+          </a:p>
+          <a:p>
+            <a:pPr lvl="2"/>
+            <a:r>
+              <a:rPr kumimoji="1" lang="zh-TW" altLang="en-US" dirty="0" smtClean="0"/>
+              <a:t>建議盡量所有的</a:t>
+            </a:r>
+            <a:r>
+              <a:rPr kumimoji="1" lang="en-US" altLang="zh-TW" dirty="0" smtClean="0"/>
+              <a:t>code</a:t>
+            </a:r>
+            <a:r>
+              <a:rPr kumimoji="1" lang="zh-TW" altLang="en-US" dirty="0" smtClean="0"/>
+              <a:t>都要親自執行看看</a:t>
+            </a:r>
+            <a:endParaRPr kumimoji="1" lang="en-US" altLang="zh-TW" dirty="0"/>
+          </a:p>
+          <a:p>
+            <a:pPr lvl="2"/>
+            <a:r>
+              <a:rPr kumimoji="1" lang="zh-TW" altLang="en-US" dirty="0" smtClean="0"/>
+              <a:t>若遇到不清楚的程式碼，建議可以獨立出來執行看看會發生什麼事喔！</a:t>
             </a:r>
             <a:endParaRPr kumimoji="1" lang="zh-TW" altLang="en-US" dirty="0"/>
           </a:p>

--- a/lesson 0-Introduction/Introduction.pptx
+++ b/lesson 0-Introduction/Introduction.pptx
@@ -222,7 +222,7 @@
           <a:p>
             <a:fld id="{6AF95C73-3944-F64C-A433-5764D67CD8C9}" type="datetime1">
               <a:rPr kumimoji="1" lang="zh-TW" altLang="en-US" smtClean="0"/>
-              <a:t>15/11/13</a:t>
+              <a:t>15/11/20</a:t>
             </a:fld>
             <a:endParaRPr kumimoji="1" lang="zh-TW" altLang="en-US"/>
           </a:p>
@@ -388,7 +388,7 @@
           <a:p>
             <a:fld id="{A19D7E59-6352-634A-B2DD-96C40E617C58}" type="datetime1">
               <a:rPr kumimoji="1" lang="zh-TW" altLang="en-US" smtClean="0"/>
-              <a:t>15/11/13</a:t>
+              <a:t>15/11/20</a:t>
             </a:fld>
             <a:endParaRPr kumimoji="1" lang="zh-TW" altLang="en-US"/>
           </a:p>
@@ -1006,7 +1006,7 @@
           <a:p>
             <a:fld id="{D883A982-6ED1-2643-B68B-FEEDB475AF7F}" type="datetime1">
               <a:rPr kumimoji="1" lang="zh-TW" altLang="en-US" smtClean="0"/>
-              <a:t>15/11/13</a:t>
+              <a:t>15/11/20</a:t>
             </a:fld>
             <a:endParaRPr kumimoji="1" lang="zh-TW" altLang="en-US"/>
           </a:p>
@@ -1176,7 +1176,7 @@
           <a:p>
             <a:fld id="{98C849E0-6D0C-AC4D-9C44-F243B4280032}" type="datetime1">
               <a:rPr kumimoji="1" lang="zh-TW" altLang="en-US" smtClean="0"/>
-              <a:t>15/11/13</a:t>
+              <a:t>15/11/20</a:t>
             </a:fld>
             <a:endParaRPr kumimoji="1" lang="zh-TW" altLang="en-US"/>
           </a:p>
@@ -1356,7 +1356,7 @@
           <a:p>
             <a:fld id="{1987752F-9F20-1547-BF02-EA540BB6022D}" type="datetime1">
               <a:rPr kumimoji="1" lang="zh-TW" altLang="en-US" smtClean="0"/>
-              <a:t>15/11/13</a:t>
+              <a:t>15/11/20</a:t>
             </a:fld>
             <a:endParaRPr kumimoji="1" lang="zh-TW" altLang="en-US"/>
           </a:p>
@@ -1526,7 +1526,7 @@
           <a:p>
             <a:fld id="{15D0D322-BB22-2E4E-B2C4-1214B51183D7}" type="datetime1">
               <a:rPr kumimoji="1" lang="zh-TW" altLang="en-US" smtClean="0"/>
-              <a:t>15/11/13</a:t>
+              <a:t>15/11/20</a:t>
             </a:fld>
             <a:endParaRPr kumimoji="1" lang="zh-TW" altLang="en-US"/>
           </a:p>
@@ -1772,7 +1772,7 @@
           <a:p>
             <a:fld id="{1692B4C2-0BC7-0646-B258-216A085EDB97}" type="datetime1">
               <a:rPr kumimoji="1" lang="zh-TW" altLang="en-US" smtClean="0"/>
-              <a:t>15/11/13</a:t>
+              <a:t>15/11/20</a:t>
             </a:fld>
             <a:endParaRPr kumimoji="1" lang="zh-TW" altLang="en-US"/>
           </a:p>
@@ -2060,7 +2060,7 @@
           <a:p>
             <a:fld id="{4F6E14F8-E746-AA4E-9AFC-28581A120916}" type="datetime1">
               <a:rPr kumimoji="1" lang="zh-TW" altLang="en-US" smtClean="0"/>
-              <a:t>15/11/13</a:t>
+              <a:t>15/11/20</a:t>
             </a:fld>
             <a:endParaRPr kumimoji="1" lang="zh-TW" altLang="en-US"/>
           </a:p>
@@ -2482,7 +2482,7 @@
           <a:p>
             <a:fld id="{BB2628B7-F55F-374A-A22B-C537EB97659E}" type="datetime1">
               <a:rPr kumimoji="1" lang="zh-TW" altLang="en-US" smtClean="0"/>
-              <a:t>15/11/13</a:t>
+              <a:t>15/11/20</a:t>
             </a:fld>
             <a:endParaRPr kumimoji="1" lang="zh-TW" altLang="en-US"/>
           </a:p>
@@ -2600,7 +2600,7 @@
           <a:p>
             <a:fld id="{CB3E5D22-4087-FA48-8775-C30125D322DB}" type="datetime1">
               <a:rPr kumimoji="1" lang="zh-TW" altLang="en-US" smtClean="0"/>
-              <a:t>15/11/13</a:t>
+              <a:t>15/11/20</a:t>
             </a:fld>
             <a:endParaRPr kumimoji="1" lang="zh-TW" altLang="en-US"/>
           </a:p>
@@ -2695,7 +2695,7 @@
           <a:p>
             <a:fld id="{24C50E38-F830-2F45-A921-8FFDE3DAFB5B}" type="datetime1">
               <a:rPr kumimoji="1" lang="zh-TW" altLang="en-US" smtClean="0"/>
-              <a:t>15/11/13</a:t>
+              <a:t>15/11/20</a:t>
             </a:fld>
             <a:endParaRPr kumimoji="1" lang="zh-TW" altLang="en-US"/>
           </a:p>
@@ -2972,7 +2972,7 @@
           <a:p>
             <a:fld id="{AEC128A3-1A33-C14B-B714-512F287BCD17}" type="datetime1">
               <a:rPr kumimoji="1" lang="zh-TW" altLang="en-US" smtClean="0"/>
-              <a:t>15/11/13</a:t>
+              <a:t>15/11/20</a:t>
             </a:fld>
             <a:endParaRPr kumimoji="1" lang="zh-TW" altLang="en-US"/>
           </a:p>
@@ -3225,7 +3225,7 @@
           <a:p>
             <a:fld id="{3782160E-7CF9-1346-9326-035C1A900795}" type="datetime1">
               <a:rPr kumimoji="1" lang="zh-TW" altLang="en-US" smtClean="0"/>
-              <a:t>15/11/13</a:t>
+              <a:t>15/11/20</a:t>
             </a:fld>
             <a:endParaRPr kumimoji="1" lang="zh-TW" altLang="en-US"/>
           </a:p>
@@ -3438,7 +3438,7 @@
           <a:p>
             <a:fld id="{1C608E4A-6867-244E-9DB5-AAF5FF05E35C}" type="datetime1">
               <a:rPr kumimoji="1" lang="zh-TW" altLang="en-US" smtClean="0"/>
-              <a:t>15/11/13</a:t>
+              <a:t>15/11/20</a:t>
             </a:fld>
             <a:endParaRPr kumimoji="1" lang="zh-TW" altLang="en-US"/>
           </a:p>
@@ -9404,7 +9404,11 @@
           <a:p>
             <a:r>
               <a:rPr kumimoji="1" lang="zh-TW" altLang="en-US" dirty="0" smtClean="0"/>
-              <a:t>開啟課程的</a:t>
+              <a:t>開啟</a:t>
+            </a:r>
+            <a:r>
+              <a:rPr kumimoji="1" lang="zh-TW" altLang="en-US" dirty="0" smtClean="0"/>
+              <a:t>課程的</a:t>
             </a:r>
             <a:r>
               <a:rPr kumimoji="1" lang="en-US" altLang="zh-TW" dirty="0" err="1" smtClean="0"/>
@@ -9652,86 +9656,90 @@
         </p:nvSpPr>
         <p:spPr/>
         <p:txBody>
-          <a:bodyPr/>
-          <a:lstStyle/>
-          <a:p>
+          <a:bodyPr>
+            <a:normAutofit/>
+          </a:bodyPr>
+          <a:lstStyle/>
+          <a:p>
+            <a:pPr marL="342900" lvl="1" indent="-342900">
+              <a:buFont typeface="Arial"/>
+              <a:buChar char="•"/>
+            </a:pPr>
             <a:r>
               <a:rPr kumimoji="1" lang="zh-TW" altLang="en-US" dirty="0"/>
-              <a:t>要線上看</a:t>
+              <a:t>線上觀看</a:t>
+            </a:r>
+            <a:endParaRPr kumimoji="1" lang="en-US" altLang="zh-TW" dirty="0"/>
+          </a:p>
+          <a:p>
+            <a:pPr marL="742950" lvl="2" indent="-342900"/>
+            <a:r>
+              <a:rPr kumimoji="1" lang="zh-TW" altLang="en-US" dirty="0"/>
+              <a:t>點選主頁上的</a:t>
+            </a:r>
+            <a:r>
+              <a:rPr kumimoji="1" lang="en-US" altLang="zh-TW" dirty="0" err="1"/>
+              <a:t>Turorial</a:t>
+            </a:r>
+            <a:r>
+              <a:rPr kumimoji="1" lang="zh-TW" altLang="en-US" dirty="0"/>
+              <a:t> </a:t>
             </a:r>
             <a:r>
               <a:rPr kumimoji="1" lang="en-US" altLang="zh-TW" dirty="0"/>
-              <a:t>slides</a:t>
+              <a:t>Content</a:t>
             </a:r>
             <a:r>
               <a:rPr kumimoji="1" lang="zh-TW" altLang="en-US" dirty="0"/>
-              <a:t>可以輸入</a:t>
-            </a:r>
-            <a:endParaRPr kumimoji="1" lang="en-US" altLang="zh-TW" dirty="0"/>
-          </a:p>
-          <a:p>
-            <a:pPr lvl="1"/>
-            <a:r>
-              <a:rPr kumimoji="1" lang="en-US" altLang="zh-TW" dirty="0">
-                <a:hlinkClick r:id="rId2"/>
-              </a:rPr>
-              <a:t>http://nbviewer.ipython.org/github/Jchou24/test_nb/tree/master/</a:t>
-            </a:r>
-            <a:endParaRPr kumimoji="1" lang="en-US" altLang="zh-TW" dirty="0"/>
-          </a:p>
-          <a:p>
-            <a:pPr lvl="1"/>
-            <a:r>
-              <a:rPr kumimoji="1" lang="zh-TW" altLang="en-US" dirty="0"/>
-              <a:t>點選想看的</a:t>
-            </a:r>
-            <a:r>
-              <a:rPr kumimoji="1" lang="en-US" altLang="zh-TW" dirty="0"/>
-              <a:t>lesson</a:t>
-            </a:r>
-            <a:r>
-              <a:rPr kumimoji="1" lang="zh-TW" altLang="en-US" dirty="0"/>
-              <a:t>，再選取想看的</a:t>
+              <a:t>即可線上觀</a:t>
+            </a:r>
+            <a:r>
+              <a:rPr kumimoji="1" lang="zh-TW" altLang="en-US" dirty="0" smtClean="0"/>
+              <a:t>看</a:t>
+            </a:r>
+            <a:endParaRPr kumimoji="1" lang="en-US" altLang="zh-TW" dirty="0" smtClean="0"/>
+          </a:p>
+          <a:p>
+            <a:pPr marL="742950" lvl="2" indent="-342900"/>
+            <a:endParaRPr kumimoji="1" lang="zh-TW" altLang="en-US" dirty="0"/>
+          </a:p>
+          <a:p>
+            <a:pPr marL="342900" lvl="1" indent="-342900">
+              <a:buFont typeface="Arial"/>
+              <a:buChar char="•"/>
+            </a:pPr>
+            <a:r>
+              <a:rPr kumimoji="1" lang="zh-TW" altLang="en-US" dirty="0" smtClean="0"/>
+              <a:t>本機端觀看</a:t>
+            </a:r>
+            <a:endParaRPr kumimoji="1" lang="en-US" altLang="zh-TW" dirty="0" smtClean="0"/>
+          </a:p>
+          <a:p>
+            <a:pPr marL="742950" lvl="2" indent="-342900"/>
+            <a:r>
+              <a:rPr kumimoji="1" lang="zh-TW" altLang="en-US" dirty="0" smtClean="0"/>
+              <a:t>將課程資訊下載完後點選</a:t>
             </a:r>
             <a:r>
               <a:rPr kumimoji="1" lang="en-US" altLang="zh-TW" dirty="0"/>
               <a:t>.</a:t>
             </a:r>
             <a:r>
-              <a:rPr kumimoji="1" lang="en-US" altLang="zh-TW" dirty="0" err="1"/>
-              <a:t>ipynb</a:t>
-            </a:r>
-            <a:r>
-              <a:rPr kumimoji="1" lang="zh-TW" altLang="en-US" dirty="0"/>
-              <a:t>檔</a:t>
-            </a:r>
-            <a:endParaRPr kumimoji="1" lang="en-US" altLang="zh-TW" dirty="0"/>
-          </a:p>
-          <a:p>
-            <a:pPr lvl="1"/>
-            <a:r>
-              <a:rPr kumimoji="1" lang="zh-TW" altLang="en-US" dirty="0"/>
-              <a:t>進入</a:t>
-            </a:r>
-            <a:r>
-              <a:rPr kumimoji="1" lang="en-US" altLang="zh-TW" dirty="0" err="1"/>
-              <a:t>jupyter</a:t>
-            </a:r>
-            <a:r>
-              <a:rPr kumimoji="1" lang="zh-TW" altLang="en-US" dirty="0"/>
-              <a:t>的畫面後，點選右上角的禮盒，就會出現</a:t>
-            </a:r>
-            <a:r>
-              <a:rPr kumimoji="1" lang="en-US" altLang="zh-TW" dirty="0"/>
-              <a:t>slides</a:t>
-            </a:r>
-            <a:r>
-              <a:rPr kumimoji="1" lang="zh-TW" altLang="en-US" dirty="0"/>
-              <a:t>了！</a:t>
-            </a:r>
-          </a:p>
-          <a:p>
-            <a:endParaRPr kumimoji="1" lang="zh-TW" altLang="en-US" dirty="0"/>
+              <a:rPr kumimoji="1" lang="en-US" altLang="zh-TW" dirty="0" err="1" smtClean="0"/>
+              <a:t>slides.html</a:t>
+            </a:r>
+            <a:r>
+              <a:rPr kumimoji="1" lang="zh-TW" altLang="en-US" dirty="0" smtClean="0"/>
+              <a:t>檔或</a:t>
+            </a:r>
+            <a:r>
+              <a:rPr kumimoji="1" lang="en-US" altLang="zh-TW" dirty="0" err="1" smtClean="0"/>
+              <a:t>pttx</a:t>
+            </a:r>
+            <a:r>
+              <a:rPr kumimoji="1" lang="zh-TW" altLang="en-US" dirty="0" smtClean="0"/>
+              <a:t>檔即可觀看</a:t>
+            </a:r>
           </a:p>
         </p:txBody>
       </p:sp>
@@ -9758,95 +9766,6 @@
           </a:p>
         </p:txBody>
       </p:sp>
-      <p:grpSp>
-        <p:nvGrpSpPr>
-          <p:cNvPr id="5" name="群組 4"/>
-          <p:cNvGrpSpPr/>
-          <p:nvPr/>
-        </p:nvGrpSpPr>
-        <p:grpSpPr>
-          <a:xfrm>
-            <a:off x="1907490" y="4948746"/>
-            <a:ext cx="5372100" cy="750156"/>
-            <a:chOff x="1907490" y="5698902"/>
-            <a:chExt cx="5372100" cy="750156"/>
-          </a:xfrm>
-        </p:grpSpPr>
-        <p:pic>
-          <p:nvPicPr>
-            <p:cNvPr id="6" name="圖片 5" descr="螢幕快照 2015-11-05 下午9.46.05.png"/>
-            <p:cNvPicPr>
-              <a:picLocks noChangeAspect="1"/>
-            </p:cNvPicPr>
-            <p:nvPr/>
-          </p:nvPicPr>
-          <p:blipFill>
-            <a:blip r:embed="rId3">
-              <a:extLst>
-                <a:ext uri="{28A0092B-C50C-407E-A947-70E740481C1C}">
-                  <a14:useLocalDpi xmlns:a14="http://schemas.microsoft.com/office/drawing/2010/main" val="0"/>
-                </a:ext>
-              </a:extLst>
-            </a:blip>
-            <a:stretch>
-              <a:fillRect/>
-            </a:stretch>
-          </p:blipFill>
-          <p:spPr>
-            <a:xfrm>
-              <a:off x="1907490" y="5725157"/>
-              <a:ext cx="5372100" cy="723900"/>
-            </a:xfrm>
-            <a:prstGeom prst="rect">
-              <a:avLst/>
-            </a:prstGeom>
-          </p:spPr>
-        </p:pic>
-        <p:sp>
-          <p:nvSpPr>
-            <p:cNvPr id="7" name="圓角矩形 6"/>
-            <p:cNvSpPr/>
-            <p:nvPr/>
-          </p:nvSpPr>
-          <p:spPr>
-            <a:xfrm>
-              <a:off x="3980667" y="5698902"/>
-              <a:ext cx="710031" cy="750156"/>
-            </a:xfrm>
-            <a:prstGeom prst="roundRect">
-              <a:avLst/>
-            </a:prstGeom>
-            <a:noFill/>
-            <a:ln w="28575" cmpd="sng">
-              <a:solidFill>
-                <a:srgbClr val="FF0000"/>
-              </a:solidFill>
-            </a:ln>
-          </p:spPr>
-          <p:style>
-            <a:lnRef idx="1">
-              <a:schemeClr val="accent1"/>
-            </a:lnRef>
-            <a:fillRef idx="3">
-              <a:schemeClr val="accent1"/>
-            </a:fillRef>
-            <a:effectRef idx="2">
-              <a:schemeClr val="accent1"/>
-            </a:effectRef>
-            <a:fontRef idx="minor">
-              <a:schemeClr val="lt1"/>
-            </a:fontRef>
-          </p:style>
-          <p:txBody>
-            <a:bodyPr rtlCol="0" anchor="ctr"/>
-            <a:lstStyle/>
-            <a:p>
-              <a:pPr algn="ctr"/>
-              <a:endParaRPr kumimoji="1" lang="zh-TW" altLang="en-US"/>
-            </a:p>
-          </p:txBody>
-        </p:sp>
-      </p:grpSp>
     </p:spTree>
     <p:extLst>
       <p:ext uri="{BB962C8B-B14F-4D97-AF65-F5344CB8AC3E}">
@@ -10076,11 +9995,7 @@
           <a:p>
             <a:r>
               <a:rPr kumimoji="1" lang="en-US" altLang="zh-TW" dirty="0" smtClean="0"/>
-              <a:t>L</a:t>
-            </a:r>
-            <a:r>
-              <a:rPr kumimoji="1" lang="en-US" altLang="zh-TW" dirty="0" smtClean="0"/>
-              <a:t>earning</a:t>
+              <a:t>Learning</a:t>
             </a:r>
             <a:endParaRPr kumimoji="1" lang="zh-TW" altLang="en-US" dirty="0"/>
           </a:p>
